--- a/march/week-1/meeting-1/PPT.pptx
+++ b/march/week-1/meeting-1/PPT.pptx
@@ -5,18 +5,19 @@
     <p:sldMasterId id="2147483648" r:id="rId1"/>
   </p:sldMasterIdLst>
   <p:sldIdLst>
-    <p:sldId id="256" r:id="rId2"/>
-    <p:sldId id="258" r:id="rId3"/>
-    <p:sldId id="259" r:id="rId4"/>
-    <p:sldId id="257" r:id="rId5"/>
-    <p:sldId id="260" r:id="rId6"/>
-    <p:sldId id="261" r:id="rId7"/>
-    <p:sldId id="262" r:id="rId8"/>
-    <p:sldId id="263" r:id="rId9"/>
-    <p:sldId id="264" r:id="rId10"/>
-    <p:sldId id="265" r:id="rId11"/>
-    <p:sldId id="266" r:id="rId12"/>
-    <p:sldId id="267" r:id="rId13"/>
+    <p:sldId id="268" r:id="rId2"/>
+    <p:sldId id="256" r:id="rId3"/>
+    <p:sldId id="258" r:id="rId4"/>
+    <p:sldId id="259" r:id="rId5"/>
+    <p:sldId id="257" r:id="rId6"/>
+    <p:sldId id="260" r:id="rId7"/>
+    <p:sldId id="261" r:id="rId8"/>
+    <p:sldId id="262" r:id="rId9"/>
+    <p:sldId id="263" r:id="rId10"/>
+    <p:sldId id="264" r:id="rId11"/>
+    <p:sldId id="265" r:id="rId12"/>
+    <p:sldId id="266" r:id="rId13"/>
+    <p:sldId id="267" r:id="rId14"/>
   </p:sldIdLst>
   <p:sldSz cx="12192000" cy="6858000"/>
   <p:notesSz cx="6858000" cy="9144000"/>
@@ -115,6 +116,11 @@
       </a:defRPr>
     </a:lvl9pPr>
   </p:defaultTextStyle>
+  <p:extLst>
+    <p:ext uri="{EFAFB233-063F-42B5-8137-9DF3F51BA10A}">
+      <p15:sldGuideLst xmlns:p15="http://schemas.microsoft.com/office/powerpoint/2012/main"/>
+    </p:ext>
+  </p:extLst>
 </p:presentation>
 </file>
 
@@ -265,7 +271,7 @@
           <a:p>
             <a:fld id="{A948A2B1-F8D2-4272-B300-6892670749FD}" type="datetimeFigureOut">
               <a:rPr lang="en-US" smtClean="0"/>
-              <a:t>2/28/2022</a:t>
+              <a:t>3/1/2022</a:t>
             </a:fld>
             <a:endParaRPr lang="en-US"/>
           </a:p>
@@ -463,7 +469,7 @@
           <a:p>
             <a:fld id="{A948A2B1-F8D2-4272-B300-6892670749FD}" type="datetimeFigureOut">
               <a:rPr lang="en-US" smtClean="0"/>
-              <a:t>2/28/2022</a:t>
+              <a:t>3/1/2022</a:t>
             </a:fld>
             <a:endParaRPr lang="en-US"/>
           </a:p>
@@ -671,7 +677,7 @@
           <a:p>
             <a:fld id="{A948A2B1-F8D2-4272-B300-6892670749FD}" type="datetimeFigureOut">
               <a:rPr lang="en-US" smtClean="0"/>
-              <a:t>2/28/2022</a:t>
+              <a:t>3/1/2022</a:t>
             </a:fld>
             <a:endParaRPr lang="en-US"/>
           </a:p>
@@ -869,7 +875,7 @@
           <a:p>
             <a:fld id="{A948A2B1-F8D2-4272-B300-6892670749FD}" type="datetimeFigureOut">
               <a:rPr lang="en-US" smtClean="0"/>
-              <a:t>2/28/2022</a:t>
+              <a:t>3/1/2022</a:t>
             </a:fld>
             <a:endParaRPr lang="en-US"/>
           </a:p>
@@ -1144,7 +1150,7 @@
           <a:p>
             <a:fld id="{A948A2B1-F8D2-4272-B300-6892670749FD}" type="datetimeFigureOut">
               <a:rPr lang="en-US" smtClean="0"/>
-              <a:t>2/28/2022</a:t>
+              <a:t>3/1/2022</a:t>
             </a:fld>
             <a:endParaRPr lang="en-US"/>
           </a:p>
@@ -1409,7 +1415,7 @@
           <a:p>
             <a:fld id="{A948A2B1-F8D2-4272-B300-6892670749FD}" type="datetimeFigureOut">
               <a:rPr lang="en-US" smtClean="0"/>
-              <a:t>2/28/2022</a:t>
+              <a:t>3/1/2022</a:t>
             </a:fld>
             <a:endParaRPr lang="en-US"/>
           </a:p>
@@ -1821,7 +1827,7 @@
           <a:p>
             <a:fld id="{A948A2B1-F8D2-4272-B300-6892670749FD}" type="datetimeFigureOut">
               <a:rPr lang="en-US" smtClean="0"/>
-              <a:t>2/28/2022</a:t>
+              <a:t>3/1/2022</a:t>
             </a:fld>
             <a:endParaRPr lang="en-US"/>
           </a:p>
@@ -1962,7 +1968,7 @@
           <a:p>
             <a:fld id="{A948A2B1-F8D2-4272-B300-6892670749FD}" type="datetimeFigureOut">
               <a:rPr lang="en-US" smtClean="0"/>
-              <a:t>2/28/2022</a:t>
+              <a:t>3/1/2022</a:t>
             </a:fld>
             <a:endParaRPr lang="en-US"/>
           </a:p>
@@ -2075,7 +2081,7 @@
           <a:p>
             <a:fld id="{A948A2B1-F8D2-4272-B300-6892670749FD}" type="datetimeFigureOut">
               <a:rPr lang="en-US" smtClean="0"/>
-              <a:t>2/28/2022</a:t>
+              <a:t>3/1/2022</a:t>
             </a:fld>
             <a:endParaRPr lang="en-US"/>
           </a:p>
@@ -2386,7 +2392,7 @@
           <a:p>
             <a:fld id="{A948A2B1-F8D2-4272-B300-6892670749FD}" type="datetimeFigureOut">
               <a:rPr lang="en-US" smtClean="0"/>
-              <a:t>2/28/2022</a:t>
+              <a:t>3/1/2022</a:t>
             </a:fld>
             <a:endParaRPr lang="en-US"/>
           </a:p>
@@ -2674,7 +2680,7 @@
           <a:p>
             <a:fld id="{A948A2B1-F8D2-4272-B300-6892670749FD}" type="datetimeFigureOut">
               <a:rPr lang="en-US" smtClean="0"/>
-              <a:t>2/28/2022</a:t>
+              <a:t>3/1/2022</a:t>
             </a:fld>
             <a:endParaRPr lang="en-US"/>
           </a:p>
@@ -2915,7 +2921,7 @@
           <a:p>
             <a:fld id="{A948A2B1-F8D2-4272-B300-6892670749FD}" type="datetimeFigureOut">
               <a:rPr lang="en-US" smtClean="0"/>
-              <a:t>2/28/2022</a:t>
+              <a:t>3/1/2022</a:t>
             </a:fld>
             <a:endParaRPr lang="en-US"/>
           </a:p>
@@ -3334,10 +3340,10 @@
       </p:grpSpPr>
       <p:sp>
         <p:nvSpPr>
-          <p:cNvPr id="4" name="TextBox 3">
-            <a:extLst>
-              <a:ext uri="{FF2B5EF4-FFF2-40B4-BE49-F238E27FC236}">
-                <a16:creationId xmlns:a16="http://schemas.microsoft.com/office/drawing/2014/main" id="{EBEF5B4C-A053-4D71-9E41-8A91075883E3}"/>
+          <p:cNvPr id="2" name="TextBox 1">
+            <a:extLst>
+              <a:ext uri="{FF2B5EF4-FFF2-40B4-BE49-F238E27FC236}">
+                <a16:creationId xmlns:a16="http://schemas.microsoft.com/office/drawing/2014/main" id="{44B7DDD3-F5D3-4BD4-922A-431C23A4EE9A}"/>
               </a:ext>
             </a:extLst>
           </p:cNvPr>
@@ -3346,8 +3352,8 @@
         </p:nvSpPr>
         <p:spPr>
           <a:xfrm>
-            <a:off x="429044" y="377376"/>
-            <a:ext cx="3307316" cy="338554"/>
+            <a:off x="3341922" y="2231666"/>
+            <a:ext cx="5508156" cy="830997"/>
           </a:xfrm>
           <a:prstGeom prst="rect">
             <a:avLst/>
@@ -3355,789 +3361,128 @@
           <a:noFill/>
         </p:spPr>
         <p:txBody>
-          <a:bodyPr wrap="none" rtlCol="0">
+          <a:bodyPr wrap="square" rtlCol="0">
             <a:spAutoFit/>
           </a:bodyPr>
           <a:lstStyle/>
           <a:p>
-            <a:r>
-              <a:rPr lang="en-US" sz="1600" dirty="0">
-                <a:latin typeface="Poppins" panose="00000500000000000000" pitchFamily="2" charset="0"/>
-                <a:cs typeface="Poppins" panose="00000500000000000000" pitchFamily="2" charset="0"/>
-              </a:rPr>
-              <a:t>Front End Developer Roadmap</a:t>
-            </a:r>
-          </a:p>
-        </p:txBody>
-      </p:sp>
-      <p:pic>
-        <p:nvPicPr>
-          <p:cNvPr id="1026" name="Picture 2" descr="JavaScript PNG, Transparent JS Logo Free Download - Free Transparent PNG  Logos">
-            <a:extLst>
-              <a:ext uri="{FF2B5EF4-FFF2-40B4-BE49-F238E27FC236}">
-                <a16:creationId xmlns:a16="http://schemas.microsoft.com/office/drawing/2014/main" id="{F03857E3-30B2-4556-BBF5-4D87023AA5E6}"/>
-              </a:ext>
-            </a:extLst>
-          </p:cNvPr>
-          <p:cNvPicPr>
-            <a:picLocks noChangeAspect="1" noChangeArrowheads="1"/>
-          </p:cNvPicPr>
-          <p:nvPr/>
-        </p:nvPicPr>
-        <p:blipFill>
-          <a:blip r:embed="rId2">
-            <a:extLst>
-              <a:ext uri="{28A0092B-C50C-407E-A947-70E740481C1C}">
-                <a14:useLocalDpi xmlns:a14="http://schemas.microsoft.com/office/drawing/2010/main" val="0"/>
-              </a:ext>
-            </a:extLst>
-          </a:blip>
-          <a:srcRect/>
-          <a:stretch>
-            <a:fillRect/>
-          </a:stretch>
-        </p:blipFill>
-        <p:spPr bwMode="auto">
-          <a:xfrm>
-            <a:off x="4485237" y="2168542"/>
-            <a:ext cx="974589" cy="547895"/>
+            <a:pPr algn="ctr"/>
+            <a:r>
+              <a:rPr lang="en-US" sz="2400" b="1" dirty="0">
+                <a:latin typeface="Poppins" panose="00000500000000000000" pitchFamily="2" charset="0"/>
+                <a:cs typeface="Poppins" panose="00000500000000000000" pitchFamily="2" charset="0"/>
+              </a:rPr>
+              <a:t>Front End Roadmap &amp; </a:t>
+            </a:r>
+            <a:r>
+              <a:rPr lang="en-US" sz="2400" b="1" dirty="0" err="1">
+                <a:latin typeface="Poppins" panose="00000500000000000000" pitchFamily="2" charset="0"/>
+                <a:cs typeface="Poppins" panose="00000500000000000000" pitchFamily="2" charset="0"/>
+              </a:rPr>
+              <a:t>Javascript</a:t>
+            </a:r>
+            <a:r>
+              <a:rPr lang="en-US" sz="2400" b="1" dirty="0">
+                <a:latin typeface="Poppins" panose="00000500000000000000" pitchFamily="2" charset="0"/>
+                <a:cs typeface="Poppins" panose="00000500000000000000" pitchFamily="2" charset="0"/>
+              </a:rPr>
+              <a:t> Dasar</a:t>
+            </a:r>
+          </a:p>
+        </p:txBody>
+      </p:sp>
+      <p:sp>
+        <p:nvSpPr>
+          <p:cNvPr id="3" name="TextBox 2">
+            <a:extLst>
+              <a:ext uri="{FF2B5EF4-FFF2-40B4-BE49-F238E27FC236}">
+                <a16:creationId xmlns:a16="http://schemas.microsoft.com/office/drawing/2014/main" id="{D12D5485-F3E5-415F-ADF1-29CAFAD31D4B}"/>
+              </a:ext>
+            </a:extLst>
+          </p:cNvPr>
+          <p:cNvSpPr txBox="1"/>
+          <p:nvPr/>
+        </p:nvSpPr>
+        <p:spPr>
+          <a:xfrm>
+            <a:off x="3341922" y="3305889"/>
+            <a:ext cx="5508156" cy="246221"/>
           </a:xfrm>
           <a:prstGeom prst="rect">
             <a:avLst/>
           </a:prstGeom>
           <a:noFill/>
-          <a:extLst>
-            <a:ext uri="{909E8E84-426E-40DD-AFC4-6F175D3DCCD1}">
-              <a14:hiddenFill xmlns:a14="http://schemas.microsoft.com/office/drawing/2010/main">
-                <a:solidFill>
-                  <a:srgbClr val="FFFFFF"/>
-                </a:solidFill>
-              </a14:hiddenFill>
-            </a:ext>
-          </a:extLst>
-        </p:spPr>
-      </p:pic>
-      <p:pic>
-        <p:nvPicPr>
-          <p:cNvPr id="1028" name="Picture 4">
-            <a:extLst>
-              <a:ext uri="{FF2B5EF4-FFF2-40B4-BE49-F238E27FC236}">
-                <a16:creationId xmlns:a16="http://schemas.microsoft.com/office/drawing/2014/main" id="{F06A7088-A6E5-48A9-8F95-14592036F42E}"/>
-              </a:ext>
-            </a:extLst>
-          </p:cNvPr>
-          <p:cNvPicPr>
-            <a:picLocks noChangeAspect="1" noChangeArrowheads="1"/>
-          </p:cNvPicPr>
-          <p:nvPr/>
-        </p:nvPicPr>
-        <p:blipFill>
-          <a:blip r:embed="rId3">
-            <a:extLst>
-              <a:ext uri="{28A0092B-C50C-407E-A947-70E740481C1C}">
-                <a14:useLocalDpi xmlns:a14="http://schemas.microsoft.com/office/drawing/2010/main" val="0"/>
-              </a:ext>
-            </a:extLst>
-          </a:blip>
-          <a:srcRect/>
-          <a:stretch>
-            <a:fillRect/>
-          </a:stretch>
-        </p:blipFill>
-        <p:spPr bwMode="auto">
-          <a:xfrm>
-            <a:off x="5854054" y="2003767"/>
-            <a:ext cx="611505" cy="611505"/>
-          </a:xfrm>
-          <a:prstGeom prst="rect">
-            <a:avLst/>
-          </a:prstGeom>
-          <a:noFill/>
-          <a:extLst>
-            <a:ext uri="{909E8E84-426E-40DD-AFC4-6F175D3DCCD1}">
-              <a14:hiddenFill xmlns:a14="http://schemas.microsoft.com/office/drawing/2010/main">
-                <a:solidFill>
-                  <a:srgbClr val="FFFFFF"/>
-                </a:solidFill>
-              </a14:hiddenFill>
-            </a:ext>
-          </a:extLst>
-        </p:spPr>
-      </p:pic>
-      <p:pic>
-        <p:nvPicPr>
-          <p:cNvPr id="1030" name="Picture 6">
-            <a:extLst>
-              <a:ext uri="{FF2B5EF4-FFF2-40B4-BE49-F238E27FC236}">
-                <a16:creationId xmlns:a16="http://schemas.microsoft.com/office/drawing/2014/main" id="{9D6AA658-68E5-4BC9-9503-E8A26E9A102F}"/>
-              </a:ext>
-            </a:extLst>
-          </p:cNvPr>
-          <p:cNvPicPr>
-            <a:picLocks noChangeAspect="1" noChangeArrowheads="1"/>
-          </p:cNvPicPr>
-          <p:nvPr/>
-        </p:nvPicPr>
-        <p:blipFill>
-          <a:blip r:embed="rId4">
-            <a:extLst>
-              <a:ext uri="{28A0092B-C50C-407E-A947-70E740481C1C}">
-                <a14:useLocalDpi xmlns:a14="http://schemas.microsoft.com/office/drawing/2010/main" val="0"/>
-              </a:ext>
-            </a:extLst>
-          </a:blip>
-          <a:srcRect/>
-          <a:stretch>
-            <a:fillRect/>
-          </a:stretch>
-        </p:blipFill>
-        <p:spPr bwMode="auto">
-          <a:xfrm>
-            <a:off x="5596680" y="3012452"/>
-            <a:ext cx="451171" cy="636531"/>
-          </a:xfrm>
-          <a:prstGeom prst="rect">
-            <a:avLst/>
-          </a:prstGeom>
-          <a:noFill/>
-          <a:extLst>
-            <a:ext uri="{909E8E84-426E-40DD-AFC4-6F175D3DCCD1}">
-              <a14:hiddenFill xmlns:a14="http://schemas.microsoft.com/office/drawing/2010/main">
-                <a:solidFill>
-                  <a:srgbClr val="FFFFFF"/>
-                </a:solidFill>
-              </a14:hiddenFill>
-            </a:ext>
-          </a:extLst>
-        </p:spPr>
-      </p:pic>
-      <p:pic>
-        <p:nvPicPr>
-          <p:cNvPr id="1032" name="Picture 8">
-            <a:extLst>
-              <a:ext uri="{FF2B5EF4-FFF2-40B4-BE49-F238E27FC236}">
-                <a16:creationId xmlns:a16="http://schemas.microsoft.com/office/drawing/2014/main" id="{1AA79100-4726-4FF2-9ADF-717B4F089844}"/>
-              </a:ext>
-            </a:extLst>
-          </p:cNvPr>
-          <p:cNvPicPr>
-            <a:picLocks noChangeAspect="1" noChangeArrowheads="1"/>
-          </p:cNvPicPr>
-          <p:nvPr/>
-        </p:nvPicPr>
-        <p:blipFill>
-          <a:blip r:embed="rId5">
-            <a:extLst>
-              <a:ext uri="{28A0092B-C50C-407E-A947-70E740481C1C}">
-                <a14:useLocalDpi xmlns:a14="http://schemas.microsoft.com/office/drawing/2010/main" val="0"/>
-              </a:ext>
-            </a:extLst>
-          </a:blip>
-          <a:srcRect/>
-          <a:stretch>
-            <a:fillRect/>
-          </a:stretch>
-        </p:blipFill>
-        <p:spPr bwMode="auto">
-          <a:xfrm>
-            <a:off x="3781847" y="2621040"/>
-            <a:ext cx="672799" cy="585043"/>
-          </a:xfrm>
-          <a:prstGeom prst="rect">
-            <a:avLst/>
-          </a:prstGeom>
-          <a:noFill/>
-          <a:extLst>
-            <a:ext uri="{909E8E84-426E-40DD-AFC4-6F175D3DCCD1}">
-              <a14:hiddenFill xmlns:a14="http://schemas.microsoft.com/office/drawing/2010/main">
-                <a:solidFill>
-                  <a:srgbClr val="FFFFFF"/>
-                </a:solidFill>
-              </a14:hiddenFill>
-            </a:ext>
-          </a:extLst>
-        </p:spPr>
-      </p:pic>
-      <p:pic>
-        <p:nvPicPr>
-          <p:cNvPr id="1034" name="Picture 10" descr="AngularJS Authentication, the Easy Way - Auth0">
-            <a:extLst>
-              <a:ext uri="{FF2B5EF4-FFF2-40B4-BE49-F238E27FC236}">
-                <a16:creationId xmlns:a16="http://schemas.microsoft.com/office/drawing/2014/main" id="{ACC0F796-6F1A-4D99-8CF9-6101DFBC5668}"/>
-              </a:ext>
-            </a:extLst>
-          </p:cNvPr>
-          <p:cNvPicPr>
-            <a:picLocks noChangeAspect="1" noChangeArrowheads="1"/>
-          </p:cNvPicPr>
-          <p:nvPr/>
-        </p:nvPicPr>
-        <p:blipFill>
-          <a:blip r:embed="rId6">
-            <a:extLst>
-              <a:ext uri="{28A0092B-C50C-407E-A947-70E740481C1C}">
-                <a14:useLocalDpi xmlns:a14="http://schemas.microsoft.com/office/drawing/2010/main" val="0"/>
-              </a:ext>
-            </a:extLst>
-          </a:blip>
-          <a:srcRect/>
-          <a:stretch>
-            <a:fillRect/>
-          </a:stretch>
-        </p:blipFill>
-        <p:spPr bwMode="auto">
-          <a:xfrm>
-            <a:off x="3955132" y="1279519"/>
-            <a:ext cx="506996" cy="535328"/>
-          </a:xfrm>
-          <a:prstGeom prst="rect">
-            <a:avLst/>
-          </a:prstGeom>
-          <a:noFill/>
-          <a:extLst>
-            <a:ext uri="{909E8E84-426E-40DD-AFC4-6F175D3DCCD1}">
-              <a14:hiddenFill xmlns:a14="http://schemas.microsoft.com/office/drawing/2010/main">
-                <a:solidFill>
-                  <a:srgbClr val="FFFFFF"/>
-                </a:solidFill>
-              </a14:hiddenFill>
-            </a:ext>
-          </a:extLst>
-        </p:spPr>
-      </p:pic>
-      <p:pic>
-        <p:nvPicPr>
-          <p:cNvPr id="1036" name="Picture 12">
-            <a:extLst>
-              <a:ext uri="{FF2B5EF4-FFF2-40B4-BE49-F238E27FC236}">
-                <a16:creationId xmlns:a16="http://schemas.microsoft.com/office/drawing/2014/main" id="{B014BFDD-647C-49C0-BEA9-219BE213C9F7}"/>
-              </a:ext>
-            </a:extLst>
-          </p:cNvPr>
-          <p:cNvPicPr>
-            <a:picLocks noChangeAspect="1" noChangeArrowheads="1"/>
-          </p:cNvPicPr>
-          <p:nvPr/>
-        </p:nvPicPr>
-        <p:blipFill>
-          <a:blip r:embed="rId7">
-            <a:extLst>
-              <a:ext uri="{28A0092B-C50C-407E-A947-70E740481C1C}">
-                <a14:useLocalDpi xmlns:a14="http://schemas.microsoft.com/office/drawing/2010/main" val="0"/>
-              </a:ext>
-            </a:extLst>
-          </a:blip>
-          <a:srcRect/>
-          <a:stretch>
-            <a:fillRect/>
-          </a:stretch>
-        </p:blipFill>
-        <p:spPr bwMode="auto">
-          <a:xfrm>
-            <a:off x="3269368" y="2023272"/>
-            <a:ext cx="534896" cy="463448"/>
-          </a:xfrm>
-          <a:prstGeom prst="rect">
-            <a:avLst/>
-          </a:prstGeom>
-          <a:noFill/>
-          <a:extLst>
-            <a:ext uri="{909E8E84-426E-40DD-AFC4-6F175D3DCCD1}">
-              <a14:hiddenFill xmlns:a14="http://schemas.microsoft.com/office/drawing/2010/main">
-                <a:solidFill>
-                  <a:srgbClr val="FFFFFF"/>
-                </a:solidFill>
-              </a14:hiddenFill>
-            </a:ext>
-          </a:extLst>
-        </p:spPr>
-      </p:pic>
-      <p:pic>
-        <p:nvPicPr>
-          <p:cNvPr id="1038" name="Picture 14">
-            <a:extLst>
-              <a:ext uri="{FF2B5EF4-FFF2-40B4-BE49-F238E27FC236}">
-                <a16:creationId xmlns:a16="http://schemas.microsoft.com/office/drawing/2014/main" id="{00244817-FD6D-458B-944B-16DE9EB408EF}"/>
-              </a:ext>
-            </a:extLst>
-          </p:cNvPr>
-          <p:cNvPicPr>
-            <a:picLocks noChangeAspect="1" noChangeArrowheads="1"/>
-          </p:cNvPicPr>
-          <p:nvPr/>
-        </p:nvPicPr>
-        <p:blipFill>
-          <a:blip r:embed="rId8">
-            <a:extLst>
-              <a:ext uri="{28A0092B-C50C-407E-A947-70E740481C1C}">
-                <a14:useLocalDpi xmlns:a14="http://schemas.microsoft.com/office/drawing/2010/main" val="0"/>
-              </a:ext>
-            </a:extLst>
-          </a:blip>
-          <a:srcRect/>
-          <a:stretch>
-            <a:fillRect/>
-          </a:stretch>
-        </p:blipFill>
-        <p:spPr bwMode="auto">
-          <a:xfrm>
-            <a:off x="6246784" y="3816208"/>
-            <a:ext cx="687992" cy="548244"/>
-          </a:xfrm>
-          <a:prstGeom prst="rect">
-            <a:avLst/>
-          </a:prstGeom>
-          <a:noFill/>
-          <a:extLst>
-            <a:ext uri="{909E8E84-426E-40DD-AFC4-6F175D3DCCD1}">
-              <a14:hiddenFill xmlns:a14="http://schemas.microsoft.com/office/drawing/2010/main">
-                <a:solidFill>
-                  <a:srgbClr val="FFFFFF"/>
-                </a:solidFill>
-              </a14:hiddenFill>
-            </a:ext>
-          </a:extLst>
-        </p:spPr>
-      </p:pic>
-      <p:pic>
-        <p:nvPicPr>
-          <p:cNvPr id="1040" name="Picture 16">
-            <a:extLst>
-              <a:ext uri="{FF2B5EF4-FFF2-40B4-BE49-F238E27FC236}">
-                <a16:creationId xmlns:a16="http://schemas.microsoft.com/office/drawing/2014/main" id="{FC666593-0C93-482B-83A6-9DD220D5C797}"/>
-              </a:ext>
-            </a:extLst>
-          </p:cNvPr>
-          <p:cNvPicPr>
-            <a:picLocks noChangeAspect="1" noChangeArrowheads="1"/>
-          </p:cNvPicPr>
-          <p:nvPr/>
-        </p:nvPicPr>
-        <p:blipFill>
-          <a:blip r:embed="rId9">
-            <a:extLst>
-              <a:ext uri="{28A0092B-C50C-407E-A947-70E740481C1C}">
-                <a14:useLocalDpi xmlns:a14="http://schemas.microsoft.com/office/drawing/2010/main" val="0"/>
-              </a:ext>
-            </a:extLst>
-          </a:blip>
-          <a:srcRect/>
-          <a:stretch>
-            <a:fillRect/>
-          </a:stretch>
-        </p:blipFill>
-        <p:spPr bwMode="auto">
-          <a:xfrm>
-            <a:off x="5423403" y="4378069"/>
-            <a:ext cx="861300" cy="861300"/>
-          </a:xfrm>
-          <a:prstGeom prst="rect">
-            <a:avLst/>
-          </a:prstGeom>
-          <a:noFill/>
-          <a:extLst>
-            <a:ext uri="{909E8E84-426E-40DD-AFC4-6F175D3DCCD1}">
-              <a14:hiddenFill xmlns:a14="http://schemas.microsoft.com/office/drawing/2010/main">
-                <a:solidFill>
-                  <a:srgbClr val="FFFFFF"/>
-                </a:solidFill>
-              </a14:hiddenFill>
-            </a:ext>
-          </a:extLst>
-        </p:spPr>
-      </p:pic>
-      <p:sp>
-        <p:nvSpPr>
-          <p:cNvPr id="16" name="Oval 15">
-            <a:extLst>
-              <a:ext uri="{FF2B5EF4-FFF2-40B4-BE49-F238E27FC236}">
-                <a16:creationId xmlns:a16="http://schemas.microsoft.com/office/drawing/2014/main" id="{6F165C76-AA7F-4E28-998D-5C4D8DB5178D}"/>
-              </a:ext>
-            </a:extLst>
-          </p:cNvPr>
-          <p:cNvSpPr/>
-          <p:nvPr/>
-        </p:nvSpPr>
-        <p:spPr>
-          <a:xfrm>
-            <a:off x="4510812" y="1404932"/>
-            <a:ext cx="2397659" cy="2397659"/>
-          </a:xfrm>
-          <a:prstGeom prst="ellipse">
-            <a:avLst/>
-          </a:prstGeom>
-          <a:noFill/>
-          <a:ln>
-            <a:solidFill>
-              <a:schemeClr val="tx1"/>
-            </a:solidFill>
-          </a:ln>
-        </p:spPr>
-        <p:style>
-          <a:lnRef idx="2">
-            <a:schemeClr val="accent1">
-              <a:shade val="50000"/>
-            </a:schemeClr>
-          </a:lnRef>
-          <a:fillRef idx="1">
-            <a:schemeClr val="accent1"/>
-          </a:fillRef>
-          <a:effectRef idx="0">
-            <a:schemeClr val="accent1"/>
-          </a:effectRef>
-          <a:fontRef idx="minor">
-            <a:schemeClr val="lt1"/>
-          </a:fontRef>
-        </p:style>
-        <p:txBody>
-          <a:bodyPr rtlCol="0" anchor="ctr"/>
+        </p:spPr>
+        <p:txBody>
+          <a:bodyPr wrap="square" rtlCol="0">
+            <a:spAutoFit/>
+          </a:bodyPr>
           <a:lstStyle/>
           <a:p>
             <a:pPr algn="ctr"/>
-            <a:endParaRPr lang="en-US" dirty="0"/>
-          </a:p>
-        </p:txBody>
-      </p:sp>
-      <p:sp>
-        <p:nvSpPr>
-          <p:cNvPr id="17" name="Oval 16">
-            <a:extLst>
-              <a:ext uri="{FF2B5EF4-FFF2-40B4-BE49-F238E27FC236}">
-                <a16:creationId xmlns:a16="http://schemas.microsoft.com/office/drawing/2014/main" id="{669FFF16-F187-4939-A2A5-92A7F331E248}"/>
-              </a:ext>
-            </a:extLst>
-          </p:cNvPr>
-          <p:cNvSpPr/>
-          <p:nvPr/>
-        </p:nvSpPr>
-        <p:spPr>
-          <a:xfrm>
-            <a:off x="3013483" y="1125032"/>
-            <a:ext cx="2397659" cy="2397659"/>
-          </a:xfrm>
-          <a:prstGeom prst="ellipse">
-            <a:avLst/>
-          </a:prstGeom>
-          <a:noFill/>
-          <a:ln>
-            <a:solidFill>
-              <a:schemeClr val="tx1"/>
-            </a:solidFill>
-          </a:ln>
-        </p:spPr>
-        <p:style>
-          <a:lnRef idx="2">
-            <a:schemeClr val="accent1">
-              <a:shade val="50000"/>
-            </a:schemeClr>
-          </a:lnRef>
-          <a:fillRef idx="1">
-            <a:schemeClr val="accent1"/>
-          </a:fillRef>
-          <a:effectRef idx="0">
-            <a:schemeClr val="accent1"/>
-          </a:effectRef>
-          <a:fontRef idx="minor">
-            <a:schemeClr val="lt1"/>
-          </a:fontRef>
-        </p:style>
-        <p:txBody>
-          <a:bodyPr rtlCol="0" anchor="ctr"/>
-          <a:lstStyle/>
-          <a:p>
-            <a:pPr algn="ctr"/>
-            <a:endParaRPr lang="en-US" dirty="0"/>
-          </a:p>
-        </p:txBody>
-      </p:sp>
-      <p:pic>
-        <p:nvPicPr>
-          <p:cNvPr id="1044" name="Picture 20" descr="Branding Guidelines | webpack">
-            <a:extLst>
-              <a:ext uri="{FF2B5EF4-FFF2-40B4-BE49-F238E27FC236}">
-                <a16:creationId xmlns:a16="http://schemas.microsoft.com/office/drawing/2014/main" id="{CFAF7A08-DADC-4963-A011-55E913B383B7}"/>
-              </a:ext>
-            </a:extLst>
-          </p:cNvPr>
-          <p:cNvPicPr>
-            <a:picLocks noChangeAspect="1" noChangeArrowheads="1"/>
-          </p:cNvPicPr>
-          <p:nvPr/>
-        </p:nvPicPr>
-        <p:blipFill>
-          <a:blip r:embed="rId10">
-            <a:extLst>
-              <a:ext uri="{28A0092B-C50C-407E-A947-70E740481C1C}">
-                <a14:useLocalDpi xmlns:a14="http://schemas.microsoft.com/office/drawing/2010/main" val="0"/>
-              </a:ext>
-            </a:extLst>
-          </a:blip>
-          <a:srcRect/>
-          <a:stretch>
-            <a:fillRect/>
-          </a:stretch>
-        </p:blipFill>
-        <p:spPr bwMode="auto">
-          <a:xfrm flipH="1">
-            <a:off x="8212530" y="440413"/>
-            <a:ext cx="1106770" cy="1106770"/>
-          </a:xfrm>
-          <a:prstGeom prst="rect">
-            <a:avLst/>
-          </a:prstGeom>
-          <a:noFill/>
-          <a:extLst>
-            <a:ext uri="{909E8E84-426E-40DD-AFC4-6F175D3DCCD1}">
-              <a14:hiddenFill xmlns:a14="http://schemas.microsoft.com/office/drawing/2010/main">
-                <a:solidFill>
-                  <a:srgbClr val="FFFFFF"/>
-                </a:solidFill>
-              </a14:hiddenFill>
-            </a:ext>
-          </a:extLst>
-        </p:spPr>
-      </p:pic>
-      <p:sp>
-        <p:nvSpPr>
-          <p:cNvPr id="20" name="Oval 19">
-            <a:extLst>
-              <a:ext uri="{FF2B5EF4-FFF2-40B4-BE49-F238E27FC236}">
-                <a16:creationId xmlns:a16="http://schemas.microsoft.com/office/drawing/2014/main" id="{69E1F4DB-58B8-4C0B-944C-253E34686EBB}"/>
-              </a:ext>
-            </a:extLst>
-          </p:cNvPr>
-          <p:cNvSpPr/>
-          <p:nvPr/>
-        </p:nvSpPr>
-        <p:spPr>
-          <a:xfrm>
-            <a:off x="4655224" y="2857638"/>
-            <a:ext cx="2397659" cy="2397659"/>
-          </a:xfrm>
-          <a:prstGeom prst="ellipse">
-            <a:avLst/>
-          </a:prstGeom>
-          <a:noFill/>
-          <a:ln>
-            <a:solidFill>
-              <a:schemeClr val="tx1"/>
-            </a:solidFill>
-          </a:ln>
-        </p:spPr>
-        <p:style>
-          <a:lnRef idx="2">
-            <a:schemeClr val="accent1">
-              <a:shade val="50000"/>
-            </a:schemeClr>
-          </a:lnRef>
-          <a:fillRef idx="1">
-            <a:schemeClr val="accent1"/>
-          </a:fillRef>
-          <a:effectRef idx="0">
-            <a:schemeClr val="accent1"/>
-          </a:effectRef>
-          <a:fontRef idx="minor">
-            <a:schemeClr val="lt1"/>
-          </a:fontRef>
-        </p:style>
-        <p:txBody>
-          <a:bodyPr rtlCol="0" anchor="ctr"/>
-          <a:lstStyle/>
-          <a:p>
-            <a:pPr algn="ctr"/>
-            <a:endParaRPr lang="en-US" dirty="0"/>
-          </a:p>
-        </p:txBody>
-      </p:sp>
-      <p:cxnSp>
-        <p:nvCxnSpPr>
-          <p:cNvPr id="9" name="Straight Connector 8">
-            <a:extLst>
-              <a:ext uri="{FF2B5EF4-FFF2-40B4-BE49-F238E27FC236}">
-                <a16:creationId xmlns:a16="http://schemas.microsoft.com/office/drawing/2014/main" id="{57339FC3-0A56-4C09-8E73-C95DC1327782}"/>
-              </a:ext>
-            </a:extLst>
-          </p:cNvPr>
-          <p:cNvCxnSpPr>
-            <a:cxnSpLocks/>
-            <a:stCxn id="16" idx="7"/>
-          </p:cNvCxnSpPr>
-          <p:nvPr/>
-        </p:nvCxnSpPr>
-        <p:spPr>
-          <a:xfrm flipV="1">
-            <a:off x="6557342" y="1404932"/>
-            <a:ext cx="1250839" cy="351129"/>
-          </a:xfrm>
-          <a:prstGeom prst="line">
-            <a:avLst/>
-          </a:prstGeom>
-          <a:ln>
-            <a:solidFill>
-              <a:schemeClr val="tx1"/>
-            </a:solidFill>
-          </a:ln>
-        </p:spPr>
-        <p:style>
-          <a:lnRef idx="1">
-            <a:schemeClr val="accent1"/>
-          </a:lnRef>
-          <a:fillRef idx="0">
-            <a:schemeClr val="accent1"/>
-          </a:fillRef>
-          <a:effectRef idx="0">
-            <a:schemeClr val="accent1"/>
-          </a:effectRef>
-          <a:fontRef idx="minor">
-            <a:schemeClr val="tx1"/>
-          </a:fontRef>
-        </p:style>
-      </p:cxnSp>
-      <p:pic>
-        <p:nvPicPr>
-          <p:cNvPr id="1046" name="Picture 22">
-            <a:extLst>
-              <a:ext uri="{FF2B5EF4-FFF2-40B4-BE49-F238E27FC236}">
-                <a16:creationId xmlns:a16="http://schemas.microsoft.com/office/drawing/2014/main" id="{44C92142-34D1-458E-B245-910CE6784732}"/>
-              </a:ext>
-            </a:extLst>
-          </p:cNvPr>
-          <p:cNvPicPr>
-            <a:picLocks noChangeAspect="1" noChangeArrowheads="1"/>
-          </p:cNvPicPr>
-          <p:nvPr/>
-        </p:nvPicPr>
-        <p:blipFill>
-          <a:blip r:embed="rId11">
-            <a:extLst>
-              <a:ext uri="{28A0092B-C50C-407E-A947-70E740481C1C}">
-                <a14:useLocalDpi xmlns:a14="http://schemas.microsoft.com/office/drawing/2010/main" val="0"/>
-              </a:ext>
-            </a:extLst>
-          </a:blip>
-          <a:srcRect/>
-          <a:stretch>
-            <a:fillRect/>
-          </a:stretch>
-        </p:blipFill>
-        <p:spPr bwMode="auto">
-          <a:xfrm>
-            <a:off x="5035795" y="3898744"/>
-            <a:ext cx="630804" cy="473103"/>
-          </a:xfrm>
-          <a:prstGeom prst="rect">
-            <a:avLst/>
-          </a:prstGeom>
-          <a:noFill/>
-          <a:extLst>
-            <a:ext uri="{909E8E84-426E-40DD-AFC4-6F175D3DCCD1}">
-              <a14:hiddenFill xmlns:a14="http://schemas.microsoft.com/office/drawing/2010/main">
-                <a:solidFill>
-                  <a:srgbClr val="FFFFFF"/>
-                </a:solidFill>
-              </a14:hiddenFill>
-            </a:ext>
-          </a:extLst>
-        </p:spPr>
-      </p:pic>
-      <p:pic>
-        <p:nvPicPr>
-          <p:cNvPr id="1048" name="Picture 24" descr="Postman Logo Download Vector">
-            <a:extLst>
-              <a:ext uri="{FF2B5EF4-FFF2-40B4-BE49-F238E27FC236}">
-                <a16:creationId xmlns:a16="http://schemas.microsoft.com/office/drawing/2014/main" id="{CC47E5BF-99F9-4E7C-AE83-7AC878F3C493}"/>
-              </a:ext>
-            </a:extLst>
-          </p:cNvPr>
-          <p:cNvPicPr>
-            <a:picLocks noChangeAspect="1" noChangeArrowheads="1"/>
-          </p:cNvPicPr>
-          <p:nvPr/>
-        </p:nvPicPr>
-        <p:blipFill>
-          <a:blip r:embed="rId12">
-            <a:extLst>
-              <a:ext uri="{28A0092B-C50C-407E-A947-70E740481C1C}">
-                <a14:useLocalDpi xmlns:a14="http://schemas.microsoft.com/office/drawing/2010/main" val="0"/>
-              </a:ext>
-            </a:extLst>
-          </a:blip>
-          <a:srcRect/>
-          <a:stretch>
-            <a:fillRect/>
-          </a:stretch>
-        </p:blipFill>
-        <p:spPr bwMode="auto">
-          <a:xfrm>
-            <a:off x="9029808" y="1404932"/>
-            <a:ext cx="809393" cy="727544"/>
-          </a:xfrm>
-          <a:prstGeom prst="rect">
-            <a:avLst/>
-          </a:prstGeom>
-          <a:noFill/>
-          <a:extLst>
-            <a:ext uri="{909E8E84-426E-40DD-AFC4-6F175D3DCCD1}">
-              <a14:hiddenFill xmlns:a14="http://schemas.microsoft.com/office/drawing/2010/main">
-                <a:solidFill>
-                  <a:srgbClr val="FFFFFF"/>
-                </a:solidFill>
-              </a14:hiddenFill>
-            </a:ext>
-          </a:extLst>
-        </p:spPr>
-      </p:pic>
-      <p:pic>
-        <p:nvPicPr>
-          <p:cNvPr id="1050" name="Picture 26" descr="Download Github Logo Icon | Dave Gandy Fill Style">
-            <a:extLst>
-              <a:ext uri="{FF2B5EF4-FFF2-40B4-BE49-F238E27FC236}">
-                <a16:creationId xmlns:a16="http://schemas.microsoft.com/office/drawing/2014/main" id="{FE6EB90F-3DD1-4C92-B407-304A06684399}"/>
-              </a:ext>
-            </a:extLst>
-          </p:cNvPr>
-          <p:cNvPicPr>
-            <a:picLocks noChangeAspect="1" noChangeArrowheads="1"/>
-          </p:cNvPicPr>
-          <p:nvPr/>
-        </p:nvPicPr>
-        <p:blipFill>
-          <a:blip r:embed="rId13">
-            <a:extLst>
-              <a:ext uri="{28A0092B-C50C-407E-A947-70E740481C1C}">
-                <a14:useLocalDpi xmlns:a14="http://schemas.microsoft.com/office/drawing/2010/main" val="0"/>
-              </a:ext>
-            </a:extLst>
-          </a:blip>
-          <a:srcRect/>
-          <a:stretch>
-            <a:fillRect/>
-          </a:stretch>
-        </p:blipFill>
-        <p:spPr bwMode="auto">
-          <a:xfrm>
-            <a:off x="7987412" y="1515401"/>
-            <a:ext cx="563365" cy="563365"/>
-          </a:xfrm>
-          <a:prstGeom prst="rect">
-            <a:avLst/>
-          </a:prstGeom>
-          <a:noFill/>
-          <a:extLst>
-            <a:ext uri="{909E8E84-426E-40DD-AFC4-6F175D3DCCD1}">
-              <a14:hiddenFill xmlns:a14="http://schemas.microsoft.com/office/drawing/2010/main">
-                <a:solidFill>
-                  <a:srgbClr val="FFFFFF"/>
-                </a:solidFill>
-              </a14:hiddenFill>
-            </a:ext>
-          </a:extLst>
-        </p:spPr>
-      </p:pic>
+            <a:r>
+              <a:rPr lang="en-US" sz="1000" dirty="0" err="1">
+                <a:latin typeface="Poppins" panose="00000500000000000000" pitchFamily="2" charset="0"/>
+                <a:cs typeface="Poppins" panose="00000500000000000000" pitchFamily="2" charset="0"/>
+              </a:rPr>
+              <a:t>Maret</a:t>
+            </a:r>
+            <a:r>
+              <a:rPr lang="en-US" sz="1000" dirty="0">
+                <a:latin typeface="Poppins" panose="00000500000000000000" pitchFamily="2" charset="0"/>
+                <a:cs typeface="Poppins" panose="00000500000000000000" pitchFamily="2" charset="0"/>
+              </a:rPr>
+              <a:t>, </a:t>
+            </a:r>
+            <a:r>
+              <a:rPr lang="en-US" sz="1000" dirty="0" err="1">
+                <a:latin typeface="Poppins" panose="00000500000000000000" pitchFamily="2" charset="0"/>
+                <a:cs typeface="Poppins" panose="00000500000000000000" pitchFamily="2" charset="0"/>
+              </a:rPr>
+              <a:t>Minggu</a:t>
+            </a:r>
+            <a:r>
+              <a:rPr lang="en-US" sz="1000" dirty="0">
+                <a:latin typeface="Poppins" panose="00000500000000000000" pitchFamily="2" charset="0"/>
+                <a:cs typeface="Poppins" panose="00000500000000000000" pitchFamily="2" charset="0"/>
+              </a:rPr>
+              <a:t> </a:t>
+            </a:r>
+            <a:r>
+              <a:rPr lang="en-US" sz="1000" dirty="0" err="1">
+                <a:latin typeface="Poppins" panose="00000500000000000000" pitchFamily="2" charset="0"/>
+                <a:cs typeface="Poppins" panose="00000500000000000000" pitchFamily="2" charset="0"/>
+              </a:rPr>
+              <a:t>Pertama</a:t>
+            </a:r>
+            <a:r>
+              <a:rPr lang="en-US" sz="1000" dirty="0">
+                <a:latin typeface="Poppins" panose="00000500000000000000" pitchFamily="2" charset="0"/>
+                <a:cs typeface="Poppins" panose="00000500000000000000" pitchFamily="2" charset="0"/>
+              </a:rPr>
+              <a:t>, </a:t>
+            </a:r>
+            <a:r>
+              <a:rPr lang="en-US" sz="1000" dirty="0" err="1">
+                <a:latin typeface="Poppins" panose="00000500000000000000" pitchFamily="2" charset="0"/>
+                <a:cs typeface="Poppins" panose="00000500000000000000" pitchFamily="2" charset="0"/>
+              </a:rPr>
+              <a:t>Pertemuan</a:t>
+            </a:r>
+            <a:r>
+              <a:rPr lang="en-US" sz="1000" dirty="0">
+                <a:latin typeface="Poppins" panose="00000500000000000000" pitchFamily="2" charset="0"/>
+                <a:cs typeface="Poppins" panose="00000500000000000000" pitchFamily="2" charset="0"/>
+              </a:rPr>
+              <a:t> ke-1</a:t>
+            </a:r>
+          </a:p>
+        </p:txBody>
+      </p:sp>
     </p:spTree>
     <p:extLst>
       <p:ext uri="{BB962C8B-B14F-4D97-AF65-F5344CB8AC3E}">
-        <p14:creationId xmlns:p14="http://schemas.microsoft.com/office/powerpoint/2010/main" val="596847846"/>
+        <p14:creationId xmlns:p14="http://schemas.microsoft.com/office/powerpoint/2010/main" val="3972661425"/>
       </p:ext>
     </p:extLst>
   </p:cSld>
@@ -4164,12 +3509,50 @@
           <a:chExt cx="0" cy="0"/>
         </a:xfrm>
       </p:grpSpPr>
+      <p:sp>
+        <p:nvSpPr>
+          <p:cNvPr id="2" name="TextBox 1">
+            <a:extLst>
+              <a:ext uri="{FF2B5EF4-FFF2-40B4-BE49-F238E27FC236}">
+                <a16:creationId xmlns:a16="http://schemas.microsoft.com/office/drawing/2014/main" id="{4F1319EA-663B-46ED-9632-DF40E31B64D5}"/>
+              </a:ext>
+            </a:extLst>
+          </p:cNvPr>
+          <p:cNvSpPr txBox="1"/>
+          <p:nvPr/>
+        </p:nvSpPr>
+        <p:spPr>
+          <a:xfrm>
+            <a:off x="699389" y="425084"/>
+            <a:ext cx="1372492" cy="338554"/>
+          </a:xfrm>
+          <a:prstGeom prst="rect">
+            <a:avLst/>
+          </a:prstGeom>
+          <a:noFill/>
+        </p:spPr>
+        <p:txBody>
+          <a:bodyPr wrap="none" rtlCol="0">
+            <a:spAutoFit/>
+          </a:bodyPr>
+          <a:lstStyle/>
+          <a:p>
+            <a:r>
+              <a:rPr lang="en-US" sz="1600" dirty="0">
+                <a:latin typeface="Poppins" panose="00000500000000000000" pitchFamily="2" charset="0"/>
+                <a:cs typeface="Poppins" panose="00000500000000000000" pitchFamily="2" charset="0"/>
+              </a:rPr>
+              <a:t>Conditional</a:t>
+            </a:r>
+          </a:p>
+        </p:txBody>
+      </p:sp>
       <p:pic>
         <p:nvPicPr>
-          <p:cNvPr id="5" name="Picture 4">
-            <a:extLst>
-              <a:ext uri="{FF2B5EF4-FFF2-40B4-BE49-F238E27FC236}">
-                <a16:creationId xmlns:a16="http://schemas.microsoft.com/office/drawing/2014/main" id="{A990F19B-8B27-4AF3-9CC2-BF7D0DA6046D}"/>
+          <p:cNvPr id="4" name="Picture 3">
+            <a:extLst>
+              <a:ext uri="{FF2B5EF4-FFF2-40B4-BE49-F238E27FC236}">
+                <a16:creationId xmlns:a16="http://schemas.microsoft.com/office/drawing/2014/main" id="{D49FFD87-EA64-47E0-B256-140447A9E0E2}"/>
               </a:ext>
             </a:extLst>
           </p:cNvPr>
@@ -4191,58 +3574,20 @@
         </p:blipFill>
         <p:spPr>
           <a:xfrm>
-            <a:off x="871091" y="2054312"/>
-            <a:ext cx="4410075" cy="1374688"/>
+            <a:off x="805971" y="1791555"/>
+            <a:ext cx="5227856" cy="1930369"/>
           </a:xfrm>
           <a:prstGeom prst="rect">
             <a:avLst/>
           </a:prstGeom>
         </p:spPr>
       </p:pic>
-      <p:sp>
-        <p:nvSpPr>
-          <p:cNvPr id="8" name="TextBox 7">
-            <a:extLst>
-              <a:ext uri="{FF2B5EF4-FFF2-40B4-BE49-F238E27FC236}">
-                <a16:creationId xmlns:a16="http://schemas.microsoft.com/office/drawing/2014/main" id="{E3162726-DDFA-4B28-83E2-5688FB7B6998}"/>
-              </a:ext>
-            </a:extLst>
-          </p:cNvPr>
-          <p:cNvSpPr txBox="1"/>
-          <p:nvPr/>
-        </p:nvSpPr>
-        <p:spPr>
-          <a:xfrm>
-            <a:off x="699389" y="425084"/>
-            <a:ext cx="995785" cy="338554"/>
-          </a:xfrm>
-          <a:prstGeom prst="rect">
-            <a:avLst/>
-          </a:prstGeom>
-          <a:noFill/>
-        </p:spPr>
-        <p:txBody>
-          <a:bodyPr wrap="none" rtlCol="0">
-            <a:spAutoFit/>
-          </a:bodyPr>
-          <a:lstStyle/>
-          <a:p>
-            <a:r>
-              <a:rPr lang="en-US" sz="1600" dirty="0">
-                <a:latin typeface="Poppins" panose="00000500000000000000" pitchFamily="2" charset="0"/>
-                <a:cs typeface="Poppins" panose="00000500000000000000" pitchFamily="2" charset="0"/>
-              </a:rPr>
-              <a:t>Looping</a:t>
-            </a:r>
-          </a:p>
-        </p:txBody>
-      </p:sp>
       <p:pic>
         <p:nvPicPr>
-          <p:cNvPr id="11" name="Picture 10">
-            <a:extLst>
-              <a:ext uri="{FF2B5EF4-FFF2-40B4-BE49-F238E27FC236}">
-                <a16:creationId xmlns:a16="http://schemas.microsoft.com/office/drawing/2014/main" id="{F152D5EE-8F59-4341-98DC-F5A219FE2734}"/>
+          <p:cNvPr id="8" name="Picture 7">
+            <a:extLst>
+              <a:ext uri="{FF2B5EF4-FFF2-40B4-BE49-F238E27FC236}">
+                <a16:creationId xmlns:a16="http://schemas.microsoft.com/office/drawing/2014/main" id="{2F967373-7C3B-48EC-99DE-C02664510DB4}"/>
               </a:ext>
             </a:extLst>
           </p:cNvPr>
@@ -4264,8 +3609,8 @@
         </p:blipFill>
         <p:spPr>
           <a:xfrm>
-            <a:off x="6684396" y="2054312"/>
-            <a:ext cx="3922990" cy="1374688"/>
+            <a:off x="6335485" y="1664430"/>
+            <a:ext cx="5106347" cy="2184619"/>
           </a:xfrm>
           <a:prstGeom prst="rect">
             <a:avLst/>
@@ -4275,7 +3620,7 @@
     </p:spTree>
     <p:extLst>
       <p:ext uri="{BB962C8B-B14F-4D97-AF65-F5344CB8AC3E}">
-        <p14:creationId xmlns:p14="http://schemas.microsoft.com/office/powerpoint/2010/main" val="2249924398"/>
+        <p14:creationId xmlns:p14="http://schemas.microsoft.com/office/powerpoint/2010/main" val="3141938394"/>
       </p:ext>
     </p:extLst>
   </p:cSld>
@@ -4304,6 +3649,144 @@
       </p:grpSpPr>
       <p:pic>
         <p:nvPicPr>
+          <p:cNvPr id="5" name="Picture 4">
+            <a:extLst>
+              <a:ext uri="{FF2B5EF4-FFF2-40B4-BE49-F238E27FC236}">
+                <a16:creationId xmlns:a16="http://schemas.microsoft.com/office/drawing/2014/main" id="{A990F19B-8B27-4AF3-9CC2-BF7D0DA6046D}"/>
+              </a:ext>
+            </a:extLst>
+          </p:cNvPr>
+          <p:cNvPicPr>
+            <a:picLocks noChangeAspect="1"/>
+          </p:cNvPicPr>
+          <p:nvPr/>
+        </p:nvPicPr>
+        <p:blipFill>
+          <a:blip r:embed="rId2">
+            <a:extLst>
+              <a:ext uri="{28A0092B-C50C-407E-A947-70E740481C1C}">
+                <a14:useLocalDpi xmlns:a14="http://schemas.microsoft.com/office/drawing/2010/main" val="0"/>
+              </a:ext>
+            </a:extLst>
+          </a:blip>
+          <a:srcRect/>
+          <a:stretch/>
+        </p:blipFill>
+        <p:spPr>
+          <a:xfrm>
+            <a:off x="871091" y="2054312"/>
+            <a:ext cx="4410075" cy="1374688"/>
+          </a:xfrm>
+          <a:prstGeom prst="rect">
+            <a:avLst/>
+          </a:prstGeom>
+        </p:spPr>
+      </p:pic>
+      <p:sp>
+        <p:nvSpPr>
+          <p:cNvPr id="8" name="TextBox 7">
+            <a:extLst>
+              <a:ext uri="{FF2B5EF4-FFF2-40B4-BE49-F238E27FC236}">
+                <a16:creationId xmlns:a16="http://schemas.microsoft.com/office/drawing/2014/main" id="{E3162726-DDFA-4B28-83E2-5688FB7B6998}"/>
+              </a:ext>
+            </a:extLst>
+          </p:cNvPr>
+          <p:cNvSpPr txBox="1"/>
+          <p:nvPr/>
+        </p:nvSpPr>
+        <p:spPr>
+          <a:xfrm>
+            <a:off x="699389" y="425084"/>
+            <a:ext cx="995785" cy="338554"/>
+          </a:xfrm>
+          <a:prstGeom prst="rect">
+            <a:avLst/>
+          </a:prstGeom>
+          <a:noFill/>
+        </p:spPr>
+        <p:txBody>
+          <a:bodyPr wrap="none" rtlCol="0">
+            <a:spAutoFit/>
+          </a:bodyPr>
+          <a:lstStyle/>
+          <a:p>
+            <a:r>
+              <a:rPr lang="en-US" sz="1600" dirty="0">
+                <a:latin typeface="Poppins" panose="00000500000000000000" pitchFamily="2" charset="0"/>
+                <a:cs typeface="Poppins" panose="00000500000000000000" pitchFamily="2" charset="0"/>
+              </a:rPr>
+              <a:t>Looping</a:t>
+            </a:r>
+          </a:p>
+        </p:txBody>
+      </p:sp>
+      <p:pic>
+        <p:nvPicPr>
+          <p:cNvPr id="11" name="Picture 10">
+            <a:extLst>
+              <a:ext uri="{FF2B5EF4-FFF2-40B4-BE49-F238E27FC236}">
+                <a16:creationId xmlns:a16="http://schemas.microsoft.com/office/drawing/2014/main" id="{F152D5EE-8F59-4341-98DC-F5A219FE2734}"/>
+              </a:ext>
+            </a:extLst>
+          </p:cNvPr>
+          <p:cNvPicPr>
+            <a:picLocks noChangeAspect="1"/>
+          </p:cNvPicPr>
+          <p:nvPr/>
+        </p:nvPicPr>
+        <p:blipFill>
+          <a:blip r:embed="rId3">
+            <a:extLst>
+              <a:ext uri="{28A0092B-C50C-407E-A947-70E740481C1C}">
+                <a14:useLocalDpi xmlns:a14="http://schemas.microsoft.com/office/drawing/2010/main" val="0"/>
+              </a:ext>
+            </a:extLst>
+          </a:blip>
+          <a:srcRect/>
+          <a:stretch/>
+        </p:blipFill>
+        <p:spPr>
+          <a:xfrm>
+            <a:off x="6684396" y="2054312"/>
+            <a:ext cx="3922990" cy="1374688"/>
+          </a:xfrm>
+          <a:prstGeom prst="rect">
+            <a:avLst/>
+          </a:prstGeom>
+        </p:spPr>
+      </p:pic>
+    </p:spTree>
+    <p:extLst>
+      <p:ext uri="{BB962C8B-B14F-4D97-AF65-F5344CB8AC3E}">
+        <p14:creationId xmlns:p14="http://schemas.microsoft.com/office/powerpoint/2010/main" val="2249924398"/>
+      </p:ext>
+    </p:extLst>
+  </p:cSld>
+  <p:clrMapOvr>
+    <a:masterClrMapping/>
+  </p:clrMapOvr>
+</p:sld>
+</file>
+
+<file path=ppt/slides/slide12.xml><?xml version="1.0" encoding="utf-8"?>
+<p:sld xmlns:a="http://schemas.openxmlformats.org/drawingml/2006/main" xmlns:r="http://schemas.openxmlformats.org/officeDocument/2006/relationships" xmlns:p="http://schemas.openxmlformats.org/presentationml/2006/main">
+  <p:cSld>
+    <p:spTree>
+      <p:nvGrpSpPr>
+        <p:cNvPr id="1" name=""/>
+        <p:cNvGrpSpPr/>
+        <p:nvPr/>
+      </p:nvGrpSpPr>
+      <p:grpSpPr>
+        <a:xfrm>
+          <a:off x="0" y="0"/>
+          <a:ext cx="0" cy="0"/>
+          <a:chOff x="0" y="0"/>
+          <a:chExt cx="0" cy="0"/>
+        </a:xfrm>
+      </p:grpSpPr>
+      <p:pic>
+        <p:nvPicPr>
           <p:cNvPr id="3" name="Picture 2">
             <a:extLst>
               <a:ext uri="{FF2B5EF4-FFF2-40B4-BE49-F238E27FC236}">
@@ -4330,7 +3813,7 @@
         </p:blipFill>
         <p:spPr>
           <a:xfrm>
-            <a:off x="3872285" y="2390467"/>
+            <a:off x="2091193" y="1460165"/>
             <a:ext cx="4900157" cy="1527455"/>
           </a:xfrm>
           <a:prstGeom prst="rect">
@@ -4392,7 +3875,7 @@
         </p:nvCxnSpPr>
         <p:spPr>
           <a:xfrm flipV="1">
-            <a:off x="5072932" y="2035534"/>
+            <a:off x="3291840" y="1105232"/>
             <a:ext cx="151075" cy="914400"/>
           </a:xfrm>
           <a:prstGeom prst="line">
@@ -4435,7 +3918,7 @@
         </p:nvCxnSpPr>
         <p:spPr>
           <a:xfrm flipH="1">
-            <a:off x="3506525" y="3061252"/>
+            <a:off x="1725433" y="2130950"/>
             <a:ext cx="659959" cy="0"/>
           </a:xfrm>
           <a:prstGeom prst="line">
@@ -4476,7 +3959,7 @@
         </p:nvSpPr>
         <p:spPr>
           <a:xfrm>
-            <a:off x="4810271" y="1789313"/>
+            <a:off x="3029179" y="859011"/>
             <a:ext cx="827471" cy="246221"/>
           </a:xfrm>
           <a:prstGeom prst="rect">
@@ -4514,7 +3997,7 @@
         </p:nvSpPr>
         <p:spPr>
           <a:xfrm>
-            <a:off x="2403338" y="2949934"/>
+            <a:off x="622246" y="2019632"/>
             <a:ext cx="1103187" cy="246221"/>
           </a:xfrm>
           <a:prstGeom prst="rect">
@@ -4554,7 +4037,7 @@
         </p:nvCxnSpPr>
         <p:spPr>
           <a:xfrm flipH="1">
-            <a:off x="3347499" y="3398520"/>
+            <a:off x="1566407" y="2468218"/>
             <a:ext cx="818986" cy="370398"/>
           </a:xfrm>
           <a:prstGeom prst="line">
@@ -4595,7 +4078,7 @@
         </p:nvSpPr>
         <p:spPr>
           <a:xfrm>
-            <a:off x="2244312" y="3698961"/>
+            <a:off x="463220" y="2768659"/>
             <a:ext cx="1223412" cy="246221"/>
           </a:xfrm>
           <a:prstGeom prst="rect">
@@ -4623,6 +4106,282 @@
               </a:rPr>
               <a:t> function</a:t>
             </a:r>
+          </a:p>
+        </p:txBody>
+      </p:sp>
+      <p:pic>
+        <p:nvPicPr>
+          <p:cNvPr id="6" name="Picture 5">
+            <a:extLst>
+              <a:ext uri="{FF2B5EF4-FFF2-40B4-BE49-F238E27FC236}">
+                <a16:creationId xmlns:a16="http://schemas.microsoft.com/office/drawing/2014/main" id="{2A4AD6B0-61DC-4932-B014-88A12A05FBBE}"/>
+              </a:ext>
+            </a:extLst>
+          </p:cNvPr>
+          <p:cNvPicPr>
+            <a:picLocks noChangeAspect="1"/>
+          </p:cNvPicPr>
+          <p:nvPr/>
+        </p:nvPicPr>
+        <p:blipFill>
+          <a:blip r:embed="rId3">
+            <a:extLst>
+              <a:ext uri="{28A0092B-C50C-407E-A947-70E740481C1C}">
+                <a14:useLocalDpi xmlns:a14="http://schemas.microsoft.com/office/drawing/2010/main" val="0"/>
+              </a:ext>
+            </a:extLst>
+          </a:blip>
+          <a:stretch>
+            <a:fillRect/>
+          </a:stretch>
+        </p:blipFill>
+        <p:spPr>
+          <a:xfrm>
+            <a:off x="6512118" y="3342249"/>
+            <a:ext cx="4804742" cy="2055585"/>
+          </a:xfrm>
+          <a:prstGeom prst="rect">
+            <a:avLst/>
+          </a:prstGeom>
+        </p:spPr>
+      </p:pic>
+      <p:cxnSp>
+        <p:nvCxnSpPr>
+          <p:cNvPr id="12" name="Straight Connector 11">
+            <a:extLst>
+              <a:ext uri="{FF2B5EF4-FFF2-40B4-BE49-F238E27FC236}">
+                <a16:creationId xmlns:a16="http://schemas.microsoft.com/office/drawing/2014/main" id="{9767FCEA-7518-415D-9809-D125FFD2E281}"/>
+              </a:ext>
+            </a:extLst>
+          </p:cNvPr>
+          <p:cNvCxnSpPr>
+            <a:cxnSpLocks/>
+          </p:cNvCxnSpPr>
+          <p:nvPr/>
+        </p:nvCxnSpPr>
+        <p:spPr>
+          <a:xfrm flipH="1">
+            <a:off x="6003235" y="4759519"/>
+            <a:ext cx="828262" cy="0"/>
+          </a:xfrm>
+          <a:prstGeom prst="line">
+            <a:avLst/>
+          </a:prstGeom>
+          <a:ln>
+            <a:solidFill>
+              <a:srgbClr val="FF0000"/>
+            </a:solidFill>
+          </a:ln>
+        </p:spPr>
+        <p:style>
+          <a:lnRef idx="1">
+            <a:schemeClr val="accent6"/>
+          </a:lnRef>
+          <a:fillRef idx="0">
+            <a:schemeClr val="accent6"/>
+          </a:fillRef>
+          <a:effectRef idx="0">
+            <a:schemeClr val="accent6"/>
+          </a:effectRef>
+          <a:fontRef idx="minor">
+            <a:schemeClr val="tx1"/>
+          </a:fontRef>
+        </p:style>
+      </p:cxnSp>
+      <p:sp>
+        <p:nvSpPr>
+          <p:cNvPr id="17" name="TextBox 16">
+            <a:extLst>
+              <a:ext uri="{FF2B5EF4-FFF2-40B4-BE49-F238E27FC236}">
+                <a16:creationId xmlns:a16="http://schemas.microsoft.com/office/drawing/2014/main" id="{86FA1F87-8D08-4908-9ABB-1AEEF2C1C64F}"/>
+              </a:ext>
+            </a:extLst>
+          </p:cNvPr>
+          <p:cNvSpPr txBox="1"/>
+          <p:nvPr/>
+        </p:nvSpPr>
+        <p:spPr>
+          <a:xfrm>
+            <a:off x="3763885" y="4559464"/>
+            <a:ext cx="2239350" cy="400110"/>
+          </a:xfrm>
+          <a:prstGeom prst="rect">
+            <a:avLst/>
+          </a:prstGeom>
+          <a:noFill/>
+        </p:spPr>
+        <p:txBody>
+          <a:bodyPr wrap="square" rtlCol="0">
+            <a:spAutoFit/>
+          </a:bodyPr>
+          <a:lstStyle/>
+          <a:p>
+            <a:r>
+              <a:rPr lang="en-US" sz="1000" dirty="0">
+                <a:latin typeface="Poppins" panose="00000500000000000000" pitchFamily="2" charset="0"/>
+                <a:cs typeface="Poppins" panose="00000500000000000000" pitchFamily="2" charset="0"/>
+              </a:rPr>
+              <a:t>Function yang </a:t>
+            </a:r>
+            <a:r>
+              <a:rPr lang="en-US" sz="1000" dirty="0" err="1">
+                <a:latin typeface="Poppins" panose="00000500000000000000" pitchFamily="2" charset="0"/>
+                <a:cs typeface="Poppins" panose="00000500000000000000" pitchFamily="2" charset="0"/>
+              </a:rPr>
+              <a:t>mengembalikan</a:t>
+            </a:r>
+            <a:r>
+              <a:rPr lang="en-US" sz="1000" dirty="0">
+                <a:latin typeface="Poppins" panose="00000500000000000000" pitchFamily="2" charset="0"/>
+                <a:cs typeface="Poppins" panose="00000500000000000000" pitchFamily="2" charset="0"/>
+              </a:rPr>
+              <a:t> </a:t>
+            </a:r>
+            <a:r>
+              <a:rPr lang="en-US" sz="1000" dirty="0" err="1">
+                <a:latin typeface="Poppins" panose="00000500000000000000" pitchFamily="2" charset="0"/>
+                <a:cs typeface="Poppins" panose="00000500000000000000" pitchFamily="2" charset="0"/>
+              </a:rPr>
+              <a:t>nilai</a:t>
+            </a:r>
+            <a:endParaRPr lang="en-US" sz="1000" dirty="0">
+              <a:latin typeface="Poppins" panose="00000500000000000000" pitchFamily="2" charset="0"/>
+              <a:cs typeface="Poppins" panose="00000500000000000000" pitchFamily="2" charset="0"/>
+            </a:endParaRPr>
+          </a:p>
+        </p:txBody>
+      </p:sp>
+      <p:cxnSp>
+        <p:nvCxnSpPr>
+          <p:cNvPr id="19" name="Straight Connector 18">
+            <a:extLst>
+              <a:ext uri="{FF2B5EF4-FFF2-40B4-BE49-F238E27FC236}">
+                <a16:creationId xmlns:a16="http://schemas.microsoft.com/office/drawing/2014/main" id="{2901C79C-DEC2-46FC-9C22-D3E51B41830A}"/>
+              </a:ext>
+            </a:extLst>
+          </p:cNvPr>
+          <p:cNvCxnSpPr>
+            <a:cxnSpLocks/>
+          </p:cNvCxnSpPr>
+          <p:nvPr/>
+        </p:nvCxnSpPr>
+        <p:spPr>
+          <a:xfrm flipH="1">
+            <a:off x="6003235" y="3997519"/>
+            <a:ext cx="828262" cy="0"/>
+          </a:xfrm>
+          <a:prstGeom prst="line">
+            <a:avLst/>
+          </a:prstGeom>
+          <a:ln>
+            <a:solidFill>
+              <a:srgbClr val="FF0000"/>
+            </a:solidFill>
+          </a:ln>
+        </p:spPr>
+        <p:style>
+          <a:lnRef idx="1">
+            <a:schemeClr val="accent6"/>
+          </a:lnRef>
+          <a:fillRef idx="0">
+            <a:schemeClr val="accent6"/>
+          </a:fillRef>
+          <a:effectRef idx="0">
+            <a:schemeClr val="accent6"/>
+          </a:effectRef>
+          <a:fontRef idx="minor">
+            <a:schemeClr val="tx1"/>
+          </a:fontRef>
+        </p:style>
+      </p:cxnSp>
+      <p:sp>
+        <p:nvSpPr>
+          <p:cNvPr id="20" name="TextBox 19">
+            <a:extLst>
+              <a:ext uri="{FF2B5EF4-FFF2-40B4-BE49-F238E27FC236}">
+                <a16:creationId xmlns:a16="http://schemas.microsoft.com/office/drawing/2014/main" id="{6A2D0235-F2A2-4889-AEB3-A1C5AB0ACC4C}"/>
+              </a:ext>
+            </a:extLst>
+          </p:cNvPr>
+          <p:cNvSpPr txBox="1"/>
+          <p:nvPr/>
+        </p:nvSpPr>
+        <p:spPr>
+          <a:xfrm>
+            <a:off x="3856650" y="3778355"/>
+            <a:ext cx="2239350" cy="400110"/>
+          </a:xfrm>
+          <a:prstGeom prst="rect">
+            <a:avLst/>
+          </a:prstGeom>
+          <a:noFill/>
+        </p:spPr>
+        <p:txBody>
+          <a:bodyPr wrap="square" rtlCol="0">
+            <a:spAutoFit/>
+          </a:bodyPr>
+          <a:lstStyle/>
+          <a:p>
+            <a:r>
+              <a:rPr lang="en-US" sz="1000" dirty="0">
+                <a:latin typeface="Poppins" panose="00000500000000000000" pitchFamily="2" charset="0"/>
+                <a:cs typeface="Poppins" panose="00000500000000000000" pitchFamily="2" charset="0"/>
+              </a:rPr>
+              <a:t>Nilai pada </a:t>
+            </a:r>
+            <a:r>
+              <a:rPr lang="en-US" sz="1000" dirty="0" err="1">
+                <a:latin typeface="Poppins" panose="00000500000000000000" pitchFamily="2" charset="0"/>
+                <a:cs typeface="Poppins" panose="00000500000000000000" pitchFamily="2" charset="0"/>
+              </a:rPr>
+              <a:t>variabel</a:t>
+            </a:r>
+            <a:r>
+              <a:rPr lang="en-US" sz="1000" dirty="0">
+                <a:latin typeface="Poppins" panose="00000500000000000000" pitchFamily="2" charset="0"/>
+                <a:cs typeface="Poppins" panose="00000500000000000000" pitchFamily="2" charset="0"/>
+              </a:rPr>
+              <a:t> age </a:t>
+            </a:r>
+            <a:r>
+              <a:rPr lang="en-US" sz="1000" dirty="0" err="1">
+                <a:latin typeface="Poppins" panose="00000500000000000000" pitchFamily="2" charset="0"/>
+                <a:cs typeface="Poppins" panose="00000500000000000000" pitchFamily="2" charset="0"/>
+              </a:rPr>
+              <a:t>tergantung</a:t>
+            </a:r>
+            <a:r>
+              <a:rPr lang="en-US" sz="1000" dirty="0">
+                <a:latin typeface="Poppins" panose="00000500000000000000" pitchFamily="2" charset="0"/>
+                <a:cs typeface="Poppins" panose="00000500000000000000" pitchFamily="2" charset="0"/>
+              </a:rPr>
+              <a:t> </a:t>
+            </a:r>
+            <a:r>
+              <a:rPr lang="en-US" sz="1000" dirty="0" err="1">
+                <a:latin typeface="Poppins" panose="00000500000000000000" pitchFamily="2" charset="0"/>
+                <a:cs typeface="Poppins" panose="00000500000000000000" pitchFamily="2" charset="0"/>
+              </a:rPr>
+              <a:t>dari</a:t>
+            </a:r>
+            <a:r>
+              <a:rPr lang="en-US" sz="1000" dirty="0">
+                <a:latin typeface="Poppins" panose="00000500000000000000" pitchFamily="2" charset="0"/>
+                <a:cs typeface="Poppins" panose="00000500000000000000" pitchFamily="2" charset="0"/>
+              </a:rPr>
+              <a:t> function </a:t>
+            </a:r>
+            <a:r>
+              <a:rPr lang="en-US" sz="1000" dirty="0" err="1">
+                <a:latin typeface="Poppins" panose="00000500000000000000" pitchFamily="2" charset="0"/>
+                <a:cs typeface="Poppins" panose="00000500000000000000" pitchFamily="2" charset="0"/>
+              </a:rPr>
+              <a:t>getAge</a:t>
+            </a:r>
+            <a:endParaRPr lang="en-US" sz="1000" dirty="0">
+              <a:latin typeface="Poppins" panose="00000500000000000000" pitchFamily="2" charset="0"/>
+              <a:cs typeface="Poppins" panose="00000500000000000000" pitchFamily="2" charset="0"/>
+            </a:endParaRPr>
           </a:p>
         </p:txBody>
       </p:sp>
@@ -4639,7 +4398,7 @@
 </p:sld>
 </file>
 
-<file path=ppt/slides/slide12.xml><?xml version="1.0" encoding="utf-8"?>
+<file path=ppt/slides/slide13.xml><?xml version="1.0" encoding="utf-8"?>
 <p:sld xmlns:a="http://schemas.openxmlformats.org/drawingml/2006/main" xmlns:r="http://schemas.openxmlformats.org/officeDocument/2006/relationships" xmlns:p="http://schemas.openxmlformats.org/presentationml/2006/main">
   <p:cSld>
     <p:spTree>
@@ -4803,17 +4562,55 @@
           <a:chExt cx="0" cy="0"/>
         </a:xfrm>
       </p:grpSpPr>
+      <p:sp>
+        <p:nvSpPr>
+          <p:cNvPr id="4" name="TextBox 3">
+            <a:extLst>
+              <a:ext uri="{FF2B5EF4-FFF2-40B4-BE49-F238E27FC236}">
+                <a16:creationId xmlns:a16="http://schemas.microsoft.com/office/drawing/2014/main" id="{EBEF5B4C-A053-4D71-9E41-8A91075883E3}"/>
+              </a:ext>
+            </a:extLst>
+          </p:cNvPr>
+          <p:cNvSpPr txBox="1"/>
+          <p:nvPr/>
+        </p:nvSpPr>
+        <p:spPr>
+          <a:xfrm>
+            <a:off x="429044" y="377376"/>
+            <a:ext cx="3307316" cy="338554"/>
+          </a:xfrm>
+          <a:prstGeom prst="rect">
+            <a:avLst/>
+          </a:prstGeom>
+          <a:noFill/>
+        </p:spPr>
+        <p:txBody>
+          <a:bodyPr wrap="none" rtlCol="0">
+            <a:spAutoFit/>
+          </a:bodyPr>
+          <a:lstStyle/>
+          <a:p>
+            <a:r>
+              <a:rPr lang="en-US" sz="1600" dirty="0">
+                <a:latin typeface="Poppins" panose="00000500000000000000" pitchFamily="2" charset="0"/>
+                <a:cs typeface="Poppins" panose="00000500000000000000" pitchFamily="2" charset="0"/>
+              </a:rPr>
+              <a:t>Front End Developer Roadmap</a:t>
+            </a:r>
+          </a:p>
+        </p:txBody>
+      </p:sp>
       <p:pic>
         <p:nvPicPr>
-          <p:cNvPr id="6" name="Picture 5">
-            <a:extLst>
-              <a:ext uri="{FF2B5EF4-FFF2-40B4-BE49-F238E27FC236}">
-                <a16:creationId xmlns:a16="http://schemas.microsoft.com/office/drawing/2014/main" id="{EDE3D4C9-E19E-408F-8869-C0B1D9FFEFA5}"/>
+          <p:cNvPr id="1026" name="Picture 2" descr="JavaScript PNG, Transparent JS Logo Free Download - Free Transparent PNG  Logos">
+            <a:extLst>
+              <a:ext uri="{FF2B5EF4-FFF2-40B4-BE49-F238E27FC236}">
+                <a16:creationId xmlns:a16="http://schemas.microsoft.com/office/drawing/2014/main" id="{F03857E3-30B2-4556-BBF5-4D87023AA5E6}"/>
               </a:ext>
             </a:extLst>
           </p:cNvPr>
           <p:cNvPicPr>
-            <a:picLocks noChangeAspect="1"/>
+            <a:picLocks noChangeAspect="1" noChangeArrowheads="1"/>
           </p:cNvPicPr>
           <p:nvPr/>
         </p:nvPicPr>
@@ -4825,184 +4622,752 @@
               </a:ext>
             </a:extLst>
           </a:blip>
+          <a:srcRect/>
           <a:stretch>
             <a:fillRect/>
           </a:stretch>
         </p:blipFill>
-        <p:spPr>
-          <a:xfrm>
-            <a:off x="6096000" y="1812152"/>
-            <a:ext cx="5248275" cy="2343150"/>
+        <p:spPr bwMode="auto">
+          <a:xfrm>
+            <a:off x="4485237" y="2168542"/>
+            <a:ext cx="974589" cy="547895"/>
           </a:xfrm>
           <a:prstGeom prst="rect">
             <a:avLst/>
           </a:prstGeom>
+          <a:noFill/>
+          <a:extLst>
+            <a:ext uri="{909E8E84-426E-40DD-AFC4-6F175D3DCCD1}">
+              <a14:hiddenFill xmlns:a14="http://schemas.microsoft.com/office/drawing/2010/main">
+                <a:solidFill>
+                  <a:srgbClr val="FFFFFF"/>
+                </a:solidFill>
+              </a14:hiddenFill>
+            </a:ext>
+          </a:extLst>
         </p:spPr>
       </p:pic>
-      <p:sp>
-        <p:nvSpPr>
-          <p:cNvPr id="8" name="TextBox 7">
-            <a:extLst>
-              <a:ext uri="{FF2B5EF4-FFF2-40B4-BE49-F238E27FC236}">
-                <a16:creationId xmlns:a16="http://schemas.microsoft.com/office/drawing/2014/main" id="{8DC9830E-97EA-4FFF-9BC8-3837B648CFD7}"/>
-              </a:ext>
-            </a:extLst>
-          </p:cNvPr>
-          <p:cNvSpPr txBox="1"/>
-          <p:nvPr/>
-        </p:nvSpPr>
-        <p:spPr>
-          <a:xfrm>
-            <a:off x="998800" y="1812152"/>
-            <a:ext cx="3897221" cy="253916"/>
+      <p:pic>
+        <p:nvPicPr>
+          <p:cNvPr id="1028" name="Picture 4">
+            <a:extLst>
+              <a:ext uri="{FF2B5EF4-FFF2-40B4-BE49-F238E27FC236}">
+                <a16:creationId xmlns:a16="http://schemas.microsoft.com/office/drawing/2014/main" id="{F06A7088-A6E5-48A9-8F95-14592036F42E}"/>
+              </a:ext>
+            </a:extLst>
+          </p:cNvPr>
+          <p:cNvPicPr>
+            <a:picLocks noChangeAspect="1" noChangeArrowheads="1"/>
+          </p:cNvPicPr>
+          <p:nvPr/>
+        </p:nvPicPr>
+        <p:blipFill>
+          <a:blip r:embed="rId3">
+            <a:extLst>
+              <a:ext uri="{28A0092B-C50C-407E-A947-70E740481C1C}">
+                <a14:useLocalDpi xmlns:a14="http://schemas.microsoft.com/office/drawing/2010/main" val="0"/>
+              </a:ext>
+            </a:extLst>
+          </a:blip>
+          <a:srcRect/>
+          <a:stretch>
+            <a:fillRect/>
+          </a:stretch>
+        </p:blipFill>
+        <p:spPr bwMode="auto">
+          <a:xfrm>
+            <a:off x="5854054" y="2003767"/>
+            <a:ext cx="611505" cy="611505"/>
           </a:xfrm>
           <a:prstGeom prst="rect">
             <a:avLst/>
           </a:prstGeom>
           <a:noFill/>
-        </p:spPr>
-        <p:txBody>
-          <a:bodyPr wrap="none" rtlCol="0">
-            <a:spAutoFit/>
-          </a:bodyPr>
-          <a:lstStyle/>
-          <a:p>
-            <a:r>
-              <a:rPr lang="en-US" sz="1050" dirty="0">
-                <a:latin typeface="Poppins" panose="00000500000000000000" pitchFamily="2" charset="0"/>
-                <a:cs typeface="Poppins" panose="00000500000000000000" pitchFamily="2" charset="0"/>
-              </a:rPr>
-              <a:t>- </a:t>
-            </a:r>
-            <a:r>
-              <a:rPr lang="en-US" sz="1050" dirty="0" err="1">
-                <a:latin typeface="Poppins" panose="00000500000000000000" pitchFamily="2" charset="0"/>
-                <a:cs typeface="Poppins" panose="00000500000000000000" pitchFamily="2" charset="0"/>
-              </a:rPr>
-              <a:t>Implementasi</a:t>
-            </a:r>
-            <a:r>
-              <a:rPr lang="en-US" sz="1050" dirty="0">
-                <a:latin typeface="Poppins" panose="00000500000000000000" pitchFamily="2" charset="0"/>
-                <a:cs typeface="Poppins" panose="00000500000000000000" pitchFamily="2" charset="0"/>
-              </a:rPr>
-              <a:t> </a:t>
-            </a:r>
-            <a:r>
-              <a:rPr lang="en-US" sz="1050" dirty="0" err="1">
-                <a:latin typeface="Poppins" panose="00000500000000000000" pitchFamily="2" charset="0"/>
-                <a:cs typeface="Poppins" panose="00000500000000000000" pitchFamily="2" charset="0"/>
-              </a:rPr>
-              <a:t>hasil</a:t>
-            </a:r>
-            <a:r>
-              <a:rPr lang="en-US" sz="1050" dirty="0">
-                <a:latin typeface="Poppins" panose="00000500000000000000" pitchFamily="2" charset="0"/>
-                <a:cs typeface="Poppins" panose="00000500000000000000" pitchFamily="2" charset="0"/>
-              </a:rPr>
-              <a:t> design UI </a:t>
-            </a:r>
-            <a:r>
-              <a:rPr lang="en-US" sz="1050" dirty="0" err="1">
-                <a:latin typeface="Poppins" panose="00000500000000000000" pitchFamily="2" charset="0"/>
-                <a:cs typeface="Poppins" panose="00000500000000000000" pitchFamily="2" charset="0"/>
-              </a:rPr>
-              <a:t>menjadi</a:t>
-            </a:r>
-            <a:r>
-              <a:rPr lang="en-US" sz="1050" dirty="0">
-                <a:latin typeface="Poppins" panose="00000500000000000000" pitchFamily="2" charset="0"/>
-                <a:cs typeface="Poppins" panose="00000500000000000000" pitchFamily="2" charset="0"/>
-              </a:rPr>
-              <a:t> </a:t>
-            </a:r>
-            <a:r>
-              <a:rPr lang="en-US" sz="1050" dirty="0" err="1">
-                <a:latin typeface="Poppins" panose="00000500000000000000" pitchFamily="2" charset="0"/>
-                <a:cs typeface="Poppins" panose="00000500000000000000" pitchFamily="2" charset="0"/>
-              </a:rPr>
-              <a:t>sebuah</a:t>
-            </a:r>
-            <a:r>
-              <a:rPr lang="en-US" sz="1050" dirty="0">
-                <a:latin typeface="Poppins" panose="00000500000000000000" pitchFamily="2" charset="0"/>
-                <a:cs typeface="Poppins" panose="00000500000000000000" pitchFamily="2" charset="0"/>
-              </a:rPr>
-              <a:t> system</a:t>
-            </a:r>
-          </a:p>
-        </p:txBody>
-      </p:sp>
-      <p:sp>
-        <p:nvSpPr>
-          <p:cNvPr id="9" name="TextBox 8">
-            <a:extLst>
-              <a:ext uri="{FF2B5EF4-FFF2-40B4-BE49-F238E27FC236}">
-                <a16:creationId xmlns:a16="http://schemas.microsoft.com/office/drawing/2014/main" id="{B88499E2-B3E4-43B2-B729-E98393DFC227}"/>
-              </a:ext>
-            </a:extLst>
-          </p:cNvPr>
-          <p:cNvSpPr txBox="1"/>
-          <p:nvPr/>
-        </p:nvSpPr>
-        <p:spPr>
-          <a:xfrm>
-            <a:off x="998800" y="2073762"/>
-            <a:ext cx="2355132" cy="253916"/>
+          <a:extLst>
+            <a:ext uri="{909E8E84-426E-40DD-AFC4-6F175D3DCCD1}">
+              <a14:hiddenFill xmlns:a14="http://schemas.microsoft.com/office/drawing/2010/main">
+                <a:solidFill>
+                  <a:srgbClr val="FFFFFF"/>
+                </a:solidFill>
+              </a14:hiddenFill>
+            </a:ext>
+          </a:extLst>
+        </p:spPr>
+      </p:pic>
+      <p:pic>
+        <p:nvPicPr>
+          <p:cNvPr id="1030" name="Picture 6">
+            <a:extLst>
+              <a:ext uri="{FF2B5EF4-FFF2-40B4-BE49-F238E27FC236}">
+                <a16:creationId xmlns:a16="http://schemas.microsoft.com/office/drawing/2014/main" id="{9D6AA658-68E5-4BC9-9503-E8A26E9A102F}"/>
+              </a:ext>
+            </a:extLst>
+          </p:cNvPr>
+          <p:cNvPicPr>
+            <a:picLocks noChangeAspect="1" noChangeArrowheads="1"/>
+          </p:cNvPicPr>
+          <p:nvPr/>
+        </p:nvPicPr>
+        <p:blipFill>
+          <a:blip r:embed="rId4">
+            <a:extLst>
+              <a:ext uri="{28A0092B-C50C-407E-A947-70E740481C1C}">
+                <a14:useLocalDpi xmlns:a14="http://schemas.microsoft.com/office/drawing/2010/main" val="0"/>
+              </a:ext>
+            </a:extLst>
+          </a:blip>
+          <a:srcRect/>
+          <a:stretch>
+            <a:fillRect/>
+          </a:stretch>
+        </p:blipFill>
+        <p:spPr bwMode="auto">
+          <a:xfrm>
+            <a:off x="5596680" y="3012452"/>
+            <a:ext cx="451171" cy="636531"/>
           </a:xfrm>
           <a:prstGeom prst="rect">
             <a:avLst/>
           </a:prstGeom>
           <a:noFill/>
-        </p:spPr>
-        <p:txBody>
-          <a:bodyPr wrap="none" rtlCol="0">
-            <a:spAutoFit/>
-          </a:bodyPr>
-          <a:lstStyle/>
-          <a:p>
-            <a:r>
-              <a:rPr lang="en-US" sz="1050" dirty="0">
-                <a:latin typeface="Poppins" panose="00000500000000000000" pitchFamily="2" charset="0"/>
-                <a:cs typeface="Poppins" panose="00000500000000000000" pitchFamily="2" charset="0"/>
-              </a:rPr>
-              <a:t>- </a:t>
-            </a:r>
-            <a:r>
-              <a:rPr lang="en-US" sz="1050" dirty="0" err="1">
-                <a:latin typeface="Poppins" panose="00000500000000000000" pitchFamily="2" charset="0"/>
-                <a:cs typeface="Poppins" panose="00000500000000000000" pitchFamily="2" charset="0"/>
-              </a:rPr>
-              <a:t>Bertanggung</a:t>
-            </a:r>
-            <a:r>
-              <a:rPr lang="en-US" sz="1050" dirty="0">
-                <a:latin typeface="Poppins" panose="00000500000000000000" pitchFamily="2" charset="0"/>
-                <a:cs typeface="Poppins" panose="00000500000000000000" pitchFamily="2" charset="0"/>
-              </a:rPr>
-              <a:t> </a:t>
-            </a:r>
-            <a:r>
-              <a:rPr lang="en-US" sz="1050" dirty="0" err="1">
-                <a:latin typeface="Poppins" panose="00000500000000000000" pitchFamily="2" charset="0"/>
-                <a:cs typeface="Poppins" panose="00000500000000000000" pitchFamily="2" charset="0"/>
-              </a:rPr>
-              <a:t>jawab</a:t>
-            </a:r>
-            <a:r>
-              <a:rPr lang="en-US" sz="1050" dirty="0">
-                <a:latin typeface="Poppins" panose="00000500000000000000" pitchFamily="2" charset="0"/>
-                <a:cs typeface="Poppins" panose="00000500000000000000" pitchFamily="2" charset="0"/>
-              </a:rPr>
-              <a:t> client side</a:t>
-            </a:r>
-          </a:p>
-        </p:txBody>
-      </p:sp>
+          <a:extLst>
+            <a:ext uri="{909E8E84-426E-40DD-AFC4-6F175D3DCCD1}">
+              <a14:hiddenFill xmlns:a14="http://schemas.microsoft.com/office/drawing/2010/main">
+                <a:solidFill>
+                  <a:srgbClr val="FFFFFF"/>
+                </a:solidFill>
+              </a14:hiddenFill>
+            </a:ext>
+          </a:extLst>
+        </p:spPr>
+      </p:pic>
+      <p:pic>
+        <p:nvPicPr>
+          <p:cNvPr id="1032" name="Picture 8">
+            <a:extLst>
+              <a:ext uri="{FF2B5EF4-FFF2-40B4-BE49-F238E27FC236}">
+                <a16:creationId xmlns:a16="http://schemas.microsoft.com/office/drawing/2014/main" id="{1AA79100-4726-4FF2-9ADF-717B4F089844}"/>
+              </a:ext>
+            </a:extLst>
+          </p:cNvPr>
+          <p:cNvPicPr>
+            <a:picLocks noChangeAspect="1" noChangeArrowheads="1"/>
+          </p:cNvPicPr>
+          <p:nvPr/>
+        </p:nvPicPr>
+        <p:blipFill>
+          <a:blip r:embed="rId5">
+            <a:extLst>
+              <a:ext uri="{28A0092B-C50C-407E-A947-70E740481C1C}">
+                <a14:useLocalDpi xmlns:a14="http://schemas.microsoft.com/office/drawing/2010/main" val="0"/>
+              </a:ext>
+            </a:extLst>
+          </a:blip>
+          <a:srcRect/>
+          <a:stretch>
+            <a:fillRect/>
+          </a:stretch>
+        </p:blipFill>
+        <p:spPr bwMode="auto">
+          <a:xfrm>
+            <a:off x="3781847" y="2621040"/>
+            <a:ext cx="672799" cy="585043"/>
+          </a:xfrm>
+          <a:prstGeom prst="rect">
+            <a:avLst/>
+          </a:prstGeom>
+          <a:noFill/>
+          <a:extLst>
+            <a:ext uri="{909E8E84-426E-40DD-AFC4-6F175D3DCCD1}">
+              <a14:hiddenFill xmlns:a14="http://schemas.microsoft.com/office/drawing/2010/main">
+                <a:solidFill>
+                  <a:srgbClr val="FFFFFF"/>
+                </a:solidFill>
+              </a14:hiddenFill>
+            </a:ext>
+          </a:extLst>
+        </p:spPr>
+      </p:pic>
+      <p:pic>
+        <p:nvPicPr>
+          <p:cNvPr id="1034" name="Picture 10" descr="AngularJS Authentication, the Easy Way - Auth0">
+            <a:extLst>
+              <a:ext uri="{FF2B5EF4-FFF2-40B4-BE49-F238E27FC236}">
+                <a16:creationId xmlns:a16="http://schemas.microsoft.com/office/drawing/2014/main" id="{ACC0F796-6F1A-4D99-8CF9-6101DFBC5668}"/>
+              </a:ext>
+            </a:extLst>
+          </p:cNvPr>
+          <p:cNvPicPr>
+            <a:picLocks noChangeAspect="1" noChangeArrowheads="1"/>
+          </p:cNvPicPr>
+          <p:nvPr/>
+        </p:nvPicPr>
+        <p:blipFill>
+          <a:blip r:embed="rId6">
+            <a:extLst>
+              <a:ext uri="{28A0092B-C50C-407E-A947-70E740481C1C}">
+                <a14:useLocalDpi xmlns:a14="http://schemas.microsoft.com/office/drawing/2010/main" val="0"/>
+              </a:ext>
+            </a:extLst>
+          </a:blip>
+          <a:srcRect/>
+          <a:stretch>
+            <a:fillRect/>
+          </a:stretch>
+        </p:blipFill>
+        <p:spPr bwMode="auto">
+          <a:xfrm>
+            <a:off x="3955132" y="1279519"/>
+            <a:ext cx="506996" cy="535328"/>
+          </a:xfrm>
+          <a:prstGeom prst="rect">
+            <a:avLst/>
+          </a:prstGeom>
+          <a:noFill/>
+          <a:extLst>
+            <a:ext uri="{909E8E84-426E-40DD-AFC4-6F175D3DCCD1}">
+              <a14:hiddenFill xmlns:a14="http://schemas.microsoft.com/office/drawing/2010/main">
+                <a:solidFill>
+                  <a:srgbClr val="FFFFFF"/>
+                </a:solidFill>
+              </a14:hiddenFill>
+            </a:ext>
+          </a:extLst>
+        </p:spPr>
+      </p:pic>
+      <p:pic>
+        <p:nvPicPr>
+          <p:cNvPr id="1036" name="Picture 12">
+            <a:extLst>
+              <a:ext uri="{FF2B5EF4-FFF2-40B4-BE49-F238E27FC236}">
+                <a16:creationId xmlns:a16="http://schemas.microsoft.com/office/drawing/2014/main" id="{B014BFDD-647C-49C0-BEA9-219BE213C9F7}"/>
+              </a:ext>
+            </a:extLst>
+          </p:cNvPr>
+          <p:cNvPicPr>
+            <a:picLocks noChangeAspect="1" noChangeArrowheads="1"/>
+          </p:cNvPicPr>
+          <p:nvPr/>
+        </p:nvPicPr>
+        <p:blipFill>
+          <a:blip r:embed="rId7">
+            <a:extLst>
+              <a:ext uri="{28A0092B-C50C-407E-A947-70E740481C1C}">
+                <a14:useLocalDpi xmlns:a14="http://schemas.microsoft.com/office/drawing/2010/main" val="0"/>
+              </a:ext>
+            </a:extLst>
+          </a:blip>
+          <a:srcRect/>
+          <a:stretch>
+            <a:fillRect/>
+          </a:stretch>
+        </p:blipFill>
+        <p:spPr bwMode="auto">
+          <a:xfrm>
+            <a:off x="3269368" y="2023272"/>
+            <a:ext cx="534896" cy="463448"/>
+          </a:xfrm>
+          <a:prstGeom prst="rect">
+            <a:avLst/>
+          </a:prstGeom>
+          <a:noFill/>
+          <a:extLst>
+            <a:ext uri="{909E8E84-426E-40DD-AFC4-6F175D3DCCD1}">
+              <a14:hiddenFill xmlns:a14="http://schemas.microsoft.com/office/drawing/2010/main">
+                <a:solidFill>
+                  <a:srgbClr val="FFFFFF"/>
+                </a:solidFill>
+              </a14:hiddenFill>
+            </a:ext>
+          </a:extLst>
+        </p:spPr>
+      </p:pic>
+      <p:pic>
+        <p:nvPicPr>
+          <p:cNvPr id="1038" name="Picture 14">
+            <a:extLst>
+              <a:ext uri="{FF2B5EF4-FFF2-40B4-BE49-F238E27FC236}">
+                <a16:creationId xmlns:a16="http://schemas.microsoft.com/office/drawing/2014/main" id="{00244817-FD6D-458B-944B-16DE9EB408EF}"/>
+              </a:ext>
+            </a:extLst>
+          </p:cNvPr>
+          <p:cNvPicPr>
+            <a:picLocks noChangeAspect="1" noChangeArrowheads="1"/>
+          </p:cNvPicPr>
+          <p:nvPr/>
+        </p:nvPicPr>
+        <p:blipFill>
+          <a:blip r:embed="rId8">
+            <a:extLst>
+              <a:ext uri="{28A0092B-C50C-407E-A947-70E740481C1C}">
+                <a14:useLocalDpi xmlns:a14="http://schemas.microsoft.com/office/drawing/2010/main" val="0"/>
+              </a:ext>
+            </a:extLst>
+          </a:blip>
+          <a:srcRect/>
+          <a:stretch>
+            <a:fillRect/>
+          </a:stretch>
+        </p:blipFill>
+        <p:spPr bwMode="auto">
+          <a:xfrm>
+            <a:off x="6246784" y="3816208"/>
+            <a:ext cx="687992" cy="548244"/>
+          </a:xfrm>
+          <a:prstGeom prst="rect">
+            <a:avLst/>
+          </a:prstGeom>
+          <a:noFill/>
+          <a:extLst>
+            <a:ext uri="{909E8E84-426E-40DD-AFC4-6F175D3DCCD1}">
+              <a14:hiddenFill xmlns:a14="http://schemas.microsoft.com/office/drawing/2010/main">
+                <a:solidFill>
+                  <a:srgbClr val="FFFFFF"/>
+                </a:solidFill>
+              </a14:hiddenFill>
+            </a:ext>
+          </a:extLst>
+        </p:spPr>
+      </p:pic>
+      <p:pic>
+        <p:nvPicPr>
+          <p:cNvPr id="1040" name="Picture 16">
+            <a:extLst>
+              <a:ext uri="{FF2B5EF4-FFF2-40B4-BE49-F238E27FC236}">
+                <a16:creationId xmlns:a16="http://schemas.microsoft.com/office/drawing/2014/main" id="{FC666593-0C93-482B-83A6-9DD220D5C797}"/>
+              </a:ext>
+            </a:extLst>
+          </p:cNvPr>
+          <p:cNvPicPr>
+            <a:picLocks noChangeAspect="1" noChangeArrowheads="1"/>
+          </p:cNvPicPr>
+          <p:nvPr/>
+        </p:nvPicPr>
+        <p:blipFill>
+          <a:blip r:embed="rId9">
+            <a:extLst>
+              <a:ext uri="{28A0092B-C50C-407E-A947-70E740481C1C}">
+                <a14:useLocalDpi xmlns:a14="http://schemas.microsoft.com/office/drawing/2010/main" val="0"/>
+              </a:ext>
+            </a:extLst>
+          </a:blip>
+          <a:srcRect/>
+          <a:stretch>
+            <a:fillRect/>
+          </a:stretch>
+        </p:blipFill>
+        <p:spPr bwMode="auto">
+          <a:xfrm>
+            <a:off x="5423403" y="4378069"/>
+            <a:ext cx="861300" cy="861300"/>
+          </a:xfrm>
+          <a:prstGeom prst="rect">
+            <a:avLst/>
+          </a:prstGeom>
+          <a:noFill/>
+          <a:extLst>
+            <a:ext uri="{909E8E84-426E-40DD-AFC4-6F175D3DCCD1}">
+              <a14:hiddenFill xmlns:a14="http://schemas.microsoft.com/office/drawing/2010/main">
+                <a:solidFill>
+                  <a:srgbClr val="FFFFFF"/>
+                </a:solidFill>
+              </a14:hiddenFill>
+            </a:ext>
+          </a:extLst>
+        </p:spPr>
+      </p:pic>
+      <p:sp>
+        <p:nvSpPr>
+          <p:cNvPr id="16" name="Oval 15">
+            <a:extLst>
+              <a:ext uri="{FF2B5EF4-FFF2-40B4-BE49-F238E27FC236}">
+                <a16:creationId xmlns:a16="http://schemas.microsoft.com/office/drawing/2014/main" id="{6F165C76-AA7F-4E28-998D-5C4D8DB5178D}"/>
+              </a:ext>
+            </a:extLst>
+          </p:cNvPr>
+          <p:cNvSpPr/>
+          <p:nvPr/>
+        </p:nvSpPr>
+        <p:spPr>
+          <a:xfrm>
+            <a:off x="4510812" y="1404932"/>
+            <a:ext cx="2397659" cy="2397659"/>
+          </a:xfrm>
+          <a:prstGeom prst="ellipse">
+            <a:avLst/>
+          </a:prstGeom>
+          <a:noFill/>
+          <a:ln>
+            <a:solidFill>
+              <a:schemeClr val="tx1"/>
+            </a:solidFill>
+          </a:ln>
+        </p:spPr>
+        <p:style>
+          <a:lnRef idx="2">
+            <a:schemeClr val="accent1">
+              <a:shade val="50000"/>
+            </a:schemeClr>
+          </a:lnRef>
+          <a:fillRef idx="1">
+            <a:schemeClr val="accent1"/>
+          </a:fillRef>
+          <a:effectRef idx="0">
+            <a:schemeClr val="accent1"/>
+          </a:effectRef>
+          <a:fontRef idx="minor">
+            <a:schemeClr val="lt1"/>
+          </a:fontRef>
+        </p:style>
+        <p:txBody>
+          <a:bodyPr rtlCol="0" anchor="ctr"/>
+          <a:lstStyle/>
+          <a:p>
+            <a:pPr algn="ctr"/>
+            <a:endParaRPr lang="en-US" dirty="0"/>
+          </a:p>
+        </p:txBody>
+      </p:sp>
+      <p:sp>
+        <p:nvSpPr>
+          <p:cNvPr id="17" name="Oval 16">
+            <a:extLst>
+              <a:ext uri="{FF2B5EF4-FFF2-40B4-BE49-F238E27FC236}">
+                <a16:creationId xmlns:a16="http://schemas.microsoft.com/office/drawing/2014/main" id="{669FFF16-F187-4939-A2A5-92A7F331E248}"/>
+              </a:ext>
+            </a:extLst>
+          </p:cNvPr>
+          <p:cNvSpPr/>
+          <p:nvPr/>
+        </p:nvSpPr>
+        <p:spPr>
+          <a:xfrm>
+            <a:off x="3013483" y="1125032"/>
+            <a:ext cx="2397659" cy="2397659"/>
+          </a:xfrm>
+          <a:prstGeom prst="ellipse">
+            <a:avLst/>
+          </a:prstGeom>
+          <a:noFill/>
+          <a:ln>
+            <a:solidFill>
+              <a:schemeClr val="tx1"/>
+            </a:solidFill>
+          </a:ln>
+        </p:spPr>
+        <p:style>
+          <a:lnRef idx="2">
+            <a:schemeClr val="accent1">
+              <a:shade val="50000"/>
+            </a:schemeClr>
+          </a:lnRef>
+          <a:fillRef idx="1">
+            <a:schemeClr val="accent1"/>
+          </a:fillRef>
+          <a:effectRef idx="0">
+            <a:schemeClr val="accent1"/>
+          </a:effectRef>
+          <a:fontRef idx="minor">
+            <a:schemeClr val="lt1"/>
+          </a:fontRef>
+        </p:style>
+        <p:txBody>
+          <a:bodyPr rtlCol="0" anchor="ctr"/>
+          <a:lstStyle/>
+          <a:p>
+            <a:pPr algn="ctr"/>
+            <a:endParaRPr lang="en-US" dirty="0"/>
+          </a:p>
+        </p:txBody>
+      </p:sp>
+      <p:pic>
+        <p:nvPicPr>
+          <p:cNvPr id="1044" name="Picture 20" descr="Branding Guidelines | webpack">
+            <a:extLst>
+              <a:ext uri="{FF2B5EF4-FFF2-40B4-BE49-F238E27FC236}">
+                <a16:creationId xmlns:a16="http://schemas.microsoft.com/office/drawing/2014/main" id="{CFAF7A08-DADC-4963-A011-55E913B383B7}"/>
+              </a:ext>
+            </a:extLst>
+          </p:cNvPr>
+          <p:cNvPicPr>
+            <a:picLocks noChangeAspect="1" noChangeArrowheads="1"/>
+          </p:cNvPicPr>
+          <p:nvPr/>
+        </p:nvPicPr>
+        <p:blipFill>
+          <a:blip r:embed="rId10">
+            <a:extLst>
+              <a:ext uri="{28A0092B-C50C-407E-A947-70E740481C1C}">
+                <a14:useLocalDpi xmlns:a14="http://schemas.microsoft.com/office/drawing/2010/main" val="0"/>
+              </a:ext>
+            </a:extLst>
+          </a:blip>
+          <a:srcRect/>
+          <a:stretch>
+            <a:fillRect/>
+          </a:stretch>
+        </p:blipFill>
+        <p:spPr bwMode="auto">
+          <a:xfrm flipH="1">
+            <a:off x="8212530" y="440413"/>
+            <a:ext cx="1106770" cy="1106770"/>
+          </a:xfrm>
+          <a:prstGeom prst="rect">
+            <a:avLst/>
+          </a:prstGeom>
+          <a:noFill/>
+          <a:extLst>
+            <a:ext uri="{909E8E84-426E-40DD-AFC4-6F175D3DCCD1}">
+              <a14:hiddenFill xmlns:a14="http://schemas.microsoft.com/office/drawing/2010/main">
+                <a:solidFill>
+                  <a:srgbClr val="FFFFFF"/>
+                </a:solidFill>
+              </a14:hiddenFill>
+            </a:ext>
+          </a:extLst>
+        </p:spPr>
+      </p:pic>
+      <p:sp>
+        <p:nvSpPr>
+          <p:cNvPr id="20" name="Oval 19">
+            <a:extLst>
+              <a:ext uri="{FF2B5EF4-FFF2-40B4-BE49-F238E27FC236}">
+                <a16:creationId xmlns:a16="http://schemas.microsoft.com/office/drawing/2014/main" id="{69E1F4DB-58B8-4C0B-944C-253E34686EBB}"/>
+              </a:ext>
+            </a:extLst>
+          </p:cNvPr>
+          <p:cNvSpPr/>
+          <p:nvPr/>
+        </p:nvSpPr>
+        <p:spPr>
+          <a:xfrm>
+            <a:off x="4655224" y="2857638"/>
+            <a:ext cx="2397659" cy="2397659"/>
+          </a:xfrm>
+          <a:prstGeom prst="ellipse">
+            <a:avLst/>
+          </a:prstGeom>
+          <a:noFill/>
+          <a:ln>
+            <a:solidFill>
+              <a:schemeClr val="tx1"/>
+            </a:solidFill>
+          </a:ln>
+        </p:spPr>
+        <p:style>
+          <a:lnRef idx="2">
+            <a:schemeClr val="accent1">
+              <a:shade val="50000"/>
+            </a:schemeClr>
+          </a:lnRef>
+          <a:fillRef idx="1">
+            <a:schemeClr val="accent1"/>
+          </a:fillRef>
+          <a:effectRef idx="0">
+            <a:schemeClr val="accent1"/>
+          </a:effectRef>
+          <a:fontRef idx="minor">
+            <a:schemeClr val="lt1"/>
+          </a:fontRef>
+        </p:style>
+        <p:txBody>
+          <a:bodyPr rtlCol="0" anchor="ctr"/>
+          <a:lstStyle/>
+          <a:p>
+            <a:pPr algn="ctr"/>
+            <a:endParaRPr lang="en-US" dirty="0"/>
+          </a:p>
+        </p:txBody>
+      </p:sp>
+      <p:cxnSp>
+        <p:nvCxnSpPr>
+          <p:cNvPr id="9" name="Straight Connector 8">
+            <a:extLst>
+              <a:ext uri="{FF2B5EF4-FFF2-40B4-BE49-F238E27FC236}">
+                <a16:creationId xmlns:a16="http://schemas.microsoft.com/office/drawing/2014/main" id="{57339FC3-0A56-4C09-8E73-C95DC1327782}"/>
+              </a:ext>
+            </a:extLst>
+          </p:cNvPr>
+          <p:cNvCxnSpPr>
+            <a:cxnSpLocks/>
+            <a:stCxn id="16" idx="7"/>
+          </p:cNvCxnSpPr>
+          <p:nvPr/>
+        </p:nvCxnSpPr>
+        <p:spPr>
+          <a:xfrm flipV="1">
+            <a:off x="6557342" y="1404932"/>
+            <a:ext cx="1250839" cy="351129"/>
+          </a:xfrm>
+          <a:prstGeom prst="line">
+            <a:avLst/>
+          </a:prstGeom>
+          <a:ln>
+            <a:solidFill>
+              <a:schemeClr val="tx1"/>
+            </a:solidFill>
+          </a:ln>
+        </p:spPr>
+        <p:style>
+          <a:lnRef idx="1">
+            <a:schemeClr val="accent1"/>
+          </a:lnRef>
+          <a:fillRef idx="0">
+            <a:schemeClr val="accent1"/>
+          </a:fillRef>
+          <a:effectRef idx="0">
+            <a:schemeClr val="accent1"/>
+          </a:effectRef>
+          <a:fontRef idx="minor">
+            <a:schemeClr val="tx1"/>
+          </a:fontRef>
+        </p:style>
+      </p:cxnSp>
+      <p:pic>
+        <p:nvPicPr>
+          <p:cNvPr id="1046" name="Picture 22">
+            <a:extLst>
+              <a:ext uri="{FF2B5EF4-FFF2-40B4-BE49-F238E27FC236}">
+                <a16:creationId xmlns:a16="http://schemas.microsoft.com/office/drawing/2014/main" id="{44C92142-34D1-458E-B245-910CE6784732}"/>
+              </a:ext>
+            </a:extLst>
+          </p:cNvPr>
+          <p:cNvPicPr>
+            <a:picLocks noChangeAspect="1" noChangeArrowheads="1"/>
+          </p:cNvPicPr>
+          <p:nvPr/>
+        </p:nvPicPr>
+        <p:blipFill>
+          <a:blip r:embed="rId11">
+            <a:extLst>
+              <a:ext uri="{28A0092B-C50C-407E-A947-70E740481C1C}">
+                <a14:useLocalDpi xmlns:a14="http://schemas.microsoft.com/office/drawing/2010/main" val="0"/>
+              </a:ext>
+            </a:extLst>
+          </a:blip>
+          <a:srcRect/>
+          <a:stretch>
+            <a:fillRect/>
+          </a:stretch>
+        </p:blipFill>
+        <p:spPr bwMode="auto">
+          <a:xfrm>
+            <a:off x="5035795" y="3898744"/>
+            <a:ext cx="630804" cy="473103"/>
+          </a:xfrm>
+          <a:prstGeom prst="rect">
+            <a:avLst/>
+          </a:prstGeom>
+          <a:noFill/>
+          <a:extLst>
+            <a:ext uri="{909E8E84-426E-40DD-AFC4-6F175D3DCCD1}">
+              <a14:hiddenFill xmlns:a14="http://schemas.microsoft.com/office/drawing/2010/main">
+                <a:solidFill>
+                  <a:srgbClr val="FFFFFF"/>
+                </a:solidFill>
+              </a14:hiddenFill>
+            </a:ext>
+          </a:extLst>
+        </p:spPr>
+      </p:pic>
+      <p:pic>
+        <p:nvPicPr>
+          <p:cNvPr id="1048" name="Picture 24" descr="Postman Logo Download Vector">
+            <a:extLst>
+              <a:ext uri="{FF2B5EF4-FFF2-40B4-BE49-F238E27FC236}">
+                <a16:creationId xmlns:a16="http://schemas.microsoft.com/office/drawing/2014/main" id="{CC47E5BF-99F9-4E7C-AE83-7AC878F3C493}"/>
+              </a:ext>
+            </a:extLst>
+          </p:cNvPr>
+          <p:cNvPicPr>
+            <a:picLocks noChangeAspect="1" noChangeArrowheads="1"/>
+          </p:cNvPicPr>
+          <p:nvPr/>
+        </p:nvPicPr>
+        <p:blipFill>
+          <a:blip r:embed="rId12">
+            <a:extLst>
+              <a:ext uri="{28A0092B-C50C-407E-A947-70E740481C1C}">
+                <a14:useLocalDpi xmlns:a14="http://schemas.microsoft.com/office/drawing/2010/main" val="0"/>
+              </a:ext>
+            </a:extLst>
+          </a:blip>
+          <a:srcRect/>
+          <a:stretch>
+            <a:fillRect/>
+          </a:stretch>
+        </p:blipFill>
+        <p:spPr bwMode="auto">
+          <a:xfrm>
+            <a:off x="9029808" y="1404932"/>
+            <a:ext cx="809393" cy="727544"/>
+          </a:xfrm>
+          <a:prstGeom prst="rect">
+            <a:avLst/>
+          </a:prstGeom>
+          <a:noFill/>
+          <a:extLst>
+            <a:ext uri="{909E8E84-426E-40DD-AFC4-6F175D3DCCD1}">
+              <a14:hiddenFill xmlns:a14="http://schemas.microsoft.com/office/drawing/2010/main">
+                <a:solidFill>
+                  <a:srgbClr val="FFFFFF"/>
+                </a:solidFill>
+              </a14:hiddenFill>
+            </a:ext>
+          </a:extLst>
+        </p:spPr>
+      </p:pic>
+      <p:pic>
+        <p:nvPicPr>
+          <p:cNvPr id="1050" name="Picture 26" descr="Download Github Logo Icon | Dave Gandy Fill Style">
+            <a:extLst>
+              <a:ext uri="{FF2B5EF4-FFF2-40B4-BE49-F238E27FC236}">
+                <a16:creationId xmlns:a16="http://schemas.microsoft.com/office/drawing/2014/main" id="{FE6EB90F-3DD1-4C92-B407-304A06684399}"/>
+              </a:ext>
+            </a:extLst>
+          </p:cNvPr>
+          <p:cNvPicPr>
+            <a:picLocks noChangeAspect="1" noChangeArrowheads="1"/>
+          </p:cNvPicPr>
+          <p:nvPr/>
+        </p:nvPicPr>
+        <p:blipFill>
+          <a:blip r:embed="rId13">
+            <a:extLst>
+              <a:ext uri="{28A0092B-C50C-407E-A947-70E740481C1C}">
+                <a14:useLocalDpi xmlns:a14="http://schemas.microsoft.com/office/drawing/2010/main" val="0"/>
+              </a:ext>
+            </a:extLst>
+          </a:blip>
+          <a:srcRect/>
+          <a:stretch>
+            <a:fillRect/>
+          </a:stretch>
+        </p:blipFill>
+        <p:spPr bwMode="auto">
+          <a:xfrm>
+            <a:off x="7987412" y="1515401"/>
+            <a:ext cx="563365" cy="563365"/>
+          </a:xfrm>
+          <a:prstGeom prst="rect">
+            <a:avLst/>
+          </a:prstGeom>
+          <a:noFill/>
+          <a:extLst>
+            <a:ext uri="{909E8E84-426E-40DD-AFC4-6F175D3DCCD1}">
+              <a14:hiddenFill xmlns:a14="http://schemas.microsoft.com/office/drawing/2010/main">
+                <a:solidFill>
+                  <a:srgbClr val="FFFFFF"/>
+                </a:solidFill>
+              </a14:hiddenFill>
+            </a:ext>
+          </a:extLst>
+        </p:spPr>
+      </p:pic>
     </p:spTree>
     <p:extLst>
       <p:ext uri="{BB962C8B-B14F-4D97-AF65-F5344CB8AC3E}">
-        <p14:creationId xmlns:p14="http://schemas.microsoft.com/office/powerpoint/2010/main" val="3680754443"/>
+        <p14:creationId xmlns:p14="http://schemas.microsoft.com/office/powerpoint/2010/main" val="596847846"/>
       </p:ext>
     </p:extLst>
   </p:cSld>
@@ -5029,879 +5394,17 @@
           <a:chExt cx="0" cy="0"/>
         </a:xfrm>
       </p:grpSpPr>
-      <p:sp>
-        <p:nvSpPr>
-          <p:cNvPr id="75" name="Rectangle: Rounded Corners 74">
-            <a:extLst>
-              <a:ext uri="{FF2B5EF4-FFF2-40B4-BE49-F238E27FC236}">
-                <a16:creationId xmlns:a16="http://schemas.microsoft.com/office/drawing/2014/main" id="{469D6888-0D78-454B-9AB8-075BADF4DA50}"/>
-              </a:ext>
-            </a:extLst>
-          </p:cNvPr>
-          <p:cNvSpPr/>
-          <p:nvPr/>
-        </p:nvSpPr>
-        <p:spPr>
-          <a:xfrm>
-            <a:off x="955869" y="2277067"/>
-            <a:ext cx="1592910" cy="977071"/>
-          </a:xfrm>
-          <a:prstGeom prst="roundRect">
-            <a:avLst/>
-          </a:prstGeom>
-          <a:solidFill>
-            <a:schemeClr val="bg1"/>
-          </a:solidFill>
-          <a:ln>
-            <a:solidFill>
-              <a:schemeClr val="bg1"/>
-            </a:solidFill>
-          </a:ln>
-        </p:spPr>
-        <p:style>
-          <a:lnRef idx="2">
-            <a:schemeClr val="accent1">
-              <a:shade val="50000"/>
-            </a:schemeClr>
-          </a:lnRef>
-          <a:fillRef idx="1">
-            <a:schemeClr val="accent1"/>
-          </a:fillRef>
-          <a:effectRef idx="0">
-            <a:schemeClr val="accent1"/>
-          </a:effectRef>
-          <a:fontRef idx="minor">
-            <a:schemeClr val="lt1"/>
-          </a:fontRef>
-        </p:style>
-        <p:txBody>
-          <a:bodyPr rtlCol="0" anchor="ctr"/>
-          <a:lstStyle/>
-          <a:p>
-            <a:pPr marL="171450" indent="-171450" algn="ctr">
-              <a:buFontTx/>
-              <a:buChar char="-"/>
-            </a:pPr>
-            <a:r>
-              <a:rPr lang="en-US" sz="1000" dirty="0">
-                <a:solidFill>
-                  <a:schemeClr val="tx1"/>
-                </a:solidFill>
-                <a:latin typeface="Poppins" panose="00000500000000000000" pitchFamily="2" charset="0"/>
-                <a:cs typeface="Poppins" panose="00000500000000000000" pitchFamily="2" charset="0"/>
-              </a:rPr>
-              <a:t>SASS (CSS </a:t>
-            </a:r>
-            <a:r>
-              <a:rPr lang="en-US" sz="1000" dirty="0" err="1">
-                <a:solidFill>
-                  <a:schemeClr val="tx1"/>
-                </a:solidFill>
-                <a:latin typeface="Poppins" panose="00000500000000000000" pitchFamily="2" charset="0"/>
-                <a:cs typeface="Poppins" panose="00000500000000000000" pitchFamily="2" charset="0"/>
-              </a:rPr>
-              <a:t>precompiler</a:t>
-            </a:r>
-            <a:r>
-              <a:rPr lang="en-US" sz="1000" dirty="0">
-                <a:solidFill>
-                  <a:schemeClr val="tx1"/>
-                </a:solidFill>
-                <a:latin typeface="Poppins" panose="00000500000000000000" pitchFamily="2" charset="0"/>
-                <a:cs typeface="Poppins" panose="00000500000000000000" pitchFamily="2" charset="0"/>
-              </a:rPr>
-              <a:t>)</a:t>
-            </a:r>
-          </a:p>
-          <a:p>
-            <a:pPr marL="171450" indent="-171450" algn="ctr">
-              <a:buFontTx/>
-              <a:buChar char="-"/>
-            </a:pPr>
-            <a:r>
-              <a:rPr lang="en-US" sz="1000" dirty="0">
-                <a:solidFill>
-                  <a:schemeClr val="tx1"/>
-                </a:solidFill>
-                <a:latin typeface="Poppins" panose="00000500000000000000" pitchFamily="2" charset="0"/>
-                <a:cs typeface="Poppins" panose="00000500000000000000" pitchFamily="2" charset="0"/>
-              </a:rPr>
-              <a:t>Framework</a:t>
-            </a:r>
-          </a:p>
-        </p:txBody>
-      </p:sp>
-      <p:sp>
-        <p:nvSpPr>
-          <p:cNvPr id="47" name="Rectangle: Rounded Corners 46">
-            <a:extLst>
-              <a:ext uri="{FF2B5EF4-FFF2-40B4-BE49-F238E27FC236}">
-                <a16:creationId xmlns:a16="http://schemas.microsoft.com/office/drawing/2014/main" id="{9DC62B40-C49B-4D30-9448-BBE6F2CD259B}"/>
-              </a:ext>
-            </a:extLst>
-          </p:cNvPr>
-          <p:cNvSpPr/>
-          <p:nvPr/>
-        </p:nvSpPr>
-        <p:spPr>
-          <a:xfrm>
-            <a:off x="8946543" y="4480553"/>
-            <a:ext cx="1592910" cy="977071"/>
-          </a:xfrm>
-          <a:prstGeom prst="roundRect">
-            <a:avLst/>
-          </a:prstGeom>
-          <a:solidFill>
-            <a:schemeClr val="bg1"/>
-          </a:solidFill>
-          <a:ln>
-            <a:noFill/>
-          </a:ln>
-        </p:spPr>
-        <p:style>
-          <a:lnRef idx="2">
-            <a:schemeClr val="accent1">
-              <a:shade val="50000"/>
-            </a:schemeClr>
-          </a:lnRef>
-          <a:fillRef idx="1">
-            <a:schemeClr val="accent1"/>
-          </a:fillRef>
-          <a:effectRef idx="0">
-            <a:schemeClr val="accent1"/>
-          </a:effectRef>
-          <a:fontRef idx="minor">
-            <a:schemeClr val="lt1"/>
-          </a:fontRef>
-        </p:style>
-        <p:txBody>
-          <a:bodyPr rtlCol="0" anchor="ctr"/>
-          <a:lstStyle/>
-          <a:p>
-            <a:pPr algn="ctr"/>
-            <a:r>
-              <a:rPr lang="en-US" sz="1000" dirty="0">
-                <a:solidFill>
-                  <a:schemeClr val="tx1"/>
-                </a:solidFill>
-                <a:latin typeface="Poppins" panose="00000500000000000000" pitchFamily="2" charset="0"/>
-                <a:cs typeface="Poppins" panose="00000500000000000000" pitchFamily="2" charset="0"/>
-              </a:rPr>
-              <a:t>Promise</a:t>
-            </a:r>
-          </a:p>
-          <a:p>
-            <a:pPr algn="ctr"/>
-            <a:r>
-              <a:rPr lang="en-US" sz="1000" dirty="0">
-                <a:solidFill>
-                  <a:schemeClr val="tx1"/>
-                </a:solidFill>
-                <a:latin typeface="Poppins" panose="00000500000000000000" pitchFamily="2" charset="0"/>
-                <a:cs typeface="Poppins" panose="00000500000000000000" pitchFamily="2" charset="0"/>
-              </a:rPr>
-              <a:t>Async Await</a:t>
-            </a:r>
-          </a:p>
-        </p:txBody>
-      </p:sp>
-      <p:sp>
-        <p:nvSpPr>
-          <p:cNvPr id="15" name="Rectangle: Rounded Corners 14">
-            <a:extLst>
-              <a:ext uri="{FF2B5EF4-FFF2-40B4-BE49-F238E27FC236}">
-                <a16:creationId xmlns:a16="http://schemas.microsoft.com/office/drawing/2014/main" id="{58B4763D-15D0-4BA5-BDBB-DC98AE02C6B0}"/>
-              </a:ext>
-            </a:extLst>
-          </p:cNvPr>
-          <p:cNvSpPr/>
-          <p:nvPr/>
-        </p:nvSpPr>
-        <p:spPr>
-          <a:xfrm>
-            <a:off x="6217920" y="922352"/>
-            <a:ext cx="1423280" cy="977071"/>
-          </a:xfrm>
-          <a:prstGeom prst="roundRect">
-            <a:avLst/>
-          </a:prstGeom>
-          <a:solidFill>
-            <a:schemeClr val="bg1"/>
-          </a:solidFill>
-          <a:ln>
-            <a:solidFill>
-              <a:schemeClr val="tx1"/>
-            </a:solidFill>
-          </a:ln>
-        </p:spPr>
-        <p:style>
-          <a:lnRef idx="2">
-            <a:schemeClr val="accent1">
-              <a:shade val="50000"/>
-            </a:schemeClr>
-          </a:lnRef>
-          <a:fillRef idx="1">
-            <a:schemeClr val="accent1"/>
-          </a:fillRef>
-          <a:effectRef idx="0">
-            <a:schemeClr val="accent1"/>
-          </a:effectRef>
-          <a:fontRef idx="minor">
-            <a:schemeClr val="lt1"/>
-          </a:fontRef>
-        </p:style>
-        <p:txBody>
-          <a:bodyPr rtlCol="0" anchor="ctr"/>
-          <a:lstStyle/>
-          <a:p>
-            <a:pPr algn="ctr"/>
-            <a:r>
-              <a:rPr lang="en-US" sz="1000" dirty="0">
-                <a:solidFill>
-                  <a:schemeClr val="tx1"/>
-                </a:solidFill>
-                <a:latin typeface="Poppins" panose="00000500000000000000" pitchFamily="2" charset="0"/>
-                <a:cs typeface="Poppins" panose="00000500000000000000" pitchFamily="2" charset="0"/>
-              </a:rPr>
-              <a:t>Dasar </a:t>
-            </a:r>
-            <a:r>
-              <a:rPr lang="en-US" sz="1000" dirty="0" err="1">
-                <a:solidFill>
-                  <a:schemeClr val="tx1"/>
-                </a:solidFill>
-                <a:latin typeface="Poppins" panose="00000500000000000000" pitchFamily="2" charset="0"/>
-                <a:cs typeface="Poppins" panose="00000500000000000000" pitchFamily="2" charset="0"/>
-              </a:rPr>
-              <a:t>Javascript</a:t>
-            </a:r>
-            <a:endParaRPr lang="en-US" sz="1000" dirty="0">
-              <a:solidFill>
-                <a:schemeClr val="tx1"/>
-              </a:solidFill>
-              <a:latin typeface="Poppins" panose="00000500000000000000" pitchFamily="2" charset="0"/>
-              <a:cs typeface="Poppins" panose="00000500000000000000" pitchFamily="2" charset="0"/>
-            </a:endParaRPr>
-          </a:p>
-        </p:txBody>
-      </p:sp>
-      <p:sp>
-        <p:nvSpPr>
-          <p:cNvPr id="22" name="Rectangle: Rounded Corners 21">
-            <a:extLst>
-              <a:ext uri="{FF2B5EF4-FFF2-40B4-BE49-F238E27FC236}">
-                <a16:creationId xmlns:a16="http://schemas.microsoft.com/office/drawing/2014/main" id="{3801D850-7917-4290-A64D-535E342BAACD}"/>
-              </a:ext>
-            </a:extLst>
-          </p:cNvPr>
-          <p:cNvSpPr/>
-          <p:nvPr/>
-        </p:nvSpPr>
-        <p:spPr>
-          <a:xfrm>
-            <a:off x="5351231" y="2108420"/>
-            <a:ext cx="1423280" cy="977071"/>
-          </a:xfrm>
-          <a:prstGeom prst="roundRect">
-            <a:avLst/>
-          </a:prstGeom>
-          <a:solidFill>
-            <a:schemeClr val="bg1"/>
-          </a:solidFill>
-          <a:ln>
-            <a:solidFill>
-              <a:schemeClr val="tx1"/>
-            </a:solidFill>
-          </a:ln>
-        </p:spPr>
-        <p:style>
-          <a:lnRef idx="2">
-            <a:schemeClr val="accent1">
-              <a:shade val="50000"/>
-            </a:schemeClr>
-          </a:lnRef>
-          <a:fillRef idx="1">
-            <a:schemeClr val="accent1"/>
-          </a:fillRef>
-          <a:effectRef idx="0">
-            <a:schemeClr val="accent1"/>
-          </a:effectRef>
-          <a:fontRef idx="minor">
-            <a:schemeClr val="lt1"/>
-          </a:fontRef>
-        </p:style>
-        <p:txBody>
-          <a:bodyPr rtlCol="0" anchor="ctr"/>
-          <a:lstStyle/>
-          <a:p>
-            <a:pPr algn="ctr"/>
-            <a:r>
-              <a:rPr lang="en-US" sz="1000" dirty="0">
-                <a:solidFill>
-                  <a:schemeClr val="tx1"/>
-                </a:solidFill>
-                <a:latin typeface="Poppins" panose="00000500000000000000" pitchFamily="2" charset="0"/>
-                <a:cs typeface="Poppins" panose="00000500000000000000" pitchFamily="2" charset="0"/>
-              </a:rPr>
-              <a:t>DOM</a:t>
-            </a:r>
-          </a:p>
-        </p:txBody>
-      </p:sp>
-      <p:sp>
-        <p:nvSpPr>
-          <p:cNvPr id="23" name="Rectangle: Rounded Corners 22">
-            <a:extLst>
-              <a:ext uri="{FF2B5EF4-FFF2-40B4-BE49-F238E27FC236}">
-                <a16:creationId xmlns:a16="http://schemas.microsoft.com/office/drawing/2014/main" id="{245190CB-CCDC-4114-BED4-A16C4931326F}"/>
-              </a:ext>
-            </a:extLst>
-          </p:cNvPr>
-          <p:cNvSpPr/>
-          <p:nvPr/>
-        </p:nvSpPr>
-        <p:spPr>
-          <a:xfrm>
-            <a:off x="7169427" y="2108420"/>
-            <a:ext cx="1423280" cy="977071"/>
-          </a:xfrm>
-          <a:prstGeom prst="roundRect">
-            <a:avLst/>
-          </a:prstGeom>
-          <a:solidFill>
-            <a:schemeClr val="bg1"/>
-          </a:solidFill>
-          <a:ln>
-            <a:solidFill>
-              <a:schemeClr val="tx1"/>
-            </a:solidFill>
-          </a:ln>
-        </p:spPr>
-        <p:style>
-          <a:lnRef idx="2">
-            <a:schemeClr val="accent1">
-              <a:shade val="50000"/>
-            </a:schemeClr>
-          </a:lnRef>
-          <a:fillRef idx="1">
-            <a:schemeClr val="accent1"/>
-          </a:fillRef>
-          <a:effectRef idx="0">
-            <a:schemeClr val="accent1"/>
-          </a:effectRef>
-          <a:fontRef idx="minor">
-            <a:schemeClr val="lt1"/>
-          </a:fontRef>
-        </p:style>
-        <p:txBody>
-          <a:bodyPr rtlCol="0" anchor="ctr"/>
-          <a:lstStyle/>
-          <a:p>
-            <a:pPr algn="ctr"/>
-            <a:r>
-              <a:rPr lang="en-US" sz="1000" dirty="0">
-                <a:solidFill>
-                  <a:schemeClr val="tx1"/>
-                </a:solidFill>
-                <a:latin typeface="Poppins" panose="00000500000000000000" pitchFamily="2" charset="0"/>
-                <a:cs typeface="Poppins" panose="00000500000000000000" pitchFamily="2" charset="0"/>
-              </a:rPr>
-              <a:t>ES6</a:t>
-            </a:r>
-          </a:p>
-        </p:txBody>
-      </p:sp>
-      <p:sp>
-        <p:nvSpPr>
-          <p:cNvPr id="29" name="Rectangle: Rounded Corners 28">
-            <a:extLst>
-              <a:ext uri="{FF2B5EF4-FFF2-40B4-BE49-F238E27FC236}">
-                <a16:creationId xmlns:a16="http://schemas.microsoft.com/office/drawing/2014/main" id="{37B9A54C-F047-4A31-8526-E6D658D16985}"/>
-              </a:ext>
-            </a:extLst>
-          </p:cNvPr>
-          <p:cNvSpPr/>
-          <p:nvPr/>
-        </p:nvSpPr>
-        <p:spPr>
-          <a:xfrm>
-            <a:off x="3132043" y="2108420"/>
-            <a:ext cx="1592910" cy="977071"/>
-          </a:xfrm>
-          <a:prstGeom prst="roundRect">
-            <a:avLst/>
-          </a:prstGeom>
-          <a:solidFill>
-            <a:schemeClr val="bg1"/>
-          </a:solidFill>
-          <a:ln>
-            <a:solidFill>
-              <a:schemeClr val="bg1"/>
-            </a:solidFill>
-          </a:ln>
-        </p:spPr>
-        <p:style>
-          <a:lnRef idx="2">
-            <a:schemeClr val="accent1">
-              <a:shade val="50000"/>
-            </a:schemeClr>
-          </a:lnRef>
-          <a:fillRef idx="1">
-            <a:schemeClr val="accent1"/>
-          </a:fillRef>
-          <a:effectRef idx="0">
-            <a:schemeClr val="accent1"/>
-          </a:effectRef>
-          <a:fontRef idx="minor">
-            <a:schemeClr val="lt1"/>
-          </a:fontRef>
-        </p:style>
-        <p:txBody>
-          <a:bodyPr rtlCol="0" anchor="ctr"/>
-          <a:lstStyle/>
-          <a:p>
-            <a:pPr marL="171450" indent="-171450" algn="ctr">
-              <a:buFontTx/>
-              <a:buChar char="-"/>
-            </a:pPr>
-            <a:r>
-              <a:rPr lang="en-US" sz="1000" dirty="0">
-                <a:solidFill>
-                  <a:schemeClr val="tx1"/>
-                </a:solidFill>
-                <a:latin typeface="Poppins" panose="00000500000000000000" pitchFamily="2" charset="0"/>
-                <a:cs typeface="Poppins" panose="00000500000000000000" pitchFamily="2" charset="0"/>
-              </a:rPr>
-              <a:t>Event Handler</a:t>
-            </a:r>
-          </a:p>
-          <a:p>
-            <a:pPr marL="171450" indent="-171450" algn="ctr">
-              <a:buFontTx/>
-              <a:buChar char="-"/>
-            </a:pPr>
-            <a:r>
-              <a:rPr lang="en-US" sz="1000" dirty="0" err="1">
-                <a:solidFill>
-                  <a:schemeClr val="tx1"/>
-                </a:solidFill>
-                <a:latin typeface="Poppins" panose="00000500000000000000" pitchFamily="2" charset="0"/>
-                <a:cs typeface="Poppins" panose="00000500000000000000" pitchFamily="2" charset="0"/>
-              </a:rPr>
-              <a:t>Manipulasi</a:t>
-            </a:r>
-            <a:r>
-              <a:rPr lang="en-US" sz="1000" dirty="0">
-                <a:solidFill>
-                  <a:schemeClr val="tx1"/>
-                </a:solidFill>
-                <a:latin typeface="Poppins" panose="00000500000000000000" pitchFamily="2" charset="0"/>
-                <a:cs typeface="Poppins" panose="00000500000000000000" pitchFamily="2" charset="0"/>
-              </a:rPr>
-              <a:t> Dom</a:t>
-            </a:r>
-          </a:p>
-        </p:txBody>
-      </p:sp>
-      <p:cxnSp>
-        <p:nvCxnSpPr>
-          <p:cNvPr id="31" name="Straight Connector 30">
-            <a:extLst>
-              <a:ext uri="{FF2B5EF4-FFF2-40B4-BE49-F238E27FC236}">
-                <a16:creationId xmlns:a16="http://schemas.microsoft.com/office/drawing/2014/main" id="{164E15DC-A48F-4EB4-BDE0-E1132862C753}"/>
-              </a:ext>
-            </a:extLst>
-          </p:cNvPr>
-          <p:cNvCxnSpPr>
-            <a:cxnSpLocks/>
-          </p:cNvCxnSpPr>
-          <p:nvPr/>
-        </p:nvCxnSpPr>
-        <p:spPr>
-          <a:xfrm>
-            <a:off x="4701872" y="2585879"/>
-            <a:ext cx="267694" cy="0"/>
-          </a:xfrm>
-          <a:prstGeom prst="line">
-            <a:avLst/>
-          </a:prstGeom>
-        </p:spPr>
-        <p:style>
-          <a:lnRef idx="1">
-            <a:schemeClr val="dk1"/>
-          </a:lnRef>
-          <a:fillRef idx="0">
-            <a:schemeClr val="dk1"/>
-          </a:fillRef>
-          <a:effectRef idx="0">
-            <a:schemeClr val="dk1"/>
-          </a:effectRef>
-          <a:fontRef idx="minor">
-            <a:schemeClr val="tx1"/>
-          </a:fontRef>
-        </p:style>
-      </p:cxnSp>
-      <p:cxnSp>
-        <p:nvCxnSpPr>
-          <p:cNvPr id="34" name="Straight Connector 33">
-            <a:extLst>
-              <a:ext uri="{FF2B5EF4-FFF2-40B4-BE49-F238E27FC236}">
-                <a16:creationId xmlns:a16="http://schemas.microsoft.com/office/drawing/2014/main" id="{4AAE3F67-80F1-40D7-BCE0-C9CF1E6CEBB8}"/>
-              </a:ext>
-            </a:extLst>
-          </p:cNvPr>
-          <p:cNvCxnSpPr>
-            <a:cxnSpLocks/>
-          </p:cNvCxnSpPr>
-          <p:nvPr/>
-        </p:nvCxnSpPr>
-        <p:spPr>
-          <a:xfrm>
-            <a:off x="5027878" y="2585879"/>
-            <a:ext cx="267694" cy="0"/>
-          </a:xfrm>
-          <a:prstGeom prst="line">
-            <a:avLst/>
-          </a:prstGeom>
-        </p:spPr>
-        <p:style>
-          <a:lnRef idx="1">
-            <a:schemeClr val="dk1"/>
-          </a:lnRef>
-          <a:fillRef idx="0">
-            <a:schemeClr val="dk1"/>
-          </a:fillRef>
-          <a:effectRef idx="0">
-            <a:schemeClr val="dk1"/>
-          </a:effectRef>
-          <a:fontRef idx="minor">
-            <a:schemeClr val="tx1"/>
-          </a:fontRef>
-        </p:style>
-      </p:cxnSp>
-      <p:sp>
-        <p:nvSpPr>
-          <p:cNvPr id="35" name="Rectangle: Rounded Corners 34">
-            <a:extLst>
-              <a:ext uri="{FF2B5EF4-FFF2-40B4-BE49-F238E27FC236}">
-                <a16:creationId xmlns:a16="http://schemas.microsoft.com/office/drawing/2014/main" id="{84316625-2FEC-4452-B57C-89FF35E65FD6}"/>
-              </a:ext>
-            </a:extLst>
-          </p:cNvPr>
-          <p:cNvSpPr/>
-          <p:nvPr/>
-        </p:nvSpPr>
-        <p:spPr>
-          <a:xfrm>
-            <a:off x="9330861" y="2157421"/>
-            <a:ext cx="1872527" cy="977071"/>
-          </a:xfrm>
-          <a:prstGeom prst="roundRect">
-            <a:avLst/>
-          </a:prstGeom>
-          <a:solidFill>
-            <a:schemeClr val="bg1"/>
-          </a:solidFill>
-          <a:ln>
-            <a:solidFill>
-              <a:schemeClr val="bg1"/>
-            </a:solidFill>
-          </a:ln>
-        </p:spPr>
-        <p:style>
-          <a:lnRef idx="2">
-            <a:schemeClr val="accent1">
-              <a:shade val="50000"/>
-            </a:schemeClr>
-          </a:lnRef>
-          <a:fillRef idx="1">
-            <a:schemeClr val="accent1"/>
-          </a:fillRef>
-          <a:effectRef idx="0">
-            <a:schemeClr val="accent1"/>
-          </a:effectRef>
-          <a:fontRef idx="minor">
-            <a:schemeClr val="lt1"/>
-          </a:fontRef>
-        </p:style>
-        <p:txBody>
-          <a:bodyPr rtlCol="0" anchor="ctr"/>
-          <a:lstStyle/>
-          <a:p>
-            <a:pPr marL="171450" indent="-171450" algn="ctr">
-              <a:buFontTx/>
-              <a:buChar char="-"/>
-            </a:pPr>
-            <a:r>
-              <a:rPr lang="en-US" sz="1000" dirty="0">
-                <a:solidFill>
-                  <a:schemeClr val="tx1"/>
-                </a:solidFill>
-                <a:latin typeface="Poppins" panose="00000500000000000000" pitchFamily="2" charset="0"/>
-                <a:cs typeface="Poppins" panose="00000500000000000000" pitchFamily="2" charset="0"/>
-              </a:rPr>
-              <a:t>Arrow function</a:t>
-            </a:r>
-          </a:p>
-          <a:p>
-            <a:pPr marL="171450" indent="-171450" algn="ctr">
-              <a:buFontTx/>
-              <a:buChar char="-"/>
-            </a:pPr>
-            <a:r>
-              <a:rPr lang="en-US" sz="1000" dirty="0" err="1">
-                <a:solidFill>
-                  <a:schemeClr val="tx1"/>
-                </a:solidFill>
-                <a:latin typeface="Poppins" panose="00000500000000000000" pitchFamily="2" charset="0"/>
-                <a:cs typeface="Poppins" panose="00000500000000000000" pitchFamily="2" charset="0"/>
-              </a:rPr>
-              <a:t>Filter,Map,Reduce</a:t>
-            </a:r>
-            <a:endParaRPr lang="en-US" sz="1000" dirty="0">
-              <a:solidFill>
-                <a:schemeClr val="tx1"/>
-              </a:solidFill>
-              <a:latin typeface="Poppins" panose="00000500000000000000" pitchFamily="2" charset="0"/>
-              <a:cs typeface="Poppins" panose="00000500000000000000" pitchFamily="2" charset="0"/>
-            </a:endParaRPr>
-          </a:p>
-          <a:p>
-            <a:pPr marL="171450" indent="-171450" algn="ctr">
-              <a:buFontTx/>
-              <a:buChar char="-"/>
-            </a:pPr>
-            <a:r>
-              <a:rPr lang="en-US" sz="1000" dirty="0">
-                <a:solidFill>
-                  <a:schemeClr val="tx1"/>
-                </a:solidFill>
-                <a:latin typeface="Poppins" panose="00000500000000000000" pitchFamily="2" charset="0"/>
-                <a:cs typeface="Poppins" panose="00000500000000000000" pitchFamily="2" charset="0"/>
-              </a:rPr>
-              <a:t>Template literals</a:t>
-            </a:r>
-          </a:p>
-          <a:p>
-            <a:pPr marL="171450" indent="-171450" algn="ctr">
-              <a:buFontTx/>
-              <a:buChar char="-"/>
-            </a:pPr>
-            <a:r>
-              <a:rPr lang="en-US" sz="1000" dirty="0">
-                <a:solidFill>
-                  <a:schemeClr val="tx1"/>
-                </a:solidFill>
-                <a:latin typeface="Poppins" panose="00000500000000000000" pitchFamily="2" charset="0"/>
-                <a:cs typeface="Poppins" panose="00000500000000000000" pitchFamily="2" charset="0"/>
-              </a:rPr>
-              <a:t>Modul JS</a:t>
-            </a:r>
-          </a:p>
-          <a:p>
-            <a:pPr marL="171450" indent="-171450" algn="ctr">
-              <a:buFontTx/>
-              <a:buChar char="-"/>
-            </a:pPr>
-            <a:r>
-              <a:rPr lang="en-US" sz="1000" dirty="0">
-                <a:solidFill>
-                  <a:schemeClr val="tx1"/>
-                </a:solidFill>
-                <a:latin typeface="Poppins" panose="00000500000000000000" pitchFamily="2" charset="0"/>
-                <a:cs typeface="Poppins" panose="00000500000000000000" pitchFamily="2" charset="0"/>
-              </a:rPr>
-              <a:t>Error Handling</a:t>
-            </a:r>
-          </a:p>
-          <a:p>
-            <a:pPr marL="171450" indent="-171450" algn="ctr">
-              <a:buFontTx/>
-              <a:buChar char="-"/>
-            </a:pPr>
-            <a:r>
-              <a:rPr lang="en-US" sz="1000" dirty="0">
-                <a:solidFill>
-                  <a:schemeClr val="tx1"/>
-                </a:solidFill>
-                <a:latin typeface="Poppins" panose="00000500000000000000" pitchFamily="2" charset="0"/>
-                <a:cs typeface="Poppins" panose="00000500000000000000" pitchFamily="2" charset="0"/>
-              </a:rPr>
-              <a:t>Functional programming (</a:t>
-            </a:r>
-            <a:r>
-              <a:rPr lang="en-US" sz="1000" dirty="0" err="1">
-                <a:solidFill>
-                  <a:schemeClr val="tx1"/>
-                </a:solidFill>
-                <a:latin typeface="Poppins" panose="00000500000000000000" pitchFamily="2" charset="0"/>
-                <a:cs typeface="Poppins" panose="00000500000000000000" pitchFamily="2" charset="0"/>
-              </a:rPr>
-              <a:t>callback,closure</a:t>
-            </a:r>
-            <a:r>
-              <a:rPr lang="en-US" sz="1000" dirty="0">
-                <a:solidFill>
-                  <a:schemeClr val="tx1"/>
-                </a:solidFill>
-                <a:latin typeface="Poppins" panose="00000500000000000000" pitchFamily="2" charset="0"/>
-                <a:cs typeface="Poppins" panose="00000500000000000000" pitchFamily="2" charset="0"/>
-              </a:rPr>
-              <a:t>)</a:t>
-            </a:r>
-          </a:p>
-        </p:txBody>
-      </p:sp>
-      <p:cxnSp>
-        <p:nvCxnSpPr>
-          <p:cNvPr id="36" name="Straight Connector 35">
-            <a:extLst>
-              <a:ext uri="{FF2B5EF4-FFF2-40B4-BE49-F238E27FC236}">
-                <a16:creationId xmlns:a16="http://schemas.microsoft.com/office/drawing/2014/main" id="{7766399F-B7B8-4550-97D0-8748BF989EBE}"/>
-              </a:ext>
-            </a:extLst>
-          </p:cNvPr>
-          <p:cNvCxnSpPr>
-            <a:cxnSpLocks/>
-          </p:cNvCxnSpPr>
-          <p:nvPr/>
-        </p:nvCxnSpPr>
-        <p:spPr>
-          <a:xfrm>
-            <a:off x="8678849" y="2585879"/>
-            <a:ext cx="267694" cy="0"/>
-          </a:xfrm>
-          <a:prstGeom prst="line">
-            <a:avLst/>
-          </a:prstGeom>
-        </p:spPr>
-        <p:style>
-          <a:lnRef idx="1">
-            <a:schemeClr val="dk1"/>
-          </a:lnRef>
-          <a:fillRef idx="0">
-            <a:schemeClr val="dk1"/>
-          </a:fillRef>
-          <a:effectRef idx="0">
-            <a:schemeClr val="dk1"/>
-          </a:effectRef>
-          <a:fontRef idx="minor">
-            <a:schemeClr val="tx1"/>
-          </a:fontRef>
-        </p:style>
-      </p:cxnSp>
-      <p:cxnSp>
-        <p:nvCxnSpPr>
-          <p:cNvPr id="37" name="Straight Connector 36">
-            <a:extLst>
-              <a:ext uri="{FF2B5EF4-FFF2-40B4-BE49-F238E27FC236}">
-                <a16:creationId xmlns:a16="http://schemas.microsoft.com/office/drawing/2014/main" id="{45B17409-244D-4583-AAFD-E84C973DDE95}"/>
-              </a:ext>
-            </a:extLst>
-          </p:cNvPr>
-          <p:cNvCxnSpPr>
-            <a:cxnSpLocks/>
-          </p:cNvCxnSpPr>
-          <p:nvPr/>
-        </p:nvCxnSpPr>
-        <p:spPr>
-          <a:xfrm>
-            <a:off x="9004855" y="2585879"/>
-            <a:ext cx="267694" cy="0"/>
-          </a:xfrm>
-          <a:prstGeom prst="line">
-            <a:avLst/>
-          </a:prstGeom>
-        </p:spPr>
-        <p:style>
-          <a:lnRef idx="1">
-            <a:schemeClr val="dk1"/>
-          </a:lnRef>
-          <a:fillRef idx="0">
-            <a:schemeClr val="dk1"/>
-          </a:fillRef>
-          <a:effectRef idx="0">
-            <a:schemeClr val="dk1"/>
-          </a:effectRef>
-          <a:fontRef idx="minor">
-            <a:schemeClr val="tx1"/>
-          </a:fontRef>
-        </p:style>
-      </p:cxnSp>
-      <p:sp>
-        <p:nvSpPr>
-          <p:cNvPr id="38" name="Rectangle: Rounded Corners 37">
-            <a:extLst>
-              <a:ext uri="{FF2B5EF4-FFF2-40B4-BE49-F238E27FC236}">
-                <a16:creationId xmlns:a16="http://schemas.microsoft.com/office/drawing/2014/main" id="{F6015E45-8342-4285-9CCC-E204ECEE04F5}"/>
-              </a:ext>
-            </a:extLst>
-          </p:cNvPr>
-          <p:cNvSpPr/>
-          <p:nvPr/>
-        </p:nvSpPr>
-        <p:spPr>
-          <a:xfrm>
-            <a:off x="6239123" y="3294488"/>
-            <a:ext cx="1423280" cy="977071"/>
-          </a:xfrm>
-          <a:prstGeom prst="roundRect">
-            <a:avLst/>
-          </a:prstGeom>
-          <a:solidFill>
-            <a:schemeClr val="bg1"/>
-          </a:solidFill>
-          <a:ln>
-            <a:solidFill>
-              <a:schemeClr val="tx1"/>
-            </a:solidFill>
-          </a:ln>
-        </p:spPr>
-        <p:style>
-          <a:lnRef idx="2">
-            <a:schemeClr val="accent1">
-              <a:shade val="50000"/>
-            </a:schemeClr>
-          </a:lnRef>
-          <a:fillRef idx="1">
-            <a:schemeClr val="accent1"/>
-          </a:fillRef>
-          <a:effectRef idx="0">
-            <a:schemeClr val="accent1"/>
-          </a:effectRef>
-          <a:fontRef idx="minor">
-            <a:schemeClr val="lt1"/>
-          </a:fontRef>
-        </p:style>
-        <p:txBody>
-          <a:bodyPr rtlCol="0" anchor="ctr"/>
-          <a:lstStyle/>
-          <a:p>
-            <a:pPr algn="ctr"/>
-            <a:r>
-              <a:rPr lang="en-US" sz="1000" dirty="0">
-                <a:solidFill>
-                  <a:schemeClr val="tx1"/>
-                </a:solidFill>
-                <a:latin typeface="Poppins" panose="00000500000000000000" pitchFamily="2" charset="0"/>
-                <a:cs typeface="Poppins" panose="00000500000000000000" pitchFamily="2" charset="0"/>
-              </a:rPr>
-              <a:t>Bundler</a:t>
-            </a:r>
-          </a:p>
-        </p:txBody>
-      </p:sp>
       <p:pic>
         <p:nvPicPr>
-          <p:cNvPr id="39" name="Picture 20" descr="Branding Guidelines | webpack">
-            <a:extLst>
-              <a:ext uri="{FF2B5EF4-FFF2-40B4-BE49-F238E27FC236}">
-                <a16:creationId xmlns:a16="http://schemas.microsoft.com/office/drawing/2014/main" id="{68ED1010-24C5-45D1-A7B1-4C77FB0B40FC}"/>
+          <p:cNvPr id="6" name="Picture 5">
+            <a:extLst>
+              <a:ext uri="{FF2B5EF4-FFF2-40B4-BE49-F238E27FC236}">
+                <a16:creationId xmlns:a16="http://schemas.microsoft.com/office/drawing/2014/main" id="{EDE3D4C9-E19E-408F-8869-C0B1D9FFEFA5}"/>
               </a:ext>
             </a:extLst>
           </p:cNvPr>
           <p:cNvPicPr>
-            <a:picLocks noChangeAspect="1" noChangeArrowheads="1"/>
+            <a:picLocks noChangeAspect="1"/>
           </p:cNvPicPr>
           <p:nvPr/>
         </p:nvPicPr>
@@ -5913,935 +5416,26 @@
               </a:ext>
             </a:extLst>
           </a:blip>
-          <a:srcRect/>
           <a:stretch>
             <a:fillRect/>
           </a:stretch>
         </p:blipFill>
-        <p:spPr bwMode="auto">
-          <a:xfrm flipH="1">
-            <a:off x="8259311" y="3254138"/>
-            <a:ext cx="1106770" cy="1106770"/>
+        <p:spPr>
+          <a:xfrm>
+            <a:off x="6096000" y="1812152"/>
+            <a:ext cx="5248275" cy="2343150"/>
           </a:xfrm>
           <a:prstGeom prst="rect">
             <a:avLst/>
           </a:prstGeom>
-          <a:noFill/>
-          <a:extLst>
-            <a:ext uri="{909E8E84-426E-40DD-AFC4-6F175D3DCCD1}">
-              <a14:hiddenFill xmlns:a14="http://schemas.microsoft.com/office/drawing/2010/main">
-                <a:solidFill>
-                  <a:srgbClr val="FFFFFF"/>
-                </a:solidFill>
-              </a14:hiddenFill>
-            </a:ext>
-          </a:extLst>
         </p:spPr>
       </p:pic>
-      <p:cxnSp>
-        <p:nvCxnSpPr>
-          <p:cNvPr id="40" name="Straight Connector 39">
-            <a:extLst>
-              <a:ext uri="{FF2B5EF4-FFF2-40B4-BE49-F238E27FC236}">
-                <a16:creationId xmlns:a16="http://schemas.microsoft.com/office/drawing/2014/main" id="{F87197A4-B7E6-4D50-8692-1A3E2589BC91}"/>
-              </a:ext>
-            </a:extLst>
-          </p:cNvPr>
-          <p:cNvCxnSpPr>
-            <a:cxnSpLocks/>
-          </p:cNvCxnSpPr>
-          <p:nvPr/>
-        </p:nvCxnSpPr>
-        <p:spPr>
-          <a:xfrm>
-            <a:off x="7726018" y="3783023"/>
-            <a:ext cx="267694" cy="0"/>
-          </a:xfrm>
-          <a:prstGeom prst="line">
-            <a:avLst/>
-          </a:prstGeom>
-        </p:spPr>
-        <p:style>
-          <a:lnRef idx="1">
-            <a:schemeClr val="dk1"/>
-          </a:lnRef>
-          <a:fillRef idx="0">
-            <a:schemeClr val="dk1"/>
-          </a:fillRef>
-          <a:effectRef idx="0">
-            <a:schemeClr val="dk1"/>
-          </a:effectRef>
-          <a:fontRef idx="minor">
-            <a:schemeClr val="tx1"/>
-          </a:fontRef>
-        </p:style>
-      </p:cxnSp>
-      <p:cxnSp>
-        <p:nvCxnSpPr>
-          <p:cNvPr id="41" name="Straight Connector 40">
-            <a:extLst>
-              <a:ext uri="{FF2B5EF4-FFF2-40B4-BE49-F238E27FC236}">
-                <a16:creationId xmlns:a16="http://schemas.microsoft.com/office/drawing/2014/main" id="{47DF87B9-C8C1-4A1B-B18C-20087515CB69}"/>
-              </a:ext>
-            </a:extLst>
-          </p:cNvPr>
-          <p:cNvCxnSpPr>
-            <a:cxnSpLocks/>
-          </p:cNvCxnSpPr>
-          <p:nvPr/>
-        </p:nvCxnSpPr>
-        <p:spPr>
-          <a:xfrm>
-            <a:off x="8052024" y="3783023"/>
-            <a:ext cx="267694" cy="0"/>
-          </a:xfrm>
-          <a:prstGeom prst="line">
-            <a:avLst/>
-          </a:prstGeom>
-        </p:spPr>
-        <p:style>
-          <a:lnRef idx="1">
-            <a:schemeClr val="dk1"/>
-          </a:lnRef>
-          <a:fillRef idx="0">
-            <a:schemeClr val="dk1"/>
-          </a:fillRef>
-          <a:effectRef idx="0">
-            <a:schemeClr val="dk1"/>
-          </a:effectRef>
-          <a:fontRef idx="minor">
-            <a:schemeClr val="tx1"/>
-          </a:fontRef>
-        </p:style>
-      </p:cxnSp>
-      <p:sp>
-        <p:nvSpPr>
-          <p:cNvPr id="42" name="Rectangle: Rounded Corners 41">
-            <a:extLst>
-              <a:ext uri="{FF2B5EF4-FFF2-40B4-BE49-F238E27FC236}">
-                <a16:creationId xmlns:a16="http://schemas.microsoft.com/office/drawing/2014/main" id="{4042F402-1D64-4C70-8B50-20808D1DE750}"/>
-              </a:ext>
-            </a:extLst>
-          </p:cNvPr>
-          <p:cNvSpPr/>
-          <p:nvPr/>
-        </p:nvSpPr>
-        <p:spPr>
-          <a:xfrm>
-            <a:off x="5295572" y="4969089"/>
-            <a:ext cx="1423280" cy="977071"/>
-          </a:xfrm>
-          <a:prstGeom prst="roundRect">
-            <a:avLst/>
-          </a:prstGeom>
-          <a:solidFill>
-            <a:schemeClr val="bg1"/>
-          </a:solidFill>
-          <a:ln>
-            <a:solidFill>
-              <a:schemeClr val="tx1"/>
-            </a:solidFill>
-          </a:ln>
-        </p:spPr>
-        <p:style>
-          <a:lnRef idx="2">
-            <a:schemeClr val="accent1">
-              <a:shade val="50000"/>
-            </a:schemeClr>
-          </a:lnRef>
-          <a:fillRef idx="1">
-            <a:schemeClr val="accent1"/>
-          </a:fillRef>
-          <a:effectRef idx="0">
-            <a:schemeClr val="accent1"/>
-          </a:effectRef>
-          <a:fontRef idx="minor">
-            <a:schemeClr val="lt1"/>
-          </a:fontRef>
-        </p:style>
-        <p:txBody>
-          <a:bodyPr rtlCol="0" anchor="ctr"/>
-          <a:lstStyle/>
-          <a:p>
-            <a:pPr algn="ctr"/>
-            <a:r>
-              <a:rPr lang="en-US" sz="1000" dirty="0">
-                <a:solidFill>
-                  <a:schemeClr val="tx1"/>
-                </a:solidFill>
-                <a:latin typeface="Poppins" panose="00000500000000000000" pitchFamily="2" charset="0"/>
-                <a:cs typeface="Poppins" panose="00000500000000000000" pitchFamily="2" charset="0"/>
-              </a:rPr>
-              <a:t>Frameworks</a:t>
-            </a:r>
-          </a:p>
-        </p:txBody>
-      </p:sp>
-      <p:sp>
-        <p:nvSpPr>
-          <p:cNvPr id="43" name="Rectangle: Rounded Corners 42">
-            <a:extLst>
-              <a:ext uri="{FF2B5EF4-FFF2-40B4-BE49-F238E27FC236}">
-                <a16:creationId xmlns:a16="http://schemas.microsoft.com/office/drawing/2014/main" id="{6E4FD151-64CF-4AD6-A21A-73AA91437A6F}"/>
-              </a:ext>
-            </a:extLst>
-          </p:cNvPr>
-          <p:cNvSpPr/>
-          <p:nvPr/>
-        </p:nvSpPr>
-        <p:spPr>
-          <a:xfrm>
-            <a:off x="7174728" y="4480554"/>
-            <a:ext cx="1423280" cy="977071"/>
-          </a:xfrm>
-          <a:prstGeom prst="roundRect">
-            <a:avLst/>
-          </a:prstGeom>
-          <a:solidFill>
-            <a:schemeClr val="bg1"/>
-          </a:solidFill>
-          <a:ln>
-            <a:solidFill>
-              <a:schemeClr val="tx1"/>
-            </a:solidFill>
-          </a:ln>
-        </p:spPr>
-        <p:style>
-          <a:lnRef idx="2">
-            <a:schemeClr val="accent1">
-              <a:shade val="50000"/>
-            </a:schemeClr>
-          </a:lnRef>
-          <a:fillRef idx="1">
-            <a:schemeClr val="accent1"/>
-          </a:fillRef>
-          <a:effectRef idx="0">
-            <a:schemeClr val="accent1"/>
-          </a:effectRef>
-          <a:fontRef idx="minor">
-            <a:schemeClr val="lt1"/>
-          </a:fontRef>
-        </p:style>
-        <p:txBody>
-          <a:bodyPr rtlCol="0" anchor="ctr"/>
-          <a:lstStyle/>
-          <a:p>
-            <a:pPr algn="ctr"/>
-            <a:r>
-              <a:rPr lang="en-US" sz="1000" dirty="0">
-                <a:solidFill>
-                  <a:schemeClr val="tx1"/>
-                </a:solidFill>
-                <a:latin typeface="Poppins" panose="00000500000000000000" pitchFamily="2" charset="0"/>
-                <a:cs typeface="Poppins" panose="00000500000000000000" pitchFamily="2" charset="0"/>
-              </a:rPr>
-              <a:t>Asynchronous</a:t>
-            </a:r>
-          </a:p>
-        </p:txBody>
-      </p:sp>
-      <p:cxnSp>
-        <p:nvCxnSpPr>
-          <p:cNvPr id="44" name="Straight Connector 43">
-            <a:extLst>
-              <a:ext uri="{FF2B5EF4-FFF2-40B4-BE49-F238E27FC236}">
-                <a16:creationId xmlns:a16="http://schemas.microsoft.com/office/drawing/2014/main" id="{ABAA049F-2FBB-4410-BB62-59DFF83CD49E}"/>
-              </a:ext>
-            </a:extLst>
-          </p:cNvPr>
-          <p:cNvCxnSpPr>
-            <a:cxnSpLocks/>
-          </p:cNvCxnSpPr>
-          <p:nvPr/>
-        </p:nvCxnSpPr>
-        <p:spPr>
-          <a:xfrm>
-            <a:off x="8678849" y="4969089"/>
-            <a:ext cx="267694" cy="0"/>
-          </a:xfrm>
-          <a:prstGeom prst="line">
-            <a:avLst/>
-          </a:prstGeom>
-        </p:spPr>
-        <p:style>
-          <a:lnRef idx="1">
-            <a:schemeClr val="dk1"/>
-          </a:lnRef>
-          <a:fillRef idx="0">
-            <a:schemeClr val="dk1"/>
-          </a:fillRef>
-          <a:effectRef idx="0">
-            <a:schemeClr val="dk1"/>
-          </a:effectRef>
-          <a:fontRef idx="minor">
-            <a:schemeClr val="tx1"/>
-          </a:fontRef>
-        </p:style>
-      </p:cxnSp>
-      <p:cxnSp>
-        <p:nvCxnSpPr>
-          <p:cNvPr id="45" name="Straight Connector 44">
-            <a:extLst>
-              <a:ext uri="{FF2B5EF4-FFF2-40B4-BE49-F238E27FC236}">
-                <a16:creationId xmlns:a16="http://schemas.microsoft.com/office/drawing/2014/main" id="{EEFB1E94-4F6B-4CAF-B38A-527DA896F1A9}"/>
-              </a:ext>
-            </a:extLst>
-          </p:cNvPr>
-          <p:cNvCxnSpPr>
-            <a:cxnSpLocks/>
-          </p:cNvCxnSpPr>
-          <p:nvPr/>
-        </p:nvCxnSpPr>
-        <p:spPr>
-          <a:xfrm>
-            <a:off x="9004855" y="4969089"/>
-            <a:ext cx="267694" cy="0"/>
-          </a:xfrm>
-          <a:prstGeom prst="line">
-            <a:avLst/>
-          </a:prstGeom>
-        </p:spPr>
-        <p:style>
-          <a:lnRef idx="1">
-            <a:schemeClr val="dk1"/>
-          </a:lnRef>
-          <a:fillRef idx="0">
-            <a:schemeClr val="dk1"/>
-          </a:fillRef>
-          <a:effectRef idx="0">
-            <a:schemeClr val="dk1"/>
-          </a:effectRef>
-          <a:fontRef idx="minor">
-            <a:schemeClr val="tx1"/>
-          </a:fontRef>
-        </p:style>
-      </p:cxnSp>
-      <p:sp>
-        <p:nvSpPr>
-          <p:cNvPr id="48" name="Rectangle: Rounded Corners 47">
-            <a:extLst>
-              <a:ext uri="{FF2B5EF4-FFF2-40B4-BE49-F238E27FC236}">
-                <a16:creationId xmlns:a16="http://schemas.microsoft.com/office/drawing/2014/main" id="{6938A914-B3CA-440E-BBA9-78C3462F3FD4}"/>
-              </a:ext>
-            </a:extLst>
-          </p:cNvPr>
-          <p:cNvSpPr/>
-          <p:nvPr/>
-        </p:nvSpPr>
-        <p:spPr>
-          <a:xfrm>
-            <a:off x="3953124" y="3254138"/>
-            <a:ext cx="1592910" cy="977071"/>
-          </a:xfrm>
-          <a:prstGeom prst="roundRect">
-            <a:avLst/>
-          </a:prstGeom>
-          <a:solidFill>
-            <a:schemeClr val="bg1"/>
-          </a:solidFill>
-          <a:ln>
-            <a:solidFill>
-              <a:schemeClr val="bg1"/>
-            </a:solidFill>
-          </a:ln>
-        </p:spPr>
-        <p:style>
-          <a:lnRef idx="2">
-            <a:schemeClr val="accent1">
-              <a:shade val="50000"/>
-            </a:schemeClr>
-          </a:lnRef>
-          <a:fillRef idx="1">
-            <a:schemeClr val="accent1"/>
-          </a:fillRef>
-          <a:effectRef idx="0">
-            <a:schemeClr val="accent1"/>
-          </a:effectRef>
-          <a:fontRef idx="minor">
-            <a:schemeClr val="lt1"/>
-          </a:fontRef>
-        </p:style>
-        <p:txBody>
-          <a:bodyPr rtlCol="0" anchor="ctr"/>
-          <a:lstStyle/>
-          <a:p>
-            <a:pPr marL="171450" indent="-171450" algn="ctr">
-              <a:buFontTx/>
-              <a:buChar char="-"/>
-            </a:pPr>
-            <a:r>
-              <a:rPr lang="en-US" sz="1000" dirty="0">
-                <a:solidFill>
-                  <a:schemeClr val="tx1"/>
-                </a:solidFill>
-                <a:latin typeface="Poppins" panose="00000500000000000000" pitchFamily="2" charset="0"/>
-                <a:cs typeface="Poppins" panose="00000500000000000000" pitchFamily="2" charset="0"/>
-              </a:rPr>
-              <a:t>Web component</a:t>
-            </a:r>
-          </a:p>
-        </p:txBody>
-      </p:sp>
-      <p:cxnSp>
-        <p:nvCxnSpPr>
-          <p:cNvPr id="49" name="Straight Connector 48">
-            <a:extLst>
-              <a:ext uri="{FF2B5EF4-FFF2-40B4-BE49-F238E27FC236}">
-                <a16:creationId xmlns:a16="http://schemas.microsoft.com/office/drawing/2014/main" id="{6B7D7F51-5CF8-4480-8A25-1E87F3B649A1}"/>
-              </a:ext>
-            </a:extLst>
-          </p:cNvPr>
-          <p:cNvCxnSpPr>
-            <a:cxnSpLocks/>
-          </p:cNvCxnSpPr>
-          <p:nvPr/>
-        </p:nvCxnSpPr>
-        <p:spPr>
-          <a:xfrm>
-            <a:off x="5546034" y="3731598"/>
-            <a:ext cx="267694" cy="0"/>
-          </a:xfrm>
-          <a:prstGeom prst="line">
-            <a:avLst/>
-          </a:prstGeom>
-        </p:spPr>
-        <p:style>
-          <a:lnRef idx="1">
-            <a:schemeClr val="dk1"/>
-          </a:lnRef>
-          <a:fillRef idx="0">
-            <a:schemeClr val="dk1"/>
-          </a:fillRef>
-          <a:effectRef idx="0">
-            <a:schemeClr val="dk1"/>
-          </a:effectRef>
-          <a:fontRef idx="minor">
-            <a:schemeClr val="tx1"/>
-          </a:fontRef>
-        </p:style>
-      </p:cxnSp>
-      <p:cxnSp>
-        <p:nvCxnSpPr>
-          <p:cNvPr id="50" name="Straight Connector 49">
-            <a:extLst>
-              <a:ext uri="{FF2B5EF4-FFF2-40B4-BE49-F238E27FC236}">
-                <a16:creationId xmlns:a16="http://schemas.microsoft.com/office/drawing/2014/main" id="{3982D932-9788-4E70-8D70-595D66F9946F}"/>
-              </a:ext>
-            </a:extLst>
-          </p:cNvPr>
-          <p:cNvCxnSpPr>
-            <a:cxnSpLocks/>
-          </p:cNvCxnSpPr>
-          <p:nvPr/>
-        </p:nvCxnSpPr>
-        <p:spPr>
-          <a:xfrm>
-            <a:off x="5872040" y="3731598"/>
-            <a:ext cx="267694" cy="0"/>
-          </a:xfrm>
-          <a:prstGeom prst="line">
-            <a:avLst/>
-          </a:prstGeom>
-        </p:spPr>
-        <p:style>
-          <a:lnRef idx="1">
-            <a:schemeClr val="dk1"/>
-          </a:lnRef>
-          <a:fillRef idx="0">
-            <a:schemeClr val="dk1"/>
-          </a:fillRef>
-          <a:effectRef idx="0">
-            <a:schemeClr val="dk1"/>
-          </a:effectRef>
-          <a:fontRef idx="minor">
-            <a:schemeClr val="tx1"/>
-          </a:fontRef>
-        </p:style>
-      </p:cxnSp>
-      <p:sp>
-        <p:nvSpPr>
-          <p:cNvPr id="51" name="Rectangle: Rounded Corners 50">
-            <a:extLst>
-              <a:ext uri="{FF2B5EF4-FFF2-40B4-BE49-F238E27FC236}">
-                <a16:creationId xmlns:a16="http://schemas.microsoft.com/office/drawing/2014/main" id="{BAEE023D-B9A6-4A97-8666-C52AE698D814}"/>
-              </a:ext>
-            </a:extLst>
-          </p:cNvPr>
-          <p:cNvSpPr/>
-          <p:nvPr/>
-        </p:nvSpPr>
-        <p:spPr>
-          <a:xfrm>
-            <a:off x="8212373" y="895256"/>
-            <a:ext cx="1592910" cy="977071"/>
-          </a:xfrm>
-          <a:prstGeom prst="roundRect">
-            <a:avLst/>
-          </a:prstGeom>
-          <a:solidFill>
-            <a:schemeClr val="bg1"/>
-          </a:solidFill>
-          <a:ln>
-            <a:solidFill>
-              <a:schemeClr val="bg1"/>
-            </a:solidFill>
-          </a:ln>
-        </p:spPr>
-        <p:style>
-          <a:lnRef idx="2">
-            <a:schemeClr val="accent1">
-              <a:shade val="50000"/>
-            </a:schemeClr>
-          </a:lnRef>
-          <a:fillRef idx="1">
-            <a:schemeClr val="accent1"/>
-          </a:fillRef>
-          <a:effectRef idx="0">
-            <a:schemeClr val="accent1"/>
-          </a:effectRef>
-          <a:fontRef idx="minor">
-            <a:schemeClr val="lt1"/>
-          </a:fontRef>
-        </p:style>
-        <p:txBody>
-          <a:bodyPr rtlCol="0" anchor="ctr"/>
-          <a:lstStyle/>
-          <a:p>
-            <a:pPr marL="171450" indent="-171450" algn="ctr">
-              <a:buFontTx/>
-              <a:buChar char="-"/>
-            </a:pPr>
-            <a:r>
-              <a:rPr lang="en-US" sz="1000" dirty="0" err="1">
-                <a:solidFill>
-                  <a:schemeClr val="tx1"/>
-                </a:solidFill>
-                <a:latin typeface="Poppins" panose="00000500000000000000" pitchFamily="2" charset="0"/>
-                <a:cs typeface="Poppins" panose="00000500000000000000" pitchFamily="2" charset="0"/>
-              </a:rPr>
-              <a:t>Variabel</a:t>
-            </a:r>
-            <a:endParaRPr lang="en-US" sz="1000" dirty="0">
-              <a:solidFill>
-                <a:schemeClr val="tx1"/>
-              </a:solidFill>
-              <a:latin typeface="Poppins" panose="00000500000000000000" pitchFamily="2" charset="0"/>
-              <a:cs typeface="Poppins" panose="00000500000000000000" pitchFamily="2" charset="0"/>
-            </a:endParaRPr>
-          </a:p>
-          <a:p>
-            <a:pPr marL="171450" indent="-171450" algn="ctr">
-              <a:buFontTx/>
-              <a:buChar char="-"/>
-            </a:pPr>
-            <a:r>
-              <a:rPr lang="en-US" sz="1000" dirty="0">
-                <a:solidFill>
-                  <a:schemeClr val="tx1"/>
-                </a:solidFill>
-                <a:latin typeface="Poppins" panose="00000500000000000000" pitchFamily="2" charset="0"/>
-                <a:cs typeface="Poppins" panose="00000500000000000000" pitchFamily="2" charset="0"/>
-              </a:rPr>
-              <a:t>Data Types</a:t>
-            </a:r>
-          </a:p>
-          <a:p>
-            <a:pPr marL="171450" indent="-171450" algn="ctr">
-              <a:buFontTx/>
-              <a:buChar char="-"/>
-            </a:pPr>
-            <a:r>
-              <a:rPr lang="en-US" sz="1000" dirty="0">
-                <a:solidFill>
-                  <a:schemeClr val="tx1"/>
-                </a:solidFill>
-                <a:latin typeface="Poppins" panose="00000500000000000000" pitchFamily="2" charset="0"/>
-                <a:cs typeface="Poppins" panose="00000500000000000000" pitchFamily="2" charset="0"/>
-              </a:rPr>
-              <a:t>Looping</a:t>
-            </a:r>
-          </a:p>
-          <a:p>
-            <a:pPr marL="171450" indent="-171450" algn="ctr">
-              <a:buFontTx/>
-              <a:buChar char="-"/>
-            </a:pPr>
-            <a:r>
-              <a:rPr lang="en-US" sz="1000" dirty="0">
-                <a:solidFill>
-                  <a:schemeClr val="tx1"/>
-                </a:solidFill>
-                <a:latin typeface="Poppins" panose="00000500000000000000" pitchFamily="2" charset="0"/>
-                <a:cs typeface="Poppins" panose="00000500000000000000" pitchFamily="2" charset="0"/>
-              </a:rPr>
-              <a:t>Conditional</a:t>
-            </a:r>
-          </a:p>
-          <a:p>
-            <a:pPr marL="171450" indent="-171450" algn="ctr">
-              <a:buFontTx/>
-              <a:buChar char="-"/>
-            </a:pPr>
-            <a:r>
-              <a:rPr lang="en-US" sz="1000" dirty="0">
-                <a:solidFill>
-                  <a:schemeClr val="tx1"/>
-                </a:solidFill>
-                <a:latin typeface="Poppins" panose="00000500000000000000" pitchFamily="2" charset="0"/>
-                <a:cs typeface="Poppins" panose="00000500000000000000" pitchFamily="2" charset="0"/>
-              </a:rPr>
-              <a:t>Function</a:t>
-            </a:r>
-          </a:p>
-          <a:p>
-            <a:pPr marL="171450" indent="-171450" algn="ctr">
-              <a:buFontTx/>
-              <a:buChar char="-"/>
-            </a:pPr>
-            <a:r>
-              <a:rPr lang="en-US" sz="1000" dirty="0">
-                <a:solidFill>
-                  <a:schemeClr val="tx1"/>
-                </a:solidFill>
-                <a:latin typeface="Poppins" panose="00000500000000000000" pitchFamily="2" charset="0"/>
-                <a:cs typeface="Poppins" panose="00000500000000000000" pitchFamily="2" charset="0"/>
-              </a:rPr>
-              <a:t>Class &amp; Object</a:t>
-            </a:r>
-          </a:p>
-        </p:txBody>
-      </p:sp>
-      <p:cxnSp>
-        <p:nvCxnSpPr>
-          <p:cNvPr id="52" name="Straight Connector 51">
-            <a:extLst>
-              <a:ext uri="{FF2B5EF4-FFF2-40B4-BE49-F238E27FC236}">
-                <a16:creationId xmlns:a16="http://schemas.microsoft.com/office/drawing/2014/main" id="{82F005A4-28CE-4930-9D4C-6449A481B304}"/>
-              </a:ext>
-            </a:extLst>
-          </p:cNvPr>
-          <p:cNvCxnSpPr>
-            <a:cxnSpLocks/>
-          </p:cNvCxnSpPr>
-          <p:nvPr/>
-        </p:nvCxnSpPr>
-        <p:spPr>
-          <a:xfrm>
-            <a:off x="7752520" y="1410888"/>
-            <a:ext cx="267694" cy="0"/>
-          </a:xfrm>
-          <a:prstGeom prst="line">
-            <a:avLst/>
-          </a:prstGeom>
-        </p:spPr>
-        <p:style>
-          <a:lnRef idx="1">
-            <a:schemeClr val="dk1"/>
-          </a:lnRef>
-          <a:fillRef idx="0">
-            <a:schemeClr val="dk1"/>
-          </a:fillRef>
-          <a:effectRef idx="0">
-            <a:schemeClr val="dk1"/>
-          </a:effectRef>
-          <a:fontRef idx="minor">
-            <a:schemeClr val="tx1"/>
-          </a:fontRef>
-        </p:style>
-      </p:cxnSp>
-      <p:cxnSp>
-        <p:nvCxnSpPr>
-          <p:cNvPr id="53" name="Straight Connector 52">
-            <a:extLst>
-              <a:ext uri="{FF2B5EF4-FFF2-40B4-BE49-F238E27FC236}">
-                <a16:creationId xmlns:a16="http://schemas.microsoft.com/office/drawing/2014/main" id="{B3CDEA2C-54E7-4C1E-8D77-BCDD8DAB5801}"/>
-              </a:ext>
-            </a:extLst>
-          </p:cNvPr>
-          <p:cNvCxnSpPr>
-            <a:cxnSpLocks/>
-          </p:cNvCxnSpPr>
-          <p:nvPr/>
-        </p:nvCxnSpPr>
-        <p:spPr>
-          <a:xfrm>
-            <a:off x="8078526" y="1410888"/>
-            <a:ext cx="267694" cy="0"/>
-          </a:xfrm>
-          <a:prstGeom prst="line">
-            <a:avLst/>
-          </a:prstGeom>
-        </p:spPr>
-        <p:style>
-          <a:lnRef idx="1">
-            <a:schemeClr val="dk1"/>
-          </a:lnRef>
-          <a:fillRef idx="0">
-            <a:schemeClr val="dk1"/>
-          </a:fillRef>
-          <a:effectRef idx="0">
-            <a:schemeClr val="dk1"/>
-          </a:effectRef>
-          <a:fontRef idx="minor">
-            <a:schemeClr val="tx1"/>
-          </a:fontRef>
-        </p:style>
-      </p:cxnSp>
-      <p:sp>
-        <p:nvSpPr>
-          <p:cNvPr id="54" name="Rectangle: Rounded Corners 53">
-            <a:extLst>
-              <a:ext uri="{FF2B5EF4-FFF2-40B4-BE49-F238E27FC236}">
-                <a16:creationId xmlns:a16="http://schemas.microsoft.com/office/drawing/2014/main" id="{E2A5CB99-7E1F-46CB-B66E-E7E7E6DE8913}"/>
-              </a:ext>
-            </a:extLst>
-          </p:cNvPr>
-          <p:cNvSpPr/>
-          <p:nvPr/>
-        </p:nvSpPr>
-        <p:spPr>
-          <a:xfrm>
-            <a:off x="3465447" y="786144"/>
-            <a:ext cx="1423280" cy="977071"/>
-          </a:xfrm>
-          <a:prstGeom prst="roundRect">
-            <a:avLst/>
-          </a:prstGeom>
-          <a:solidFill>
-            <a:schemeClr val="bg1"/>
-          </a:solidFill>
-          <a:ln>
-            <a:solidFill>
-              <a:schemeClr val="tx1"/>
-            </a:solidFill>
-          </a:ln>
-        </p:spPr>
-        <p:style>
-          <a:lnRef idx="2">
-            <a:schemeClr val="accent1">
-              <a:shade val="50000"/>
-            </a:schemeClr>
-          </a:lnRef>
-          <a:fillRef idx="1">
-            <a:schemeClr val="accent1"/>
-          </a:fillRef>
-          <a:effectRef idx="0">
-            <a:schemeClr val="accent1"/>
-          </a:effectRef>
-          <a:fontRef idx="minor">
-            <a:schemeClr val="lt1"/>
-          </a:fontRef>
-        </p:style>
-        <p:txBody>
-          <a:bodyPr rtlCol="0" anchor="ctr"/>
-          <a:lstStyle/>
-          <a:p>
-            <a:pPr algn="ctr"/>
-            <a:r>
-              <a:rPr lang="en-US" sz="1000" dirty="0">
-                <a:solidFill>
-                  <a:schemeClr val="tx1"/>
-                </a:solidFill>
-                <a:latin typeface="Poppins" panose="00000500000000000000" pitchFamily="2" charset="0"/>
-                <a:cs typeface="Poppins" panose="00000500000000000000" pitchFamily="2" charset="0"/>
-              </a:rPr>
-              <a:t>HTML</a:t>
-            </a:r>
-          </a:p>
-        </p:txBody>
-      </p:sp>
-      <p:sp>
-        <p:nvSpPr>
-          <p:cNvPr id="55" name="Rectangle: Rounded Corners 54">
-            <a:extLst>
-              <a:ext uri="{FF2B5EF4-FFF2-40B4-BE49-F238E27FC236}">
-                <a16:creationId xmlns:a16="http://schemas.microsoft.com/office/drawing/2014/main" id="{61D93FB1-53D2-4094-83BA-920802E1380E}"/>
-              </a:ext>
-            </a:extLst>
-          </p:cNvPr>
-          <p:cNvSpPr/>
-          <p:nvPr/>
-        </p:nvSpPr>
-        <p:spPr>
-          <a:xfrm>
-            <a:off x="1061506" y="792048"/>
-            <a:ext cx="1423280" cy="977071"/>
-          </a:xfrm>
-          <a:prstGeom prst="roundRect">
-            <a:avLst/>
-          </a:prstGeom>
-          <a:solidFill>
-            <a:schemeClr val="bg1"/>
-          </a:solidFill>
-          <a:ln>
-            <a:solidFill>
-              <a:schemeClr val="tx1"/>
-            </a:solidFill>
-          </a:ln>
-        </p:spPr>
-        <p:style>
-          <a:lnRef idx="2">
-            <a:schemeClr val="accent1">
-              <a:shade val="50000"/>
-            </a:schemeClr>
-          </a:lnRef>
-          <a:fillRef idx="1">
-            <a:schemeClr val="accent1"/>
-          </a:fillRef>
-          <a:effectRef idx="0">
-            <a:schemeClr val="accent1"/>
-          </a:effectRef>
-          <a:fontRef idx="minor">
-            <a:schemeClr val="lt1"/>
-          </a:fontRef>
-        </p:style>
-        <p:txBody>
-          <a:bodyPr rtlCol="0" anchor="ctr"/>
-          <a:lstStyle/>
-          <a:p>
-            <a:pPr algn="ctr"/>
-            <a:r>
-              <a:rPr lang="en-US" sz="1000" dirty="0">
-                <a:solidFill>
-                  <a:schemeClr val="tx1"/>
-                </a:solidFill>
-                <a:latin typeface="Poppins" panose="00000500000000000000" pitchFamily="2" charset="0"/>
-                <a:cs typeface="Poppins" panose="00000500000000000000" pitchFamily="2" charset="0"/>
-              </a:rPr>
-              <a:t>CSS</a:t>
-            </a:r>
-          </a:p>
-        </p:txBody>
-      </p:sp>
-      <p:cxnSp>
-        <p:nvCxnSpPr>
-          <p:cNvPr id="69" name="Straight Connector 68">
-            <a:extLst>
-              <a:ext uri="{FF2B5EF4-FFF2-40B4-BE49-F238E27FC236}">
-                <a16:creationId xmlns:a16="http://schemas.microsoft.com/office/drawing/2014/main" id="{710DB5C9-28DA-4CE8-A890-34166166AB25}"/>
-              </a:ext>
-            </a:extLst>
-          </p:cNvPr>
-          <p:cNvCxnSpPr>
-            <a:cxnSpLocks/>
-          </p:cNvCxnSpPr>
-          <p:nvPr/>
-        </p:nvCxnSpPr>
-        <p:spPr>
-          <a:xfrm>
-            <a:off x="1773146" y="1816314"/>
-            <a:ext cx="0" cy="226233"/>
-          </a:xfrm>
-          <a:prstGeom prst="line">
-            <a:avLst/>
-          </a:prstGeom>
-        </p:spPr>
-        <p:style>
-          <a:lnRef idx="1">
-            <a:schemeClr val="dk1"/>
-          </a:lnRef>
-          <a:fillRef idx="0">
-            <a:schemeClr val="dk1"/>
-          </a:fillRef>
-          <a:effectRef idx="0">
-            <a:schemeClr val="dk1"/>
-          </a:effectRef>
-          <a:fontRef idx="minor">
-            <a:schemeClr val="tx1"/>
-          </a:fontRef>
-        </p:style>
-      </p:cxnSp>
-      <p:cxnSp>
-        <p:nvCxnSpPr>
-          <p:cNvPr id="73" name="Straight Connector 72">
-            <a:extLst>
-              <a:ext uri="{FF2B5EF4-FFF2-40B4-BE49-F238E27FC236}">
-                <a16:creationId xmlns:a16="http://schemas.microsoft.com/office/drawing/2014/main" id="{0E545087-85BD-4D77-8D6A-CECB9292C5BD}"/>
-              </a:ext>
-            </a:extLst>
-          </p:cNvPr>
-          <p:cNvCxnSpPr>
-            <a:cxnSpLocks/>
-          </p:cNvCxnSpPr>
-          <p:nvPr/>
-        </p:nvCxnSpPr>
-        <p:spPr>
-          <a:xfrm>
-            <a:off x="1773146" y="2140489"/>
-            <a:ext cx="0" cy="226233"/>
-          </a:xfrm>
-          <a:prstGeom prst="line">
-            <a:avLst/>
-          </a:prstGeom>
-        </p:spPr>
-        <p:style>
-          <a:lnRef idx="1">
-            <a:schemeClr val="dk1"/>
-          </a:lnRef>
-          <a:fillRef idx="0">
-            <a:schemeClr val="dk1"/>
-          </a:fillRef>
-          <a:effectRef idx="0">
-            <a:schemeClr val="dk1"/>
-          </a:effectRef>
-          <a:fontRef idx="minor">
-            <a:schemeClr val="tx1"/>
-          </a:fontRef>
-        </p:style>
-      </p:cxnSp>
-      <p:pic>
-        <p:nvPicPr>
-          <p:cNvPr id="2050" name="Picture 2" descr="Animated gif about tom hiddleston in T-Hiddle☺️☺️ by gabi✿">
-            <a:extLst>
-              <a:ext uri="{FF2B5EF4-FFF2-40B4-BE49-F238E27FC236}">
-                <a16:creationId xmlns:a16="http://schemas.microsoft.com/office/drawing/2014/main" id="{FBA1EECD-5DFF-48BD-A7C9-35A063152799}"/>
-              </a:ext>
-            </a:extLst>
-          </p:cNvPr>
-          <p:cNvPicPr>
-            <a:picLocks noChangeAspect="1" noChangeArrowheads="1" noCrop="1"/>
-          </p:cNvPicPr>
-          <p:nvPr/>
-        </p:nvPicPr>
-        <p:blipFill>
-          <a:blip r:embed="rId3">
-            <a:extLst>
-              <a:ext uri="{28A0092B-C50C-407E-A947-70E740481C1C}">
-                <a14:useLocalDpi xmlns:a14="http://schemas.microsoft.com/office/drawing/2010/main" val="0"/>
-              </a:ext>
-            </a:extLst>
-          </a:blip>
-          <a:srcRect/>
-          <a:stretch>
-            <a:fillRect/>
-          </a:stretch>
-        </p:blipFill>
-        <p:spPr bwMode="auto">
-          <a:xfrm>
-            <a:off x="1239847" y="3470745"/>
-            <a:ext cx="1986879" cy="1986879"/>
-          </a:xfrm>
-          <a:prstGeom prst="rect">
-            <a:avLst/>
-          </a:prstGeom>
-          <a:noFill/>
-          <a:extLst>
-            <a:ext uri="{909E8E84-426E-40DD-AFC4-6F175D3DCCD1}">
-              <a14:hiddenFill xmlns:a14="http://schemas.microsoft.com/office/drawing/2010/main">
-                <a:solidFill>
-                  <a:srgbClr val="FFFFFF"/>
-                </a:solidFill>
-              </a14:hiddenFill>
-            </a:ext>
-          </a:extLst>
-        </p:spPr>
-      </p:pic>
-      <p:sp>
-        <p:nvSpPr>
-          <p:cNvPr id="78" name="TextBox 77">
-            <a:extLst>
-              <a:ext uri="{FF2B5EF4-FFF2-40B4-BE49-F238E27FC236}">
-                <a16:creationId xmlns:a16="http://schemas.microsoft.com/office/drawing/2014/main" id="{958ED3FE-D686-4B70-B6AD-0587B8171660}"/>
+      <p:sp>
+        <p:nvSpPr>
+          <p:cNvPr id="8" name="TextBox 7">
+            <a:extLst>
+              <a:ext uri="{FF2B5EF4-FFF2-40B4-BE49-F238E27FC236}">
+                <a16:creationId xmlns:a16="http://schemas.microsoft.com/office/drawing/2014/main" id="{8DC9830E-97EA-4FFF-9BC8-3837B648CFD7}"/>
               </a:ext>
             </a:extLst>
           </p:cNvPr>
@@ -6850,8 +5444,8 @@
         </p:nvSpPr>
         <p:spPr>
           <a:xfrm>
-            <a:off x="1483793" y="5935147"/>
-            <a:ext cx="1584088" cy="261610"/>
+            <a:off x="998800" y="1812152"/>
+            <a:ext cx="3897221" cy="253916"/>
           </a:xfrm>
           <a:prstGeom prst="rect">
             <a:avLst/>
@@ -6865,21 +5459,77 @@
           <a:lstStyle/>
           <a:p>
             <a:r>
-              <a:rPr lang="en-US" sz="1100" dirty="0">
-                <a:latin typeface="Poppins" panose="00000500000000000000" pitchFamily="2" charset="0"/>
-                <a:cs typeface="Poppins" panose="00000500000000000000" pitchFamily="2" charset="0"/>
-              </a:rPr>
-              <a:t>Front End Developer</a:t>
-            </a:r>
-          </a:p>
-        </p:txBody>
-      </p:sp>
-      <p:sp>
-        <p:nvSpPr>
-          <p:cNvPr id="79" name="TextBox 78">
-            <a:extLst>
-              <a:ext uri="{FF2B5EF4-FFF2-40B4-BE49-F238E27FC236}">
-                <a16:creationId xmlns:a16="http://schemas.microsoft.com/office/drawing/2014/main" id="{F40EE5D0-AEE6-4C54-A51F-020CBCD10DC8}"/>
+              <a:rPr lang="en-US" sz="1050" dirty="0">
+                <a:latin typeface="Poppins" panose="00000500000000000000" pitchFamily="2" charset="0"/>
+                <a:cs typeface="Poppins" panose="00000500000000000000" pitchFamily="2" charset="0"/>
+              </a:rPr>
+              <a:t>- </a:t>
+            </a:r>
+            <a:r>
+              <a:rPr lang="en-US" sz="1050" dirty="0" err="1">
+                <a:latin typeface="Poppins" panose="00000500000000000000" pitchFamily="2" charset="0"/>
+                <a:cs typeface="Poppins" panose="00000500000000000000" pitchFamily="2" charset="0"/>
+              </a:rPr>
+              <a:t>Implementasi</a:t>
+            </a:r>
+            <a:r>
+              <a:rPr lang="en-US" sz="1050" dirty="0">
+                <a:latin typeface="Poppins" panose="00000500000000000000" pitchFamily="2" charset="0"/>
+                <a:cs typeface="Poppins" panose="00000500000000000000" pitchFamily="2" charset="0"/>
+              </a:rPr>
+              <a:t> </a:t>
+            </a:r>
+            <a:r>
+              <a:rPr lang="en-US" sz="1050" dirty="0" err="1">
+                <a:latin typeface="Poppins" panose="00000500000000000000" pitchFamily="2" charset="0"/>
+                <a:cs typeface="Poppins" panose="00000500000000000000" pitchFamily="2" charset="0"/>
+              </a:rPr>
+              <a:t>hasil</a:t>
+            </a:r>
+            <a:r>
+              <a:rPr lang="en-US" sz="1050" dirty="0">
+                <a:latin typeface="Poppins" panose="00000500000000000000" pitchFamily="2" charset="0"/>
+                <a:cs typeface="Poppins" panose="00000500000000000000" pitchFamily="2" charset="0"/>
+              </a:rPr>
+              <a:t> design UI </a:t>
+            </a:r>
+            <a:r>
+              <a:rPr lang="en-US" sz="1050" dirty="0" err="1">
+                <a:latin typeface="Poppins" panose="00000500000000000000" pitchFamily="2" charset="0"/>
+                <a:cs typeface="Poppins" panose="00000500000000000000" pitchFamily="2" charset="0"/>
+              </a:rPr>
+              <a:t>menjadi</a:t>
+            </a:r>
+            <a:r>
+              <a:rPr lang="en-US" sz="1050" dirty="0">
+                <a:latin typeface="Poppins" panose="00000500000000000000" pitchFamily="2" charset="0"/>
+                <a:cs typeface="Poppins" panose="00000500000000000000" pitchFamily="2" charset="0"/>
+              </a:rPr>
+              <a:t> </a:t>
+            </a:r>
+            <a:r>
+              <a:rPr lang="en-US" sz="1050" dirty="0" err="1">
+                <a:latin typeface="Poppins" panose="00000500000000000000" pitchFamily="2" charset="0"/>
+                <a:cs typeface="Poppins" panose="00000500000000000000" pitchFamily="2" charset="0"/>
+              </a:rPr>
+              <a:t>sebuah</a:t>
+            </a:r>
+            <a:r>
+              <a:rPr lang="en-US" sz="1050" dirty="0">
+                <a:latin typeface="Poppins" panose="00000500000000000000" pitchFamily="2" charset="0"/>
+                <a:cs typeface="Poppins" panose="00000500000000000000" pitchFamily="2" charset="0"/>
+              </a:rPr>
+              <a:t> system</a:t>
+            </a:r>
+          </a:p>
+        </p:txBody>
+      </p:sp>
+      <p:sp>
+        <p:nvSpPr>
+          <p:cNvPr id="9" name="TextBox 8">
+            <a:extLst>
+              <a:ext uri="{FF2B5EF4-FFF2-40B4-BE49-F238E27FC236}">
+                <a16:creationId xmlns:a16="http://schemas.microsoft.com/office/drawing/2014/main" id="{B88499E2-B3E4-43B2-B729-E98393DFC227}"/>
               </a:ext>
             </a:extLst>
           </p:cNvPr>
@@ -6888,8 +5538,8 @@
         </p:nvSpPr>
         <p:spPr>
           <a:xfrm>
-            <a:off x="1987731" y="5673537"/>
-            <a:ext cx="473206" cy="261610"/>
+            <a:off x="998800" y="2073762"/>
+            <a:ext cx="2355132" cy="253916"/>
           </a:xfrm>
           <a:prstGeom prst="rect">
             <a:avLst/>
@@ -6903,11 +5553,39 @@
           <a:lstStyle/>
           <a:p>
             <a:r>
-              <a:rPr lang="en-US" sz="1100" dirty="0">
-                <a:latin typeface="Poppins" panose="00000500000000000000" pitchFamily="2" charset="0"/>
-                <a:cs typeface="Poppins" panose="00000500000000000000" pitchFamily="2" charset="0"/>
-              </a:rPr>
-              <a:t>I AM</a:t>
+              <a:rPr lang="en-US" sz="1050" dirty="0">
+                <a:latin typeface="Poppins" panose="00000500000000000000" pitchFamily="2" charset="0"/>
+                <a:cs typeface="Poppins" panose="00000500000000000000" pitchFamily="2" charset="0"/>
+              </a:rPr>
+              <a:t>- </a:t>
+            </a:r>
+            <a:r>
+              <a:rPr lang="en-US" sz="1050" dirty="0" err="1">
+                <a:latin typeface="Poppins" panose="00000500000000000000" pitchFamily="2" charset="0"/>
+                <a:cs typeface="Poppins" panose="00000500000000000000" pitchFamily="2" charset="0"/>
+              </a:rPr>
+              <a:t>Bertanggung</a:t>
+            </a:r>
+            <a:r>
+              <a:rPr lang="en-US" sz="1050" dirty="0">
+                <a:latin typeface="Poppins" panose="00000500000000000000" pitchFamily="2" charset="0"/>
+                <a:cs typeface="Poppins" panose="00000500000000000000" pitchFamily="2" charset="0"/>
+              </a:rPr>
+              <a:t> </a:t>
+            </a:r>
+            <a:r>
+              <a:rPr lang="en-US" sz="1050" dirty="0" err="1">
+                <a:latin typeface="Poppins" panose="00000500000000000000" pitchFamily="2" charset="0"/>
+                <a:cs typeface="Poppins" panose="00000500000000000000" pitchFamily="2" charset="0"/>
+              </a:rPr>
+              <a:t>jawab</a:t>
+            </a:r>
+            <a:r>
+              <a:rPr lang="en-US" sz="1050" dirty="0">
+                <a:latin typeface="Poppins" panose="00000500000000000000" pitchFamily="2" charset="0"/>
+                <a:cs typeface="Poppins" panose="00000500000000000000" pitchFamily="2" charset="0"/>
+              </a:rPr>
+              <a:t> client side</a:t>
             </a:r>
           </a:p>
         </p:txBody>
@@ -6915,7 +5593,7 @@
     </p:spTree>
     <p:extLst>
       <p:ext uri="{BB962C8B-B14F-4D97-AF65-F5344CB8AC3E}">
-        <p14:creationId xmlns:p14="http://schemas.microsoft.com/office/powerpoint/2010/main" val="4193175039"/>
+        <p14:creationId xmlns:p14="http://schemas.microsoft.com/office/powerpoint/2010/main" val="3680754443"/>
       </p:ext>
     </p:extLst>
   </p:cSld>
@@ -6942,17 +5620,879 @@
           <a:chExt cx="0" cy="0"/>
         </a:xfrm>
       </p:grpSpPr>
+      <p:sp>
+        <p:nvSpPr>
+          <p:cNvPr id="75" name="Rectangle: Rounded Corners 74">
+            <a:extLst>
+              <a:ext uri="{FF2B5EF4-FFF2-40B4-BE49-F238E27FC236}">
+                <a16:creationId xmlns:a16="http://schemas.microsoft.com/office/drawing/2014/main" id="{469D6888-0D78-454B-9AB8-075BADF4DA50}"/>
+              </a:ext>
+            </a:extLst>
+          </p:cNvPr>
+          <p:cNvSpPr/>
+          <p:nvPr/>
+        </p:nvSpPr>
+        <p:spPr>
+          <a:xfrm>
+            <a:off x="955869" y="2277067"/>
+            <a:ext cx="1592910" cy="977071"/>
+          </a:xfrm>
+          <a:prstGeom prst="roundRect">
+            <a:avLst/>
+          </a:prstGeom>
+          <a:solidFill>
+            <a:schemeClr val="bg1"/>
+          </a:solidFill>
+          <a:ln>
+            <a:solidFill>
+              <a:schemeClr val="bg1"/>
+            </a:solidFill>
+          </a:ln>
+        </p:spPr>
+        <p:style>
+          <a:lnRef idx="2">
+            <a:schemeClr val="accent1">
+              <a:shade val="50000"/>
+            </a:schemeClr>
+          </a:lnRef>
+          <a:fillRef idx="1">
+            <a:schemeClr val="accent1"/>
+          </a:fillRef>
+          <a:effectRef idx="0">
+            <a:schemeClr val="accent1"/>
+          </a:effectRef>
+          <a:fontRef idx="minor">
+            <a:schemeClr val="lt1"/>
+          </a:fontRef>
+        </p:style>
+        <p:txBody>
+          <a:bodyPr rtlCol="0" anchor="ctr"/>
+          <a:lstStyle/>
+          <a:p>
+            <a:pPr marL="171450" indent="-171450" algn="ctr">
+              <a:buFontTx/>
+              <a:buChar char="-"/>
+            </a:pPr>
+            <a:r>
+              <a:rPr lang="en-US" sz="1000" dirty="0">
+                <a:solidFill>
+                  <a:schemeClr val="tx1"/>
+                </a:solidFill>
+                <a:latin typeface="Poppins" panose="00000500000000000000" pitchFamily="2" charset="0"/>
+                <a:cs typeface="Poppins" panose="00000500000000000000" pitchFamily="2" charset="0"/>
+              </a:rPr>
+              <a:t>SASS (CSS </a:t>
+            </a:r>
+            <a:r>
+              <a:rPr lang="en-US" sz="1000" dirty="0" err="1">
+                <a:solidFill>
+                  <a:schemeClr val="tx1"/>
+                </a:solidFill>
+                <a:latin typeface="Poppins" panose="00000500000000000000" pitchFamily="2" charset="0"/>
+                <a:cs typeface="Poppins" panose="00000500000000000000" pitchFamily="2" charset="0"/>
+              </a:rPr>
+              <a:t>precompiler</a:t>
+            </a:r>
+            <a:r>
+              <a:rPr lang="en-US" sz="1000" dirty="0">
+                <a:solidFill>
+                  <a:schemeClr val="tx1"/>
+                </a:solidFill>
+                <a:latin typeface="Poppins" panose="00000500000000000000" pitchFamily="2" charset="0"/>
+                <a:cs typeface="Poppins" panose="00000500000000000000" pitchFamily="2" charset="0"/>
+              </a:rPr>
+              <a:t>)</a:t>
+            </a:r>
+          </a:p>
+          <a:p>
+            <a:pPr marL="171450" indent="-171450" algn="ctr">
+              <a:buFontTx/>
+              <a:buChar char="-"/>
+            </a:pPr>
+            <a:r>
+              <a:rPr lang="en-US" sz="1000" dirty="0">
+                <a:solidFill>
+                  <a:schemeClr val="tx1"/>
+                </a:solidFill>
+                <a:latin typeface="Poppins" panose="00000500000000000000" pitchFamily="2" charset="0"/>
+                <a:cs typeface="Poppins" panose="00000500000000000000" pitchFamily="2" charset="0"/>
+              </a:rPr>
+              <a:t>Framework</a:t>
+            </a:r>
+          </a:p>
+        </p:txBody>
+      </p:sp>
+      <p:sp>
+        <p:nvSpPr>
+          <p:cNvPr id="47" name="Rectangle: Rounded Corners 46">
+            <a:extLst>
+              <a:ext uri="{FF2B5EF4-FFF2-40B4-BE49-F238E27FC236}">
+                <a16:creationId xmlns:a16="http://schemas.microsoft.com/office/drawing/2014/main" id="{9DC62B40-C49B-4D30-9448-BBE6F2CD259B}"/>
+              </a:ext>
+            </a:extLst>
+          </p:cNvPr>
+          <p:cNvSpPr/>
+          <p:nvPr/>
+        </p:nvSpPr>
+        <p:spPr>
+          <a:xfrm>
+            <a:off x="8946543" y="4480553"/>
+            <a:ext cx="1592910" cy="977071"/>
+          </a:xfrm>
+          <a:prstGeom prst="roundRect">
+            <a:avLst/>
+          </a:prstGeom>
+          <a:solidFill>
+            <a:schemeClr val="bg1"/>
+          </a:solidFill>
+          <a:ln>
+            <a:noFill/>
+          </a:ln>
+        </p:spPr>
+        <p:style>
+          <a:lnRef idx="2">
+            <a:schemeClr val="accent1">
+              <a:shade val="50000"/>
+            </a:schemeClr>
+          </a:lnRef>
+          <a:fillRef idx="1">
+            <a:schemeClr val="accent1"/>
+          </a:fillRef>
+          <a:effectRef idx="0">
+            <a:schemeClr val="accent1"/>
+          </a:effectRef>
+          <a:fontRef idx="minor">
+            <a:schemeClr val="lt1"/>
+          </a:fontRef>
+        </p:style>
+        <p:txBody>
+          <a:bodyPr rtlCol="0" anchor="ctr"/>
+          <a:lstStyle/>
+          <a:p>
+            <a:pPr algn="ctr"/>
+            <a:r>
+              <a:rPr lang="en-US" sz="1000" dirty="0">
+                <a:solidFill>
+                  <a:schemeClr val="tx1"/>
+                </a:solidFill>
+                <a:latin typeface="Poppins" panose="00000500000000000000" pitchFamily="2" charset="0"/>
+                <a:cs typeface="Poppins" panose="00000500000000000000" pitchFamily="2" charset="0"/>
+              </a:rPr>
+              <a:t>Promise</a:t>
+            </a:r>
+          </a:p>
+          <a:p>
+            <a:pPr algn="ctr"/>
+            <a:r>
+              <a:rPr lang="en-US" sz="1000" dirty="0">
+                <a:solidFill>
+                  <a:schemeClr val="tx1"/>
+                </a:solidFill>
+                <a:latin typeface="Poppins" panose="00000500000000000000" pitchFamily="2" charset="0"/>
+                <a:cs typeface="Poppins" panose="00000500000000000000" pitchFamily="2" charset="0"/>
+              </a:rPr>
+              <a:t>Async Await</a:t>
+            </a:r>
+          </a:p>
+        </p:txBody>
+      </p:sp>
+      <p:sp>
+        <p:nvSpPr>
+          <p:cNvPr id="15" name="Rectangle: Rounded Corners 14">
+            <a:extLst>
+              <a:ext uri="{FF2B5EF4-FFF2-40B4-BE49-F238E27FC236}">
+                <a16:creationId xmlns:a16="http://schemas.microsoft.com/office/drawing/2014/main" id="{58B4763D-15D0-4BA5-BDBB-DC98AE02C6B0}"/>
+              </a:ext>
+            </a:extLst>
+          </p:cNvPr>
+          <p:cNvSpPr/>
+          <p:nvPr/>
+        </p:nvSpPr>
+        <p:spPr>
+          <a:xfrm>
+            <a:off x="6217920" y="922352"/>
+            <a:ext cx="1423280" cy="977071"/>
+          </a:xfrm>
+          <a:prstGeom prst="roundRect">
+            <a:avLst/>
+          </a:prstGeom>
+          <a:solidFill>
+            <a:schemeClr val="bg1"/>
+          </a:solidFill>
+          <a:ln>
+            <a:solidFill>
+              <a:schemeClr val="tx1"/>
+            </a:solidFill>
+          </a:ln>
+        </p:spPr>
+        <p:style>
+          <a:lnRef idx="2">
+            <a:schemeClr val="accent1">
+              <a:shade val="50000"/>
+            </a:schemeClr>
+          </a:lnRef>
+          <a:fillRef idx="1">
+            <a:schemeClr val="accent1"/>
+          </a:fillRef>
+          <a:effectRef idx="0">
+            <a:schemeClr val="accent1"/>
+          </a:effectRef>
+          <a:fontRef idx="minor">
+            <a:schemeClr val="lt1"/>
+          </a:fontRef>
+        </p:style>
+        <p:txBody>
+          <a:bodyPr rtlCol="0" anchor="ctr"/>
+          <a:lstStyle/>
+          <a:p>
+            <a:pPr algn="ctr"/>
+            <a:r>
+              <a:rPr lang="en-US" sz="1000" dirty="0">
+                <a:solidFill>
+                  <a:schemeClr val="tx1"/>
+                </a:solidFill>
+                <a:latin typeface="Poppins" panose="00000500000000000000" pitchFamily="2" charset="0"/>
+                <a:cs typeface="Poppins" panose="00000500000000000000" pitchFamily="2" charset="0"/>
+              </a:rPr>
+              <a:t>Dasar </a:t>
+            </a:r>
+            <a:r>
+              <a:rPr lang="en-US" sz="1000" dirty="0" err="1">
+                <a:solidFill>
+                  <a:schemeClr val="tx1"/>
+                </a:solidFill>
+                <a:latin typeface="Poppins" panose="00000500000000000000" pitchFamily="2" charset="0"/>
+                <a:cs typeface="Poppins" panose="00000500000000000000" pitchFamily="2" charset="0"/>
+              </a:rPr>
+              <a:t>Javascript</a:t>
+            </a:r>
+            <a:endParaRPr lang="en-US" sz="1000" dirty="0">
+              <a:solidFill>
+                <a:schemeClr val="tx1"/>
+              </a:solidFill>
+              <a:latin typeface="Poppins" panose="00000500000000000000" pitchFamily="2" charset="0"/>
+              <a:cs typeface="Poppins" panose="00000500000000000000" pitchFamily="2" charset="0"/>
+            </a:endParaRPr>
+          </a:p>
+        </p:txBody>
+      </p:sp>
+      <p:sp>
+        <p:nvSpPr>
+          <p:cNvPr id="22" name="Rectangle: Rounded Corners 21">
+            <a:extLst>
+              <a:ext uri="{FF2B5EF4-FFF2-40B4-BE49-F238E27FC236}">
+                <a16:creationId xmlns:a16="http://schemas.microsoft.com/office/drawing/2014/main" id="{3801D850-7917-4290-A64D-535E342BAACD}"/>
+              </a:ext>
+            </a:extLst>
+          </p:cNvPr>
+          <p:cNvSpPr/>
+          <p:nvPr/>
+        </p:nvSpPr>
+        <p:spPr>
+          <a:xfrm>
+            <a:off x="5351231" y="2108420"/>
+            <a:ext cx="1423280" cy="977071"/>
+          </a:xfrm>
+          <a:prstGeom prst="roundRect">
+            <a:avLst/>
+          </a:prstGeom>
+          <a:solidFill>
+            <a:schemeClr val="bg1"/>
+          </a:solidFill>
+          <a:ln>
+            <a:solidFill>
+              <a:schemeClr val="tx1"/>
+            </a:solidFill>
+          </a:ln>
+        </p:spPr>
+        <p:style>
+          <a:lnRef idx="2">
+            <a:schemeClr val="accent1">
+              <a:shade val="50000"/>
+            </a:schemeClr>
+          </a:lnRef>
+          <a:fillRef idx="1">
+            <a:schemeClr val="accent1"/>
+          </a:fillRef>
+          <a:effectRef idx="0">
+            <a:schemeClr val="accent1"/>
+          </a:effectRef>
+          <a:fontRef idx="minor">
+            <a:schemeClr val="lt1"/>
+          </a:fontRef>
+        </p:style>
+        <p:txBody>
+          <a:bodyPr rtlCol="0" anchor="ctr"/>
+          <a:lstStyle/>
+          <a:p>
+            <a:pPr algn="ctr"/>
+            <a:r>
+              <a:rPr lang="en-US" sz="1000" dirty="0">
+                <a:solidFill>
+                  <a:schemeClr val="tx1"/>
+                </a:solidFill>
+                <a:latin typeface="Poppins" panose="00000500000000000000" pitchFamily="2" charset="0"/>
+                <a:cs typeface="Poppins" panose="00000500000000000000" pitchFamily="2" charset="0"/>
+              </a:rPr>
+              <a:t>DOM</a:t>
+            </a:r>
+          </a:p>
+        </p:txBody>
+      </p:sp>
+      <p:sp>
+        <p:nvSpPr>
+          <p:cNvPr id="23" name="Rectangle: Rounded Corners 22">
+            <a:extLst>
+              <a:ext uri="{FF2B5EF4-FFF2-40B4-BE49-F238E27FC236}">
+                <a16:creationId xmlns:a16="http://schemas.microsoft.com/office/drawing/2014/main" id="{245190CB-CCDC-4114-BED4-A16C4931326F}"/>
+              </a:ext>
+            </a:extLst>
+          </p:cNvPr>
+          <p:cNvSpPr/>
+          <p:nvPr/>
+        </p:nvSpPr>
+        <p:spPr>
+          <a:xfrm>
+            <a:off x="7169427" y="2108420"/>
+            <a:ext cx="1423280" cy="977071"/>
+          </a:xfrm>
+          <a:prstGeom prst="roundRect">
+            <a:avLst/>
+          </a:prstGeom>
+          <a:solidFill>
+            <a:schemeClr val="bg1"/>
+          </a:solidFill>
+          <a:ln>
+            <a:solidFill>
+              <a:schemeClr val="tx1"/>
+            </a:solidFill>
+          </a:ln>
+        </p:spPr>
+        <p:style>
+          <a:lnRef idx="2">
+            <a:schemeClr val="accent1">
+              <a:shade val="50000"/>
+            </a:schemeClr>
+          </a:lnRef>
+          <a:fillRef idx="1">
+            <a:schemeClr val="accent1"/>
+          </a:fillRef>
+          <a:effectRef idx="0">
+            <a:schemeClr val="accent1"/>
+          </a:effectRef>
+          <a:fontRef idx="minor">
+            <a:schemeClr val="lt1"/>
+          </a:fontRef>
+        </p:style>
+        <p:txBody>
+          <a:bodyPr rtlCol="0" anchor="ctr"/>
+          <a:lstStyle/>
+          <a:p>
+            <a:pPr algn="ctr"/>
+            <a:r>
+              <a:rPr lang="en-US" sz="1000" dirty="0">
+                <a:solidFill>
+                  <a:schemeClr val="tx1"/>
+                </a:solidFill>
+                <a:latin typeface="Poppins" panose="00000500000000000000" pitchFamily="2" charset="0"/>
+                <a:cs typeface="Poppins" panose="00000500000000000000" pitchFamily="2" charset="0"/>
+              </a:rPr>
+              <a:t>ES6</a:t>
+            </a:r>
+          </a:p>
+        </p:txBody>
+      </p:sp>
+      <p:sp>
+        <p:nvSpPr>
+          <p:cNvPr id="29" name="Rectangle: Rounded Corners 28">
+            <a:extLst>
+              <a:ext uri="{FF2B5EF4-FFF2-40B4-BE49-F238E27FC236}">
+                <a16:creationId xmlns:a16="http://schemas.microsoft.com/office/drawing/2014/main" id="{37B9A54C-F047-4A31-8526-E6D658D16985}"/>
+              </a:ext>
+            </a:extLst>
+          </p:cNvPr>
+          <p:cNvSpPr/>
+          <p:nvPr/>
+        </p:nvSpPr>
+        <p:spPr>
+          <a:xfrm>
+            <a:off x="3132043" y="2108420"/>
+            <a:ext cx="1592910" cy="977071"/>
+          </a:xfrm>
+          <a:prstGeom prst="roundRect">
+            <a:avLst/>
+          </a:prstGeom>
+          <a:solidFill>
+            <a:schemeClr val="bg1"/>
+          </a:solidFill>
+          <a:ln>
+            <a:solidFill>
+              <a:schemeClr val="bg1"/>
+            </a:solidFill>
+          </a:ln>
+        </p:spPr>
+        <p:style>
+          <a:lnRef idx="2">
+            <a:schemeClr val="accent1">
+              <a:shade val="50000"/>
+            </a:schemeClr>
+          </a:lnRef>
+          <a:fillRef idx="1">
+            <a:schemeClr val="accent1"/>
+          </a:fillRef>
+          <a:effectRef idx="0">
+            <a:schemeClr val="accent1"/>
+          </a:effectRef>
+          <a:fontRef idx="minor">
+            <a:schemeClr val="lt1"/>
+          </a:fontRef>
+        </p:style>
+        <p:txBody>
+          <a:bodyPr rtlCol="0" anchor="ctr"/>
+          <a:lstStyle/>
+          <a:p>
+            <a:pPr marL="171450" indent="-171450" algn="ctr">
+              <a:buFontTx/>
+              <a:buChar char="-"/>
+            </a:pPr>
+            <a:r>
+              <a:rPr lang="en-US" sz="1000" dirty="0">
+                <a:solidFill>
+                  <a:schemeClr val="tx1"/>
+                </a:solidFill>
+                <a:latin typeface="Poppins" panose="00000500000000000000" pitchFamily="2" charset="0"/>
+                <a:cs typeface="Poppins" panose="00000500000000000000" pitchFamily="2" charset="0"/>
+              </a:rPr>
+              <a:t>Event Handler</a:t>
+            </a:r>
+          </a:p>
+          <a:p>
+            <a:pPr marL="171450" indent="-171450" algn="ctr">
+              <a:buFontTx/>
+              <a:buChar char="-"/>
+            </a:pPr>
+            <a:r>
+              <a:rPr lang="en-US" sz="1000" dirty="0" err="1">
+                <a:solidFill>
+                  <a:schemeClr val="tx1"/>
+                </a:solidFill>
+                <a:latin typeface="Poppins" panose="00000500000000000000" pitchFamily="2" charset="0"/>
+                <a:cs typeface="Poppins" panose="00000500000000000000" pitchFamily="2" charset="0"/>
+              </a:rPr>
+              <a:t>Manipulasi</a:t>
+            </a:r>
+            <a:r>
+              <a:rPr lang="en-US" sz="1000" dirty="0">
+                <a:solidFill>
+                  <a:schemeClr val="tx1"/>
+                </a:solidFill>
+                <a:latin typeface="Poppins" panose="00000500000000000000" pitchFamily="2" charset="0"/>
+                <a:cs typeface="Poppins" panose="00000500000000000000" pitchFamily="2" charset="0"/>
+              </a:rPr>
+              <a:t> Dom</a:t>
+            </a:r>
+          </a:p>
+        </p:txBody>
+      </p:sp>
+      <p:cxnSp>
+        <p:nvCxnSpPr>
+          <p:cNvPr id="31" name="Straight Connector 30">
+            <a:extLst>
+              <a:ext uri="{FF2B5EF4-FFF2-40B4-BE49-F238E27FC236}">
+                <a16:creationId xmlns:a16="http://schemas.microsoft.com/office/drawing/2014/main" id="{164E15DC-A48F-4EB4-BDE0-E1132862C753}"/>
+              </a:ext>
+            </a:extLst>
+          </p:cNvPr>
+          <p:cNvCxnSpPr>
+            <a:cxnSpLocks/>
+          </p:cNvCxnSpPr>
+          <p:nvPr/>
+        </p:nvCxnSpPr>
+        <p:spPr>
+          <a:xfrm>
+            <a:off x="4701872" y="2585879"/>
+            <a:ext cx="267694" cy="0"/>
+          </a:xfrm>
+          <a:prstGeom prst="line">
+            <a:avLst/>
+          </a:prstGeom>
+        </p:spPr>
+        <p:style>
+          <a:lnRef idx="1">
+            <a:schemeClr val="dk1"/>
+          </a:lnRef>
+          <a:fillRef idx="0">
+            <a:schemeClr val="dk1"/>
+          </a:fillRef>
+          <a:effectRef idx="0">
+            <a:schemeClr val="dk1"/>
+          </a:effectRef>
+          <a:fontRef idx="minor">
+            <a:schemeClr val="tx1"/>
+          </a:fontRef>
+        </p:style>
+      </p:cxnSp>
+      <p:cxnSp>
+        <p:nvCxnSpPr>
+          <p:cNvPr id="34" name="Straight Connector 33">
+            <a:extLst>
+              <a:ext uri="{FF2B5EF4-FFF2-40B4-BE49-F238E27FC236}">
+                <a16:creationId xmlns:a16="http://schemas.microsoft.com/office/drawing/2014/main" id="{4AAE3F67-80F1-40D7-BCE0-C9CF1E6CEBB8}"/>
+              </a:ext>
+            </a:extLst>
+          </p:cNvPr>
+          <p:cNvCxnSpPr>
+            <a:cxnSpLocks/>
+          </p:cNvCxnSpPr>
+          <p:nvPr/>
+        </p:nvCxnSpPr>
+        <p:spPr>
+          <a:xfrm>
+            <a:off x="5027878" y="2585879"/>
+            <a:ext cx="267694" cy="0"/>
+          </a:xfrm>
+          <a:prstGeom prst="line">
+            <a:avLst/>
+          </a:prstGeom>
+        </p:spPr>
+        <p:style>
+          <a:lnRef idx="1">
+            <a:schemeClr val="dk1"/>
+          </a:lnRef>
+          <a:fillRef idx="0">
+            <a:schemeClr val="dk1"/>
+          </a:fillRef>
+          <a:effectRef idx="0">
+            <a:schemeClr val="dk1"/>
+          </a:effectRef>
+          <a:fontRef idx="minor">
+            <a:schemeClr val="tx1"/>
+          </a:fontRef>
+        </p:style>
+      </p:cxnSp>
+      <p:sp>
+        <p:nvSpPr>
+          <p:cNvPr id="35" name="Rectangle: Rounded Corners 34">
+            <a:extLst>
+              <a:ext uri="{FF2B5EF4-FFF2-40B4-BE49-F238E27FC236}">
+                <a16:creationId xmlns:a16="http://schemas.microsoft.com/office/drawing/2014/main" id="{84316625-2FEC-4452-B57C-89FF35E65FD6}"/>
+              </a:ext>
+            </a:extLst>
+          </p:cNvPr>
+          <p:cNvSpPr/>
+          <p:nvPr/>
+        </p:nvSpPr>
+        <p:spPr>
+          <a:xfrm>
+            <a:off x="9330861" y="2157421"/>
+            <a:ext cx="1872527" cy="977071"/>
+          </a:xfrm>
+          <a:prstGeom prst="roundRect">
+            <a:avLst/>
+          </a:prstGeom>
+          <a:solidFill>
+            <a:schemeClr val="bg1"/>
+          </a:solidFill>
+          <a:ln>
+            <a:solidFill>
+              <a:schemeClr val="bg1"/>
+            </a:solidFill>
+          </a:ln>
+        </p:spPr>
+        <p:style>
+          <a:lnRef idx="2">
+            <a:schemeClr val="accent1">
+              <a:shade val="50000"/>
+            </a:schemeClr>
+          </a:lnRef>
+          <a:fillRef idx="1">
+            <a:schemeClr val="accent1"/>
+          </a:fillRef>
+          <a:effectRef idx="0">
+            <a:schemeClr val="accent1"/>
+          </a:effectRef>
+          <a:fontRef idx="minor">
+            <a:schemeClr val="lt1"/>
+          </a:fontRef>
+        </p:style>
+        <p:txBody>
+          <a:bodyPr rtlCol="0" anchor="ctr"/>
+          <a:lstStyle/>
+          <a:p>
+            <a:pPr marL="171450" indent="-171450" algn="ctr">
+              <a:buFontTx/>
+              <a:buChar char="-"/>
+            </a:pPr>
+            <a:r>
+              <a:rPr lang="en-US" sz="1000" dirty="0">
+                <a:solidFill>
+                  <a:schemeClr val="tx1"/>
+                </a:solidFill>
+                <a:latin typeface="Poppins" panose="00000500000000000000" pitchFamily="2" charset="0"/>
+                <a:cs typeface="Poppins" panose="00000500000000000000" pitchFamily="2" charset="0"/>
+              </a:rPr>
+              <a:t>Arrow function</a:t>
+            </a:r>
+          </a:p>
+          <a:p>
+            <a:pPr marL="171450" indent="-171450" algn="ctr">
+              <a:buFontTx/>
+              <a:buChar char="-"/>
+            </a:pPr>
+            <a:r>
+              <a:rPr lang="en-US" sz="1000" dirty="0" err="1">
+                <a:solidFill>
+                  <a:schemeClr val="tx1"/>
+                </a:solidFill>
+                <a:latin typeface="Poppins" panose="00000500000000000000" pitchFamily="2" charset="0"/>
+                <a:cs typeface="Poppins" panose="00000500000000000000" pitchFamily="2" charset="0"/>
+              </a:rPr>
+              <a:t>Filter,Map,Reduce</a:t>
+            </a:r>
+            <a:endParaRPr lang="en-US" sz="1000" dirty="0">
+              <a:solidFill>
+                <a:schemeClr val="tx1"/>
+              </a:solidFill>
+              <a:latin typeface="Poppins" panose="00000500000000000000" pitchFamily="2" charset="0"/>
+              <a:cs typeface="Poppins" panose="00000500000000000000" pitchFamily="2" charset="0"/>
+            </a:endParaRPr>
+          </a:p>
+          <a:p>
+            <a:pPr marL="171450" indent="-171450" algn="ctr">
+              <a:buFontTx/>
+              <a:buChar char="-"/>
+            </a:pPr>
+            <a:r>
+              <a:rPr lang="en-US" sz="1000" dirty="0">
+                <a:solidFill>
+                  <a:schemeClr val="tx1"/>
+                </a:solidFill>
+                <a:latin typeface="Poppins" panose="00000500000000000000" pitchFamily="2" charset="0"/>
+                <a:cs typeface="Poppins" panose="00000500000000000000" pitchFamily="2" charset="0"/>
+              </a:rPr>
+              <a:t>Template literals</a:t>
+            </a:r>
+          </a:p>
+          <a:p>
+            <a:pPr marL="171450" indent="-171450" algn="ctr">
+              <a:buFontTx/>
+              <a:buChar char="-"/>
+            </a:pPr>
+            <a:r>
+              <a:rPr lang="en-US" sz="1000" dirty="0">
+                <a:solidFill>
+                  <a:schemeClr val="tx1"/>
+                </a:solidFill>
+                <a:latin typeface="Poppins" panose="00000500000000000000" pitchFamily="2" charset="0"/>
+                <a:cs typeface="Poppins" panose="00000500000000000000" pitchFamily="2" charset="0"/>
+              </a:rPr>
+              <a:t>Modul JS</a:t>
+            </a:r>
+          </a:p>
+          <a:p>
+            <a:pPr marL="171450" indent="-171450" algn="ctr">
+              <a:buFontTx/>
+              <a:buChar char="-"/>
+            </a:pPr>
+            <a:r>
+              <a:rPr lang="en-US" sz="1000" dirty="0">
+                <a:solidFill>
+                  <a:schemeClr val="tx1"/>
+                </a:solidFill>
+                <a:latin typeface="Poppins" panose="00000500000000000000" pitchFamily="2" charset="0"/>
+                <a:cs typeface="Poppins" panose="00000500000000000000" pitchFamily="2" charset="0"/>
+              </a:rPr>
+              <a:t>Error Handling</a:t>
+            </a:r>
+          </a:p>
+          <a:p>
+            <a:pPr marL="171450" indent="-171450" algn="ctr">
+              <a:buFontTx/>
+              <a:buChar char="-"/>
+            </a:pPr>
+            <a:r>
+              <a:rPr lang="en-US" sz="1000" dirty="0">
+                <a:solidFill>
+                  <a:schemeClr val="tx1"/>
+                </a:solidFill>
+                <a:latin typeface="Poppins" panose="00000500000000000000" pitchFamily="2" charset="0"/>
+                <a:cs typeface="Poppins" panose="00000500000000000000" pitchFamily="2" charset="0"/>
+              </a:rPr>
+              <a:t>Functional programming (</a:t>
+            </a:r>
+            <a:r>
+              <a:rPr lang="en-US" sz="1000" dirty="0" err="1">
+                <a:solidFill>
+                  <a:schemeClr val="tx1"/>
+                </a:solidFill>
+                <a:latin typeface="Poppins" panose="00000500000000000000" pitchFamily="2" charset="0"/>
+                <a:cs typeface="Poppins" panose="00000500000000000000" pitchFamily="2" charset="0"/>
+              </a:rPr>
+              <a:t>callback,closure</a:t>
+            </a:r>
+            <a:r>
+              <a:rPr lang="en-US" sz="1000" dirty="0">
+                <a:solidFill>
+                  <a:schemeClr val="tx1"/>
+                </a:solidFill>
+                <a:latin typeface="Poppins" panose="00000500000000000000" pitchFamily="2" charset="0"/>
+                <a:cs typeface="Poppins" panose="00000500000000000000" pitchFamily="2" charset="0"/>
+              </a:rPr>
+              <a:t>)</a:t>
+            </a:r>
+          </a:p>
+        </p:txBody>
+      </p:sp>
+      <p:cxnSp>
+        <p:nvCxnSpPr>
+          <p:cNvPr id="36" name="Straight Connector 35">
+            <a:extLst>
+              <a:ext uri="{FF2B5EF4-FFF2-40B4-BE49-F238E27FC236}">
+                <a16:creationId xmlns:a16="http://schemas.microsoft.com/office/drawing/2014/main" id="{7766399F-B7B8-4550-97D0-8748BF989EBE}"/>
+              </a:ext>
+            </a:extLst>
+          </p:cNvPr>
+          <p:cNvCxnSpPr>
+            <a:cxnSpLocks/>
+          </p:cNvCxnSpPr>
+          <p:nvPr/>
+        </p:nvCxnSpPr>
+        <p:spPr>
+          <a:xfrm>
+            <a:off x="8678849" y="2585879"/>
+            <a:ext cx="267694" cy="0"/>
+          </a:xfrm>
+          <a:prstGeom prst="line">
+            <a:avLst/>
+          </a:prstGeom>
+        </p:spPr>
+        <p:style>
+          <a:lnRef idx="1">
+            <a:schemeClr val="dk1"/>
+          </a:lnRef>
+          <a:fillRef idx="0">
+            <a:schemeClr val="dk1"/>
+          </a:fillRef>
+          <a:effectRef idx="0">
+            <a:schemeClr val="dk1"/>
+          </a:effectRef>
+          <a:fontRef idx="minor">
+            <a:schemeClr val="tx1"/>
+          </a:fontRef>
+        </p:style>
+      </p:cxnSp>
+      <p:cxnSp>
+        <p:nvCxnSpPr>
+          <p:cNvPr id="37" name="Straight Connector 36">
+            <a:extLst>
+              <a:ext uri="{FF2B5EF4-FFF2-40B4-BE49-F238E27FC236}">
+                <a16:creationId xmlns:a16="http://schemas.microsoft.com/office/drawing/2014/main" id="{45B17409-244D-4583-AAFD-E84C973DDE95}"/>
+              </a:ext>
+            </a:extLst>
+          </p:cNvPr>
+          <p:cNvCxnSpPr>
+            <a:cxnSpLocks/>
+          </p:cNvCxnSpPr>
+          <p:nvPr/>
+        </p:nvCxnSpPr>
+        <p:spPr>
+          <a:xfrm>
+            <a:off x="9004855" y="2585879"/>
+            <a:ext cx="267694" cy="0"/>
+          </a:xfrm>
+          <a:prstGeom prst="line">
+            <a:avLst/>
+          </a:prstGeom>
+        </p:spPr>
+        <p:style>
+          <a:lnRef idx="1">
+            <a:schemeClr val="dk1"/>
+          </a:lnRef>
+          <a:fillRef idx="0">
+            <a:schemeClr val="dk1"/>
+          </a:fillRef>
+          <a:effectRef idx="0">
+            <a:schemeClr val="dk1"/>
+          </a:effectRef>
+          <a:fontRef idx="minor">
+            <a:schemeClr val="tx1"/>
+          </a:fontRef>
+        </p:style>
+      </p:cxnSp>
+      <p:sp>
+        <p:nvSpPr>
+          <p:cNvPr id="38" name="Rectangle: Rounded Corners 37">
+            <a:extLst>
+              <a:ext uri="{FF2B5EF4-FFF2-40B4-BE49-F238E27FC236}">
+                <a16:creationId xmlns:a16="http://schemas.microsoft.com/office/drawing/2014/main" id="{F6015E45-8342-4285-9CCC-E204ECEE04F5}"/>
+              </a:ext>
+            </a:extLst>
+          </p:cNvPr>
+          <p:cNvSpPr/>
+          <p:nvPr/>
+        </p:nvSpPr>
+        <p:spPr>
+          <a:xfrm>
+            <a:off x="6239123" y="3294488"/>
+            <a:ext cx="1423280" cy="977071"/>
+          </a:xfrm>
+          <a:prstGeom prst="roundRect">
+            <a:avLst/>
+          </a:prstGeom>
+          <a:solidFill>
+            <a:schemeClr val="bg1"/>
+          </a:solidFill>
+          <a:ln>
+            <a:solidFill>
+              <a:schemeClr val="tx1"/>
+            </a:solidFill>
+          </a:ln>
+        </p:spPr>
+        <p:style>
+          <a:lnRef idx="2">
+            <a:schemeClr val="accent1">
+              <a:shade val="50000"/>
+            </a:schemeClr>
+          </a:lnRef>
+          <a:fillRef idx="1">
+            <a:schemeClr val="accent1"/>
+          </a:fillRef>
+          <a:effectRef idx="0">
+            <a:schemeClr val="accent1"/>
+          </a:effectRef>
+          <a:fontRef idx="minor">
+            <a:schemeClr val="lt1"/>
+          </a:fontRef>
+        </p:style>
+        <p:txBody>
+          <a:bodyPr rtlCol="0" anchor="ctr"/>
+          <a:lstStyle/>
+          <a:p>
+            <a:pPr algn="ctr"/>
+            <a:r>
+              <a:rPr lang="en-US" sz="1000" dirty="0">
+                <a:solidFill>
+                  <a:schemeClr val="tx1"/>
+                </a:solidFill>
+                <a:latin typeface="Poppins" panose="00000500000000000000" pitchFamily="2" charset="0"/>
+                <a:cs typeface="Poppins" panose="00000500000000000000" pitchFamily="2" charset="0"/>
+              </a:rPr>
+              <a:t>Bundler</a:t>
+            </a:r>
+          </a:p>
+        </p:txBody>
+      </p:sp>
       <p:pic>
         <p:nvPicPr>
-          <p:cNvPr id="3" name="Picture 2">
-            <a:extLst>
-              <a:ext uri="{FF2B5EF4-FFF2-40B4-BE49-F238E27FC236}">
-                <a16:creationId xmlns:a16="http://schemas.microsoft.com/office/drawing/2014/main" id="{3644E87C-B386-4AAF-9ACE-D4E3914D5ABF}"/>
+          <p:cNvPr id="39" name="Picture 20" descr="Branding Guidelines | webpack">
+            <a:extLst>
+              <a:ext uri="{FF2B5EF4-FFF2-40B4-BE49-F238E27FC236}">
+                <a16:creationId xmlns:a16="http://schemas.microsoft.com/office/drawing/2014/main" id="{68ED1010-24C5-45D1-A7B1-4C77FB0B40FC}"/>
               </a:ext>
             </a:extLst>
           </p:cNvPr>
           <p:cNvPicPr>
-            <a:picLocks noChangeAspect="1"/>
+            <a:picLocks noChangeAspect="1" noChangeArrowheads="1"/>
           </p:cNvPicPr>
           <p:nvPr/>
         </p:nvPicPr>
@@ -6964,26 +6504,935 @@
               </a:ext>
             </a:extLst>
           </a:blip>
+          <a:srcRect/>
           <a:stretch>
             <a:fillRect/>
           </a:stretch>
         </p:blipFill>
-        <p:spPr>
-          <a:xfrm>
-            <a:off x="2926082" y="919174"/>
-            <a:ext cx="6954082" cy="4165684"/>
+        <p:spPr bwMode="auto">
+          <a:xfrm flipH="1">
+            <a:off x="8259311" y="3254138"/>
+            <a:ext cx="1106770" cy="1106770"/>
           </a:xfrm>
           <a:prstGeom prst="rect">
             <a:avLst/>
           </a:prstGeom>
+          <a:noFill/>
+          <a:extLst>
+            <a:ext uri="{909E8E84-426E-40DD-AFC4-6F175D3DCCD1}">
+              <a14:hiddenFill xmlns:a14="http://schemas.microsoft.com/office/drawing/2010/main">
+                <a:solidFill>
+                  <a:srgbClr val="FFFFFF"/>
+                </a:solidFill>
+              </a14:hiddenFill>
+            </a:ext>
+          </a:extLst>
         </p:spPr>
       </p:pic>
-      <p:sp>
-        <p:nvSpPr>
-          <p:cNvPr id="4" name="TextBox 3">
-            <a:extLst>
-              <a:ext uri="{FF2B5EF4-FFF2-40B4-BE49-F238E27FC236}">
-                <a16:creationId xmlns:a16="http://schemas.microsoft.com/office/drawing/2014/main" id="{705C385F-E0EF-46AE-808A-A3B91D251D87}"/>
+      <p:cxnSp>
+        <p:nvCxnSpPr>
+          <p:cNvPr id="40" name="Straight Connector 39">
+            <a:extLst>
+              <a:ext uri="{FF2B5EF4-FFF2-40B4-BE49-F238E27FC236}">
+                <a16:creationId xmlns:a16="http://schemas.microsoft.com/office/drawing/2014/main" id="{F87197A4-B7E6-4D50-8692-1A3E2589BC91}"/>
+              </a:ext>
+            </a:extLst>
+          </p:cNvPr>
+          <p:cNvCxnSpPr>
+            <a:cxnSpLocks/>
+          </p:cNvCxnSpPr>
+          <p:nvPr/>
+        </p:nvCxnSpPr>
+        <p:spPr>
+          <a:xfrm>
+            <a:off x="7726018" y="3783023"/>
+            <a:ext cx="267694" cy="0"/>
+          </a:xfrm>
+          <a:prstGeom prst="line">
+            <a:avLst/>
+          </a:prstGeom>
+        </p:spPr>
+        <p:style>
+          <a:lnRef idx="1">
+            <a:schemeClr val="dk1"/>
+          </a:lnRef>
+          <a:fillRef idx="0">
+            <a:schemeClr val="dk1"/>
+          </a:fillRef>
+          <a:effectRef idx="0">
+            <a:schemeClr val="dk1"/>
+          </a:effectRef>
+          <a:fontRef idx="minor">
+            <a:schemeClr val="tx1"/>
+          </a:fontRef>
+        </p:style>
+      </p:cxnSp>
+      <p:cxnSp>
+        <p:nvCxnSpPr>
+          <p:cNvPr id="41" name="Straight Connector 40">
+            <a:extLst>
+              <a:ext uri="{FF2B5EF4-FFF2-40B4-BE49-F238E27FC236}">
+                <a16:creationId xmlns:a16="http://schemas.microsoft.com/office/drawing/2014/main" id="{47DF87B9-C8C1-4A1B-B18C-20087515CB69}"/>
+              </a:ext>
+            </a:extLst>
+          </p:cNvPr>
+          <p:cNvCxnSpPr>
+            <a:cxnSpLocks/>
+          </p:cNvCxnSpPr>
+          <p:nvPr/>
+        </p:nvCxnSpPr>
+        <p:spPr>
+          <a:xfrm>
+            <a:off x="8052024" y="3783023"/>
+            <a:ext cx="267694" cy="0"/>
+          </a:xfrm>
+          <a:prstGeom prst="line">
+            <a:avLst/>
+          </a:prstGeom>
+        </p:spPr>
+        <p:style>
+          <a:lnRef idx="1">
+            <a:schemeClr val="dk1"/>
+          </a:lnRef>
+          <a:fillRef idx="0">
+            <a:schemeClr val="dk1"/>
+          </a:fillRef>
+          <a:effectRef idx="0">
+            <a:schemeClr val="dk1"/>
+          </a:effectRef>
+          <a:fontRef idx="minor">
+            <a:schemeClr val="tx1"/>
+          </a:fontRef>
+        </p:style>
+      </p:cxnSp>
+      <p:sp>
+        <p:nvSpPr>
+          <p:cNvPr id="42" name="Rectangle: Rounded Corners 41">
+            <a:extLst>
+              <a:ext uri="{FF2B5EF4-FFF2-40B4-BE49-F238E27FC236}">
+                <a16:creationId xmlns:a16="http://schemas.microsoft.com/office/drawing/2014/main" id="{4042F402-1D64-4C70-8B50-20808D1DE750}"/>
+              </a:ext>
+            </a:extLst>
+          </p:cNvPr>
+          <p:cNvSpPr/>
+          <p:nvPr/>
+        </p:nvSpPr>
+        <p:spPr>
+          <a:xfrm>
+            <a:off x="5295572" y="4969089"/>
+            <a:ext cx="1423280" cy="977071"/>
+          </a:xfrm>
+          <a:prstGeom prst="roundRect">
+            <a:avLst/>
+          </a:prstGeom>
+          <a:solidFill>
+            <a:schemeClr val="bg1"/>
+          </a:solidFill>
+          <a:ln>
+            <a:solidFill>
+              <a:schemeClr val="tx1"/>
+            </a:solidFill>
+          </a:ln>
+        </p:spPr>
+        <p:style>
+          <a:lnRef idx="2">
+            <a:schemeClr val="accent1">
+              <a:shade val="50000"/>
+            </a:schemeClr>
+          </a:lnRef>
+          <a:fillRef idx="1">
+            <a:schemeClr val="accent1"/>
+          </a:fillRef>
+          <a:effectRef idx="0">
+            <a:schemeClr val="accent1"/>
+          </a:effectRef>
+          <a:fontRef idx="minor">
+            <a:schemeClr val="lt1"/>
+          </a:fontRef>
+        </p:style>
+        <p:txBody>
+          <a:bodyPr rtlCol="0" anchor="ctr"/>
+          <a:lstStyle/>
+          <a:p>
+            <a:pPr algn="ctr"/>
+            <a:r>
+              <a:rPr lang="en-US" sz="1000" dirty="0">
+                <a:solidFill>
+                  <a:schemeClr val="tx1"/>
+                </a:solidFill>
+                <a:latin typeface="Poppins" panose="00000500000000000000" pitchFamily="2" charset="0"/>
+                <a:cs typeface="Poppins" panose="00000500000000000000" pitchFamily="2" charset="0"/>
+              </a:rPr>
+              <a:t>Frameworks</a:t>
+            </a:r>
+          </a:p>
+        </p:txBody>
+      </p:sp>
+      <p:sp>
+        <p:nvSpPr>
+          <p:cNvPr id="43" name="Rectangle: Rounded Corners 42">
+            <a:extLst>
+              <a:ext uri="{FF2B5EF4-FFF2-40B4-BE49-F238E27FC236}">
+                <a16:creationId xmlns:a16="http://schemas.microsoft.com/office/drawing/2014/main" id="{6E4FD151-64CF-4AD6-A21A-73AA91437A6F}"/>
+              </a:ext>
+            </a:extLst>
+          </p:cNvPr>
+          <p:cNvSpPr/>
+          <p:nvPr/>
+        </p:nvSpPr>
+        <p:spPr>
+          <a:xfrm>
+            <a:off x="7174728" y="4480554"/>
+            <a:ext cx="1423280" cy="977071"/>
+          </a:xfrm>
+          <a:prstGeom prst="roundRect">
+            <a:avLst/>
+          </a:prstGeom>
+          <a:solidFill>
+            <a:schemeClr val="bg1"/>
+          </a:solidFill>
+          <a:ln>
+            <a:solidFill>
+              <a:schemeClr val="tx1"/>
+            </a:solidFill>
+          </a:ln>
+        </p:spPr>
+        <p:style>
+          <a:lnRef idx="2">
+            <a:schemeClr val="accent1">
+              <a:shade val="50000"/>
+            </a:schemeClr>
+          </a:lnRef>
+          <a:fillRef idx="1">
+            <a:schemeClr val="accent1"/>
+          </a:fillRef>
+          <a:effectRef idx="0">
+            <a:schemeClr val="accent1"/>
+          </a:effectRef>
+          <a:fontRef idx="minor">
+            <a:schemeClr val="lt1"/>
+          </a:fontRef>
+        </p:style>
+        <p:txBody>
+          <a:bodyPr rtlCol="0" anchor="ctr"/>
+          <a:lstStyle/>
+          <a:p>
+            <a:pPr algn="ctr"/>
+            <a:r>
+              <a:rPr lang="en-US" sz="1000" dirty="0">
+                <a:solidFill>
+                  <a:schemeClr val="tx1"/>
+                </a:solidFill>
+                <a:latin typeface="Poppins" panose="00000500000000000000" pitchFamily="2" charset="0"/>
+                <a:cs typeface="Poppins" panose="00000500000000000000" pitchFamily="2" charset="0"/>
+              </a:rPr>
+              <a:t>Asynchronous</a:t>
+            </a:r>
+          </a:p>
+        </p:txBody>
+      </p:sp>
+      <p:cxnSp>
+        <p:nvCxnSpPr>
+          <p:cNvPr id="44" name="Straight Connector 43">
+            <a:extLst>
+              <a:ext uri="{FF2B5EF4-FFF2-40B4-BE49-F238E27FC236}">
+                <a16:creationId xmlns:a16="http://schemas.microsoft.com/office/drawing/2014/main" id="{ABAA049F-2FBB-4410-BB62-59DFF83CD49E}"/>
+              </a:ext>
+            </a:extLst>
+          </p:cNvPr>
+          <p:cNvCxnSpPr>
+            <a:cxnSpLocks/>
+          </p:cNvCxnSpPr>
+          <p:nvPr/>
+        </p:nvCxnSpPr>
+        <p:spPr>
+          <a:xfrm>
+            <a:off x="8678849" y="4969089"/>
+            <a:ext cx="267694" cy="0"/>
+          </a:xfrm>
+          <a:prstGeom prst="line">
+            <a:avLst/>
+          </a:prstGeom>
+        </p:spPr>
+        <p:style>
+          <a:lnRef idx="1">
+            <a:schemeClr val="dk1"/>
+          </a:lnRef>
+          <a:fillRef idx="0">
+            <a:schemeClr val="dk1"/>
+          </a:fillRef>
+          <a:effectRef idx="0">
+            <a:schemeClr val="dk1"/>
+          </a:effectRef>
+          <a:fontRef idx="minor">
+            <a:schemeClr val="tx1"/>
+          </a:fontRef>
+        </p:style>
+      </p:cxnSp>
+      <p:cxnSp>
+        <p:nvCxnSpPr>
+          <p:cNvPr id="45" name="Straight Connector 44">
+            <a:extLst>
+              <a:ext uri="{FF2B5EF4-FFF2-40B4-BE49-F238E27FC236}">
+                <a16:creationId xmlns:a16="http://schemas.microsoft.com/office/drawing/2014/main" id="{EEFB1E94-4F6B-4CAF-B38A-527DA896F1A9}"/>
+              </a:ext>
+            </a:extLst>
+          </p:cNvPr>
+          <p:cNvCxnSpPr>
+            <a:cxnSpLocks/>
+          </p:cNvCxnSpPr>
+          <p:nvPr/>
+        </p:nvCxnSpPr>
+        <p:spPr>
+          <a:xfrm>
+            <a:off x="9004855" y="4969089"/>
+            <a:ext cx="267694" cy="0"/>
+          </a:xfrm>
+          <a:prstGeom prst="line">
+            <a:avLst/>
+          </a:prstGeom>
+        </p:spPr>
+        <p:style>
+          <a:lnRef idx="1">
+            <a:schemeClr val="dk1"/>
+          </a:lnRef>
+          <a:fillRef idx="0">
+            <a:schemeClr val="dk1"/>
+          </a:fillRef>
+          <a:effectRef idx="0">
+            <a:schemeClr val="dk1"/>
+          </a:effectRef>
+          <a:fontRef idx="minor">
+            <a:schemeClr val="tx1"/>
+          </a:fontRef>
+        </p:style>
+      </p:cxnSp>
+      <p:sp>
+        <p:nvSpPr>
+          <p:cNvPr id="48" name="Rectangle: Rounded Corners 47">
+            <a:extLst>
+              <a:ext uri="{FF2B5EF4-FFF2-40B4-BE49-F238E27FC236}">
+                <a16:creationId xmlns:a16="http://schemas.microsoft.com/office/drawing/2014/main" id="{6938A914-B3CA-440E-BBA9-78C3462F3FD4}"/>
+              </a:ext>
+            </a:extLst>
+          </p:cNvPr>
+          <p:cNvSpPr/>
+          <p:nvPr/>
+        </p:nvSpPr>
+        <p:spPr>
+          <a:xfrm>
+            <a:off x="3953124" y="3254138"/>
+            <a:ext cx="1592910" cy="977071"/>
+          </a:xfrm>
+          <a:prstGeom prst="roundRect">
+            <a:avLst/>
+          </a:prstGeom>
+          <a:solidFill>
+            <a:schemeClr val="bg1"/>
+          </a:solidFill>
+          <a:ln>
+            <a:solidFill>
+              <a:schemeClr val="bg1"/>
+            </a:solidFill>
+          </a:ln>
+        </p:spPr>
+        <p:style>
+          <a:lnRef idx="2">
+            <a:schemeClr val="accent1">
+              <a:shade val="50000"/>
+            </a:schemeClr>
+          </a:lnRef>
+          <a:fillRef idx="1">
+            <a:schemeClr val="accent1"/>
+          </a:fillRef>
+          <a:effectRef idx="0">
+            <a:schemeClr val="accent1"/>
+          </a:effectRef>
+          <a:fontRef idx="minor">
+            <a:schemeClr val="lt1"/>
+          </a:fontRef>
+        </p:style>
+        <p:txBody>
+          <a:bodyPr rtlCol="0" anchor="ctr"/>
+          <a:lstStyle/>
+          <a:p>
+            <a:pPr marL="171450" indent="-171450" algn="ctr">
+              <a:buFontTx/>
+              <a:buChar char="-"/>
+            </a:pPr>
+            <a:r>
+              <a:rPr lang="en-US" sz="1000" dirty="0">
+                <a:solidFill>
+                  <a:schemeClr val="tx1"/>
+                </a:solidFill>
+                <a:latin typeface="Poppins" panose="00000500000000000000" pitchFamily="2" charset="0"/>
+                <a:cs typeface="Poppins" panose="00000500000000000000" pitchFamily="2" charset="0"/>
+              </a:rPr>
+              <a:t>Web component</a:t>
+            </a:r>
+          </a:p>
+        </p:txBody>
+      </p:sp>
+      <p:cxnSp>
+        <p:nvCxnSpPr>
+          <p:cNvPr id="49" name="Straight Connector 48">
+            <a:extLst>
+              <a:ext uri="{FF2B5EF4-FFF2-40B4-BE49-F238E27FC236}">
+                <a16:creationId xmlns:a16="http://schemas.microsoft.com/office/drawing/2014/main" id="{6B7D7F51-5CF8-4480-8A25-1E87F3B649A1}"/>
+              </a:ext>
+            </a:extLst>
+          </p:cNvPr>
+          <p:cNvCxnSpPr>
+            <a:cxnSpLocks/>
+          </p:cNvCxnSpPr>
+          <p:nvPr/>
+        </p:nvCxnSpPr>
+        <p:spPr>
+          <a:xfrm>
+            <a:off x="5546034" y="3731598"/>
+            <a:ext cx="267694" cy="0"/>
+          </a:xfrm>
+          <a:prstGeom prst="line">
+            <a:avLst/>
+          </a:prstGeom>
+        </p:spPr>
+        <p:style>
+          <a:lnRef idx="1">
+            <a:schemeClr val="dk1"/>
+          </a:lnRef>
+          <a:fillRef idx="0">
+            <a:schemeClr val="dk1"/>
+          </a:fillRef>
+          <a:effectRef idx="0">
+            <a:schemeClr val="dk1"/>
+          </a:effectRef>
+          <a:fontRef idx="minor">
+            <a:schemeClr val="tx1"/>
+          </a:fontRef>
+        </p:style>
+      </p:cxnSp>
+      <p:cxnSp>
+        <p:nvCxnSpPr>
+          <p:cNvPr id="50" name="Straight Connector 49">
+            <a:extLst>
+              <a:ext uri="{FF2B5EF4-FFF2-40B4-BE49-F238E27FC236}">
+                <a16:creationId xmlns:a16="http://schemas.microsoft.com/office/drawing/2014/main" id="{3982D932-9788-4E70-8D70-595D66F9946F}"/>
+              </a:ext>
+            </a:extLst>
+          </p:cNvPr>
+          <p:cNvCxnSpPr>
+            <a:cxnSpLocks/>
+          </p:cNvCxnSpPr>
+          <p:nvPr/>
+        </p:nvCxnSpPr>
+        <p:spPr>
+          <a:xfrm>
+            <a:off x="5872040" y="3731598"/>
+            <a:ext cx="267694" cy="0"/>
+          </a:xfrm>
+          <a:prstGeom prst="line">
+            <a:avLst/>
+          </a:prstGeom>
+        </p:spPr>
+        <p:style>
+          <a:lnRef idx="1">
+            <a:schemeClr val="dk1"/>
+          </a:lnRef>
+          <a:fillRef idx="0">
+            <a:schemeClr val="dk1"/>
+          </a:fillRef>
+          <a:effectRef idx="0">
+            <a:schemeClr val="dk1"/>
+          </a:effectRef>
+          <a:fontRef idx="minor">
+            <a:schemeClr val="tx1"/>
+          </a:fontRef>
+        </p:style>
+      </p:cxnSp>
+      <p:sp>
+        <p:nvSpPr>
+          <p:cNvPr id="51" name="Rectangle: Rounded Corners 50">
+            <a:extLst>
+              <a:ext uri="{FF2B5EF4-FFF2-40B4-BE49-F238E27FC236}">
+                <a16:creationId xmlns:a16="http://schemas.microsoft.com/office/drawing/2014/main" id="{BAEE023D-B9A6-4A97-8666-C52AE698D814}"/>
+              </a:ext>
+            </a:extLst>
+          </p:cNvPr>
+          <p:cNvSpPr/>
+          <p:nvPr/>
+        </p:nvSpPr>
+        <p:spPr>
+          <a:xfrm>
+            <a:off x="8212373" y="895256"/>
+            <a:ext cx="1592910" cy="977071"/>
+          </a:xfrm>
+          <a:prstGeom prst="roundRect">
+            <a:avLst/>
+          </a:prstGeom>
+          <a:solidFill>
+            <a:schemeClr val="bg1"/>
+          </a:solidFill>
+          <a:ln>
+            <a:solidFill>
+              <a:schemeClr val="bg1"/>
+            </a:solidFill>
+          </a:ln>
+        </p:spPr>
+        <p:style>
+          <a:lnRef idx="2">
+            <a:schemeClr val="accent1">
+              <a:shade val="50000"/>
+            </a:schemeClr>
+          </a:lnRef>
+          <a:fillRef idx="1">
+            <a:schemeClr val="accent1"/>
+          </a:fillRef>
+          <a:effectRef idx="0">
+            <a:schemeClr val="accent1"/>
+          </a:effectRef>
+          <a:fontRef idx="minor">
+            <a:schemeClr val="lt1"/>
+          </a:fontRef>
+        </p:style>
+        <p:txBody>
+          <a:bodyPr rtlCol="0" anchor="ctr"/>
+          <a:lstStyle/>
+          <a:p>
+            <a:pPr marL="171450" indent="-171450" algn="ctr">
+              <a:buFontTx/>
+              <a:buChar char="-"/>
+            </a:pPr>
+            <a:r>
+              <a:rPr lang="en-US" sz="1000" dirty="0" err="1">
+                <a:solidFill>
+                  <a:schemeClr val="tx1"/>
+                </a:solidFill>
+                <a:latin typeface="Poppins" panose="00000500000000000000" pitchFamily="2" charset="0"/>
+                <a:cs typeface="Poppins" panose="00000500000000000000" pitchFamily="2" charset="0"/>
+              </a:rPr>
+              <a:t>Variabel</a:t>
+            </a:r>
+            <a:endParaRPr lang="en-US" sz="1000" dirty="0">
+              <a:solidFill>
+                <a:schemeClr val="tx1"/>
+              </a:solidFill>
+              <a:latin typeface="Poppins" panose="00000500000000000000" pitchFamily="2" charset="0"/>
+              <a:cs typeface="Poppins" panose="00000500000000000000" pitchFamily="2" charset="0"/>
+            </a:endParaRPr>
+          </a:p>
+          <a:p>
+            <a:pPr marL="171450" indent="-171450" algn="ctr">
+              <a:buFontTx/>
+              <a:buChar char="-"/>
+            </a:pPr>
+            <a:r>
+              <a:rPr lang="en-US" sz="1000" dirty="0">
+                <a:solidFill>
+                  <a:schemeClr val="tx1"/>
+                </a:solidFill>
+                <a:latin typeface="Poppins" panose="00000500000000000000" pitchFamily="2" charset="0"/>
+                <a:cs typeface="Poppins" panose="00000500000000000000" pitchFamily="2" charset="0"/>
+              </a:rPr>
+              <a:t>Data Types</a:t>
+            </a:r>
+          </a:p>
+          <a:p>
+            <a:pPr marL="171450" indent="-171450" algn="ctr">
+              <a:buFontTx/>
+              <a:buChar char="-"/>
+            </a:pPr>
+            <a:r>
+              <a:rPr lang="en-US" sz="1000" dirty="0">
+                <a:solidFill>
+                  <a:schemeClr val="tx1"/>
+                </a:solidFill>
+                <a:latin typeface="Poppins" panose="00000500000000000000" pitchFamily="2" charset="0"/>
+                <a:cs typeface="Poppins" panose="00000500000000000000" pitchFamily="2" charset="0"/>
+              </a:rPr>
+              <a:t>Looping</a:t>
+            </a:r>
+          </a:p>
+          <a:p>
+            <a:pPr marL="171450" indent="-171450" algn="ctr">
+              <a:buFontTx/>
+              <a:buChar char="-"/>
+            </a:pPr>
+            <a:r>
+              <a:rPr lang="en-US" sz="1000" dirty="0">
+                <a:solidFill>
+                  <a:schemeClr val="tx1"/>
+                </a:solidFill>
+                <a:latin typeface="Poppins" panose="00000500000000000000" pitchFamily="2" charset="0"/>
+                <a:cs typeface="Poppins" panose="00000500000000000000" pitchFamily="2" charset="0"/>
+              </a:rPr>
+              <a:t>Conditional</a:t>
+            </a:r>
+          </a:p>
+          <a:p>
+            <a:pPr marL="171450" indent="-171450" algn="ctr">
+              <a:buFontTx/>
+              <a:buChar char="-"/>
+            </a:pPr>
+            <a:r>
+              <a:rPr lang="en-US" sz="1000" dirty="0">
+                <a:solidFill>
+                  <a:schemeClr val="tx1"/>
+                </a:solidFill>
+                <a:latin typeface="Poppins" panose="00000500000000000000" pitchFamily="2" charset="0"/>
+                <a:cs typeface="Poppins" panose="00000500000000000000" pitchFamily="2" charset="0"/>
+              </a:rPr>
+              <a:t>Function</a:t>
+            </a:r>
+          </a:p>
+          <a:p>
+            <a:pPr marL="171450" indent="-171450" algn="ctr">
+              <a:buFontTx/>
+              <a:buChar char="-"/>
+            </a:pPr>
+            <a:r>
+              <a:rPr lang="en-US" sz="1000" dirty="0">
+                <a:solidFill>
+                  <a:schemeClr val="tx1"/>
+                </a:solidFill>
+                <a:latin typeface="Poppins" panose="00000500000000000000" pitchFamily="2" charset="0"/>
+                <a:cs typeface="Poppins" panose="00000500000000000000" pitchFamily="2" charset="0"/>
+              </a:rPr>
+              <a:t>Class &amp; Object</a:t>
+            </a:r>
+          </a:p>
+        </p:txBody>
+      </p:sp>
+      <p:cxnSp>
+        <p:nvCxnSpPr>
+          <p:cNvPr id="52" name="Straight Connector 51">
+            <a:extLst>
+              <a:ext uri="{FF2B5EF4-FFF2-40B4-BE49-F238E27FC236}">
+                <a16:creationId xmlns:a16="http://schemas.microsoft.com/office/drawing/2014/main" id="{82F005A4-28CE-4930-9D4C-6449A481B304}"/>
+              </a:ext>
+            </a:extLst>
+          </p:cNvPr>
+          <p:cNvCxnSpPr>
+            <a:cxnSpLocks/>
+          </p:cNvCxnSpPr>
+          <p:nvPr/>
+        </p:nvCxnSpPr>
+        <p:spPr>
+          <a:xfrm>
+            <a:off x="7752520" y="1410888"/>
+            <a:ext cx="267694" cy="0"/>
+          </a:xfrm>
+          <a:prstGeom prst="line">
+            <a:avLst/>
+          </a:prstGeom>
+        </p:spPr>
+        <p:style>
+          <a:lnRef idx="1">
+            <a:schemeClr val="dk1"/>
+          </a:lnRef>
+          <a:fillRef idx="0">
+            <a:schemeClr val="dk1"/>
+          </a:fillRef>
+          <a:effectRef idx="0">
+            <a:schemeClr val="dk1"/>
+          </a:effectRef>
+          <a:fontRef idx="minor">
+            <a:schemeClr val="tx1"/>
+          </a:fontRef>
+        </p:style>
+      </p:cxnSp>
+      <p:cxnSp>
+        <p:nvCxnSpPr>
+          <p:cNvPr id="53" name="Straight Connector 52">
+            <a:extLst>
+              <a:ext uri="{FF2B5EF4-FFF2-40B4-BE49-F238E27FC236}">
+                <a16:creationId xmlns:a16="http://schemas.microsoft.com/office/drawing/2014/main" id="{B3CDEA2C-54E7-4C1E-8D77-BCDD8DAB5801}"/>
+              </a:ext>
+            </a:extLst>
+          </p:cNvPr>
+          <p:cNvCxnSpPr>
+            <a:cxnSpLocks/>
+          </p:cNvCxnSpPr>
+          <p:nvPr/>
+        </p:nvCxnSpPr>
+        <p:spPr>
+          <a:xfrm>
+            <a:off x="8078526" y="1410888"/>
+            <a:ext cx="267694" cy="0"/>
+          </a:xfrm>
+          <a:prstGeom prst="line">
+            <a:avLst/>
+          </a:prstGeom>
+        </p:spPr>
+        <p:style>
+          <a:lnRef idx="1">
+            <a:schemeClr val="dk1"/>
+          </a:lnRef>
+          <a:fillRef idx="0">
+            <a:schemeClr val="dk1"/>
+          </a:fillRef>
+          <a:effectRef idx="0">
+            <a:schemeClr val="dk1"/>
+          </a:effectRef>
+          <a:fontRef idx="minor">
+            <a:schemeClr val="tx1"/>
+          </a:fontRef>
+        </p:style>
+      </p:cxnSp>
+      <p:sp>
+        <p:nvSpPr>
+          <p:cNvPr id="54" name="Rectangle: Rounded Corners 53">
+            <a:extLst>
+              <a:ext uri="{FF2B5EF4-FFF2-40B4-BE49-F238E27FC236}">
+                <a16:creationId xmlns:a16="http://schemas.microsoft.com/office/drawing/2014/main" id="{E2A5CB99-7E1F-46CB-B66E-E7E7E6DE8913}"/>
+              </a:ext>
+            </a:extLst>
+          </p:cNvPr>
+          <p:cNvSpPr/>
+          <p:nvPr/>
+        </p:nvSpPr>
+        <p:spPr>
+          <a:xfrm>
+            <a:off x="3465447" y="786144"/>
+            <a:ext cx="1423280" cy="977071"/>
+          </a:xfrm>
+          <a:prstGeom prst="roundRect">
+            <a:avLst/>
+          </a:prstGeom>
+          <a:solidFill>
+            <a:schemeClr val="bg1"/>
+          </a:solidFill>
+          <a:ln>
+            <a:solidFill>
+              <a:schemeClr val="tx1"/>
+            </a:solidFill>
+          </a:ln>
+        </p:spPr>
+        <p:style>
+          <a:lnRef idx="2">
+            <a:schemeClr val="accent1">
+              <a:shade val="50000"/>
+            </a:schemeClr>
+          </a:lnRef>
+          <a:fillRef idx="1">
+            <a:schemeClr val="accent1"/>
+          </a:fillRef>
+          <a:effectRef idx="0">
+            <a:schemeClr val="accent1"/>
+          </a:effectRef>
+          <a:fontRef idx="minor">
+            <a:schemeClr val="lt1"/>
+          </a:fontRef>
+        </p:style>
+        <p:txBody>
+          <a:bodyPr rtlCol="0" anchor="ctr"/>
+          <a:lstStyle/>
+          <a:p>
+            <a:pPr algn="ctr"/>
+            <a:r>
+              <a:rPr lang="en-US" sz="1000" dirty="0">
+                <a:solidFill>
+                  <a:schemeClr val="tx1"/>
+                </a:solidFill>
+                <a:latin typeface="Poppins" panose="00000500000000000000" pitchFamily="2" charset="0"/>
+                <a:cs typeface="Poppins" panose="00000500000000000000" pitchFamily="2" charset="0"/>
+              </a:rPr>
+              <a:t>HTML</a:t>
+            </a:r>
+          </a:p>
+        </p:txBody>
+      </p:sp>
+      <p:sp>
+        <p:nvSpPr>
+          <p:cNvPr id="55" name="Rectangle: Rounded Corners 54">
+            <a:extLst>
+              <a:ext uri="{FF2B5EF4-FFF2-40B4-BE49-F238E27FC236}">
+                <a16:creationId xmlns:a16="http://schemas.microsoft.com/office/drawing/2014/main" id="{61D93FB1-53D2-4094-83BA-920802E1380E}"/>
+              </a:ext>
+            </a:extLst>
+          </p:cNvPr>
+          <p:cNvSpPr/>
+          <p:nvPr/>
+        </p:nvSpPr>
+        <p:spPr>
+          <a:xfrm>
+            <a:off x="1061506" y="792048"/>
+            <a:ext cx="1423280" cy="977071"/>
+          </a:xfrm>
+          <a:prstGeom prst="roundRect">
+            <a:avLst/>
+          </a:prstGeom>
+          <a:solidFill>
+            <a:schemeClr val="bg1"/>
+          </a:solidFill>
+          <a:ln>
+            <a:solidFill>
+              <a:schemeClr val="tx1"/>
+            </a:solidFill>
+          </a:ln>
+        </p:spPr>
+        <p:style>
+          <a:lnRef idx="2">
+            <a:schemeClr val="accent1">
+              <a:shade val="50000"/>
+            </a:schemeClr>
+          </a:lnRef>
+          <a:fillRef idx="1">
+            <a:schemeClr val="accent1"/>
+          </a:fillRef>
+          <a:effectRef idx="0">
+            <a:schemeClr val="accent1"/>
+          </a:effectRef>
+          <a:fontRef idx="minor">
+            <a:schemeClr val="lt1"/>
+          </a:fontRef>
+        </p:style>
+        <p:txBody>
+          <a:bodyPr rtlCol="0" anchor="ctr"/>
+          <a:lstStyle/>
+          <a:p>
+            <a:pPr algn="ctr"/>
+            <a:r>
+              <a:rPr lang="en-US" sz="1000" dirty="0">
+                <a:solidFill>
+                  <a:schemeClr val="tx1"/>
+                </a:solidFill>
+                <a:latin typeface="Poppins" panose="00000500000000000000" pitchFamily="2" charset="0"/>
+                <a:cs typeface="Poppins" panose="00000500000000000000" pitchFamily="2" charset="0"/>
+              </a:rPr>
+              <a:t>CSS</a:t>
+            </a:r>
+          </a:p>
+        </p:txBody>
+      </p:sp>
+      <p:cxnSp>
+        <p:nvCxnSpPr>
+          <p:cNvPr id="69" name="Straight Connector 68">
+            <a:extLst>
+              <a:ext uri="{FF2B5EF4-FFF2-40B4-BE49-F238E27FC236}">
+                <a16:creationId xmlns:a16="http://schemas.microsoft.com/office/drawing/2014/main" id="{710DB5C9-28DA-4CE8-A890-34166166AB25}"/>
+              </a:ext>
+            </a:extLst>
+          </p:cNvPr>
+          <p:cNvCxnSpPr>
+            <a:cxnSpLocks/>
+          </p:cNvCxnSpPr>
+          <p:nvPr/>
+        </p:nvCxnSpPr>
+        <p:spPr>
+          <a:xfrm>
+            <a:off x="1773146" y="1816314"/>
+            <a:ext cx="0" cy="226233"/>
+          </a:xfrm>
+          <a:prstGeom prst="line">
+            <a:avLst/>
+          </a:prstGeom>
+        </p:spPr>
+        <p:style>
+          <a:lnRef idx="1">
+            <a:schemeClr val="dk1"/>
+          </a:lnRef>
+          <a:fillRef idx="0">
+            <a:schemeClr val="dk1"/>
+          </a:fillRef>
+          <a:effectRef idx="0">
+            <a:schemeClr val="dk1"/>
+          </a:effectRef>
+          <a:fontRef idx="minor">
+            <a:schemeClr val="tx1"/>
+          </a:fontRef>
+        </p:style>
+      </p:cxnSp>
+      <p:cxnSp>
+        <p:nvCxnSpPr>
+          <p:cNvPr id="73" name="Straight Connector 72">
+            <a:extLst>
+              <a:ext uri="{FF2B5EF4-FFF2-40B4-BE49-F238E27FC236}">
+                <a16:creationId xmlns:a16="http://schemas.microsoft.com/office/drawing/2014/main" id="{0E545087-85BD-4D77-8D6A-CECB9292C5BD}"/>
+              </a:ext>
+            </a:extLst>
+          </p:cNvPr>
+          <p:cNvCxnSpPr>
+            <a:cxnSpLocks/>
+          </p:cNvCxnSpPr>
+          <p:nvPr/>
+        </p:nvCxnSpPr>
+        <p:spPr>
+          <a:xfrm>
+            <a:off x="1773146" y="2140489"/>
+            <a:ext cx="0" cy="226233"/>
+          </a:xfrm>
+          <a:prstGeom prst="line">
+            <a:avLst/>
+          </a:prstGeom>
+        </p:spPr>
+        <p:style>
+          <a:lnRef idx="1">
+            <a:schemeClr val="dk1"/>
+          </a:lnRef>
+          <a:fillRef idx="0">
+            <a:schemeClr val="dk1"/>
+          </a:fillRef>
+          <a:effectRef idx="0">
+            <a:schemeClr val="dk1"/>
+          </a:effectRef>
+          <a:fontRef idx="minor">
+            <a:schemeClr val="tx1"/>
+          </a:fontRef>
+        </p:style>
+      </p:cxnSp>
+      <p:pic>
+        <p:nvPicPr>
+          <p:cNvPr id="2050" name="Picture 2" descr="Animated gif about tom hiddleston in T-Hiddle☺️☺️ by gabi✿">
+            <a:extLst>
+              <a:ext uri="{FF2B5EF4-FFF2-40B4-BE49-F238E27FC236}">
+                <a16:creationId xmlns:a16="http://schemas.microsoft.com/office/drawing/2014/main" id="{FBA1EECD-5DFF-48BD-A7C9-35A063152799}"/>
+              </a:ext>
+            </a:extLst>
+          </p:cNvPr>
+          <p:cNvPicPr>
+            <a:picLocks noChangeAspect="1" noChangeArrowheads="1" noCrop="1"/>
+          </p:cNvPicPr>
+          <p:nvPr/>
+        </p:nvPicPr>
+        <p:blipFill>
+          <a:blip r:embed="rId3">
+            <a:extLst>
+              <a:ext uri="{28A0092B-C50C-407E-A947-70E740481C1C}">
+                <a14:useLocalDpi xmlns:a14="http://schemas.microsoft.com/office/drawing/2010/main" val="0"/>
+              </a:ext>
+            </a:extLst>
+          </a:blip>
+          <a:srcRect/>
+          <a:stretch>
+            <a:fillRect/>
+          </a:stretch>
+        </p:blipFill>
+        <p:spPr bwMode="auto">
+          <a:xfrm>
+            <a:off x="1239847" y="3470745"/>
+            <a:ext cx="1986879" cy="1986879"/>
+          </a:xfrm>
+          <a:prstGeom prst="rect">
+            <a:avLst/>
+          </a:prstGeom>
+          <a:noFill/>
+          <a:extLst>
+            <a:ext uri="{909E8E84-426E-40DD-AFC4-6F175D3DCCD1}">
+              <a14:hiddenFill xmlns:a14="http://schemas.microsoft.com/office/drawing/2010/main">
+                <a:solidFill>
+                  <a:srgbClr val="FFFFFF"/>
+                </a:solidFill>
+              </a14:hiddenFill>
+            </a:ext>
+          </a:extLst>
+        </p:spPr>
+      </p:pic>
+      <p:sp>
+        <p:nvSpPr>
+          <p:cNvPr id="78" name="TextBox 77">
+            <a:extLst>
+              <a:ext uri="{FF2B5EF4-FFF2-40B4-BE49-F238E27FC236}">
+                <a16:creationId xmlns:a16="http://schemas.microsoft.com/office/drawing/2014/main" id="{958ED3FE-D686-4B70-B6AD-0587B8171660}"/>
               </a:ext>
             </a:extLst>
           </p:cNvPr>
@@ -6992,8 +7441,8 @@
         </p:nvSpPr>
         <p:spPr>
           <a:xfrm>
-            <a:off x="2854521" y="5164060"/>
-            <a:ext cx="2502608" cy="261610"/>
+            <a:off x="1483793" y="5935147"/>
+            <a:ext cx="1584088" cy="261610"/>
           </a:xfrm>
           <a:prstGeom prst="rect">
             <a:avLst/>
@@ -7011,35 +7460,121 @@
                 <a:latin typeface="Poppins" panose="00000500000000000000" pitchFamily="2" charset="0"/>
                 <a:cs typeface="Poppins" panose="00000500000000000000" pitchFamily="2" charset="0"/>
               </a:rPr>
-              <a:t>Source: </a:t>
-            </a:r>
-            <a:r>
-              <a:rPr lang="en-US" sz="1100" dirty="0" err="1">
-                <a:latin typeface="Poppins" panose="00000500000000000000" pitchFamily="2" charset="0"/>
-                <a:cs typeface="Poppins" panose="00000500000000000000" pitchFamily="2" charset="0"/>
-              </a:rPr>
-              <a:t>stackoverflow</a:t>
-            </a:r>
+              <a:t>Front End Developer</a:t>
+            </a:r>
+          </a:p>
+        </p:txBody>
+      </p:sp>
+      <p:sp>
+        <p:nvSpPr>
+          <p:cNvPr id="79" name="TextBox 78">
+            <a:extLst>
+              <a:ext uri="{FF2B5EF4-FFF2-40B4-BE49-F238E27FC236}">
+                <a16:creationId xmlns:a16="http://schemas.microsoft.com/office/drawing/2014/main" id="{F40EE5D0-AEE6-4C54-A51F-020CBCD10DC8}"/>
+              </a:ext>
+            </a:extLst>
+          </p:cNvPr>
+          <p:cNvSpPr txBox="1"/>
+          <p:nvPr/>
+        </p:nvSpPr>
+        <p:spPr>
+          <a:xfrm>
+            <a:off x="1987731" y="5673537"/>
+            <a:ext cx="473206" cy="261610"/>
+          </a:xfrm>
+          <a:prstGeom prst="rect">
+            <a:avLst/>
+          </a:prstGeom>
+          <a:noFill/>
+        </p:spPr>
+        <p:txBody>
+          <a:bodyPr wrap="none" rtlCol="0">
+            <a:spAutoFit/>
+          </a:bodyPr>
+          <a:lstStyle/>
+          <a:p>
             <a:r>
               <a:rPr lang="en-US" sz="1100" dirty="0">
                 <a:latin typeface="Poppins" panose="00000500000000000000" pitchFamily="2" charset="0"/>
                 <a:cs typeface="Poppins" panose="00000500000000000000" pitchFamily="2" charset="0"/>
               </a:rPr>
-              <a:t> </a:t>
-            </a:r>
-            <a:r>
-              <a:rPr lang="en-US" sz="1100" dirty="0" err="1">
-                <a:latin typeface="Poppins" panose="00000500000000000000" pitchFamily="2" charset="0"/>
-                <a:cs typeface="Poppins" panose="00000500000000000000" pitchFamily="2" charset="0"/>
-              </a:rPr>
-              <a:t>survei</a:t>
-            </a:r>
+              <a:t>I AM</a:t>
+            </a:r>
+          </a:p>
+        </p:txBody>
+      </p:sp>
+      <p:cxnSp>
+        <p:nvCxnSpPr>
+          <p:cNvPr id="46" name="Straight Connector 45">
+            <a:extLst>
+              <a:ext uri="{FF2B5EF4-FFF2-40B4-BE49-F238E27FC236}">
+                <a16:creationId xmlns:a16="http://schemas.microsoft.com/office/drawing/2014/main" id="{23F2C445-82BC-4AE0-A4A5-143B7F078057}"/>
+              </a:ext>
+            </a:extLst>
+          </p:cNvPr>
+          <p:cNvCxnSpPr>
+            <a:cxnSpLocks/>
+          </p:cNvCxnSpPr>
+          <p:nvPr/>
+        </p:nvCxnSpPr>
+        <p:spPr>
+          <a:xfrm>
+            <a:off x="3530662" y="4969088"/>
+            <a:ext cx="1566509" cy="506605"/>
+          </a:xfrm>
+          <a:prstGeom prst="line">
+            <a:avLst/>
+          </a:prstGeom>
+        </p:spPr>
+        <p:style>
+          <a:lnRef idx="1">
+            <a:schemeClr val="dk1"/>
+          </a:lnRef>
+          <a:fillRef idx="0">
+            <a:schemeClr val="dk1"/>
+          </a:fillRef>
+          <a:effectRef idx="0">
+            <a:schemeClr val="dk1"/>
+          </a:effectRef>
+          <a:fontRef idx="minor">
+            <a:schemeClr val="tx1"/>
+          </a:fontRef>
+        </p:style>
+      </p:cxnSp>
+      <p:sp>
+        <p:nvSpPr>
+          <p:cNvPr id="57" name="TextBox 56">
+            <a:extLst>
+              <a:ext uri="{FF2B5EF4-FFF2-40B4-BE49-F238E27FC236}">
+                <a16:creationId xmlns:a16="http://schemas.microsoft.com/office/drawing/2014/main" id="{F23A0F01-669A-41AD-A642-473FA5587297}"/>
+              </a:ext>
+            </a:extLst>
+          </p:cNvPr>
+          <p:cNvSpPr txBox="1"/>
+          <p:nvPr/>
+        </p:nvSpPr>
+        <p:spPr>
+          <a:xfrm rot="1150233">
+            <a:off x="3940233" y="5221095"/>
+            <a:ext cx="587020" cy="261610"/>
+          </a:xfrm>
+          <a:prstGeom prst="rect">
+            <a:avLst/>
+          </a:prstGeom>
+          <a:noFill/>
+        </p:spPr>
+        <p:txBody>
+          <a:bodyPr wrap="none" rtlCol="0">
+            <a:spAutoFit/>
+          </a:bodyPr>
+          <a:lstStyle/>
+          <a:p>
             <a:r>
               <a:rPr lang="en-US" sz="1100" dirty="0">
                 <a:latin typeface="Poppins" panose="00000500000000000000" pitchFamily="2" charset="0"/>
                 <a:cs typeface="Poppins" panose="00000500000000000000" pitchFamily="2" charset="0"/>
               </a:rPr>
-              <a:t> 2021</a:t>
+              <a:t>Goals</a:t>
             </a:r>
           </a:p>
         </p:txBody>
@@ -7047,7 +7582,7 @@
     </p:spTree>
     <p:extLst>
       <p:ext uri="{BB962C8B-B14F-4D97-AF65-F5344CB8AC3E}">
-        <p14:creationId xmlns:p14="http://schemas.microsoft.com/office/powerpoint/2010/main" val="4075683867"/>
+        <p14:creationId xmlns:p14="http://schemas.microsoft.com/office/powerpoint/2010/main" val="4193175039"/>
       </p:ext>
     </p:extLst>
   </p:cSld>
@@ -7074,12 +7609,48 @@
           <a:chExt cx="0" cy="0"/>
         </a:xfrm>
       </p:grpSpPr>
-      <p:sp>
-        <p:nvSpPr>
-          <p:cNvPr id="2" name="TextBox 1">
-            <a:extLst>
-              <a:ext uri="{FF2B5EF4-FFF2-40B4-BE49-F238E27FC236}">
-                <a16:creationId xmlns:a16="http://schemas.microsoft.com/office/drawing/2014/main" id="{43B5179E-CB10-4EDE-8FFD-4693A6454F70}"/>
+      <p:pic>
+        <p:nvPicPr>
+          <p:cNvPr id="3" name="Picture 2">
+            <a:extLst>
+              <a:ext uri="{FF2B5EF4-FFF2-40B4-BE49-F238E27FC236}">
+                <a16:creationId xmlns:a16="http://schemas.microsoft.com/office/drawing/2014/main" id="{3644E87C-B386-4AAF-9ACE-D4E3914D5ABF}"/>
+              </a:ext>
+            </a:extLst>
+          </p:cNvPr>
+          <p:cNvPicPr>
+            <a:picLocks noChangeAspect="1"/>
+          </p:cNvPicPr>
+          <p:nvPr/>
+        </p:nvPicPr>
+        <p:blipFill>
+          <a:blip r:embed="rId2">
+            <a:extLst>
+              <a:ext uri="{28A0092B-C50C-407E-A947-70E740481C1C}">
+                <a14:useLocalDpi xmlns:a14="http://schemas.microsoft.com/office/drawing/2010/main" val="0"/>
+              </a:ext>
+            </a:extLst>
+          </a:blip>
+          <a:stretch>
+            <a:fillRect/>
+          </a:stretch>
+        </p:blipFill>
+        <p:spPr>
+          <a:xfrm>
+            <a:off x="2926082" y="919174"/>
+            <a:ext cx="6954082" cy="4165684"/>
+          </a:xfrm>
+          <a:prstGeom prst="rect">
+            <a:avLst/>
+          </a:prstGeom>
+        </p:spPr>
+      </p:pic>
+      <p:sp>
+        <p:nvSpPr>
+          <p:cNvPr id="4" name="TextBox 3">
+            <a:extLst>
+              <a:ext uri="{FF2B5EF4-FFF2-40B4-BE49-F238E27FC236}">
+                <a16:creationId xmlns:a16="http://schemas.microsoft.com/office/drawing/2014/main" id="{705C385F-E0EF-46AE-808A-A3B91D251D87}"/>
               </a:ext>
             </a:extLst>
           </p:cNvPr>
@@ -7088,8 +7659,8 @@
         </p:nvSpPr>
         <p:spPr>
           <a:xfrm>
-            <a:off x="5134037" y="3259723"/>
-            <a:ext cx="1923925" cy="338554"/>
+            <a:off x="2854521" y="5164060"/>
+            <a:ext cx="2502608" cy="261610"/>
           </a:xfrm>
           <a:prstGeom prst="rect">
             <a:avLst/>
@@ -7103,18 +7674,39 @@
           <a:lstStyle/>
           <a:p>
             <a:r>
-              <a:rPr lang="en-US" sz="1600" dirty="0" err="1">
-                <a:latin typeface="Poppins" panose="00000500000000000000" pitchFamily="2" charset="0"/>
-                <a:cs typeface="Poppins" panose="00000500000000000000" pitchFamily="2" charset="0"/>
-              </a:rPr>
-              <a:t>Javascript</a:t>
-            </a:r>
-            <a:r>
-              <a:rPr lang="en-US" sz="1600" dirty="0">
-                <a:latin typeface="Poppins" panose="00000500000000000000" pitchFamily="2" charset="0"/>
-                <a:cs typeface="Poppins" panose="00000500000000000000" pitchFamily="2" charset="0"/>
-              </a:rPr>
-              <a:t> Dasar</a:t>
+              <a:rPr lang="en-US" sz="1100" dirty="0">
+                <a:latin typeface="Poppins" panose="00000500000000000000" pitchFamily="2" charset="0"/>
+                <a:cs typeface="Poppins" panose="00000500000000000000" pitchFamily="2" charset="0"/>
+              </a:rPr>
+              <a:t>Source: </a:t>
+            </a:r>
+            <a:r>
+              <a:rPr lang="en-US" sz="1100" dirty="0" err="1">
+                <a:latin typeface="Poppins" panose="00000500000000000000" pitchFamily="2" charset="0"/>
+                <a:cs typeface="Poppins" panose="00000500000000000000" pitchFamily="2" charset="0"/>
+              </a:rPr>
+              <a:t>stackoverflow</a:t>
+            </a:r>
+            <a:r>
+              <a:rPr lang="en-US" sz="1100" dirty="0">
+                <a:latin typeface="Poppins" panose="00000500000000000000" pitchFamily="2" charset="0"/>
+                <a:cs typeface="Poppins" panose="00000500000000000000" pitchFamily="2" charset="0"/>
+              </a:rPr>
+              <a:t> </a:t>
+            </a:r>
+            <a:r>
+              <a:rPr lang="en-US" sz="1100" dirty="0" err="1">
+                <a:latin typeface="Poppins" panose="00000500000000000000" pitchFamily="2" charset="0"/>
+                <a:cs typeface="Poppins" panose="00000500000000000000" pitchFamily="2" charset="0"/>
+              </a:rPr>
+              <a:t>survei</a:t>
+            </a:r>
+            <a:r>
+              <a:rPr lang="en-US" sz="1100" dirty="0">
+                <a:latin typeface="Poppins" panose="00000500000000000000" pitchFamily="2" charset="0"/>
+                <a:cs typeface="Poppins" panose="00000500000000000000" pitchFamily="2" charset="0"/>
+              </a:rPr>
+              <a:t> 2021</a:t>
             </a:r>
           </a:p>
         </p:txBody>
@@ -7122,7 +7714,7 @@
     </p:spTree>
     <p:extLst>
       <p:ext uri="{BB962C8B-B14F-4D97-AF65-F5344CB8AC3E}">
-        <p14:creationId xmlns:p14="http://schemas.microsoft.com/office/powerpoint/2010/main" val="2912291126"/>
+        <p14:creationId xmlns:p14="http://schemas.microsoft.com/office/powerpoint/2010/main" val="4075683867"/>
       </p:ext>
     </p:extLst>
   </p:cSld>
@@ -7149,47 +7741,12 @@
           <a:chExt cx="0" cy="0"/>
         </a:xfrm>
       </p:grpSpPr>
-      <p:pic>
-        <p:nvPicPr>
-          <p:cNvPr id="3" name="Picture 2">
-            <a:extLst>
-              <a:ext uri="{FF2B5EF4-FFF2-40B4-BE49-F238E27FC236}">
-                <a16:creationId xmlns:a16="http://schemas.microsoft.com/office/drawing/2014/main" id="{804DAB37-304D-4FD8-8BE2-8C26B85A290D}"/>
-              </a:ext>
-            </a:extLst>
-          </p:cNvPr>
-          <p:cNvPicPr>
-            <a:picLocks noChangeAspect="1"/>
-          </p:cNvPicPr>
-          <p:nvPr/>
-        </p:nvPicPr>
-        <p:blipFill>
-          <a:blip r:embed="rId2">
-            <a:extLst>
-              <a:ext uri="{28A0092B-C50C-407E-A947-70E740481C1C}">
-                <a14:useLocalDpi xmlns:a14="http://schemas.microsoft.com/office/drawing/2010/main" val="0"/>
-              </a:ext>
-            </a:extLst>
-          </a:blip>
-          <a:srcRect/>
-          <a:stretch/>
-        </p:blipFill>
-        <p:spPr>
-          <a:xfrm>
-            <a:off x="3350005" y="2579099"/>
-            <a:ext cx="5491990" cy="1395976"/>
-          </a:xfrm>
-          <a:prstGeom prst="rect">
-            <a:avLst/>
-          </a:prstGeom>
-        </p:spPr>
-      </p:pic>
-      <p:sp>
-        <p:nvSpPr>
-          <p:cNvPr id="4" name="TextBox 3">
-            <a:extLst>
-              <a:ext uri="{FF2B5EF4-FFF2-40B4-BE49-F238E27FC236}">
-                <a16:creationId xmlns:a16="http://schemas.microsoft.com/office/drawing/2014/main" id="{6D9732BA-3503-4425-89C7-96154D7FCF74}"/>
+      <p:sp>
+        <p:nvSpPr>
+          <p:cNvPr id="2" name="TextBox 1">
+            <a:extLst>
+              <a:ext uri="{FF2B5EF4-FFF2-40B4-BE49-F238E27FC236}">
+                <a16:creationId xmlns:a16="http://schemas.microsoft.com/office/drawing/2014/main" id="{43B5179E-CB10-4EDE-8FFD-4693A6454F70}"/>
               </a:ext>
             </a:extLst>
           </p:cNvPr>
@@ -7198,8 +7755,8 @@
         </p:nvSpPr>
         <p:spPr>
           <a:xfrm>
-            <a:off x="770950" y="377376"/>
-            <a:ext cx="1045479" cy="338554"/>
+            <a:off x="5134037" y="3259723"/>
+            <a:ext cx="1923925" cy="338554"/>
           </a:xfrm>
           <a:prstGeom prst="rect">
             <a:avLst/>
@@ -7217,64 +7774,24 @@
                 <a:latin typeface="Poppins" panose="00000500000000000000" pitchFamily="2" charset="0"/>
                 <a:cs typeface="Poppins" panose="00000500000000000000" pitchFamily="2" charset="0"/>
               </a:rPr>
-              <a:t>Variabel</a:t>
-            </a:r>
-            <a:endParaRPr lang="en-US" sz="1600" dirty="0">
-              <a:latin typeface="Poppins" panose="00000500000000000000" pitchFamily="2" charset="0"/>
-              <a:cs typeface="Poppins" panose="00000500000000000000" pitchFamily="2" charset="0"/>
-            </a:endParaRPr>
-          </a:p>
-        </p:txBody>
-      </p:sp>
-      <p:cxnSp>
-        <p:nvCxnSpPr>
-          <p:cNvPr id="6" name="Straight Connector 5">
-            <a:extLst>
-              <a:ext uri="{FF2B5EF4-FFF2-40B4-BE49-F238E27FC236}">
-                <a16:creationId xmlns:a16="http://schemas.microsoft.com/office/drawing/2014/main" id="{14ADF6D0-4075-4CFA-B26D-D5450704E187}"/>
-              </a:ext>
-            </a:extLst>
-          </p:cNvPr>
-          <p:cNvCxnSpPr>
-            <a:cxnSpLocks/>
-          </p:cNvCxnSpPr>
-          <p:nvPr/>
-        </p:nvCxnSpPr>
-        <p:spPr>
-          <a:xfrm flipV="1">
-            <a:off x="3870296" y="2587051"/>
-            <a:ext cx="858741" cy="612250"/>
-          </a:xfrm>
-          <a:prstGeom prst="line">
-            <a:avLst/>
-          </a:prstGeom>
-          <a:ln>
-            <a:solidFill>
-              <a:srgbClr val="FF0000"/>
-            </a:solidFill>
-          </a:ln>
-        </p:spPr>
-        <p:style>
-          <a:lnRef idx="1">
-            <a:schemeClr val="accent6"/>
-          </a:lnRef>
-          <a:fillRef idx="0">
-            <a:schemeClr val="accent6"/>
-          </a:fillRef>
-          <a:effectRef idx="0">
-            <a:schemeClr val="accent6"/>
-          </a:effectRef>
-          <a:fontRef idx="minor">
-            <a:schemeClr val="tx1"/>
-          </a:fontRef>
-        </p:style>
-      </p:cxnSp>
-      <p:sp>
-        <p:nvSpPr>
-          <p:cNvPr id="8" name="TextBox 7">
-            <a:extLst>
-              <a:ext uri="{FF2B5EF4-FFF2-40B4-BE49-F238E27FC236}">
-                <a16:creationId xmlns:a16="http://schemas.microsoft.com/office/drawing/2014/main" id="{453AC383-2CA5-44A5-97C4-F782C6A2B101}"/>
+              <a:t>Javascript</a:t>
+            </a:r>
+            <a:r>
+              <a:rPr lang="en-US" sz="1600" dirty="0">
+                <a:latin typeface="Poppins" panose="00000500000000000000" pitchFamily="2" charset="0"/>
+                <a:cs typeface="Poppins" panose="00000500000000000000" pitchFamily="2" charset="0"/>
+              </a:rPr>
+              <a:t> Dasar</a:t>
+            </a:r>
+          </a:p>
+        </p:txBody>
+      </p:sp>
+      <p:sp>
+        <p:nvSpPr>
+          <p:cNvPr id="3" name="TextBox 2">
+            <a:extLst>
+              <a:ext uri="{FF2B5EF4-FFF2-40B4-BE49-F238E27FC236}">
+                <a16:creationId xmlns:a16="http://schemas.microsoft.com/office/drawing/2014/main" id="{23D8E6C9-122C-446A-A0B0-CC8B38D12263}"/>
               </a:ext>
             </a:extLst>
           </p:cNvPr>
@@ -7283,148 +7800,8 @@
         </p:nvSpPr>
         <p:spPr>
           <a:xfrm>
-            <a:off x="4619708" y="2213744"/>
-            <a:ext cx="1226618" cy="246221"/>
-          </a:xfrm>
-          <a:prstGeom prst="rect">
-            <a:avLst/>
-          </a:prstGeom>
-          <a:noFill/>
-        </p:spPr>
-        <p:txBody>
-          <a:bodyPr wrap="square" rtlCol="0">
-            <a:spAutoFit/>
-          </a:bodyPr>
-          <a:lstStyle/>
-          <a:p>
-            <a:r>
-              <a:rPr lang="en-US" sz="1000" dirty="0" err="1">
-                <a:latin typeface="Poppins" panose="00000500000000000000" pitchFamily="2" charset="0"/>
-                <a:cs typeface="Poppins" panose="00000500000000000000" pitchFamily="2" charset="0"/>
-              </a:rPr>
-              <a:t>Javascript</a:t>
-            </a:r>
-            <a:r>
-              <a:rPr lang="en-US" sz="1000" dirty="0">
-                <a:latin typeface="Poppins" panose="00000500000000000000" pitchFamily="2" charset="0"/>
-                <a:cs typeface="Poppins" panose="00000500000000000000" pitchFamily="2" charset="0"/>
-              </a:rPr>
-              <a:t> lama</a:t>
-            </a:r>
-          </a:p>
-        </p:txBody>
-      </p:sp>
-      <p:cxnSp>
-        <p:nvCxnSpPr>
-          <p:cNvPr id="11" name="Straight Connector 10">
-            <a:extLst>
-              <a:ext uri="{FF2B5EF4-FFF2-40B4-BE49-F238E27FC236}">
-                <a16:creationId xmlns:a16="http://schemas.microsoft.com/office/drawing/2014/main" id="{5741FEC3-A90D-4082-854A-2D49986B94C2}"/>
-              </a:ext>
-            </a:extLst>
-          </p:cNvPr>
-          <p:cNvCxnSpPr>
-            <a:cxnSpLocks/>
-          </p:cNvCxnSpPr>
-          <p:nvPr/>
-        </p:nvCxnSpPr>
-        <p:spPr>
-          <a:xfrm flipV="1">
-            <a:off x="2590799" y="3449366"/>
-            <a:ext cx="1011141" cy="141798"/>
-          </a:xfrm>
-          <a:prstGeom prst="line">
-            <a:avLst/>
-          </a:prstGeom>
-          <a:ln>
-            <a:solidFill>
-              <a:srgbClr val="FF0000"/>
-            </a:solidFill>
-          </a:ln>
-        </p:spPr>
-        <p:style>
-          <a:lnRef idx="1">
-            <a:schemeClr val="accent6"/>
-          </a:lnRef>
-          <a:fillRef idx="0">
-            <a:schemeClr val="accent6"/>
-          </a:fillRef>
-          <a:effectRef idx="0">
-            <a:schemeClr val="accent6"/>
-          </a:effectRef>
-          <a:fontRef idx="minor">
-            <a:schemeClr val="tx1"/>
-          </a:fontRef>
-        </p:style>
-      </p:cxnSp>
-      <p:sp>
-        <p:nvSpPr>
-          <p:cNvPr id="13" name="Oval 12">
-            <a:extLst>
-              <a:ext uri="{FF2B5EF4-FFF2-40B4-BE49-F238E27FC236}">
-                <a16:creationId xmlns:a16="http://schemas.microsoft.com/office/drawing/2014/main" id="{B5F0F07A-7E68-431B-9C50-A9CC7628DF1B}"/>
-              </a:ext>
-            </a:extLst>
-          </p:cNvPr>
-          <p:cNvSpPr/>
-          <p:nvPr/>
-        </p:nvSpPr>
-        <p:spPr>
-          <a:xfrm>
-            <a:off x="3713258" y="3277087"/>
-            <a:ext cx="314077" cy="314077"/>
-          </a:xfrm>
-          <a:prstGeom prst="ellipse">
-            <a:avLst/>
-          </a:prstGeom>
-          <a:noFill/>
-          <a:ln>
-            <a:solidFill>
-              <a:srgbClr val="FF0000"/>
-            </a:solidFill>
-          </a:ln>
-        </p:spPr>
-        <p:style>
-          <a:lnRef idx="2">
-            <a:schemeClr val="accent1">
-              <a:shade val="50000"/>
-            </a:schemeClr>
-          </a:lnRef>
-          <a:fillRef idx="1">
-            <a:schemeClr val="accent1"/>
-          </a:fillRef>
-          <a:effectRef idx="0">
-            <a:schemeClr val="accent1"/>
-          </a:effectRef>
-          <a:fontRef idx="minor">
-            <a:schemeClr val="lt1"/>
-          </a:fontRef>
-        </p:style>
-        <p:txBody>
-          <a:bodyPr rtlCol="0" anchor="ctr"/>
-          <a:lstStyle/>
-          <a:p>
-            <a:pPr algn="ctr"/>
-            <a:endParaRPr lang="en-US"/>
-          </a:p>
-        </p:txBody>
-      </p:sp>
-      <p:sp>
-        <p:nvSpPr>
-          <p:cNvPr id="14" name="TextBox 13">
-            <a:extLst>
-              <a:ext uri="{FF2B5EF4-FFF2-40B4-BE49-F238E27FC236}">
-                <a16:creationId xmlns:a16="http://schemas.microsoft.com/office/drawing/2014/main" id="{B981E773-3E6A-462E-A020-88C42F459387}"/>
-              </a:ext>
-            </a:extLst>
-          </p:cNvPr>
-          <p:cNvSpPr txBox="1"/>
-          <p:nvPr/>
-        </p:nvSpPr>
-        <p:spPr>
-          <a:xfrm>
-            <a:off x="2183315" y="3483294"/>
-            <a:ext cx="407484" cy="246221"/>
+            <a:off x="785998" y="6330251"/>
+            <a:ext cx="1636987" cy="246221"/>
           </a:xfrm>
           <a:prstGeom prst="rect">
             <a:avLst/>
@@ -7438,11 +7815,11 @@
           <a:lstStyle/>
           <a:p>
             <a:r>
-              <a:rPr lang="en-US" sz="1000" dirty="0">
-                <a:latin typeface="Poppins" panose="00000500000000000000" pitchFamily="2" charset="0"/>
-                <a:cs typeface="Poppins" panose="00000500000000000000" pitchFamily="2" charset="0"/>
-              </a:rPr>
-              <a:t>ES6</a:t>
+              <a:rPr lang="en-US" sz="1000" i="1" dirty="0">
+                <a:latin typeface="Poppins" panose="00000500000000000000" pitchFamily="2" charset="0"/>
+                <a:cs typeface="Poppins" panose="00000500000000000000" pitchFamily="2" charset="0"/>
+              </a:rPr>
+              <a:t>“Don’t repeat yourself”</a:t>
             </a:r>
           </a:p>
         </p:txBody>
@@ -7450,7 +7827,7 @@
     </p:spTree>
     <p:extLst>
       <p:ext uri="{BB962C8B-B14F-4D97-AF65-F5344CB8AC3E}">
-        <p14:creationId xmlns:p14="http://schemas.microsoft.com/office/powerpoint/2010/main" val="3121659458"/>
+        <p14:creationId xmlns:p14="http://schemas.microsoft.com/office/powerpoint/2010/main" val="2912291126"/>
       </p:ext>
     </p:extLst>
   </p:cSld>
@@ -7482,7 +7859,7 @@
           <p:cNvPr id="3" name="Picture 2">
             <a:extLst>
               <a:ext uri="{FF2B5EF4-FFF2-40B4-BE49-F238E27FC236}">
-                <a16:creationId xmlns:a16="http://schemas.microsoft.com/office/drawing/2014/main" id="{0B621E6B-0D71-4A1E-8AEE-42FF7A9EF102}"/>
+                <a16:creationId xmlns:a16="http://schemas.microsoft.com/office/drawing/2014/main" id="{804DAB37-304D-4FD8-8BE2-8C26B85A290D}"/>
               </a:ext>
             </a:extLst>
           </p:cNvPr>
@@ -7504,8 +7881,8 @@
         </p:blipFill>
         <p:spPr>
           <a:xfrm>
-            <a:off x="4389120" y="2439222"/>
-            <a:ext cx="6369160" cy="2478376"/>
+            <a:off x="3350005" y="2579099"/>
+            <a:ext cx="5491990" cy="1395976"/>
           </a:xfrm>
           <a:prstGeom prst="rect">
             <a:avLst/>
@@ -7517,7 +7894,7 @@
           <p:cNvPr id="4" name="TextBox 3">
             <a:extLst>
               <a:ext uri="{FF2B5EF4-FFF2-40B4-BE49-F238E27FC236}">
-                <a16:creationId xmlns:a16="http://schemas.microsoft.com/office/drawing/2014/main" id="{EF7489C6-926A-4CD3-BC2D-40BBCD36887D}"/>
+                <a16:creationId xmlns:a16="http://schemas.microsoft.com/office/drawing/2014/main" id="{6D9732BA-3503-4425-89C7-96154D7FCF74}"/>
               </a:ext>
             </a:extLst>
           </p:cNvPr>
@@ -7526,8 +7903,8 @@
         </p:nvSpPr>
         <p:spPr>
           <a:xfrm>
-            <a:off x="699389" y="425084"/>
-            <a:ext cx="1337226" cy="338554"/>
+            <a:off x="770950" y="377376"/>
+            <a:ext cx="1045479" cy="338554"/>
           </a:xfrm>
           <a:prstGeom prst="rect">
             <a:avLst/>
@@ -7541,6 +7918,334 @@
           <a:lstStyle/>
           <a:p>
             <a:r>
+              <a:rPr lang="en-US" sz="1600" dirty="0" err="1">
+                <a:latin typeface="Poppins" panose="00000500000000000000" pitchFamily="2" charset="0"/>
+                <a:cs typeface="Poppins" panose="00000500000000000000" pitchFamily="2" charset="0"/>
+              </a:rPr>
+              <a:t>Variabel</a:t>
+            </a:r>
+            <a:endParaRPr lang="en-US" sz="1600" dirty="0">
+              <a:latin typeface="Poppins" panose="00000500000000000000" pitchFamily="2" charset="0"/>
+              <a:cs typeface="Poppins" panose="00000500000000000000" pitchFamily="2" charset="0"/>
+            </a:endParaRPr>
+          </a:p>
+        </p:txBody>
+      </p:sp>
+      <p:cxnSp>
+        <p:nvCxnSpPr>
+          <p:cNvPr id="6" name="Straight Connector 5">
+            <a:extLst>
+              <a:ext uri="{FF2B5EF4-FFF2-40B4-BE49-F238E27FC236}">
+                <a16:creationId xmlns:a16="http://schemas.microsoft.com/office/drawing/2014/main" id="{14ADF6D0-4075-4CFA-B26D-D5450704E187}"/>
+              </a:ext>
+            </a:extLst>
+          </p:cNvPr>
+          <p:cNvCxnSpPr>
+            <a:cxnSpLocks/>
+          </p:cNvCxnSpPr>
+          <p:nvPr/>
+        </p:nvCxnSpPr>
+        <p:spPr>
+          <a:xfrm flipV="1">
+            <a:off x="3870296" y="2587051"/>
+            <a:ext cx="858741" cy="612250"/>
+          </a:xfrm>
+          <a:prstGeom prst="line">
+            <a:avLst/>
+          </a:prstGeom>
+          <a:ln>
+            <a:solidFill>
+              <a:srgbClr val="FF0000"/>
+            </a:solidFill>
+          </a:ln>
+        </p:spPr>
+        <p:style>
+          <a:lnRef idx="1">
+            <a:schemeClr val="accent6"/>
+          </a:lnRef>
+          <a:fillRef idx="0">
+            <a:schemeClr val="accent6"/>
+          </a:fillRef>
+          <a:effectRef idx="0">
+            <a:schemeClr val="accent6"/>
+          </a:effectRef>
+          <a:fontRef idx="minor">
+            <a:schemeClr val="tx1"/>
+          </a:fontRef>
+        </p:style>
+      </p:cxnSp>
+      <p:sp>
+        <p:nvSpPr>
+          <p:cNvPr id="8" name="TextBox 7">
+            <a:extLst>
+              <a:ext uri="{FF2B5EF4-FFF2-40B4-BE49-F238E27FC236}">
+                <a16:creationId xmlns:a16="http://schemas.microsoft.com/office/drawing/2014/main" id="{453AC383-2CA5-44A5-97C4-F782C6A2B101}"/>
+              </a:ext>
+            </a:extLst>
+          </p:cNvPr>
+          <p:cNvSpPr txBox="1"/>
+          <p:nvPr/>
+        </p:nvSpPr>
+        <p:spPr>
+          <a:xfrm>
+            <a:off x="4619708" y="2213744"/>
+            <a:ext cx="1226618" cy="246221"/>
+          </a:xfrm>
+          <a:prstGeom prst="rect">
+            <a:avLst/>
+          </a:prstGeom>
+          <a:noFill/>
+        </p:spPr>
+        <p:txBody>
+          <a:bodyPr wrap="square" rtlCol="0">
+            <a:spAutoFit/>
+          </a:bodyPr>
+          <a:lstStyle/>
+          <a:p>
+            <a:r>
+              <a:rPr lang="en-US" sz="1000" dirty="0" err="1">
+                <a:latin typeface="Poppins" panose="00000500000000000000" pitchFamily="2" charset="0"/>
+                <a:cs typeface="Poppins" panose="00000500000000000000" pitchFamily="2" charset="0"/>
+              </a:rPr>
+              <a:t>Javascript</a:t>
+            </a:r>
+            <a:r>
+              <a:rPr lang="en-US" sz="1000" dirty="0">
+                <a:latin typeface="Poppins" panose="00000500000000000000" pitchFamily="2" charset="0"/>
+                <a:cs typeface="Poppins" panose="00000500000000000000" pitchFamily="2" charset="0"/>
+              </a:rPr>
+              <a:t> lama</a:t>
+            </a:r>
+          </a:p>
+        </p:txBody>
+      </p:sp>
+      <p:cxnSp>
+        <p:nvCxnSpPr>
+          <p:cNvPr id="11" name="Straight Connector 10">
+            <a:extLst>
+              <a:ext uri="{FF2B5EF4-FFF2-40B4-BE49-F238E27FC236}">
+                <a16:creationId xmlns:a16="http://schemas.microsoft.com/office/drawing/2014/main" id="{5741FEC3-A90D-4082-854A-2D49986B94C2}"/>
+              </a:ext>
+            </a:extLst>
+          </p:cNvPr>
+          <p:cNvCxnSpPr>
+            <a:cxnSpLocks/>
+          </p:cNvCxnSpPr>
+          <p:nvPr/>
+        </p:nvCxnSpPr>
+        <p:spPr>
+          <a:xfrm flipV="1">
+            <a:off x="2590799" y="3449366"/>
+            <a:ext cx="1011141" cy="141798"/>
+          </a:xfrm>
+          <a:prstGeom prst="line">
+            <a:avLst/>
+          </a:prstGeom>
+          <a:ln>
+            <a:solidFill>
+              <a:srgbClr val="FF0000"/>
+            </a:solidFill>
+          </a:ln>
+        </p:spPr>
+        <p:style>
+          <a:lnRef idx="1">
+            <a:schemeClr val="accent6"/>
+          </a:lnRef>
+          <a:fillRef idx="0">
+            <a:schemeClr val="accent6"/>
+          </a:fillRef>
+          <a:effectRef idx="0">
+            <a:schemeClr val="accent6"/>
+          </a:effectRef>
+          <a:fontRef idx="minor">
+            <a:schemeClr val="tx1"/>
+          </a:fontRef>
+        </p:style>
+      </p:cxnSp>
+      <p:sp>
+        <p:nvSpPr>
+          <p:cNvPr id="13" name="Oval 12">
+            <a:extLst>
+              <a:ext uri="{FF2B5EF4-FFF2-40B4-BE49-F238E27FC236}">
+                <a16:creationId xmlns:a16="http://schemas.microsoft.com/office/drawing/2014/main" id="{B5F0F07A-7E68-431B-9C50-A9CC7628DF1B}"/>
+              </a:ext>
+            </a:extLst>
+          </p:cNvPr>
+          <p:cNvSpPr/>
+          <p:nvPr/>
+        </p:nvSpPr>
+        <p:spPr>
+          <a:xfrm>
+            <a:off x="3713258" y="3277087"/>
+            <a:ext cx="314077" cy="314077"/>
+          </a:xfrm>
+          <a:prstGeom prst="ellipse">
+            <a:avLst/>
+          </a:prstGeom>
+          <a:noFill/>
+          <a:ln>
+            <a:solidFill>
+              <a:srgbClr val="FF0000"/>
+            </a:solidFill>
+          </a:ln>
+        </p:spPr>
+        <p:style>
+          <a:lnRef idx="2">
+            <a:schemeClr val="accent1">
+              <a:shade val="50000"/>
+            </a:schemeClr>
+          </a:lnRef>
+          <a:fillRef idx="1">
+            <a:schemeClr val="accent1"/>
+          </a:fillRef>
+          <a:effectRef idx="0">
+            <a:schemeClr val="accent1"/>
+          </a:effectRef>
+          <a:fontRef idx="minor">
+            <a:schemeClr val="lt1"/>
+          </a:fontRef>
+        </p:style>
+        <p:txBody>
+          <a:bodyPr rtlCol="0" anchor="ctr"/>
+          <a:lstStyle/>
+          <a:p>
+            <a:pPr algn="ctr"/>
+            <a:endParaRPr lang="en-US"/>
+          </a:p>
+        </p:txBody>
+      </p:sp>
+      <p:sp>
+        <p:nvSpPr>
+          <p:cNvPr id="14" name="TextBox 13">
+            <a:extLst>
+              <a:ext uri="{FF2B5EF4-FFF2-40B4-BE49-F238E27FC236}">
+                <a16:creationId xmlns:a16="http://schemas.microsoft.com/office/drawing/2014/main" id="{B981E773-3E6A-462E-A020-88C42F459387}"/>
+              </a:ext>
+            </a:extLst>
+          </p:cNvPr>
+          <p:cNvSpPr txBox="1"/>
+          <p:nvPr/>
+        </p:nvSpPr>
+        <p:spPr>
+          <a:xfrm>
+            <a:off x="2183315" y="3483294"/>
+            <a:ext cx="407484" cy="246221"/>
+          </a:xfrm>
+          <a:prstGeom prst="rect">
+            <a:avLst/>
+          </a:prstGeom>
+          <a:noFill/>
+        </p:spPr>
+        <p:txBody>
+          <a:bodyPr wrap="none" rtlCol="0">
+            <a:spAutoFit/>
+          </a:bodyPr>
+          <a:lstStyle/>
+          <a:p>
+            <a:r>
+              <a:rPr lang="en-US" sz="1000" dirty="0">
+                <a:latin typeface="Poppins" panose="00000500000000000000" pitchFamily="2" charset="0"/>
+                <a:cs typeface="Poppins" panose="00000500000000000000" pitchFamily="2" charset="0"/>
+              </a:rPr>
+              <a:t>ES6</a:t>
+            </a:r>
+          </a:p>
+        </p:txBody>
+      </p:sp>
+    </p:spTree>
+    <p:extLst>
+      <p:ext uri="{BB962C8B-B14F-4D97-AF65-F5344CB8AC3E}">
+        <p14:creationId xmlns:p14="http://schemas.microsoft.com/office/powerpoint/2010/main" val="3121659458"/>
+      </p:ext>
+    </p:extLst>
+  </p:cSld>
+  <p:clrMapOvr>
+    <a:masterClrMapping/>
+  </p:clrMapOvr>
+</p:sld>
+</file>
+
+<file path=ppt/slides/slide8.xml><?xml version="1.0" encoding="utf-8"?>
+<p:sld xmlns:a="http://schemas.openxmlformats.org/drawingml/2006/main" xmlns:r="http://schemas.openxmlformats.org/officeDocument/2006/relationships" xmlns:p="http://schemas.openxmlformats.org/presentationml/2006/main">
+  <p:cSld>
+    <p:spTree>
+      <p:nvGrpSpPr>
+        <p:cNvPr id="1" name=""/>
+        <p:cNvGrpSpPr/>
+        <p:nvPr/>
+      </p:nvGrpSpPr>
+      <p:grpSpPr>
+        <a:xfrm>
+          <a:off x="0" y="0"/>
+          <a:ext cx="0" cy="0"/>
+          <a:chOff x="0" y="0"/>
+          <a:chExt cx="0" cy="0"/>
+        </a:xfrm>
+      </p:grpSpPr>
+      <p:pic>
+        <p:nvPicPr>
+          <p:cNvPr id="3" name="Picture 2">
+            <a:extLst>
+              <a:ext uri="{FF2B5EF4-FFF2-40B4-BE49-F238E27FC236}">
+                <a16:creationId xmlns:a16="http://schemas.microsoft.com/office/drawing/2014/main" id="{0B621E6B-0D71-4A1E-8AEE-42FF7A9EF102}"/>
+              </a:ext>
+            </a:extLst>
+          </p:cNvPr>
+          <p:cNvPicPr>
+            <a:picLocks noChangeAspect="1"/>
+          </p:cNvPicPr>
+          <p:nvPr/>
+        </p:nvPicPr>
+        <p:blipFill>
+          <a:blip r:embed="rId2">
+            <a:extLst>
+              <a:ext uri="{28A0092B-C50C-407E-A947-70E740481C1C}">
+                <a14:useLocalDpi xmlns:a14="http://schemas.microsoft.com/office/drawing/2010/main" val="0"/>
+              </a:ext>
+            </a:extLst>
+          </a:blip>
+          <a:srcRect/>
+          <a:stretch/>
+        </p:blipFill>
+        <p:spPr>
+          <a:xfrm>
+            <a:off x="4389120" y="2439222"/>
+            <a:ext cx="6369160" cy="2478376"/>
+          </a:xfrm>
+          <a:prstGeom prst="rect">
+            <a:avLst/>
+          </a:prstGeom>
+        </p:spPr>
+      </p:pic>
+      <p:sp>
+        <p:nvSpPr>
+          <p:cNvPr id="4" name="TextBox 3">
+            <a:extLst>
+              <a:ext uri="{FF2B5EF4-FFF2-40B4-BE49-F238E27FC236}">
+                <a16:creationId xmlns:a16="http://schemas.microsoft.com/office/drawing/2014/main" id="{EF7489C6-926A-4CD3-BC2D-40BBCD36887D}"/>
+              </a:ext>
+            </a:extLst>
+          </p:cNvPr>
+          <p:cNvSpPr txBox="1"/>
+          <p:nvPr/>
+        </p:nvSpPr>
+        <p:spPr>
+          <a:xfrm>
+            <a:off x="699389" y="425084"/>
+            <a:ext cx="1337226" cy="338554"/>
+          </a:xfrm>
+          <a:prstGeom prst="rect">
+            <a:avLst/>
+          </a:prstGeom>
+          <a:noFill/>
+        </p:spPr>
+        <p:txBody>
+          <a:bodyPr wrap="none" rtlCol="0">
+            <a:spAutoFit/>
+          </a:bodyPr>
+          <a:lstStyle/>
+          <a:p>
+            <a:r>
               <a:rPr lang="en-US" sz="1600" dirty="0">
                 <a:latin typeface="Poppins" panose="00000500000000000000" pitchFamily="2" charset="0"/>
                 <a:cs typeface="Poppins" panose="00000500000000000000" pitchFamily="2" charset="0"/>
@@ -7566,8 +8271,8 @@
         </p:nvCxnSpPr>
         <p:spPr>
           <a:xfrm flipH="1" flipV="1">
-            <a:off x="4909248" y="2439222"/>
-            <a:ext cx="119270" cy="691763"/>
+            <a:off x="4874150" y="2282024"/>
+            <a:ext cx="154368" cy="848962"/>
           </a:xfrm>
           <a:prstGeom prst="line">
             <a:avLst/>
@@ -8310,217 +9015,6 @@
 </p:sld>
 </file>
 
-<file path=ppt/slides/slide8.xml><?xml version="1.0" encoding="utf-8"?>
-<p:sld xmlns:a="http://schemas.openxmlformats.org/drawingml/2006/main" xmlns:r="http://schemas.openxmlformats.org/officeDocument/2006/relationships" xmlns:p="http://schemas.openxmlformats.org/presentationml/2006/main">
-  <p:cSld>
-    <p:spTree>
-      <p:nvGrpSpPr>
-        <p:cNvPr id="1" name=""/>
-        <p:cNvGrpSpPr/>
-        <p:nvPr/>
-      </p:nvGrpSpPr>
-      <p:grpSpPr>
-        <a:xfrm>
-          <a:off x="0" y="0"/>
-          <a:ext cx="0" cy="0"/>
-          <a:chOff x="0" y="0"/>
-          <a:chExt cx="0" cy="0"/>
-        </a:xfrm>
-      </p:grpSpPr>
-      <p:sp>
-        <p:nvSpPr>
-          <p:cNvPr id="2" name="TextBox 1">
-            <a:extLst>
-              <a:ext uri="{FF2B5EF4-FFF2-40B4-BE49-F238E27FC236}">
-                <a16:creationId xmlns:a16="http://schemas.microsoft.com/office/drawing/2014/main" id="{668B6A60-C10E-472E-BB7C-E0A957A9F2F8}"/>
-              </a:ext>
-            </a:extLst>
-          </p:cNvPr>
-          <p:cNvSpPr txBox="1"/>
-          <p:nvPr/>
-        </p:nvSpPr>
-        <p:spPr>
-          <a:xfrm>
-            <a:off x="5134037" y="3259723"/>
-            <a:ext cx="2250937" cy="338554"/>
-          </a:xfrm>
-          <a:prstGeom prst="rect">
-            <a:avLst/>
-          </a:prstGeom>
-          <a:noFill/>
-        </p:spPr>
-        <p:txBody>
-          <a:bodyPr wrap="none" rtlCol="0">
-            <a:spAutoFit/>
-          </a:bodyPr>
-          <a:lstStyle/>
-          <a:p>
-            <a:r>
-              <a:rPr lang="en-US" sz="1600" dirty="0" err="1">
-                <a:latin typeface="Poppins" panose="00000500000000000000" pitchFamily="2" charset="0"/>
-                <a:cs typeface="Poppins" panose="00000500000000000000" pitchFamily="2" charset="0"/>
-              </a:rPr>
-              <a:t>Praktek</a:t>
-            </a:r>
-            <a:r>
-              <a:rPr lang="en-US" sz="1600" dirty="0">
-                <a:latin typeface="Poppins" panose="00000500000000000000" pitchFamily="2" charset="0"/>
-                <a:cs typeface="Poppins" panose="00000500000000000000" pitchFamily="2" charset="0"/>
-              </a:rPr>
-              <a:t> </a:t>
-            </a:r>
-            <a:r>
-              <a:rPr lang="en-US" sz="1600" dirty="0" err="1">
-                <a:latin typeface="Poppins" panose="00000500000000000000" pitchFamily="2" charset="0"/>
-                <a:cs typeface="Poppins" panose="00000500000000000000" pitchFamily="2" charset="0"/>
-              </a:rPr>
-              <a:t>Tipe</a:t>
-            </a:r>
-            <a:r>
-              <a:rPr lang="en-US" sz="1600" dirty="0">
-                <a:latin typeface="Poppins" panose="00000500000000000000" pitchFamily="2" charset="0"/>
-                <a:cs typeface="Poppins" panose="00000500000000000000" pitchFamily="2" charset="0"/>
-              </a:rPr>
-              <a:t> Data JS</a:t>
-            </a:r>
-          </a:p>
-        </p:txBody>
-      </p:sp>
-      <p:sp>
-        <p:nvSpPr>
-          <p:cNvPr id="3" name="TextBox 2">
-            <a:extLst>
-              <a:ext uri="{FF2B5EF4-FFF2-40B4-BE49-F238E27FC236}">
-                <a16:creationId xmlns:a16="http://schemas.microsoft.com/office/drawing/2014/main" id="{86A10D5B-83B5-43A0-B1AB-9C65FF69F7E0}"/>
-              </a:ext>
-            </a:extLst>
-          </p:cNvPr>
-          <p:cNvSpPr txBox="1"/>
-          <p:nvPr/>
-        </p:nvSpPr>
-        <p:spPr>
-          <a:xfrm>
-            <a:off x="785998" y="6330251"/>
-            <a:ext cx="2877711" cy="246221"/>
-          </a:xfrm>
-          <a:prstGeom prst="rect">
-            <a:avLst/>
-          </a:prstGeom>
-          <a:noFill/>
-        </p:spPr>
-        <p:txBody>
-          <a:bodyPr wrap="none" rtlCol="0">
-            <a:spAutoFit/>
-          </a:bodyPr>
-          <a:lstStyle/>
-          <a:p>
-            <a:r>
-              <a:rPr lang="en-US" sz="1000" i="1" dirty="0">
-                <a:latin typeface="Poppins" panose="00000500000000000000" pitchFamily="2" charset="0"/>
-                <a:cs typeface="Poppins" panose="00000500000000000000" pitchFamily="2" charset="0"/>
-              </a:rPr>
-              <a:t>“Code </a:t>
-            </a:r>
-            <a:r>
-              <a:rPr lang="en-US" sz="1000" i="1" dirty="0" err="1">
-                <a:latin typeface="Poppins" panose="00000500000000000000" pitchFamily="2" charset="0"/>
-                <a:cs typeface="Poppins" panose="00000500000000000000" pitchFamily="2" charset="0"/>
-              </a:rPr>
-              <a:t>selalu</a:t>
-            </a:r>
-            <a:r>
-              <a:rPr lang="en-US" sz="1000" i="1" dirty="0">
-                <a:latin typeface="Poppins" panose="00000500000000000000" pitchFamily="2" charset="0"/>
-                <a:cs typeface="Poppins" panose="00000500000000000000" pitchFamily="2" charset="0"/>
-              </a:rPr>
-              <a:t> </a:t>
-            </a:r>
-            <a:r>
-              <a:rPr lang="en-US" sz="1000" i="1" dirty="0" err="1">
-                <a:latin typeface="Poppins" panose="00000500000000000000" pitchFamily="2" charset="0"/>
-                <a:cs typeface="Poppins" panose="00000500000000000000" pitchFamily="2" charset="0"/>
-              </a:rPr>
-              <a:t>berjalan</a:t>
-            </a:r>
-            <a:r>
-              <a:rPr lang="en-US" sz="1000" i="1" dirty="0">
-                <a:latin typeface="Poppins" panose="00000500000000000000" pitchFamily="2" charset="0"/>
-                <a:cs typeface="Poppins" panose="00000500000000000000" pitchFamily="2" charset="0"/>
-              </a:rPr>
-              <a:t> </a:t>
-            </a:r>
-            <a:r>
-              <a:rPr lang="en-US" sz="1000" i="1" dirty="0" err="1">
-                <a:latin typeface="Poppins" panose="00000500000000000000" pitchFamily="2" charset="0"/>
-                <a:cs typeface="Poppins" panose="00000500000000000000" pitchFamily="2" charset="0"/>
-              </a:rPr>
-              <a:t>dari</a:t>
-            </a:r>
-            <a:r>
-              <a:rPr lang="en-US" sz="1000" i="1" dirty="0">
-                <a:latin typeface="Poppins" panose="00000500000000000000" pitchFamily="2" charset="0"/>
-                <a:cs typeface="Poppins" panose="00000500000000000000" pitchFamily="2" charset="0"/>
-              </a:rPr>
-              <a:t> </a:t>
-            </a:r>
-            <a:r>
-              <a:rPr lang="en-US" sz="1000" i="1" dirty="0" err="1">
-                <a:latin typeface="Poppins" panose="00000500000000000000" pitchFamily="2" charset="0"/>
-                <a:cs typeface="Poppins" panose="00000500000000000000" pitchFamily="2" charset="0"/>
-              </a:rPr>
-              <a:t>atas</a:t>
-            </a:r>
-            <a:r>
-              <a:rPr lang="en-US" sz="1000" i="1" dirty="0">
-                <a:latin typeface="Poppins" panose="00000500000000000000" pitchFamily="2" charset="0"/>
-                <a:cs typeface="Poppins" panose="00000500000000000000" pitchFamily="2" charset="0"/>
-              </a:rPr>
-              <a:t> </a:t>
-            </a:r>
-            <a:r>
-              <a:rPr lang="en-US" sz="1000" i="1" dirty="0" err="1">
-                <a:latin typeface="Poppins" panose="00000500000000000000" pitchFamily="2" charset="0"/>
-                <a:cs typeface="Poppins" panose="00000500000000000000" pitchFamily="2" charset="0"/>
-              </a:rPr>
-              <a:t>ke</a:t>
-            </a:r>
-            <a:r>
-              <a:rPr lang="en-US" sz="1000" i="1" dirty="0">
-                <a:latin typeface="Poppins" panose="00000500000000000000" pitchFamily="2" charset="0"/>
-                <a:cs typeface="Poppins" panose="00000500000000000000" pitchFamily="2" charset="0"/>
-              </a:rPr>
-              <a:t> </a:t>
-            </a:r>
-            <a:r>
-              <a:rPr lang="en-US" sz="1000" i="1" dirty="0" err="1">
-                <a:latin typeface="Poppins" panose="00000500000000000000" pitchFamily="2" charset="0"/>
-                <a:cs typeface="Poppins" panose="00000500000000000000" pitchFamily="2" charset="0"/>
-              </a:rPr>
-              <a:t>bawah</a:t>
-            </a:r>
-            <a:r>
-              <a:rPr lang="en-US" sz="1000" i="1" dirty="0">
-                <a:latin typeface="Poppins" panose="00000500000000000000" pitchFamily="2" charset="0"/>
-                <a:cs typeface="Poppins" panose="00000500000000000000" pitchFamily="2" charset="0"/>
-              </a:rPr>
-              <a:t>”</a:t>
-            </a:r>
-          </a:p>
-        </p:txBody>
-      </p:sp>
-    </p:spTree>
-    <p:extLst>
-      <p:ext uri="{BB962C8B-B14F-4D97-AF65-F5344CB8AC3E}">
-        <p14:creationId xmlns:p14="http://schemas.microsoft.com/office/powerpoint/2010/main" val="3368319232"/>
-      </p:ext>
-    </p:extLst>
-  </p:cSld>
-  <p:clrMapOvr>
-    <a:masterClrMapping/>
-  </p:clrMapOvr>
-</p:sld>
-</file>
-
 <file path=ppt/slides/slide9.xml><?xml version="1.0" encoding="utf-8"?>
 <p:sld xmlns:a="http://schemas.openxmlformats.org/drawingml/2006/main" xmlns:r="http://schemas.openxmlformats.org/officeDocument/2006/relationships" xmlns:p="http://schemas.openxmlformats.org/presentationml/2006/main">
   <p:cSld>
@@ -8543,7 +9037,7 @@
           <p:cNvPr id="2" name="TextBox 1">
             <a:extLst>
               <a:ext uri="{FF2B5EF4-FFF2-40B4-BE49-F238E27FC236}">
-                <a16:creationId xmlns:a16="http://schemas.microsoft.com/office/drawing/2014/main" id="{4F1319EA-663B-46ED-9632-DF40E31B64D5}"/>
+                <a16:creationId xmlns:a16="http://schemas.microsoft.com/office/drawing/2014/main" id="{668B6A60-C10E-472E-BB7C-E0A957A9F2F8}"/>
               </a:ext>
             </a:extLst>
           </p:cNvPr>
@@ -8552,8 +9046,8 @@
         </p:nvSpPr>
         <p:spPr>
           <a:xfrm>
-            <a:off x="699389" y="425084"/>
-            <a:ext cx="1372492" cy="338554"/>
+            <a:off x="4752523" y="3259723"/>
+            <a:ext cx="2686954" cy="338554"/>
           </a:xfrm>
           <a:prstGeom prst="rect">
             <a:avLst/>
@@ -8571,85 +9065,151 @@
                 <a:latin typeface="Poppins" panose="00000500000000000000" pitchFamily="2" charset="0"/>
                 <a:cs typeface="Poppins" panose="00000500000000000000" pitchFamily="2" charset="0"/>
               </a:rPr>
-              <a:t>Conditional</a:t>
-            </a:r>
-          </a:p>
-        </p:txBody>
-      </p:sp>
-      <p:pic>
-        <p:nvPicPr>
-          <p:cNvPr id="4" name="Picture 3">
-            <a:extLst>
-              <a:ext uri="{FF2B5EF4-FFF2-40B4-BE49-F238E27FC236}">
-                <a16:creationId xmlns:a16="http://schemas.microsoft.com/office/drawing/2014/main" id="{D49FFD87-EA64-47E0-B256-140447A9E0E2}"/>
-              </a:ext>
-            </a:extLst>
-          </p:cNvPr>
-          <p:cNvPicPr>
-            <a:picLocks noChangeAspect="1"/>
-          </p:cNvPicPr>
-          <p:nvPr/>
-        </p:nvPicPr>
-        <p:blipFill>
-          <a:blip r:embed="rId2">
-            <a:extLst>
-              <a:ext uri="{28A0092B-C50C-407E-A947-70E740481C1C}">
-                <a14:useLocalDpi xmlns:a14="http://schemas.microsoft.com/office/drawing/2010/main" val="0"/>
-              </a:ext>
-            </a:extLst>
-          </a:blip>
-          <a:srcRect/>
-          <a:stretch/>
-        </p:blipFill>
-        <p:spPr>
-          <a:xfrm>
-            <a:off x="805971" y="1791555"/>
-            <a:ext cx="5227856" cy="1930369"/>
+              <a:t>Live Coding </a:t>
+            </a:r>
+            <a:r>
+              <a:rPr lang="en-US" sz="1600" dirty="0" err="1">
+                <a:latin typeface="Poppins" panose="00000500000000000000" pitchFamily="2" charset="0"/>
+                <a:cs typeface="Poppins" panose="00000500000000000000" pitchFamily="2" charset="0"/>
+              </a:rPr>
+              <a:t>Tipe</a:t>
+            </a:r>
+            <a:r>
+              <a:rPr lang="en-US" sz="1600" dirty="0">
+                <a:latin typeface="Poppins" panose="00000500000000000000" pitchFamily="2" charset="0"/>
+                <a:cs typeface="Poppins" panose="00000500000000000000" pitchFamily="2" charset="0"/>
+              </a:rPr>
+              <a:t> Data JS</a:t>
+            </a:r>
+          </a:p>
+        </p:txBody>
+      </p:sp>
+      <p:sp>
+        <p:nvSpPr>
+          <p:cNvPr id="3" name="TextBox 2">
+            <a:extLst>
+              <a:ext uri="{FF2B5EF4-FFF2-40B4-BE49-F238E27FC236}">
+                <a16:creationId xmlns:a16="http://schemas.microsoft.com/office/drawing/2014/main" id="{86A10D5B-83B5-43A0-B1AB-9C65FF69F7E0}"/>
+              </a:ext>
+            </a:extLst>
+          </p:cNvPr>
+          <p:cNvSpPr txBox="1"/>
+          <p:nvPr/>
+        </p:nvSpPr>
+        <p:spPr>
+          <a:xfrm>
+            <a:off x="785998" y="6330251"/>
+            <a:ext cx="2877711" cy="246221"/>
           </a:xfrm>
           <a:prstGeom prst="rect">
             <a:avLst/>
           </a:prstGeom>
-        </p:spPr>
-      </p:pic>
-      <p:pic>
-        <p:nvPicPr>
-          <p:cNvPr id="8" name="Picture 7">
-            <a:extLst>
-              <a:ext uri="{FF2B5EF4-FFF2-40B4-BE49-F238E27FC236}">
-                <a16:creationId xmlns:a16="http://schemas.microsoft.com/office/drawing/2014/main" id="{2F967373-7C3B-48EC-99DE-C02664510DB4}"/>
-              </a:ext>
-            </a:extLst>
-          </p:cNvPr>
-          <p:cNvPicPr>
-            <a:picLocks noChangeAspect="1"/>
-          </p:cNvPicPr>
-          <p:nvPr/>
-        </p:nvPicPr>
-        <p:blipFill>
-          <a:blip r:embed="rId3">
-            <a:extLst>
-              <a:ext uri="{28A0092B-C50C-407E-A947-70E740481C1C}">
-                <a14:useLocalDpi xmlns:a14="http://schemas.microsoft.com/office/drawing/2010/main" val="0"/>
-              </a:ext>
-            </a:extLst>
-          </a:blip>
-          <a:srcRect/>
-          <a:stretch/>
-        </p:blipFill>
-        <p:spPr>
-          <a:xfrm>
-            <a:off x="6335485" y="1664430"/>
-            <a:ext cx="5106347" cy="2184619"/>
-          </a:xfrm>
-          <a:prstGeom prst="rect">
-            <a:avLst/>
-          </a:prstGeom>
-        </p:spPr>
-      </p:pic>
+          <a:noFill/>
+        </p:spPr>
+        <p:txBody>
+          <a:bodyPr wrap="none" rtlCol="0">
+            <a:spAutoFit/>
+          </a:bodyPr>
+          <a:lstStyle/>
+          <a:p>
+            <a:r>
+              <a:rPr lang="en-US" sz="1000" i="1" dirty="0">
+                <a:latin typeface="Poppins" panose="00000500000000000000" pitchFamily="2" charset="0"/>
+                <a:cs typeface="Poppins" panose="00000500000000000000" pitchFamily="2" charset="0"/>
+              </a:rPr>
+              <a:t>“Code </a:t>
+            </a:r>
+            <a:r>
+              <a:rPr lang="en-US" sz="1000" i="1" dirty="0" err="1">
+                <a:latin typeface="Poppins" panose="00000500000000000000" pitchFamily="2" charset="0"/>
+                <a:cs typeface="Poppins" panose="00000500000000000000" pitchFamily="2" charset="0"/>
+              </a:rPr>
+              <a:t>selalu</a:t>
+            </a:r>
+            <a:r>
+              <a:rPr lang="en-US" sz="1000" i="1" dirty="0">
+                <a:latin typeface="Poppins" panose="00000500000000000000" pitchFamily="2" charset="0"/>
+                <a:cs typeface="Poppins" panose="00000500000000000000" pitchFamily="2" charset="0"/>
+              </a:rPr>
+              <a:t> </a:t>
+            </a:r>
+            <a:r>
+              <a:rPr lang="en-US" sz="1000" i="1" dirty="0" err="1">
+                <a:latin typeface="Poppins" panose="00000500000000000000" pitchFamily="2" charset="0"/>
+                <a:cs typeface="Poppins" panose="00000500000000000000" pitchFamily="2" charset="0"/>
+              </a:rPr>
+              <a:t>berjalan</a:t>
+            </a:r>
+            <a:r>
+              <a:rPr lang="en-US" sz="1000" i="1" dirty="0">
+                <a:latin typeface="Poppins" panose="00000500000000000000" pitchFamily="2" charset="0"/>
+                <a:cs typeface="Poppins" panose="00000500000000000000" pitchFamily="2" charset="0"/>
+              </a:rPr>
+              <a:t> </a:t>
+            </a:r>
+            <a:r>
+              <a:rPr lang="en-US" sz="1000" i="1" dirty="0" err="1">
+                <a:latin typeface="Poppins" panose="00000500000000000000" pitchFamily="2" charset="0"/>
+                <a:cs typeface="Poppins" panose="00000500000000000000" pitchFamily="2" charset="0"/>
+              </a:rPr>
+              <a:t>dari</a:t>
+            </a:r>
+            <a:r>
+              <a:rPr lang="en-US" sz="1000" i="1" dirty="0">
+                <a:latin typeface="Poppins" panose="00000500000000000000" pitchFamily="2" charset="0"/>
+                <a:cs typeface="Poppins" panose="00000500000000000000" pitchFamily="2" charset="0"/>
+              </a:rPr>
+              <a:t> </a:t>
+            </a:r>
+            <a:r>
+              <a:rPr lang="en-US" sz="1000" i="1" dirty="0" err="1">
+                <a:latin typeface="Poppins" panose="00000500000000000000" pitchFamily="2" charset="0"/>
+                <a:cs typeface="Poppins" panose="00000500000000000000" pitchFamily="2" charset="0"/>
+              </a:rPr>
+              <a:t>atas</a:t>
+            </a:r>
+            <a:r>
+              <a:rPr lang="en-US" sz="1000" i="1" dirty="0">
+                <a:latin typeface="Poppins" panose="00000500000000000000" pitchFamily="2" charset="0"/>
+                <a:cs typeface="Poppins" panose="00000500000000000000" pitchFamily="2" charset="0"/>
+              </a:rPr>
+              <a:t> </a:t>
+            </a:r>
+            <a:r>
+              <a:rPr lang="en-US" sz="1000" i="1" dirty="0" err="1">
+                <a:latin typeface="Poppins" panose="00000500000000000000" pitchFamily="2" charset="0"/>
+                <a:cs typeface="Poppins" panose="00000500000000000000" pitchFamily="2" charset="0"/>
+              </a:rPr>
+              <a:t>ke</a:t>
+            </a:r>
+            <a:r>
+              <a:rPr lang="en-US" sz="1000" i="1" dirty="0">
+                <a:latin typeface="Poppins" panose="00000500000000000000" pitchFamily="2" charset="0"/>
+                <a:cs typeface="Poppins" panose="00000500000000000000" pitchFamily="2" charset="0"/>
+              </a:rPr>
+              <a:t> </a:t>
+            </a:r>
+            <a:r>
+              <a:rPr lang="en-US" sz="1000" i="1" dirty="0" err="1">
+                <a:latin typeface="Poppins" panose="00000500000000000000" pitchFamily="2" charset="0"/>
+                <a:cs typeface="Poppins" panose="00000500000000000000" pitchFamily="2" charset="0"/>
+              </a:rPr>
+              <a:t>bawah</a:t>
+            </a:r>
+            <a:r>
+              <a:rPr lang="en-US" sz="1000" i="1" dirty="0">
+                <a:latin typeface="Poppins" panose="00000500000000000000" pitchFamily="2" charset="0"/>
+                <a:cs typeface="Poppins" panose="00000500000000000000" pitchFamily="2" charset="0"/>
+              </a:rPr>
+              <a:t>”</a:t>
+            </a:r>
+          </a:p>
+        </p:txBody>
+      </p:sp>
     </p:spTree>
     <p:extLst>
       <p:ext uri="{BB962C8B-B14F-4D97-AF65-F5344CB8AC3E}">
-        <p14:creationId xmlns:p14="http://schemas.microsoft.com/office/powerpoint/2010/main" val="3141938394"/>
+        <p14:creationId xmlns:p14="http://schemas.microsoft.com/office/powerpoint/2010/main" val="3368319232"/>
       </p:ext>
     </p:extLst>
   </p:cSld>

--- a/march/week-1/meeting-1/PPT.pptx
+++ b/march/week-1/meeting-1/PPT.pptx
@@ -271,7 +271,7 @@
           <a:p>
             <a:fld id="{A948A2B1-F8D2-4272-B300-6892670749FD}" type="datetimeFigureOut">
               <a:rPr lang="en-US" smtClean="0"/>
-              <a:t>3/1/2022</a:t>
+              <a:t>3/2/2022</a:t>
             </a:fld>
             <a:endParaRPr lang="en-US"/>
           </a:p>
@@ -469,7 +469,7 @@
           <a:p>
             <a:fld id="{A948A2B1-F8D2-4272-B300-6892670749FD}" type="datetimeFigureOut">
               <a:rPr lang="en-US" smtClean="0"/>
-              <a:t>3/1/2022</a:t>
+              <a:t>3/2/2022</a:t>
             </a:fld>
             <a:endParaRPr lang="en-US"/>
           </a:p>
@@ -677,7 +677,7 @@
           <a:p>
             <a:fld id="{A948A2B1-F8D2-4272-B300-6892670749FD}" type="datetimeFigureOut">
               <a:rPr lang="en-US" smtClean="0"/>
-              <a:t>3/1/2022</a:t>
+              <a:t>3/2/2022</a:t>
             </a:fld>
             <a:endParaRPr lang="en-US"/>
           </a:p>
@@ -875,7 +875,7 @@
           <a:p>
             <a:fld id="{A948A2B1-F8D2-4272-B300-6892670749FD}" type="datetimeFigureOut">
               <a:rPr lang="en-US" smtClean="0"/>
-              <a:t>3/1/2022</a:t>
+              <a:t>3/2/2022</a:t>
             </a:fld>
             <a:endParaRPr lang="en-US"/>
           </a:p>
@@ -1150,7 +1150,7 @@
           <a:p>
             <a:fld id="{A948A2B1-F8D2-4272-B300-6892670749FD}" type="datetimeFigureOut">
               <a:rPr lang="en-US" smtClean="0"/>
-              <a:t>3/1/2022</a:t>
+              <a:t>3/2/2022</a:t>
             </a:fld>
             <a:endParaRPr lang="en-US"/>
           </a:p>
@@ -1415,7 +1415,7 @@
           <a:p>
             <a:fld id="{A948A2B1-F8D2-4272-B300-6892670749FD}" type="datetimeFigureOut">
               <a:rPr lang="en-US" smtClean="0"/>
-              <a:t>3/1/2022</a:t>
+              <a:t>3/2/2022</a:t>
             </a:fld>
             <a:endParaRPr lang="en-US"/>
           </a:p>
@@ -1827,7 +1827,7 @@
           <a:p>
             <a:fld id="{A948A2B1-F8D2-4272-B300-6892670749FD}" type="datetimeFigureOut">
               <a:rPr lang="en-US" smtClean="0"/>
-              <a:t>3/1/2022</a:t>
+              <a:t>3/2/2022</a:t>
             </a:fld>
             <a:endParaRPr lang="en-US"/>
           </a:p>
@@ -1968,7 +1968,7 @@
           <a:p>
             <a:fld id="{A948A2B1-F8D2-4272-B300-6892670749FD}" type="datetimeFigureOut">
               <a:rPr lang="en-US" smtClean="0"/>
-              <a:t>3/1/2022</a:t>
+              <a:t>3/2/2022</a:t>
             </a:fld>
             <a:endParaRPr lang="en-US"/>
           </a:p>
@@ -2081,7 +2081,7 @@
           <a:p>
             <a:fld id="{A948A2B1-F8D2-4272-B300-6892670749FD}" type="datetimeFigureOut">
               <a:rPr lang="en-US" smtClean="0"/>
-              <a:t>3/1/2022</a:t>
+              <a:t>3/2/2022</a:t>
             </a:fld>
             <a:endParaRPr lang="en-US"/>
           </a:p>
@@ -2392,7 +2392,7 @@
           <a:p>
             <a:fld id="{A948A2B1-F8D2-4272-B300-6892670749FD}" type="datetimeFigureOut">
               <a:rPr lang="en-US" smtClean="0"/>
-              <a:t>3/1/2022</a:t>
+              <a:t>3/2/2022</a:t>
             </a:fld>
             <a:endParaRPr lang="en-US"/>
           </a:p>
@@ -2680,7 +2680,7 @@
           <a:p>
             <a:fld id="{A948A2B1-F8D2-4272-B300-6892670749FD}" type="datetimeFigureOut">
               <a:rPr lang="en-US" smtClean="0"/>
-              <a:t>3/1/2022</a:t>
+              <a:t>3/2/2022</a:t>
             </a:fld>
             <a:endParaRPr lang="en-US"/>
           </a:p>
@@ -2921,7 +2921,7 @@
           <a:p>
             <a:fld id="{A948A2B1-F8D2-4272-B300-6892670749FD}" type="datetimeFigureOut">
               <a:rPr lang="en-US" smtClean="0"/>
-              <a:t>3/1/2022</a:t>
+              <a:t>3/2/2022</a:t>
             </a:fld>
             <a:endParaRPr lang="en-US"/>
           </a:p>

--- a/march/week-1/meeting-1/PPT.pptx
+++ b/march/week-1/meeting-1/PPT.pptx
@@ -13,11 +13,12 @@
     <p:sldId id="260" r:id="rId7"/>
     <p:sldId id="261" r:id="rId8"/>
     <p:sldId id="262" r:id="rId9"/>
-    <p:sldId id="263" r:id="rId10"/>
-    <p:sldId id="264" r:id="rId11"/>
-    <p:sldId id="265" r:id="rId12"/>
-    <p:sldId id="266" r:id="rId13"/>
-    <p:sldId id="267" r:id="rId14"/>
+    <p:sldId id="269" r:id="rId10"/>
+    <p:sldId id="263" r:id="rId11"/>
+    <p:sldId id="264" r:id="rId12"/>
+    <p:sldId id="265" r:id="rId13"/>
+    <p:sldId id="266" r:id="rId14"/>
+    <p:sldId id="267" r:id="rId15"/>
   </p:sldIdLst>
   <p:sldSz cx="12192000" cy="6858000"/>
   <p:notesSz cx="6858000" cy="9144000"/>
@@ -271,7 +272,7 @@
           <a:p>
             <a:fld id="{A948A2B1-F8D2-4272-B300-6892670749FD}" type="datetimeFigureOut">
               <a:rPr lang="en-US" smtClean="0"/>
-              <a:t>3/2/2022</a:t>
+              <a:t>3/3/2022</a:t>
             </a:fld>
             <a:endParaRPr lang="en-US"/>
           </a:p>
@@ -469,7 +470,7 @@
           <a:p>
             <a:fld id="{A948A2B1-F8D2-4272-B300-6892670749FD}" type="datetimeFigureOut">
               <a:rPr lang="en-US" smtClean="0"/>
-              <a:t>3/2/2022</a:t>
+              <a:t>3/3/2022</a:t>
             </a:fld>
             <a:endParaRPr lang="en-US"/>
           </a:p>
@@ -677,7 +678,7 @@
           <a:p>
             <a:fld id="{A948A2B1-F8D2-4272-B300-6892670749FD}" type="datetimeFigureOut">
               <a:rPr lang="en-US" smtClean="0"/>
-              <a:t>3/2/2022</a:t>
+              <a:t>3/3/2022</a:t>
             </a:fld>
             <a:endParaRPr lang="en-US"/>
           </a:p>
@@ -875,7 +876,7 @@
           <a:p>
             <a:fld id="{A948A2B1-F8D2-4272-B300-6892670749FD}" type="datetimeFigureOut">
               <a:rPr lang="en-US" smtClean="0"/>
-              <a:t>3/2/2022</a:t>
+              <a:t>3/3/2022</a:t>
             </a:fld>
             <a:endParaRPr lang="en-US"/>
           </a:p>
@@ -1150,7 +1151,7 @@
           <a:p>
             <a:fld id="{A948A2B1-F8D2-4272-B300-6892670749FD}" type="datetimeFigureOut">
               <a:rPr lang="en-US" smtClean="0"/>
-              <a:t>3/2/2022</a:t>
+              <a:t>3/3/2022</a:t>
             </a:fld>
             <a:endParaRPr lang="en-US"/>
           </a:p>
@@ -1415,7 +1416,7 @@
           <a:p>
             <a:fld id="{A948A2B1-F8D2-4272-B300-6892670749FD}" type="datetimeFigureOut">
               <a:rPr lang="en-US" smtClean="0"/>
-              <a:t>3/2/2022</a:t>
+              <a:t>3/3/2022</a:t>
             </a:fld>
             <a:endParaRPr lang="en-US"/>
           </a:p>
@@ -1827,7 +1828,7 @@
           <a:p>
             <a:fld id="{A948A2B1-F8D2-4272-B300-6892670749FD}" type="datetimeFigureOut">
               <a:rPr lang="en-US" smtClean="0"/>
-              <a:t>3/2/2022</a:t>
+              <a:t>3/3/2022</a:t>
             </a:fld>
             <a:endParaRPr lang="en-US"/>
           </a:p>
@@ -1968,7 +1969,7 @@
           <a:p>
             <a:fld id="{A948A2B1-F8D2-4272-B300-6892670749FD}" type="datetimeFigureOut">
               <a:rPr lang="en-US" smtClean="0"/>
-              <a:t>3/2/2022</a:t>
+              <a:t>3/3/2022</a:t>
             </a:fld>
             <a:endParaRPr lang="en-US"/>
           </a:p>
@@ -2081,7 +2082,7 @@
           <a:p>
             <a:fld id="{A948A2B1-F8D2-4272-B300-6892670749FD}" type="datetimeFigureOut">
               <a:rPr lang="en-US" smtClean="0"/>
-              <a:t>3/2/2022</a:t>
+              <a:t>3/3/2022</a:t>
             </a:fld>
             <a:endParaRPr lang="en-US"/>
           </a:p>
@@ -2392,7 +2393,7 @@
           <a:p>
             <a:fld id="{A948A2B1-F8D2-4272-B300-6892670749FD}" type="datetimeFigureOut">
               <a:rPr lang="en-US" smtClean="0"/>
-              <a:t>3/2/2022</a:t>
+              <a:t>3/3/2022</a:t>
             </a:fld>
             <a:endParaRPr lang="en-US"/>
           </a:p>
@@ -2680,7 +2681,7 @@
           <a:p>
             <a:fld id="{A948A2B1-F8D2-4272-B300-6892670749FD}" type="datetimeFigureOut">
               <a:rPr lang="en-US" smtClean="0"/>
-              <a:t>3/2/2022</a:t>
+              <a:t>3/3/2022</a:t>
             </a:fld>
             <a:endParaRPr lang="en-US"/>
           </a:p>
@@ -2921,7 +2922,7 @@
           <a:p>
             <a:fld id="{A948A2B1-F8D2-4272-B300-6892670749FD}" type="datetimeFigureOut">
               <a:rPr lang="en-US" smtClean="0"/>
-              <a:t>3/2/2022</a:t>
+              <a:t>3/3/2022</a:t>
             </a:fld>
             <a:endParaRPr lang="en-US"/>
           </a:p>
@@ -3352,7 +3353,7 @@
         </p:nvSpPr>
         <p:spPr>
           <a:xfrm>
-            <a:off x="3341922" y="2231666"/>
+            <a:off x="3437338" y="2684890"/>
             <a:ext cx="5508156" cy="830997"/>
           </a:xfrm>
           <a:prstGeom prst="rect">
@@ -3405,7 +3406,7 @@
         </p:nvSpPr>
         <p:spPr>
           <a:xfrm>
-            <a:off x="3341922" y="3305889"/>
+            <a:off x="3437338" y="3759113"/>
             <a:ext cx="5508156" cy="246221"/>
           </a:xfrm>
           <a:prstGeom prst="rect">
@@ -3514,7 +3515,7 @@
           <p:cNvPr id="2" name="TextBox 1">
             <a:extLst>
               <a:ext uri="{FF2B5EF4-FFF2-40B4-BE49-F238E27FC236}">
-                <a16:creationId xmlns:a16="http://schemas.microsoft.com/office/drawing/2014/main" id="{4F1319EA-663B-46ED-9632-DF40E31B64D5}"/>
+                <a16:creationId xmlns:a16="http://schemas.microsoft.com/office/drawing/2014/main" id="{668B6A60-C10E-472E-BB7C-E0A957A9F2F8}"/>
               </a:ext>
             </a:extLst>
           </p:cNvPr>
@@ -3523,8 +3524,8 @@
         </p:nvSpPr>
         <p:spPr>
           <a:xfrm>
-            <a:off x="699389" y="425084"/>
-            <a:ext cx="1372492" cy="338554"/>
+            <a:off x="4752523" y="3259723"/>
+            <a:ext cx="2686954" cy="338554"/>
           </a:xfrm>
           <a:prstGeom prst="rect">
             <a:avLst/>
@@ -3542,85 +3543,151 @@
                 <a:latin typeface="Poppins" panose="00000500000000000000" pitchFamily="2" charset="0"/>
                 <a:cs typeface="Poppins" panose="00000500000000000000" pitchFamily="2" charset="0"/>
               </a:rPr>
-              <a:t>Conditional</a:t>
-            </a:r>
-          </a:p>
-        </p:txBody>
-      </p:sp>
-      <p:pic>
-        <p:nvPicPr>
-          <p:cNvPr id="4" name="Picture 3">
-            <a:extLst>
-              <a:ext uri="{FF2B5EF4-FFF2-40B4-BE49-F238E27FC236}">
-                <a16:creationId xmlns:a16="http://schemas.microsoft.com/office/drawing/2014/main" id="{D49FFD87-EA64-47E0-B256-140447A9E0E2}"/>
-              </a:ext>
-            </a:extLst>
-          </p:cNvPr>
-          <p:cNvPicPr>
-            <a:picLocks noChangeAspect="1"/>
-          </p:cNvPicPr>
-          <p:nvPr/>
-        </p:nvPicPr>
-        <p:blipFill>
-          <a:blip r:embed="rId2">
-            <a:extLst>
-              <a:ext uri="{28A0092B-C50C-407E-A947-70E740481C1C}">
-                <a14:useLocalDpi xmlns:a14="http://schemas.microsoft.com/office/drawing/2010/main" val="0"/>
-              </a:ext>
-            </a:extLst>
-          </a:blip>
-          <a:srcRect/>
-          <a:stretch/>
-        </p:blipFill>
-        <p:spPr>
-          <a:xfrm>
-            <a:off x="805971" y="1791555"/>
-            <a:ext cx="5227856" cy="1930369"/>
+              <a:t>Live Coding </a:t>
+            </a:r>
+            <a:r>
+              <a:rPr lang="en-US" sz="1600" dirty="0" err="1">
+                <a:latin typeface="Poppins" panose="00000500000000000000" pitchFamily="2" charset="0"/>
+                <a:cs typeface="Poppins" panose="00000500000000000000" pitchFamily="2" charset="0"/>
+              </a:rPr>
+              <a:t>Tipe</a:t>
+            </a:r>
+            <a:r>
+              <a:rPr lang="en-US" sz="1600" dirty="0">
+                <a:latin typeface="Poppins" panose="00000500000000000000" pitchFamily="2" charset="0"/>
+                <a:cs typeface="Poppins" panose="00000500000000000000" pitchFamily="2" charset="0"/>
+              </a:rPr>
+              <a:t> Data JS</a:t>
+            </a:r>
+          </a:p>
+        </p:txBody>
+      </p:sp>
+      <p:sp>
+        <p:nvSpPr>
+          <p:cNvPr id="3" name="TextBox 2">
+            <a:extLst>
+              <a:ext uri="{FF2B5EF4-FFF2-40B4-BE49-F238E27FC236}">
+                <a16:creationId xmlns:a16="http://schemas.microsoft.com/office/drawing/2014/main" id="{86A10D5B-83B5-43A0-B1AB-9C65FF69F7E0}"/>
+              </a:ext>
+            </a:extLst>
+          </p:cNvPr>
+          <p:cNvSpPr txBox="1"/>
+          <p:nvPr/>
+        </p:nvSpPr>
+        <p:spPr>
+          <a:xfrm>
+            <a:off x="785998" y="6330251"/>
+            <a:ext cx="2877711" cy="246221"/>
           </a:xfrm>
           <a:prstGeom prst="rect">
             <a:avLst/>
           </a:prstGeom>
-        </p:spPr>
-      </p:pic>
-      <p:pic>
-        <p:nvPicPr>
-          <p:cNvPr id="8" name="Picture 7">
-            <a:extLst>
-              <a:ext uri="{FF2B5EF4-FFF2-40B4-BE49-F238E27FC236}">
-                <a16:creationId xmlns:a16="http://schemas.microsoft.com/office/drawing/2014/main" id="{2F967373-7C3B-48EC-99DE-C02664510DB4}"/>
-              </a:ext>
-            </a:extLst>
-          </p:cNvPr>
-          <p:cNvPicPr>
-            <a:picLocks noChangeAspect="1"/>
-          </p:cNvPicPr>
-          <p:nvPr/>
-        </p:nvPicPr>
-        <p:blipFill>
-          <a:blip r:embed="rId3">
-            <a:extLst>
-              <a:ext uri="{28A0092B-C50C-407E-A947-70E740481C1C}">
-                <a14:useLocalDpi xmlns:a14="http://schemas.microsoft.com/office/drawing/2010/main" val="0"/>
-              </a:ext>
-            </a:extLst>
-          </a:blip>
-          <a:srcRect/>
-          <a:stretch/>
-        </p:blipFill>
-        <p:spPr>
-          <a:xfrm>
-            <a:off x="6335485" y="1664430"/>
-            <a:ext cx="5106347" cy="2184619"/>
-          </a:xfrm>
-          <a:prstGeom prst="rect">
-            <a:avLst/>
-          </a:prstGeom>
-        </p:spPr>
-      </p:pic>
+          <a:noFill/>
+        </p:spPr>
+        <p:txBody>
+          <a:bodyPr wrap="none" rtlCol="0">
+            <a:spAutoFit/>
+          </a:bodyPr>
+          <a:lstStyle/>
+          <a:p>
+            <a:r>
+              <a:rPr lang="en-US" sz="1000" i="1" dirty="0">
+                <a:latin typeface="Poppins" panose="00000500000000000000" pitchFamily="2" charset="0"/>
+                <a:cs typeface="Poppins" panose="00000500000000000000" pitchFamily="2" charset="0"/>
+              </a:rPr>
+              <a:t>“Code </a:t>
+            </a:r>
+            <a:r>
+              <a:rPr lang="en-US" sz="1000" i="1" dirty="0" err="1">
+                <a:latin typeface="Poppins" panose="00000500000000000000" pitchFamily="2" charset="0"/>
+                <a:cs typeface="Poppins" panose="00000500000000000000" pitchFamily="2" charset="0"/>
+              </a:rPr>
+              <a:t>selalu</a:t>
+            </a:r>
+            <a:r>
+              <a:rPr lang="en-US" sz="1000" i="1" dirty="0">
+                <a:latin typeface="Poppins" panose="00000500000000000000" pitchFamily="2" charset="0"/>
+                <a:cs typeface="Poppins" panose="00000500000000000000" pitchFamily="2" charset="0"/>
+              </a:rPr>
+              <a:t> </a:t>
+            </a:r>
+            <a:r>
+              <a:rPr lang="en-US" sz="1000" i="1" dirty="0" err="1">
+                <a:latin typeface="Poppins" panose="00000500000000000000" pitchFamily="2" charset="0"/>
+                <a:cs typeface="Poppins" panose="00000500000000000000" pitchFamily="2" charset="0"/>
+              </a:rPr>
+              <a:t>berjalan</a:t>
+            </a:r>
+            <a:r>
+              <a:rPr lang="en-US" sz="1000" i="1" dirty="0">
+                <a:latin typeface="Poppins" panose="00000500000000000000" pitchFamily="2" charset="0"/>
+                <a:cs typeface="Poppins" panose="00000500000000000000" pitchFamily="2" charset="0"/>
+              </a:rPr>
+              <a:t> </a:t>
+            </a:r>
+            <a:r>
+              <a:rPr lang="en-US" sz="1000" i="1" dirty="0" err="1">
+                <a:latin typeface="Poppins" panose="00000500000000000000" pitchFamily="2" charset="0"/>
+                <a:cs typeface="Poppins" panose="00000500000000000000" pitchFamily="2" charset="0"/>
+              </a:rPr>
+              <a:t>dari</a:t>
+            </a:r>
+            <a:r>
+              <a:rPr lang="en-US" sz="1000" i="1" dirty="0">
+                <a:latin typeface="Poppins" panose="00000500000000000000" pitchFamily="2" charset="0"/>
+                <a:cs typeface="Poppins" panose="00000500000000000000" pitchFamily="2" charset="0"/>
+              </a:rPr>
+              <a:t> </a:t>
+            </a:r>
+            <a:r>
+              <a:rPr lang="en-US" sz="1000" i="1" dirty="0" err="1">
+                <a:latin typeface="Poppins" panose="00000500000000000000" pitchFamily="2" charset="0"/>
+                <a:cs typeface="Poppins" panose="00000500000000000000" pitchFamily="2" charset="0"/>
+              </a:rPr>
+              <a:t>atas</a:t>
+            </a:r>
+            <a:r>
+              <a:rPr lang="en-US" sz="1000" i="1" dirty="0">
+                <a:latin typeface="Poppins" panose="00000500000000000000" pitchFamily="2" charset="0"/>
+                <a:cs typeface="Poppins" panose="00000500000000000000" pitchFamily="2" charset="0"/>
+              </a:rPr>
+              <a:t> </a:t>
+            </a:r>
+            <a:r>
+              <a:rPr lang="en-US" sz="1000" i="1" dirty="0" err="1">
+                <a:latin typeface="Poppins" panose="00000500000000000000" pitchFamily="2" charset="0"/>
+                <a:cs typeface="Poppins" panose="00000500000000000000" pitchFamily="2" charset="0"/>
+              </a:rPr>
+              <a:t>ke</a:t>
+            </a:r>
+            <a:r>
+              <a:rPr lang="en-US" sz="1000" i="1" dirty="0">
+                <a:latin typeface="Poppins" panose="00000500000000000000" pitchFamily="2" charset="0"/>
+                <a:cs typeface="Poppins" panose="00000500000000000000" pitchFamily="2" charset="0"/>
+              </a:rPr>
+              <a:t> </a:t>
+            </a:r>
+            <a:r>
+              <a:rPr lang="en-US" sz="1000" i="1" dirty="0" err="1">
+                <a:latin typeface="Poppins" panose="00000500000000000000" pitchFamily="2" charset="0"/>
+                <a:cs typeface="Poppins" panose="00000500000000000000" pitchFamily="2" charset="0"/>
+              </a:rPr>
+              <a:t>bawah</a:t>
+            </a:r>
+            <a:r>
+              <a:rPr lang="en-US" sz="1000" i="1" dirty="0">
+                <a:latin typeface="Poppins" panose="00000500000000000000" pitchFamily="2" charset="0"/>
+                <a:cs typeface="Poppins" panose="00000500000000000000" pitchFamily="2" charset="0"/>
+              </a:rPr>
+              <a:t>”</a:t>
+            </a:r>
+          </a:p>
+        </p:txBody>
+      </p:sp>
     </p:spTree>
     <p:extLst>
       <p:ext uri="{BB962C8B-B14F-4D97-AF65-F5344CB8AC3E}">
-        <p14:creationId xmlns:p14="http://schemas.microsoft.com/office/powerpoint/2010/main" val="3141938394"/>
+        <p14:creationId xmlns:p14="http://schemas.microsoft.com/office/powerpoint/2010/main" val="3368319232"/>
       </p:ext>
     </p:extLst>
   </p:cSld>
@@ -3647,12 +3714,50 @@
           <a:chExt cx="0" cy="0"/>
         </a:xfrm>
       </p:grpSpPr>
+      <p:sp>
+        <p:nvSpPr>
+          <p:cNvPr id="2" name="TextBox 1">
+            <a:extLst>
+              <a:ext uri="{FF2B5EF4-FFF2-40B4-BE49-F238E27FC236}">
+                <a16:creationId xmlns:a16="http://schemas.microsoft.com/office/drawing/2014/main" id="{4F1319EA-663B-46ED-9632-DF40E31B64D5}"/>
+              </a:ext>
+            </a:extLst>
+          </p:cNvPr>
+          <p:cNvSpPr txBox="1"/>
+          <p:nvPr/>
+        </p:nvSpPr>
+        <p:spPr>
+          <a:xfrm>
+            <a:off x="699389" y="425084"/>
+            <a:ext cx="1372492" cy="338554"/>
+          </a:xfrm>
+          <a:prstGeom prst="rect">
+            <a:avLst/>
+          </a:prstGeom>
+          <a:noFill/>
+        </p:spPr>
+        <p:txBody>
+          <a:bodyPr wrap="none" rtlCol="0">
+            <a:spAutoFit/>
+          </a:bodyPr>
+          <a:lstStyle/>
+          <a:p>
+            <a:r>
+              <a:rPr lang="en-US" sz="1600" dirty="0">
+                <a:latin typeface="Poppins" panose="00000500000000000000" pitchFamily="2" charset="0"/>
+                <a:cs typeface="Poppins" panose="00000500000000000000" pitchFamily="2" charset="0"/>
+              </a:rPr>
+              <a:t>Conditional</a:t>
+            </a:r>
+          </a:p>
+        </p:txBody>
+      </p:sp>
       <p:pic>
         <p:nvPicPr>
-          <p:cNvPr id="5" name="Picture 4">
-            <a:extLst>
-              <a:ext uri="{FF2B5EF4-FFF2-40B4-BE49-F238E27FC236}">
-                <a16:creationId xmlns:a16="http://schemas.microsoft.com/office/drawing/2014/main" id="{A990F19B-8B27-4AF3-9CC2-BF7D0DA6046D}"/>
+          <p:cNvPr id="4" name="Picture 3">
+            <a:extLst>
+              <a:ext uri="{FF2B5EF4-FFF2-40B4-BE49-F238E27FC236}">
+                <a16:creationId xmlns:a16="http://schemas.microsoft.com/office/drawing/2014/main" id="{D49FFD87-EA64-47E0-B256-140447A9E0E2}"/>
               </a:ext>
             </a:extLst>
           </p:cNvPr>
@@ -3674,58 +3779,20 @@
         </p:blipFill>
         <p:spPr>
           <a:xfrm>
-            <a:off x="871091" y="2054312"/>
-            <a:ext cx="4410075" cy="1374688"/>
+            <a:off x="805971" y="1791555"/>
+            <a:ext cx="5227856" cy="1930369"/>
           </a:xfrm>
           <a:prstGeom prst="rect">
             <a:avLst/>
           </a:prstGeom>
         </p:spPr>
       </p:pic>
-      <p:sp>
-        <p:nvSpPr>
-          <p:cNvPr id="8" name="TextBox 7">
-            <a:extLst>
-              <a:ext uri="{FF2B5EF4-FFF2-40B4-BE49-F238E27FC236}">
-                <a16:creationId xmlns:a16="http://schemas.microsoft.com/office/drawing/2014/main" id="{E3162726-DDFA-4B28-83E2-5688FB7B6998}"/>
-              </a:ext>
-            </a:extLst>
-          </p:cNvPr>
-          <p:cNvSpPr txBox="1"/>
-          <p:nvPr/>
-        </p:nvSpPr>
-        <p:spPr>
-          <a:xfrm>
-            <a:off x="699389" y="425084"/>
-            <a:ext cx="995785" cy="338554"/>
-          </a:xfrm>
-          <a:prstGeom prst="rect">
-            <a:avLst/>
-          </a:prstGeom>
-          <a:noFill/>
-        </p:spPr>
-        <p:txBody>
-          <a:bodyPr wrap="none" rtlCol="0">
-            <a:spAutoFit/>
-          </a:bodyPr>
-          <a:lstStyle/>
-          <a:p>
-            <a:r>
-              <a:rPr lang="en-US" sz="1600" dirty="0">
-                <a:latin typeface="Poppins" panose="00000500000000000000" pitchFamily="2" charset="0"/>
-                <a:cs typeface="Poppins" panose="00000500000000000000" pitchFamily="2" charset="0"/>
-              </a:rPr>
-              <a:t>Looping</a:t>
-            </a:r>
-          </a:p>
-        </p:txBody>
-      </p:sp>
       <p:pic>
         <p:nvPicPr>
-          <p:cNvPr id="11" name="Picture 10">
-            <a:extLst>
-              <a:ext uri="{FF2B5EF4-FFF2-40B4-BE49-F238E27FC236}">
-                <a16:creationId xmlns:a16="http://schemas.microsoft.com/office/drawing/2014/main" id="{F152D5EE-8F59-4341-98DC-F5A219FE2734}"/>
+          <p:cNvPr id="8" name="Picture 7">
+            <a:extLst>
+              <a:ext uri="{FF2B5EF4-FFF2-40B4-BE49-F238E27FC236}">
+                <a16:creationId xmlns:a16="http://schemas.microsoft.com/office/drawing/2014/main" id="{2F967373-7C3B-48EC-99DE-C02664510DB4}"/>
               </a:ext>
             </a:extLst>
           </p:cNvPr>
@@ -3747,8 +3814,8 @@
         </p:blipFill>
         <p:spPr>
           <a:xfrm>
-            <a:off x="6684396" y="2054312"/>
-            <a:ext cx="3922990" cy="1374688"/>
+            <a:off x="6335485" y="1664430"/>
+            <a:ext cx="5106347" cy="2184619"/>
           </a:xfrm>
           <a:prstGeom prst="rect">
             <a:avLst/>
@@ -3758,7 +3825,7 @@
     </p:spTree>
     <p:extLst>
       <p:ext uri="{BB962C8B-B14F-4D97-AF65-F5344CB8AC3E}">
-        <p14:creationId xmlns:p14="http://schemas.microsoft.com/office/powerpoint/2010/main" val="2249924398"/>
+        <p14:creationId xmlns:p14="http://schemas.microsoft.com/office/powerpoint/2010/main" val="3141938394"/>
       </p:ext>
     </p:extLst>
   </p:cSld>
@@ -3787,6 +3854,144 @@
       </p:grpSpPr>
       <p:pic>
         <p:nvPicPr>
+          <p:cNvPr id="5" name="Picture 4">
+            <a:extLst>
+              <a:ext uri="{FF2B5EF4-FFF2-40B4-BE49-F238E27FC236}">
+                <a16:creationId xmlns:a16="http://schemas.microsoft.com/office/drawing/2014/main" id="{A990F19B-8B27-4AF3-9CC2-BF7D0DA6046D}"/>
+              </a:ext>
+            </a:extLst>
+          </p:cNvPr>
+          <p:cNvPicPr>
+            <a:picLocks noChangeAspect="1"/>
+          </p:cNvPicPr>
+          <p:nvPr/>
+        </p:nvPicPr>
+        <p:blipFill>
+          <a:blip r:embed="rId2">
+            <a:extLst>
+              <a:ext uri="{28A0092B-C50C-407E-A947-70E740481C1C}">
+                <a14:useLocalDpi xmlns:a14="http://schemas.microsoft.com/office/drawing/2010/main" val="0"/>
+              </a:ext>
+            </a:extLst>
+          </a:blip>
+          <a:srcRect/>
+          <a:stretch/>
+        </p:blipFill>
+        <p:spPr>
+          <a:xfrm>
+            <a:off x="871091" y="2054312"/>
+            <a:ext cx="4410075" cy="1374688"/>
+          </a:xfrm>
+          <a:prstGeom prst="rect">
+            <a:avLst/>
+          </a:prstGeom>
+        </p:spPr>
+      </p:pic>
+      <p:sp>
+        <p:nvSpPr>
+          <p:cNvPr id="8" name="TextBox 7">
+            <a:extLst>
+              <a:ext uri="{FF2B5EF4-FFF2-40B4-BE49-F238E27FC236}">
+                <a16:creationId xmlns:a16="http://schemas.microsoft.com/office/drawing/2014/main" id="{E3162726-DDFA-4B28-83E2-5688FB7B6998}"/>
+              </a:ext>
+            </a:extLst>
+          </p:cNvPr>
+          <p:cNvSpPr txBox="1"/>
+          <p:nvPr/>
+        </p:nvSpPr>
+        <p:spPr>
+          <a:xfrm>
+            <a:off x="699389" y="425084"/>
+            <a:ext cx="995785" cy="338554"/>
+          </a:xfrm>
+          <a:prstGeom prst="rect">
+            <a:avLst/>
+          </a:prstGeom>
+          <a:noFill/>
+        </p:spPr>
+        <p:txBody>
+          <a:bodyPr wrap="none" rtlCol="0">
+            <a:spAutoFit/>
+          </a:bodyPr>
+          <a:lstStyle/>
+          <a:p>
+            <a:r>
+              <a:rPr lang="en-US" sz="1600" dirty="0">
+                <a:latin typeface="Poppins" panose="00000500000000000000" pitchFamily="2" charset="0"/>
+                <a:cs typeface="Poppins" panose="00000500000000000000" pitchFamily="2" charset="0"/>
+              </a:rPr>
+              <a:t>Looping</a:t>
+            </a:r>
+          </a:p>
+        </p:txBody>
+      </p:sp>
+      <p:pic>
+        <p:nvPicPr>
+          <p:cNvPr id="11" name="Picture 10">
+            <a:extLst>
+              <a:ext uri="{FF2B5EF4-FFF2-40B4-BE49-F238E27FC236}">
+                <a16:creationId xmlns:a16="http://schemas.microsoft.com/office/drawing/2014/main" id="{F152D5EE-8F59-4341-98DC-F5A219FE2734}"/>
+              </a:ext>
+            </a:extLst>
+          </p:cNvPr>
+          <p:cNvPicPr>
+            <a:picLocks noChangeAspect="1"/>
+          </p:cNvPicPr>
+          <p:nvPr/>
+        </p:nvPicPr>
+        <p:blipFill>
+          <a:blip r:embed="rId3">
+            <a:extLst>
+              <a:ext uri="{28A0092B-C50C-407E-A947-70E740481C1C}">
+                <a14:useLocalDpi xmlns:a14="http://schemas.microsoft.com/office/drawing/2010/main" val="0"/>
+              </a:ext>
+            </a:extLst>
+          </a:blip>
+          <a:srcRect/>
+          <a:stretch/>
+        </p:blipFill>
+        <p:spPr>
+          <a:xfrm>
+            <a:off x="6684396" y="2054312"/>
+            <a:ext cx="3922990" cy="1374688"/>
+          </a:xfrm>
+          <a:prstGeom prst="rect">
+            <a:avLst/>
+          </a:prstGeom>
+        </p:spPr>
+      </p:pic>
+    </p:spTree>
+    <p:extLst>
+      <p:ext uri="{BB962C8B-B14F-4D97-AF65-F5344CB8AC3E}">
+        <p14:creationId xmlns:p14="http://schemas.microsoft.com/office/powerpoint/2010/main" val="2249924398"/>
+      </p:ext>
+    </p:extLst>
+  </p:cSld>
+  <p:clrMapOvr>
+    <a:masterClrMapping/>
+  </p:clrMapOvr>
+</p:sld>
+</file>
+
+<file path=ppt/slides/slide13.xml><?xml version="1.0" encoding="utf-8"?>
+<p:sld xmlns:a="http://schemas.openxmlformats.org/drawingml/2006/main" xmlns:r="http://schemas.openxmlformats.org/officeDocument/2006/relationships" xmlns:p="http://schemas.openxmlformats.org/presentationml/2006/main">
+  <p:cSld>
+    <p:spTree>
+      <p:nvGrpSpPr>
+        <p:cNvPr id="1" name=""/>
+        <p:cNvGrpSpPr/>
+        <p:nvPr/>
+      </p:nvGrpSpPr>
+      <p:grpSpPr>
+        <a:xfrm>
+          <a:off x="0" y="0"/>
+          <a:ext cx="0" cy="0"/>
+          <a:chOff x="0" y="0"/>
+          <a:chExt cx="0" cy="0"/>
+        </a:xfrm>
+      </p:grpSpPr>
+      <p:pic>
+        <p:nvPicPr>
           <p:cNvPr id="3" name="Picture 2">
             <a:extLst>
               <a:ext uri="{FF2B5EF4-FFF2-40B4-BE49-F238E27FC236}">
@@ -4398,7 +4603,7 @@
 </p:sld>
 </file>
 
-<file path=ppt/slides/slide13.xml><?xml version="1.0" encoding="utf-8"?>
+<file path=ppt/slides/slide14.xml><?xml version="1.0" encoding="utf-8"?>
 <p:sld xmlns:a="http://schemas.openxmlformats.org/drawingml/2006/main" xmlns:r="http://schemas.openxmlformats.org/officeDocument/2006/relationships" xmlns:p="http://schemas.openxmlformats.org/presentationml/2006/main">
   <p:cSld>
     <p:spTree>
@@ -5422,7 +5627,7 @@
         </p:blipFill>
         <p:spPr>
           <a:xfrm>
-            <a:off x="6096000" y="1812152"/>
+            <a:off x="6096000" y="1890071"/>
             <a:ext cx="5248275" cy="2343150"/>
           </a:xfrm>
           <a:prstGeom prst="rect">
@@ -5444,7 +5649,7 @@
         </p:nvSpPr>
         <p:spPr>
           <a:xfrm>
-            <a:off x="998800" y="1812152"/>
+            <a:off x="1138064" y="2410668"/>
             <a:ext cx="3897221" cy="253916"/>
           </a:xfrm>
           <a:prstGeom prst="rect">
@@ -5538,7 +5743,7 @@
         </p:nvSpPr>
         <p:spPr>
           <a:xfrm>
-            <a:off x="998800" y="2073762"/>
+            <a:off x="1138064" y="2672278"/>
             <a:ext cx="2355132" cy="253916"/>
           </a:xfrm>
           <a:prstGeom prst="rect">
@@ -5586,6 +5791,518 @@
                 <a:cs typeface="Poppins" panose="00000500000000000000" pitchFamily="2" charset="0"/>
               </a:rPr>
               <a:t> client side</a:t>
+            </a:r>
+          </a:p>
+        </p:txBody>
+      </p:sp>
+      <p:cxnSp>
+        <p:nvCxnSpPr>
+          <p:cNvPr id="5" name="Straight Connector 4">
+            <a:extLst>
+              <a:ext uri="{FF2B5EF4-FFF2-40B4-BE49-F238E27FC236}">
+                <a16:creationId xmlns:a16="http://schemas.microsoft.com/office/drawing/2014/main" id="{BC945EEF-7EFA-4F1E-AF4E-8CF1EC789FF3}"/>
+              </a:ext>
+            </a:extLst>
+          </p:cNvPr>
+          <p:cNvCxnSpPr>
+            <a:cxnSpLocks/>
+          </p:cNvCxnSpPr>
+          <p:nvPr/>
+        </p:nvCxnSpPr>
+        <p:spPr>
+          <a:xfrm>
+            <a:off x="6329522" y="4365903"/>
+            <a:ext cx="0" cy="461654"/>
+          </a:xfrm>
+          <a:prstGeom prst="line">
+            <a:avLst/>
+          </a:prstGeom>
+        </p:spPr>
+        <p:style>
+          <a:lnRef idx="1">
+            <a:schemeClr val="dk1"/>
+          </a:lnRef>
+          <a:fillRef idx="0">
+            <a:schemeClr val="dk1"/>
+          </a:fillRef>
+          <a:effectRef idx="0">
+            <a:schemeClr val="dk1"/>
+          </a:effectRef>
+          <a:fontRef idx="minor">
+            <a:schemeClr val="tx1"/>
+          </a:fontRef>
+        </p:style>
+      </p:cxnSp>
+      <p:sp>
+        <p:nvSpPr>
+          <p:cNvPr id="7" name="TextBox 6">
+            <a:extLst>
+              <a:ext uri="{FF2B5EF4-FFF2-40B4-BE49-F238E27FC236}">
+                <a16:creationId xmlns:a16="http://schemas.microsoft.com/office/drawing/2014/main" id="{85D02741-DCAE-404B-A2AC-A2EE474DCE67}"/>
+              </a:ext>
+            </a:extLst>
+          </p:cNvPr>
+          <p:cNvSpPr txBox="1"/>
+          <p:nvPr/>
+        </p:nvSpPr>
+        <p:spPr>
+          <a:xfrm>
+            <a:off x="5785142" y="4876902"/>
+            <a:ext cx="1088760" cy="253916"/>
+          </a:xfrm>
+          <a:prstGeom prst="rect">
+            <a:avLst/>
+          </a:prstGeom>
+          <a:noFill/>
+        </p:spPr>
+        <p:txBody>
+          <a:bodyPr wrap="none" rtlCol="0">
+            <a:spAutoFit/>
+          </a:bodyPr>
+          <a:lstStyle/>
+          <a:p>
+            <a:r>
+              <a:rPr lang="en-US" sz="1050" dirty="0">
+                <a:latin typeface="Poppins" panose="00000500000000000000" pitchFamily="2" charset="0"/>
+                <a:cs typeface="Poppins" panose="00000500000000000000" pitchFamily="2" charset="0"/>
+              </a:rPr>
+              <a:t>UI (Front End)</a:t>
+            </a:r>
+          </a:p>
+        </p:txBody>
+      </p:sp>
+      <p:sp>
+        <p:nvSpPr>
+          <p:cNvPr id="10" name="TextBox 9">
+            <a:extLst>
+              <a:ext uri="{FF2B5EF4-FFF2-40B4-BE49-F238E27FC236}">
+                <a16:creationId xmlns:a16="http://schemas.microsoft.com/office/drawing/2014/main" id="{9E57F8EB-3CBB-402E-9C11-45DF318EE4FC}"/>
+              </a:ext>
+            </a:extLst>
+          </p:cNvPr>
+          <p:cNvSpPr txBox="1"/>
+          <p:nvPr/>
+        </p:nvSpPr>
+        <p:spPr>
+          <a:xfrm>
+            <a:off x="9641924" y="3790954"/>
+            <a:ext cx="388248" cy="253916"/>
+          </a:xfrm>
+          <a:prstGeom prst="rect">
+            <a:avLst/>
+          </a:prstGeom>
+          <a:noFill/>
+        </p:spPr>
+        <p:txBody>
+          <a:bodyPr wrap="none" rtlCol="0">
+            <a:spAutoFit/>
+          </a:bodyPr>
+          <a:lstStyle/>
+          <a:p>
+            <a:r>
+              <a:rPr lang="en-US" sz="1050" dirty="0">
+                <a:latin typeface="Poppins" panose="00000500000000000000" pitchFamily="2" charset="0"/>
+                <a:cs typeface="Poppins" panose="00000500000000000000" pitchFamily="2" charset="0"/>
+              </a:rPr>
+              <a:t>API</a:t>
+            </a:r>
+          </a:p>
+        </p:txBody>
+      </p:sp>
+      <p:cxnSp>
+        <p:nvCxnSpPr>
+          <p:cNvPr id="11" name="Straight Connector 10">
+            <a:extLst>
+              <a:ext uri="{FF2B5EF4-FFF2-40B4-BE49-F238E27FC236}">
+                <a16:creationId xmlns:a16="http://schemas.microsoft.com/office/drawing/2014/main" id="{6D943857-8269-4B10-9ED9-3803B8989F51}"/>
+              </a:ext>
+            </a:extLst>
+          </p:cNvPr>
+          <p:cNvCxnSpPr>
+            <a:cxnSpLocks/>
+          </p:cNvCxnSpPr>
+          <p:nvPr/>
+        </p:nvCxnSpPr>
+        <p:spPr>
+          <a:xfrm>
+            <a:off x="9836048" y="3146883"/>
+            <a:ext cx="0" cy="461654"/>
+          </a:xfrm>
+          <a:prstGeom prst="line">
+            <a:avLst/>
+          </a:prstGeom>
+        </p:spPr>
+        <p:style>
+          <a:lnRef idx="1">
+            <a:schemeClr val="dk1"/>
+          </a:lnRef>
+          <a:fillRef idx="0">
+            <a:schemeClr val="dk1"/>
+          </a:fillRef>
+          <a:effectRef idx="0">
+            <a:schemeClr val="dk1"/>
+          </a:effectRef>
+          <a:fontRef idx="minor">
+            <a:schemeClr val="tx1"/>
+          </a:fontRef>
+        </p:style>
+      </p:cxnSp>
+      <p:sp>
+        <p:nvSpPr>
+          <p:cNvPr id="12" name="TextBox 11">
+            <a:extLst>
+              <a:ext uri="{FF2B5EF4-FFF2-40B4-BE49-F238E27FC236}">
+                <a16:creationId xmlns:a16="http://schemas.microsoft.com/office/drawing/2014/main" id="{D03298D5-8757-4FA2-90C7-BA5A262273CC}"/>
+              </a:ext>
+            </a:extLst>
+          </p:cNvPr>
+          <p:cNvSpPr txBox="1"/>
+          <p:nvPr/>
+        </p:nvSpPr>
+        <p:spPr>
+          <a:xfrm>
+            <a:off x="10574512" y="4108972"/>
+            <a:ext cx="769763" cy="253916"/>
+          </a:xfrm>
+          <a:prstGeom prst="rect">
+            <a:avLst/>
+          </a:prstGeom>
+          <a:noFill/>
+        </p:spPr>
+        <p:txBody>
+          <a:bodyPr wrap="none" rtlCol="0">
+            <a:spAutoFit/>
+          </a:bodyPr>
+          <a:lstStyle/>
+          <a:p>
+            <a:r>
+              <a:rPr lang="en-US" sz="1050" dirty="0">
+                <a:latin typeface="Poppins" panose="00000500000000000000" pitchFamily="2" charset="0"/>
+                <a:cs typeface="Poppins" panose="00000500000000000000" pitchFamily="2" charset="0"/>
+              </a:rPr>
+              <a:t>Backend</a:t>
+            </a:r>
+          </a:p>
+        </p:txBody>
+      </p:sp>
+      <p:cxnSp>
+        <p:nvCxnSpPr>
+          <p:cNvPr id="13" name="Straight Connector 12">
+            <a:extLst>
+              <a:ext uri="{FF2B5EF4-FFF2-40B4-BE49-F238E27FC236}">
+                <a16:creationId xmlns:a16="http://schemas.microsoft.com/office/drawing/2014/main" id="{DB9A15C6-D756-4016-BF01-8FAB57FE9219}"/>
+              </a:ext>
+            </a:extLst>
+          </p:cNvPr>
+          <p:cNvCxnSpPr>
+            <a:cxnSpLocks/>
+          </p:cNvCxnSpPr>
+          <p:nvPr/>
+        </p:nvCxnSpPr>
+        <p:spPr>
+          <a:xfrm>
+            <a:off x="10952166" y="3480838"/>
+            <a:ext cx="0" cy="461654"/>
+          </a:xfrm>
+          <a:prstGeom prst="line">
+            <a:avLst/>
+          </a:prstGeom>
+        </p:spPr>
+        <p:style>
+          <a:lnRef idx="1">
+            <a:schemeClr val="dk1"/>
+          </a:lnRef>
+          <a:fillRef idx="0">
+            <a:schemeClr val="dk1"/>
+          </a:fillRef>
+          <a:effectRef idx="0">
+            <a:schemeClr val="dk1"/>
+          </a:effectRef>
+          <a:fontRef idx="minor">
+            <a:schemeClr val="tx1"/>
+          </a:fontRef>
+        </p:style>
+      </p:cxnSp>
+      <p:sp>
+        <p:nvSpPr>
+          <p:cNvPr id="3" name="Rectangle 2">
+            <a:extLst>
+              <a:ext uri="{FF2B5EF4-FFF2-40B4-BE49-F238E27FC236}">
+                <a16:creationId xmlns:a16="http://schemas.microsoft.com/office/drawing/2014/main" id="{3B5467AF-3DD9-4155-AF33-C738D2A8F07C}"/>
+              </a:ext>
+            </a:extLst>
+          </p:cNvPr>
+          <p:cNvSpPr/>
+          <p:nvPr/>
+        </p:nvSpPr>
+        <p:spPr>
+          <a:xfrm>
+            <a:off x="7871791" y="1809442"/>
+            <a:ext cx="3824577" cy="3067459"/>
+          </a:xfrm>
+          <a:prstGeom prst="rect">
+            <a:avLst/>
+          </a:prstGeom>
+          <a:noFill/>
+          <a:ln>
+            <a:solidFill>
+              <a:srgbClr val="FF0000"/>
+            </a:solidFill>
+          </a:ln>
+        </p:spPr>
+        <p:style>
+          <a:lnRef idx="2">
+            <a:schemeClr val="accent1">
+              <a:shade val="50000"/>
+            </a:schemeClr>
+          </a:lnRef>
+          <a:fillRef idx="1">
+            <a:schemeClr val="accent1"/>
+          </a:fillRef>
+          <a:effectRef idx="0">
+            <a:schemeClr val="accent1"/>
+          </a:effectRef>
+          <a:fontRef idx="minor">
+            <a:schemeClr val="lt1"/>
+          </a:fontRef>
+        </p:style>
+        <p:txBody>
+          <a:bodyPr rtlCol="0" anchor="ctr"/>
+          <a:lstStyle/>
+          <a:p>
+            <a:pPr algn="ctr"/>
+            <a:endParaRPr lang="en-US"/>
+          </a:p>
+        </p:txBody>
+      </p:sp>
+      <p:sp>
+        <p:nvSpPr>
+          <p:cNvPr id="15" name="Rectangle 14">
+            <a:extLst>
+              <a:ext uri="{FF2B5EF4-FFF2-40B4-BE49-F238E27FC236}">
+                <a16:creationId xmlns:a16="http://schemas.microsoft.com/office/drawing/2014/main" id="{AB8CE749-FB4D-4BF3-95F6-532E9732D346}"/>
+              </a:ext>
+            </a:extLst>
+          </p:cNvPr>
+          <p:cNvSpPr/>
+          <p:nvPr/>
+        </p:nvSpPr>
+        <p:spPr>
+          <a:xfrm>
+            <a:off x="5573872" y="1809442"/>
+            <a:ext cx="2297919" cy="3067459"/>
+          </a:xfrm>
+          <a:prstGeom prst="rect">
+            <a:avLst/>
+          </a:prstGeom>
+          <a:noFill/>
+          <a:ln>
+            <a:solidFill>
+              <a:srgbClr val="0070C0"/>
+            </a:solidFill>
+          </a:ln>
+        </p:spPr>
+        <p:style>
+          <a:lnRef idx="2">
+            <a:schemeClr val="accent1">
+              <a:shade val="50000"/>
+            </a:schemeClr>
+          </a:lnRef>
+          <a:fillRef idx="1">
+            <a:schemeClr val="accent1"/>
+          </a:fillRef>
+          <a:effectRef idx="0">
+            <a:schemeClr val="accent1"/>
+          </a:effectRef>
+          <a:fontRef idx="minor">
+            <a:schemeClr val="lt1"/>
+          </a:fontRef>
+        </p:style>
+        <p:txBody>
+          <a:bodyPr rtlCol="0" anchor="ctr"/>
+          <a:lstStyle/>
+          <a:p>
+            <a:pPr algn="ctr"/>
+            <a:endParaRPr lang="en-US"/>
+          </a:p>
+        </p:txBody>
+      </p:sp>
+      <p:sp>
+        <p:nvSpPr>
+          <p:cNvPr id="16" name="Rectangle 15">
+            <a:extLst>
+              <a:ext uri="{FF2B5EF4-FFF2-40B4-BE49-F238E27FC236}">
+                <a16:creationId xmlns:a16="http://schemas.microsoft.com/office/drawing/2014/main" id="{D6674A9E-B860-477B-81FE-CF5BAA2836EA}"/>
+              </a:ext>
+            </a:extLst>
+          </p:cNvPr>
+          <p:cNvSpPr/>
+          <p:nvPr/>
+        </p:nvSpPr>
+        <p:spPr>
+          <a:xfrm flipV="1">
+            <a:off x="9571639" y="1503214"/>
+            <a:ext cx="212440" cy="45719"/>
+          </a:xfrm>
+          <a:prstGeom prst="rect">
+            <a:avLst/>
+          </a:prstGeom>
+          <a:solidFill>
+            <a:srgbClr val="002060"/>
+          </a:solidFill>
+          <a:ln>
+            <a:noFill/>
+          </a:ln>
+        </p:spPr>
+        <p:style>
+          <a:lnRef idx="2">
+            <a:schemeClr val="accent1">
+              <a:shade val="50000"/>
+            </a:schemeClr>
+          </a:lnRef>
+          <a:fillRef idx="1">
+            <a:schemeClr val="accent1"/>
+          </a:fillRef>
+          <a:effectRef idx="0">
+            <a:schemeClr val="accent1"/>
+          </a:effectRef>
+          <a:fontRef idx="minor">
+            <a:schemeClr val="lt1"/>
+          </a:fontRef>
+        </p:style>
+        <p:txBody>
+          <a:bodyPr rtlCol="0" anchor="ctr"/>
+          <a:lstStyle/>
+          <a:p>
+            <a:pPr algn="ctr"/>
+            <a:endParaRPr lang="en-US" dirty="0"/>
+          </a:p>
+        </p:txBody>
+      </p:sp>
+      <p:sp>
+        <p:nvSpPr>
+          <p:cNvPr id="17" name="Rectangle 16">
+            <a:extLst>
+              <a:ext uri="{FF2B5EF4-FFF2-40B4-BE49-F238E27FC236}">
+                <a16:creationId xmlns:a16="http://schemas.microsoft.com/office/drawing/2014/main" id="{0049330B-18E0-42AF-8BD2-682AEB182DF4}"/>
+              </a:ext>
+            </a:extLst>
+          </p:cNvPr>
+          <p:cNvSpPr/>
+          <p:nvPr/>
+        </p:nvSpPr>
+        <p:spPr>
+          <a:xfrm flipV="1">
+            <a:off x="9571639" y="1646803"/>
+            <a:ext cx="212440" cy="45719"/>
+          </a:xfrm>
+          <a:prstGeom prst="rect">
+            <a:avLst/>
+          </a:prstGeom>
+          <a:solidFill>
+            <a:srgbClr val="FF0000"/>
+          </a:solidFill>
+          <a:ln>
+            <a:noFill/>
+          </a:ln>
+        </p:spPr>
+        <p:style>
+          <a:lnRef idx="2">
+            <a:schemeClr val="accent1">
+              <a:shade val="50000"/>
+            </a:schemeClr>
+          </a:lnRef>
+          <a:fillRef idx="1">
+            <a:schemeClr val="accent1"/>
+          </a:fillRef>
+          <a:effectRef idx="0">
+            <a:schemeClr val="accent1"/>
+          </a:effectRef>
+          <a:fontRef idx="minor">
+            <a:schemeClr val="lt1"/>
+          </a:fontRef>
+        </p:style>
+        <p:txBody>
+          <a:bodyPr rtlCol="0" anchor="ctr"/>
+          <a:lstStyle/>
+          <a:p>
+            <a:pPr algn="ctr"/>
+            <a:endParaRPr lang="en-US"/>
+          </a:p>
+        </p:txBody>
+      </p:sp>
+      <p:sp>
+        <p:nvSpPr>
+          <p:cNvPr id="18" name="TextBox 17">
+            <a:extLst>
+              <a:ext uri="{FF2B5EF4-FFF2-40B4-BE49-F238E27FC236}">
+                <a16:creationId xmlns:a16="http://schemas.microsoft.com/office/drawing/2014/main" id="{B5BFAF97-947C-43CF-85F2-A085BFDB744F}"/>
+              </a:ext>
+            </a:extLst>
+          </p:cNvPr>
+          <p:cNvSpPr txBox="1"/>
+          <p:nvPr/>
+        </p:nvSpPr>
+        <p:spPr>
+          <a:xfrm>
+            <a:off x="9784079" y="1414118"/>
+            <a:ext cx="657552" cy="215444"/>
+          </a:xfrm>
+          <a:prstGeom prst="rect">
+            <a:avLst/>
+          </a:prstGeom>
+          <a:noFill/>
+        </p:spPr>
+        <p:txBody>
+          <a:bodyPr wrap="none" rtlCol="0">
+            <a:spAutoFit/>
+          </a:bodyPr>
+          <a:lstStyle/>
+          <a:p>
+            <a:r>
+              <a:rPr lang="en-US" sz="800" dirty="0">
+                <a:latin typeface="Poppins" panose="00000500000000000000" pitchFamily="2" charset="0"/>
+                <a:cs typeface="Poppins" panose="00000500000000000000" pitchFamily="2" charset="0"/>
+              </a:rPr>
+              <a:t>Front End</a:t>
+            </a:r>
+          </a:p>
+        </p:txBody>
+      </p:sp>
+      <p:sp>
+        <p:nvSpPr>
+          <p:cNvPr id="20" name="TextBox 19">
+            <a:extLst>
+              <a:ext uri="{FF2B5EF4-FFF2-40B4-BE49-F238E27FC236}">
+                <a16:creationId xmlns:a16="http://schemas.microsoft.com/office/drawing/2014/main" id="{E7205416-5A6D-4F72-A5D2-94FCA6ECAC08}"/>
+              </a:ext>
+            </a:extLst>
+          </p:cNvPr>
+          <p:cNvSpPr txBox="1"/>
+          <p:nvPr/>
+        </p:nvSpPr>
+        <p:spPr>
+          <a:xfrm>
+            <a:off x="9789689" y="1561940"/>
+            <a:ext cx="646331" cy="215444"/>
+          </a:xfrm>
+          <a:prstGeom prst="rect">
+            <a:avLst/>
+          </a:prstGeom>
+          <a:noFill/>
+        </p:spPr>
+        <p:txBody>
+          <a:bodyPr wrap="none" rtlCol="0">
+            <a:spAutoFit/>
+          </a:bodyPr>
+          <a:lstStyle/>
+          <a:p>
+            <a:r>
+              <a:rPr lang="en-US" sz="800" dirty="0">
+                <a:latin typeface="Poppins" panose="00000500000000000000" pitchFamily="2" charset="0"/>
+                <a:cs typeface="Poppins" panose="00000500000000000000" pitchFamily="2" charset="0"/>
+              </a:rPr>
+              <a:t>Back End</a:t>
             </a:r>
           </a:p>
         </p:txBody>
@@ -8149,6 +8866,164 @@
               </a:rPr>
               <a:t>ES6</a:t>
             </a:r>
+          </a:p>
+        </p:txBody>
+      </p:sp>
+      <p:sp>
+        <p:nvSpPr>
+          <p:cNvPr id="10" name="TextBox 9">
+            <a:extLst>
+              <a:ext uri="{FF2B5EF4-FFF2-40B4-BE49-F238E27FC236}">
+                <a16:creationId xmlns:a16="http://schemas.microsoft.com/office/drawing/2014/main" id="{9FFE9A89-4B5E-4C50-BDB8-975EE3AF7614}"/>
+              </a:ext>
+            </a:extLst>
+          </p:cNvPr>
+          <p:cNvSpPr txBox="1"/>
+          <p:nvPr/>
+        </p:nvSpPr>
+        <p:spPr>
+          <a:xfrm>
+            <a:off x="1569852" y="4673063"/>
+            <a:ext cx="4989973" cy="400110"/>
+          </a:xfrm>
+          <a:prstGeom prst="rect">
+            <a:avLst/>
+          </a:prstGeom>
+          <a:noFill/>
+        </p:spPr>
+        <p:txBody>
+          <a:bodyPr wrap="square" rtlCol="0">
+            <a:spAutoFit/>
+          </a:bodyPr>
+          <a:lstStyle/>
+          <a:p>
+            <a:pPr marL="171450" indent="-171450">
+              <a:buFontTx/>
+              <a:buChar char="-"/>
+            </a:pPr>
+            <a:r>
+              <a:rPr lang="en-US" sz="1000" dirty="0" err="1">
+                <a:latin typeface="Poppins" panose="00000500000000000000" pitchFamily="2" charset="0"/>
+                <a:cs typeface="Poppins" panose="00000500000000000000" pitchFamily="2" charset="0"/>
+              </a:rPr>
+              <a:t>Setiap</a:t>
+            </a:r>
+            <a:r>
+              <a:rPr lang="en-US" sz="1000" dirty="0">
+                <a:latin typeface="Poppins" panose="00000500000000000000" pitchFamily="2" charset="0"/>
+                <a:cs typeface="Poppins" panose="00000500000000000000" pitchFamily="2" charset="0"/>
+              </a:rPr>
+              <a:t> </a:t>
+            </a:r>
+            <a:r>
+              <a:rPr lang="en-US" sz="1000" dirty="0" err="1">
+                <a:latin typeface="Poppins" panose="00000500000000000000" pitchFamily="2" charset="0"/>
+                <a:cs typeface="Poppins" panose="00000500000000000000" pitchFamily="2" charset="0"/>
+              </a:rPr>
+              <a:t>nilai</a:t>
+            </a:r>
+            <a:r>
+              <a:rPr lang="en-US" sz="1000" dirty="0">
+                <a:latin typeface="Poppins" panose="00000500000000000000" pitchFamily="2" charset="0"/>
+                <a:cs typeface="Poppins" panose="00000500000000000000" pitchFamily="2" charset="0"/>
+              </a:rPr>
+              <a:t> </a:t>
+            </a:r>
+            <a:r>
+              <a:rPr lang="en-US" sz="1000" dirty="0" err="1">
+                <a:latin typeface="Poppins" panose="00000500000000000000" pitchFamily="2" charset="0"/>
+                <a:cs typeface="Poppins" panose="00000500000000000000" pitchFamily="2" charset="0"/>
+              </a:rPr>
+              <a:t>dari</a:t>
+            </a:r>
+            <a:r>
+              <a:rPr lang="en-US" sz="1000" dirty="0">
+                <a:latin typeface="Poppins" panose="00000500000000000000" pitchFamily="2" charset="0"/>
+                <a:cs typeface="Poppins" panose="00000500000000000000" pitchFamily="2" charset="0"/>
+              </a:rPr>
+              <a:t> </a:t>
+            </a:r>
+            <a:r>
+              <a:rPr lang="en-US" sz="1000" dirty="0" err="1">
+                <a:latin typeface="Poppins" panose="00000500000000000000" pitchFamily="2" charset="0"/>
+                <a:cs typeface="Poppins" panose="00000500000000000000" pitchFamily="2" charset="0"/>
+              </a:rPr>
+              <a:t>variabel</a:t>
+            </a:r>
+            <a:r>
+              <a:rPr lang="en-US" sz="1000" dirty="0">
+                <a:latin typeface="Poppins" panose="00000500000000000000" pitchFamily="2" charset="0"/>
+                <a:cs typeface="Poppins" panose="00000500000000000000" pitchFamily="2" charset="0"/>
+              </a:rPr>
+              <a:t> </a:t>
+            </a:r>
+            <a:r>
+              <a:rPr lang="en-US" sz="1000" dirty="0" err="1">
+                <a:latin typeface="Poppins" panose="00000500000000000000" pitchFamily="2" charset="0"/>
+                <a:cs typeface="Poppins" panose="00000500000000000000" pitchFamily="2" charset="0"/>
+              </a:rPr>
+              <a:t>selalu</a:t>
+            </a:r>
+            <a:r>
+              <a:rPr lang="en-US" sz="1000" dirty="0">
+                <a:latin typeface="Poppins" panose="00000500000000000000" pitchFamily="2" charset="0"/>
+                <a:cs typeface="Poppins" panose="00000500000000000000" pitchFamily="2" charset="0"/>
+              </a:rPr>
+              <a:t> </a:t>
+            </a:r>
+            <a:r>
+              <a:rPr lang="en-US" sz="1000" dirty="0" err="1">
+                <a:latin typeface="Poppins" panose="00000500000000000000" pitchFamily="2" charset="0"/>
+                <a:cs typeface="Poppins" panose="00000500000000000000" pitchFamily="2" charset="0"/>
+              </a:rPr>
+              <a:t>disimpan</a:t>
+            </a:r>
+            <a:r>
+              <a:rPr lang="en-US" sz="1000" dirty="0">
+                <a:latin typeface="Poppins" panose="00000500000000000000" pitchFamily="2" charset="0"/>
+                <a:cs typeface="Poppins" panose="00000500000000000000" pitchFamily="2" charset="0"/>
+              </a:rPr>
+              <a:t> </a:t>
+            </a:r>
+            <a:r>
+              <a:rPr lang="en-US" sz="1000" dirty="0" err="1">
+                <a:latin typeface="Poppins" panose="00000500000000000000" pitchFamily="2" charset="0"/>
+                <a:cs typeface="Poppins" panose="00000500000000000000" pitchFamily="2" charset="0"/>
+              </a:rPr>
+              <a:t>kedalam</a:t>
+            </a:r>
+            <a:r>
+              <a:rPr lang="en-US" sz="1000" dirty="0">
+                <a:latin typeface="Poppins" panose="00000500000000000000" pitchFamily="2" charset="0"/>
+                <a:cs typeface="Poppins" panose="00000500000000000000" pitchFamily="2" charset="0"/>
+              </a:rPr>
+              <a:t> </a:t>
+            </a:r>
+            <a:r>
+              <a:rPr lang="en-US" sz="1000" dirty="0" err="1">
+                <a:latin typeface="Poppins" panose="00000500000000000000" pitchFamily="2" charset="0"/>
+                <a:cs typeface="Poppins" panose="00000500000000000000" pitchFamily="2" charset="0"/>
+              </a:rPr>
+              <a:t>memori</a:t>
+            </a:r>
+            <a:r>
+              <a:rPr lang="en-US" sz="1000" dirty="0">
+                <a:latin typeface="Poppins" panose="00000500000000000000" pitchFamily="2" charset="0"/>
+                <a:cs typeface="Poppins" panose="00000500000000000000" pitchFamily="2" charset="0"/>
+              </a:rPr>
+              <a:t> oleh </a:t>
+            </a:r>
+            <a:r>
+              <a:rPr lang="en-US" sz="1000" dirty="0" err="1">
+                <a:latin typeface="Poppins" panose="00000500000000000000" pitchFamily="2" charset="0"/>
+                <a:cs typeface="Poppins" panose="00000500000000000000" pitchFamily="2" charset="0"/>
+              </a:rPr>
+              <a:t>komputer</a:t>
+            </a:r>
+            <a:endParaRPr lang="en-US" sz="1000" dirty="0">
+              <a:latin typeface="Poppins" panose="00000500000000000000" pitchFamily="2" charset="0"/>
+              <a:cs typeface="Poppins" panose="00000500000000000000" pitchFamily="2" charset="0"/>
+            </a:endParaRPr>
           </a:p>
         </p:txBody>
       </p:sp>
@@ -9037,7 +9912,7 @@
           <p:cNvPr id="2" name="TextBox 1">
             <a:extLst>
               <a:ext uri="{FF2B5EF4-FFF2-40B4-BE49-F238E27FC236}">
-                <a16:creationId xmlns:a16="http://schemas.microsoft.com/office/drawing/2014/main" id="{668B6A60-C10E-472E-BB7C-E0A957A9F2F8}"/>
+                <a16:creationId xmlns:a16="http://schemas.microsoft.com/office/drawing/2014/main" id="{4CA9D4CB-75E5-476C-A9E5-3CFFFB16AC44}"/>
               </a:ext>
             </a:extLst>
           </p:cNvPr>
@@ -9046,8 +9921,8 @@
         </p:nvSpPr>
         <p:spPr>
           <a:xfrm>
-            <a:off x="4752523" y="3259723"/>
-            <a:ext cx="2686954" cy="338554"/>
+            <a:off x="699389" y="425084"/>
+            <a:ext cx="1986441" cy="338554"/>
           </a:xfrm>
           <a:prstGeom prst="rect">
             <a:avLst/>
@@ -9065,31 +9940,17 @@
                 <a:latin typeface="Poppins" panose="00000500000000000000" pitchFamily="2" charset="0"/>
                 <a:cs typeface="Poppins" panose="00000500000000000000" pitchFamily="2" charset="0"/>
               </a:rPr>
-              <a:t>Live Coding </a:t>
-            </a:r>
-            <a:r>
-              <a:rPr lang="en-US" sz="1600" dirty="0" err="1">
-                <a:latin typeface="Poppins" panose="00000500000000000000" pitchFamily="2" charset="0"/>
-                <a:cs typeface="Poppins" panose="00000500000000000000" pitchFamily="2" charset="0"/>
-              </a:rPr>
-              <a:t>Tipe</a:t>
-            </a:r>
-            <a:r>
-              <a:rPr lang="en-US" sz="1600" dirty="0">
-                <a:latin typeface="Poppins" panose="00000500000000000000" pitchFamily="2" charset="0"/>
-                <a:cs typeface="Poppins" panose="00000500000000000000" pitchFamily="2" charset="0"/>
-              </a:rPr>
-              <a:t> Data JS</a:t>
-            </a:r>
-          </a:p>
-        </p:txBody>
-      </p:sp>
-      <p:sp>
-        <p:nvSpPr>
-          <p:cNvPr id="3" name="TextBox 2">
-            <a:extLst>
-              <a:ext uri="{FF2B5EF4-FFF2-40B4-BE49-F238E27FC236}">
-                <a16:creationId xmlns:a16="http://schemas.microsoft.com/office/drawing/2014/main" id="{86A10D5B-83B5-43A0-B1AB-9C65FF69F7E0}"/>
+              <a:t>Array (sequence)</a:t>
+            </a:r>
+          </a:p>
+        </p:txBody>
+      </p:sp>
+      <p:sp>
+        <p:nvSpPr>
+          <p:cNvPr id="22" name="TextBox 21">
+            <a:extLst>
+              <a:ext uri="{FF2B5EF4-FFF2-40B4-BE49-F238E27FC236}">
+                <a16:creationId xmlns:a16="http://schemas.microsoft.com/office/drawing/2014/main" id="{4F2FB84E-F3D5-4873-92D2-06C633B3E817}"/>
               </a:ext>
             </a:extLst>
           </p:cNvPr>
@@ -9098,8 +9959,8 @@
         </p:nvSpPr>
         <p:spPr>
           <a:xfrm>
-            <a:off x="785998" y="6330251"/>
-            <a:ext cx="2877711" cy="246221"/>
+            <a:off x="1435865" y="2169026"/>
+            <a:ext cx="702436" cy="246221"/>
           </a:xfrm>
           <a:prstGeom prst="rect">
             <a:avLst/>
@@ -9113,95 +9974,1751 @@
           <a:lstStyle/>
           <a:p>
             <a:r>
-              <a:rPr lang="en-US" sz="1000" i="1" dirty="0">
-                <a:latin typeface="Poppins" panose="00000500000000000000" pitchFamily="2" charset="0"/>
-                <a:cs typeface="Poppins" panose="00000500000000000000" pitchFamily="2" charset="0"/>
-              </a:rPr>
-              <a:t>“Code </a:t>
-            </a:r>
-            <a:r>
-              <a:rPr lang="en-US" sz="1000" i="1" dirty="0" err="1">
+              <a:rPr lang="en-US" sz="1000" dirty="0">
+                <a:latin typeface="Poppins" panose="00000500000000000000" pitchFamily="2" charset="0"/>
+                <a:cs typeface="Poppins" panose="00000500000000000000" pitchFamily="2" charset="0"/>
+              </a:rPr>
+              <a:t>Animals</a:t>
+            </a:r>
+          </a:p>
+        </p:txBody>
+      </p:sp>
+      <p:sp>
+        <p:nvSpPr>
+          <p:cNvPr id="23" name="TextBox 22">
+            <a:extLst>
+              <a:ext uri="{FF2B5EF4-FFF2-40B4-BE49-F238E27FC236}">
+                <a16:creationId xmlns:a16="http://schemas.microsoft.com/office/drawing/2014/main" id="{FB2A187E-E621-439D-8E8F-B73ACB0C45A6}"/>
+              </a:ext>
+            </a:extLst>
+          </p:cNvPr>
+          <p:cNvSpPr txBox="1"/>
+          <p:nvPr/>
+        </p:nvSpPr>
+        <p:spPr>
+          <a:xfrm>
+            <a:off x="2140050" y="2169027"/>
+            <a:ext cx="277640" cy="246221"/>
+          </a:xfrm>
+          <a:prstGeom prst="rect">
+            <a:avLst/>
+          </a:prstGeom>
+          <a:noFill/>
+        </p:spPr>
+        <p:txBody>
+          <a:bodyPr wrap="none" rtlCol="0">
+            <a:spAutoFit/>
+          </a:bodyPr>
+          <a:lstStyle/>
+          <a:p>
+            <a:r>
+              <a:rPr lang="en-US" sz="1000" dirty="0">
+                <a:latin typeface="Poppins" panose="00000500000000000000" pitchFamily="2" charset="0"/>
+                <a:cs typeface="Poppins" panose="00000500000000000000" pitchFamily="2" charset="0"/>
+              </a:rPr>
+              <a:t>=</a:t>
+            </a:r>
+          </a:p>
+        </p:txBody>
+      </p:sp>
+      <p:grpSp>
+        <p:nvGrpSpPr>
+          <p:cNvPr id="15" name="Group 14">
+            <a:extLst>
+              <a:ext uri="{FF2B5EF4-FFF2-40B4-BE49-F238E27FC236}">
+                <a16:creationId xmlns:a16="http://schemas.microsoft.com/office/drawing/2014/main" id="{A99C6EE9-6FA8-4D0D-81DC-03FE9A5C7845}"/>
+              </a:ext>
+            </a:extLst>
+          </p:cNvPr>
+          <p:cNvGrpSpPr/>
+          <p:nvPr/>
+        </p:nvGrpSpPr>
+        <p:grpSpPr>
+          <a:xfrm>
+            <a:off x="2417690" y="2090618"/>
+            <a:ext cx="2008782" cy="403036"/>
+            <a:chOff x="4059743" y="3099515"/>
+            <a:chExt cx="2008782" cy="403036"/>
+          </a:xfrm>
+        </p:grpSpPr>
+        <p:sp>
+          <p:nvSpPr>
+            <p:cNvPr id="3" name="Rectangle 2">
+              <a:extLst>
+                <a:ext uri="{FF2B5EF4-FFF2-40B4-BE49-F238E27FC236}">
+                  <a16:creationId xmlns:a16="http://schemas.microsoft.com/office/drawing/2014/main" id="{D34D4569-0618-4948-A2E7-7B98C9361235}"/>
+                </a:ext>
+              </a:extLst>
+            </p:cNvPr>
+            <p:cNvSpPr/>
+            <p:nvPr/>
+          </p:nvSpPr>
+          <p:spPr>
+            <a:xfrm>
+              <a:off x="4059743" y="3099515"/>
+              <a:ext cx="403036" cy="403036"/>
+            </a:xfrm>
+            <a:prstGeom prst="rect">
+              <a:avLst/>
+            </a:prstGeom>
+            <a:solidFill>
+              <a:schemeClr val="bg1"/>
+            </a:solidFill>
+            <a:ln>
+              <a:solidFill>
+                <a:schemeClr val="tx1"/>
+              </a:solidFill>
+            </a:ln>
+          </p:spPr>
+          <p:style>
+            <a:lnRef idx="2">
+              <a:schemeClr val="accent1">
+                <a:shade val="50000"/>
+              </a:schemeClr>
+            </a:lnRef>
+            <a:fillRef idx="1">
+              <a:schemeClr val="accent1"/>
+            </a:fillRef>
+            <a:effectRef idx="0">
+              <a:schemeClr val="accent1"/>
+            </a:effectRef>
+            <a:fontRef idx="minor">
+              <a:schemeClr val="lt1"/>
+            </a:fontRef>
+          </p:style>
+          <p:txBody>
+            <a:bodyPr rtlCol="0" anchor="ctr"/>
+            <a:lstStyle/>
+            <a:p>
+              <a:pPr algn="ctr"/>
+              <a:endParaRPr lang="en-US"/>
+            </a:p>
+          </p:txBody>
+        </p:sp>
+        <p:sp>
+          <p:nvSpPr>
+            <p:cNvPr id="25" name="Rectangle 24">
+              <a:extLst>
+                <a:ext uri="{FF2B5EF4-FFF2-40B4-BE49-F238E27FC236}">
+                  <a16:creationId xmlns:a16="http://schemas.microsoft.com/office/drawing/2014/main" id="{AFBDBEB2-904F-4F34-A1F8-DF6A812A7192}"/>
+                </a:ext>
+              </a:extLst>
+            </p:cNvPr>
+            <p:cNvSpPr/>
+            <p:nvPr/>
+          </p:nvSpPr>
+          <p:spPr>
+            <a:xfrm>
+              <a:off x="4462718" y="3099515"/>
+              <a:ext cx="403036" cy="403036"/>
+            </a:xfrm>
+            <a:prstGeom prst="rect">
+              <a:avLst/>
+            </a:prstGeom>
+            <a:solidFill>
+              <a:schemeClr val="bg1"/>
+            </a:solidFill>
+            <a:ln>
+              <a:solidFill>
+                <a:schemeClr val="tx1"/>
+              </a:solidFill>
+            </a:ln>
+          </p:spPr>
+          <p:style>
+            <a:lnRef idx="2">
+              <a:schemeClr val="accent1">
+                <a:shade val="50000"/>
+              </a:schemeClr>
+            </a:lnRef>
+            <a:fillRef idx="1">
+              <a:schemeClr val="accent1"/>
+            </a:fillRef>
+            <a:effectRef idx="0">
+              <a:schemeClr val="accent1"/>
+            </a:effectRef>
+            <a:fontRef idx="minor">
+              <a:schemeClr val="lt1"/>
+            </a:fontRef>
+          </p:style>
+          <p:txBody>
+            <a:bodyPr rtlCol="0" anchor="ctr"/>
+            <a:lstStyle/>
+            <a:p>
+              <a:pPr algn="ctr"/>
+              <a:endParaRPr lang="en-US"/>
+            </a:p>
+          </p:txBody>
+        </p:sp>
+        <p:sp>
+          <p:nvSpPr>
+            <p:cNvPr id="26" name="Rectangle 25">
+              <a:extLst>
+                <a:ext uri="{FF2B5EF4-FFF2-40B4-BE49-F238E27FC236}">
+                  <a16:creationId xmlns:a16="http://schemas.microsoft.com/office/drawing/2014/main" id="{A967E6F9-BC71-4CFF-83ED-59A708A8E0DD}"/>
+                </a:ext>
+              </a:extLst>
+            </p:cNvPr>
+            <p:cNvSpPr/>
+            <p:nvPr/>
+          </p:nvSpPr>
+          <p:spPr>
+            <a:xfrm>
+              <a:off x="4865693" y="3099515"/>
+              <a:ext cx="403036" cy="403036"/>
+            </a:xfrm>
+            <a:prstGeom prst="rect">
+              <a:avLst/>
+            </a:prstGeom>
+            <a:solidFill>
+              <a:schemeClr val="bg1"/>
+            </a:solidFill>
+            <a:ln>
+              <a:solidFill>
+                <a:schemeClr val="tx1"/>
+              </a:solidFill>
+            </a:ln>
+          </p:spPr>
+          <p:style>
+            <a:lnRef idx="2">
+              <a:schemeClr val="accent1">
+                <a:shade val="50000"/>
+              </a:schemeClr>
+            </a:lnRef>
+            <a:fillRef idx="1">
+              <a:schemeClr val="accent1"/>
+            </a:fillRef>
+            <a:effectRef idx="0">
+              <a:schemeClr val="accent1"/>
+            </a:effectRef>
+            <a:fontRef idx="minor">
+              <a:schemeClr val="lt1"/>
+            </a:fontRef>
+          </p:style>
+          <p:txBody>
+            <a:bodyPr rtlCol="0" anchor="ctr"/>
+            <a:lstStyle/>
+            <a:p>
+              <a:pPr algn="ctr"/>
+              <a:endParaRPr lang="en-US"/>
+            </a:p>
+          </p:txBody>
+        </p:sp>
+        <p:sp>
+          <p:nvSpPr>
+            <p:cNvPr id="27" name="Rectangle 26">
+              <a:extLst>
+                <a:ext uri="{FF2B5EF4-FFF2-40B4-BE49-F238E27FC236}">
+                  <a16:creationId xmlns:a16="http://schemas.microsoft.com/office/drawing/2014/main" id="{86EACF38-EAC2-444C-B181-61A18EA7093C}"/>
+                </a:ext>
+              </a:extLst>
+            </p:cNvPr>
+            <p:cNvSpPr/>
+            <p:nvPr/>
+          </p:nvSpPr>
+          <p:spPr>
+            <a:xfrm>
+              <a:off x="5265670" y="3099515"/>
+              <a:ext cx="403036" cy="403036"/>
+            </a:xfrm>
+            <a:prstGeom prst="rect">
+              <a:avLst/>
+            </a:prstGeom>
+            <a:solidFill>
+              <a:schemeClr val="bg1"/>
+            </a:solidFill>
+            <a:ln>
+              <a:solidFill>
+                <a:schemeClr val="tx1"/>
+              </a:solidFill>
+            </a:ln>
+          </p:spPr>
+          <p:style>
+            <a:lnRef idx="2">
+              <a:schemeClr val="accent1">
+                <a:shade val="50000"/>
+              </a:schemeClr>
+            </a:lnRef>
+            <a:fillRef idx="1">
+              <a:schemeClr val="accent1"/>
+            </a:fillRef>
+            <a:effectRef idx="0">
+              <a:schemeClr val="accent1"/>
+            </a:effectRef>
+            <a:fontRef idx="minor">
+              <a:schemeClr val="lt1"/>
+            </a:fontRef>
+          </p:style>
+          <p:txBody>
+            <a:bodyPr rtlCol="0" anchor="ctr"/>
+            <a:lstStyle/>
+            <a:p>
+              <a:pPr algn="ctr"/>
+              <a:endParaRPr lang="en-US"/>
+            </a:p>
+          </p:txBody>
+        </p:sp>
+        <p:sp>
+          <p:nvSpPr>
+            <p:cNvPr id="28" name="Rectangle 27">
+              <a:extLst>
+                <a:ext uri="{FF2B5EF4-FFF2-40B4-BE49-F238E27FC236}">
+                  <a16:creationId xmlns:a16="http://schemas.microsoft.com/office/drawing/2014/main" id="{97C4B309-1CC4-4889-952C-E10EBC861928}"/>
+                </a:ext>
+              </a:extLst>
+            </p:cNvPr>
+            <p:cNvSpPr/>
+            <p:nvPr/>
+          </p:nvSpPr>
+          <p:spPr>
+            <a:xfrm>
+              <a:off x="5665489" y="3099515"/>
+              <a:ext cx="403036" cy="403036"/>
+            </a:xfrm>
+            <a:prstGeom prst="rect">
+              <a:avLst/>
+            </a:prstGeom>
+            <a:solidFill>
+              <a:schemeClr val="bg1"/>
+            </a:solidFill>
+            <a:ln>
+              <a:solidFill>
+                <a:schemeClr val="tx1"/>
+              </a:solidFill>
+            </a:ln>
+          </p:spPr>
+          <p:style>
+            <a:lnRef idx="2">
+              <a:schemeClr val="accent1">
+                <a:shade val="50000"/>
+              </a:schemeClr>
+            </a:lnRef>
+            <a:fillRef idx="1">
+              <a:schemeClr val="accent1"/>
+            </a:fillRef>
+            <a:effectRef idx="0">
+              <a:schemeClr val="accent1"/>
+            </a:effectRef>
+            <a:fontRef idx="minor">
+              <a:schemeClr val="lt1"/>
+            </a:fontRef>
+          </p:style>
+          <p:txBody>
+            <a:bodyPr rtlCol="0" anchor="ctr"/>
+            <a:lstStyle/>
+            <a:p>
+              <a:pPr algn="ctr"/>
+              <a:endParaRPr lang="en-US"/>
+            </a:p>
+          </p:txBody>
+        </p:sp>
+        <p:pic>
+          <p:nvPicPr>
+            <p:cNvPr id="1026" name="Picture 2" descr="Cat - Free animals icons">
+              <a:extLst>
+                <a:ext uri="{FF2B5EF4-FFF2-40B4-BE49-F238E27FC236}">
+                  <a16:creationId xmlns:a16="http://schemas.microsoft.com/office/drawing/2014/main" id="{45CB0075-1415-4389-AD22-11BCE2DA7A18}"/>
+                </a:ext>
+              </a:extLst>
+            </p:cNvPr>
+            <p:cNvPicPr>
+              <a:picLocks noChangeAspect="1" noChangeArrowheads="1"/>
+            </p:cNvPicPr>
+            <p:nvPr/>
+          </p:nvPicPr>
+          <p:blipFill>
+            <a:blip r:embed="rId2">
+              <a:extLst>
+                <a:ext uri="{28A0092B-C50C-407E-A947-70E740481C1C}">
+                  <a14:useLocalDpi xmlns:a14="http://schemas.microsoft.com/office/drawing/2010/main" val="0"/>
+                </a:ext>
+              </a:extLst>
+            </a:blip>
+            <a:srcRect/>
+            <a:stretch>
+              <a:fillRect/>
+            </a:stretch>
+          </p:blipFill>
+          <p:spPr bwMode="auto">
+            <a:xfrm>
+              <a:off x="4108181" y="3140713"/>
+              <a:ext cx="320639" cy="320639"/>
+            </a:xfrm>
+            <a:prstGeom prst="rect">
+              <a:avLst/>
+            </a:prstGeom>
+            <a:noFill/>
+            <a:extLst>
+              <a:ext uri="{909E8E84-426E-40DD-AFC4-6F175D3DCCD1}">
+                <a14:hiddenFill xmlns:a14="http://schemas.microsoft.com/office/drawing/2010/main">
+                  <a:solidFill>
+                    <a:srgbClr val="FFFFFF"/>
+                  </a:solidFill>
+                </a14:hiddenFill>
+              </a:ext>
+            </a:extLst>
+          </p:spPr>
+        </p:pic>
+        <p:pic>
+          <p:nvPicPr>
+            <p:cNvPr id="1038" name="Picture 14" descr="Twitter Bird 1 icon PNG, ICO or ICNS | Free vector icons">
+              <a:extLst>
+                <a:ext uri="{FF2B5EF4-FFF2-40B4-BE49-F238E27FC236}">
+                  <a16:creationId xmlns:a16="http://schemas.microsoft.com/office/drawing/2014/main" id="{9A24D62D-4DBF-434F-998A-22BC007DDBDC}"/>
+                </a:ext>
+              </a:extLst>
+            </p:cNvPr>
+            <p:cNvPicPr>
+              <a:picLocks noChangeAspect="1" noChangeArrowheads="1"/>
+            </p:cNvPicPr>
+            <p:nvPr/>
+          </p:nvPicPr>
+          <p:blipFill>
+            <a:blip r:embed="rId3">
+              <a:extLst>
+                <a:ext uri="{28A0092B-C50C-407E-A947-70E740481C1C}">
+                  <a14:useLocalDpi xmlns:a14="http://schemas.microsoft.com/office/drawing/2010/main" val="0"/>
+                </a:ext>
+              </a:extLst>
+            </a:blip>
+            <a:srcRect/>
+            <a:stretch>
+              <a:fillRect/>
+            </a:stretch>
+          </p:blipFill>
+          <p:spPr bwMode="auto">
+            <a:xfrm>
+              <a:off x="4468933" y="3099515"/>
+              <a:ext cx="403036" cy="403036"/>
+            </a:xfrm>
+            <a:prstGeom prst="rect">
+              <a:avLst/>
+            </a:prstGeom>
+            <a:noFill/>
+            <a:extLst>
+              <a:ext uri="{909E8E84-426E-40DD-AFC4-6F175D3DCCD1}">
+                <a14:hiddenFill xmlns:a14="http://schemas.microsoft.com/office/drawing/2010/main">
+                  <a:solidFill>
+                    <a:srgbClr val="FFFFFF"/>
+                  </a:solidFill>
+                </a14:hiddenFill>
+              </a:ext>
+            </a:extLst>
+          </p:spPr>
+        </p:pic>
+        <p:pic>
+          <p:nvPicPr>
+            <p:cNvPr id="1044" name="Picture 20" descr="Chicken Icon - Download in Flat Style">
+              <a:extLst>
+                <a:ext uri="{FF2B5EF4-FFF2-40B4-BE49-F238E27FC236}">
+                  <a16:creationId xmlns:a16="http://schemas.microsoft.com/office/drawing/2014/main" id="{7B2B0084-933C-44AE-8349-74703D53CA92}"/>
+                </a:ext>
+              </a:extLst>
+            </p:cNvPr>
+            <p:cNvPicPr>
+              <a:picLocks noChangeAspect="1" noChangeArrowheads="1"/>
+            </p:cNvPicPr>
+            <p:nvPr/>
+          </p:nvPicPr>
+          <p:blipFill>
+            <a:blip r:embed="rId4">
+              <a:extLst>
+                <a:ext uri="{28A0092B-C50C-407E-A947-70E740481C1C}">
+                  <a14:useLocalDpi xmlns:a14="http://schemas.microsoft.com/office/drawing/2010/main" val="0"/>
+                </a:ext>
+              </a:extLst>
+            </a:blip>
+            <a:srcRect/>
+            <a:stretch>
+              <a:fillRect/>
+            </a:stretch>
+          </p:blipFill>
+          <p:spPr bwMode="auto">
+            <a:xfrm>
+              <a:off x="4926032" y="3156715"/>
+              <a:ext cx="288633" cy="288633"/>
+            </a:xfrm>
+            <a:prstGeom prst="rect">
+              <a:avLst/>
+            </a:prstGeom>
+            <a:noFill/>
+            <a:extLst>
+              <a:ext uri="{909E8E84-426E-40DD-AFC4-6F175D3DCCD1}">
+                <a14:hiddenFill xmlns:a14="http://schemas.microsoft.com/office/drawing/2010/main">
+                  <a:solidFill>
+                    <a:srgbClr val="FFFFFF"/>
+                  </a:solidFill>
+                </a14:hiddenFill>
+              </a:ext>
+            </a:extLst>
+          </p:spPr>
+        </p:pic>
+        <p:pic>
+          <p:nvPicPr>
+            <p:cNvPr id="1048" name="Picture 24" descr="Crocodile Free Icon - Icon-Icons.com">
+              <a:extLst>
+                <a:ext uri="{FF2B5EF4-FFF2-40B4-BE49-F238E27FC236}">
+                  <a16:creationId xmlns:a16="http://schemas.microsoft.com/office/drawing/2014/main" id="{2771C404-9A84-4204-892A-03C97F07A651}"/>
+                </a:ext>
+              </a:extLst>
+            </p:cNvPr>
+            <p:cNvPicPr>
+              <a:picLocks noChangeAspect="1" noChangeArrowheads="1"/>
+            </p:cNvPicPr>
+            <p:nvPr/>
+          </p:nvPicPr>
+          <p:blipFill>
+            <a:blip r:embed="rId5">
+              <a:extLst>
+                <a:ext uri="{28A0092B-C50C-407E-A947-70E740481C1C}">
+                  <a14:useLocalDpi xmlns:a14="http://schemas.microsoft.com/office/drawing/2010/main" val="0"/>
+                </a:ext>
+              </a:extLst>
+            </a:blip>
+            <a:srcRect/>
+            <a:stretch>
+              <a:fillRect/>
+            </a:stretch>
+          </p:blipFill>
+          <p:spPr bwMode="auto">
+            <a:xfrm>
+              <a:off x="5708775" y="3144889"/>
+              <a:ext cx="316463" cy="316463"/>
+            </a:xfrm>
+            <a:prstGeom prst="rect">
+              <a:avLst/>
+            </a:prstGeom>
+            <a:noFill/>
+            <a:extLst>
+              <a:ext uri="{909E8E84-426E-40DD-AFC4-6F175D3DCCD1}">
+                <a14:hiddenFill xmlns:a14="http://schemas.microsoft.com/office/drawing/2010/main">
+                  <a:solidFill>
+                    <a:srgbClr val="FFFFFF"/>
+                  </a:solidFill>
+                </a14:hiddenFill>
+              </a:ext>
+            </a:extLst>
+          </p:spPr>
+        </p:pic>
+        <p:pic>
+          <p:nvPicPr>
+            <p:cNvPr id="1050" name="Picture 26" descr="Fish - Free animals icons">
+              <a:extLst>
+                <a:ext uri="{FF2B5EF4-FFF2-40B4-BE49-F238E27FC236}">
+                  <a16:creationId xmlns:a16="http://schemas.microsoft.com/office/drawing/2014/main" id="{76D9350C-45C1-422D-BAA7-370D08BDE115}"/>
+                </a:ext>
+              </a:extLst>
+            </p:cNvPr>
+            <p:cNvPicPr>
+              <a:picLocks noChangeAspect="1" noChangeArrowheads="1"/>
+            </p:cNvPicPr>
+            <p:nvPr/>
+          </p:nvPicPr>
+          <p:blipFill>
+            <a:blip r:embed="rId6">
+              <a:extLst>
+                <a:ext uri="{28A0092B-C50C-407E-A947-70E740481C1C}">
+                  <a14:useLocalDpi xmlns:a14="http://schemas.microsoft.com/office/drawing/2010/main" val="0"/>
+                </a:ext>
+              </a:extLst>
+            </a:blip>
+            <a:srcRect/>
+            <a:stretch>
+              <a:fillRect/>
+            </a:stretch>
+          </p:blipFill>
+          <p:spPr bwMode="auto">
+            <a:xfrm>
+              <a:off x="5308798" y="3164490"/>
+              <a:ext cx="296862" cy="296862"/>
+            </a:xfrm>
+            <a:prstGeom prst="rect">
+              <a:avLst/>
+            </a:prstGeom>
+            <a:noFill/>
+            <a:extLst>
+              <a:ext uri="{909E8E84-426E-40DD-AFC4-6F175D3DCCD1}">
+                <a14:hiddenFill xmlns:a14="http://schemas.microsoft.com/office/drawing/2010/main">
+                  <a:solidFill>
+                    <a:srgbClr val="FFFFFF"/>
+                  </a:solidFill>
+                </a14:hiddenFill>
+              </a:ext>
+            </a:extLst>
+          </p:spPr>
+        </p:pic>
+      </p:grpSp>
+      <p:sp>
+        <p:nvSpPr>
+          <p:cNvPr id="31" name="TextBox 30">
+            <a:extLst>
+              <a:ext uri="{FF2B5EF4-FFF2-40B4-BE49-F238E27FC236}">
+                <a16:creationId xmlns:a16="http://schemas.microsoft.com/office/drawing/2014/main" id="{09203377-9925-44A6-9475-B8515BB524F3}"/>
+              </a:ext>
+            </a:extLst>
+          </p:cNvPr>
+          <p:cNvSpPr txBox="1"/>
+          <p:nvPr/>
+        </p:nvSpPr>
+        <p:spPr>
+          <a:xfrm>
+            <a:off x="2487894" y="2493653"/>
+            <a:ext cx="264816" cy="246221"/>
+          </a:xfrm>
+          <a:prstGeom prst="rect">
+            <a:avLst/>
+          </a:prstGeom>
+          <a:noFill/>
+        </p:spPr>
+        <p:txBody>
+          <a:bodyPr wrap="none" rtlCol="0">
+            <a:spAutoFit/>
+          </a:bodyPr>
+          <a:lstStyle/>
+          <a:p>
+            <a:r>
+              <a:rPr lang="en-US" sz="1000" dirty="0">
+                <a:latin typeface="Poppins" panose="00000500000000000000" pitchFamily="2" charset="0"/>
+                <a:cs typeface="Poppins" panose="00000500000000000000" pitchFamily="2" charset="0"/>
+              </a:rPr>
+              <a:t>0</a:t>
+            </a:r>
+          </a:p>
+        </p:txBody>
+      </p:sp>
+      <p:sp>
+        <p:nvSpPr>
+          <p:cNvPr id="32" name="TextBox 31">
+            <a:extLst>
+              <a:ext uri="{FF2B5EF4-FFF2-40B4-BE49-F238E27FC236}">
+                <a16:creationId xmlns:a16="http://schemas.microsoft.com/office/drawing/2014/main" id="{2C6405F8-2485-4FF0-B46A-E5B692A5BFD1}"/>
+              </a:ext>
+            </a:extLst>
+          </p:cNvPr>
+          <p:cNvSpPr txBox="1"/>
+          <p:nvPr/>
+        </p:nvSpPr>
+        <p:spPr>
+          <a:xfrm>
+            <a:off x="2905809" y="2493653"/>
+            <a:ext cx="226344" cy="246221"/>
+          </a:xfrm>
+          <a:prstGeom prst="rect">
+            <a:avLst/>
+          </a:prstGeom>
+          <a:noFill/>
+        </p:spPr>
+        <p:txBody>
+          <a:bodyPr wrap="none" rtlCol="0">
+            <a:spAutoFit/>
+          </a:bodyPr>
+          <a:lstStyle/>
+          <a:p>
+            <a:r>
+              <a:rPr lang="en-US" sz="1000" dirty="0">
+                <a:latin typeface="Poppins" panose="00000500000000000000" pitchFamily="2" charset="0"/>
+                <a:cs typeface="Poppins" panose="00000500000000000000" pitchFamily="2" charset="0"/>
+              </a:rPr>
+              <a:t>1</a:t>
+            </a:r>
+          </a:p>
+        </p:txBody>
+      </p:sp>
+      <p:sp>
+        <p:nvSpPr>
+          <p:cNvPr id="33" name="TextBox 32">
+            <a:extLst>
+              <a:ext uri="{FF2B5EF4-FFF2-40B4-BE49-F238E27FC236}">
+                <a16:creationId xmlns:a16="http://schemas.microsoft.com/office/drawing/2014/main" id="{6AF83072-0AB8-4EE0-8C90-E46CE12DCF60}"/>
+              </a:ext>
+            </a:extLst>
+          </p:cNvPr>
+          <p:cNvSpPr txBox="1"/>
+          <p:nvPr/>
+        </p:nvSpPr>
+        <p:spPr>
+          <a:xfrm>
+            <a:off x="3308784" y="2493653"/>
+            <a:ext cx="258404" cy="246221"/>
+          </a:xfrm>
+          <a:prstGeom prst="rect">
+            <a:avLst/>
+          </a:prstGeom>
+          <a:noFill/>
+        </p:spPr>
+        <p:txBody>
+          <a:bodyPr wrap="none" rtlCol="0">
+            <a:spAutoFit/>
+          </a:bodyPr>
+          <a:lstStyle/>
+          <a:p>
+            <a:r>
+              <a:rPr lang="en-US" sz="1000" dirty="0">
+                <a:latin typeface="Poppins" panose="00000500000000000000" pitchFamily="2" charset="0"/>
+                <a:cs typeface="Poppins" panose="00000500000000000000" pitchFamily="2" charset="0"/>
+              </a:rPr>
+              <a:t>2</a:t>
+            </a:r>
+          </a:p>
+        </p:txBody>
+      </p:sp>
+      <p:sp>
+        <p:nvSpPr>
+          <p:cNvPr id="34" name="TextBox 33">
+            <a:extLst>
+              <a:ext uri="{FF2B5EF4-FFF2-40B4-BE49-F238E27FC236}">
+                <a16:creationId xmlns:a16="http://schemas.microsoft.com/office/drawing/2014/main" id="{9600928B-FC9F-494E-A9CB-22C1A55BB285}"/>
+              </a:ext>
+            </a:extLst>
+          </p:cNvPr>
+          <p:cNvSpPr txBox="1"/>
+          <p:nvPr/>
+        </p:nvSpPr>
+        <p:spPr>
+          <a:xfrm>
+            <a:off x="3695052" y="2494160"/>
+            <a:ext cx="260008" cy="246221"/>
+          </a:xfrm>
+          <a:prstGeom prst="rect">
+            <a:avLst/>
+          </a:prstGeom>
+          <a:noFill/>
+        </p:spPr>
+        <p:txBody>
+          <a:bodyPr wrap="none" rtlCol="0">
+            <a:spAutoFit/>
+          </a:bodyPr>
+          <a:lstStyle/>
+          <a:p>
+            <a:r>
+              <a:rPr lang="en-US" sz="1000" dirty="0">
+                <a:latin typeface="Poppins" panose="00000500000000000000" pitchFamily="2" charset="0"/>
+                <a:cs typeface="Poppins" panose="00000500000000000000" pitchFamily="2" charset="0"/>
+              </a:rPr>
+              <a:t>3</a:t>
+            </a:r>
+          </a:p>
+        </p:txBody>
+      </p:sp>
+      <p:sp>
+        <p:nvSpPr>
+          <p:cNvPr id="35" name="TextBox 34">
+            <a:extLst>
+              <a:ext uri="{FF2B5EF4-FFF2-40B4-BE49-F238E27FC236}">
+                <a16:creationId xmlns:a16="http://schemas.microsoft.com/office/drawing/2014/main" id="{0241D2BA-ACDF-4EFC-B4F0-346828FB857A}"/>
+              </a:ext>
+            </a:extLst>
+          </p:cNvPr>
+          <p:cNvSpPr txBox="1"/>
+          <p:nvPr/>
+        </p:nvSpPr>
+        <p:spPr>
+          <a:xfrm>
+            <a:off x="4082924" y="2493653"/>
+            <a:ext cx="264816" cy="246221"/>
+          </a:xfrm>
+          <a:prstGeom prst="rect">
+            <a:avLst/>
+          </a:prstGeom>
+          <a:noFill/>
+        </p:spPr>
+        <p:txBody>
+          <a:bodyPr wrap="none" rtlCol="0">
+            <a:spAutoFit/>
+          </a:bodyPr>
+          <a:lstStyle/>
+          <a:p>
+            <a:r>
+              <a:rPr lang="en-US" sz="1000" dirty="0">
+                <a:latin typeface="Poppins" panose="00000500000000000000" pitchFamily="2" charset="0"/>
+                <a:cs typeface="Poppins" panose="00000500000000000000" pitchFamily="2" charset="0"/>
+              </a:rPr>
+              <a:t>4</a:t>
+            </a:r>
+          </a:p>
+        </p:txBody>
+      </p:sp>
+      <p:sp>
+        <p:nvSpPr>
+          <p:cNvPr id="36" name="TextBox 35">
+            <a:extLst>
+              <a:ext uri="{FF2B5EF4-FFF2-40B4-BE49-F238E27FC236}">
+                <a16:creationId xmlns:a16="http://schemas.microsoft.com/office/drawing/2014/main" id="{8F11F0F7-EB26-40CF-894C-A0FB077B9BB7}"/>
+              </a:ext>
+            </a:extLst>
+          </p:cNvPr>
+          <p:cNvSpPr txBox="1"/>
+          <p:nvPr/>
+        </p:nvSpPr>
+        <p:spPr>
+          <a:xfrm>
+            <a:off x="4732984" y="2131817"/>
+            <a:ext cx="277640" cy="246221"/>
+          </a:xfrm>
+          <a:prstGeom prst="rect">
+            <a:avLst/>
+          </a:prstGeom>
+          <a:noFill/>
+        </p:spPr>
+        <p:txBody>
+          <a:bodyPr wrap="none" rtlCol="0">
+            <a:spAutoFit/>
+          </a:bodyPr>
+          <a:lstStyle/>
+          <a:p>
+            <a:r>
+              <a:rPr lang="en-US" sz="1000" dirty="0">
+                <a:latin typeface="Poppins" panose="00000500000000000000" pitchFamily="2" charset="0"/>
+                <a:cs typeface="Poppins" panose="00000500000000000000" pitchFamily="2" charset="0"/>
+              </a:rPr>
+              <a:t>=</a:t>
+            </a:r>
+          </a:p>
+        </p:txBody>
+      </p:sp>
+      <p:sp>
+        <p:nvSpPr>
+          <p:cNvPr id="37" name="TextBox 36">
+            <a:extLst>
+              <a:ext uri="{FF2B5EF4-FFF2-40B4-BE49-F238E27FC236}">
+                <a16:creationId xmlns:a16="http://schemas.microsoft.com/office/drawing/2014/main" id="{A507155E-3C56-47B7-840E-99FE5D481952}"/>
+              </a:ext>
+            </a:extLst>
+          </p:cNvPr>
+          <p:cNvSpPr txBox="1"/>
+          <p:nvPr/>
+        </p:nvSpPr>
+        <p:spPr>
+          <a:xfrm>
+            <a:off x="4865589" y="2131818"/>
+            <a:ext cx="264816" cy="246221"/>
+          </a:xfrm>
+          <a:prstGeom prst="rect">
+            <a:avLst/>
+          </a:prstGeom>
+          <a:noFill/>
+        </p:spPr>
+        <p:txBody>
+          <a:bodyPr wrap="none" rtlCol="0">
+            <a:spAutoFit/>
+          </a:bodyPr>
+          <a:lstStyle/>
+          <a:p>
+            <a:r>
+              <a:rPr lang="en-US" sz="1000" dirty="0">
+                <a:latin typeface="Poppins" panose="00000500000000000000" pitchFamily="2" charset="0"/>
+                <a:cs typeface="Poppins" panose="00000500000000000000" pitchFamily="2" charset="0"/>
+              </a:rPr>
+              <a:t>5</a:t>
+            </a:r>
+          </a:p>
+        </p:txBody>
+      </p:sp>
+      <p:sp>
+        <p:nvSpPr>
+          <p:cNvPr id="38" name="TextBox 37">
+            <a:extLst>
+              <a:ext uri="{FF2B5EF4-FFF2-40B4-BE49-F238E27FC236}">
+                <a16:creationId xmlns:a16="http://schemas.microsoft.com/office/drawing/2014/main" id="{35DF5839-9BED-4FEE-916A-24FD331712D1}"/>
+              </a:ext>
+            </a:extLst>
+          </p:cNvPr>
+          <p:cNvSpPr txBox="1"/>
+          <p:nvPr/>
+        </p:nvSpPr>
+        <p:spPr>
+          <a:xfrm>
+            <a:off x="4589552" y="2131816"/>
+            <a:ext cx="274434" cy="246221"/>
+          </a:xfrm>
+          <a:prstGeom prst="rect">
+            <a:avLst/>
+          </a:prstGeom>
+          <a:noFill/>
+        </p:spPr>
+        <p:txBody>
+          <a:bodyPr wrap="square" rtlCol="0">
+            <a:spAutoFit/>
+          </a:bodyPr>
+          <a:lstStyle/>
+          <a:p>
+            <a:r>
+              <a:rPr lang="en-US" sz="1000" dirty="0">
+                <a:latin typeface="Poppins" panose="00000500000000000000" pitchFamily="2" charset="0"/>
+                <a:cs typeface="Poppins" panose="00000500000000000000" pitchFamily="2" charset="0"/>
+              </a:rPr>
+              <a:t>N</a:t>
+            </a:r>
+          </a:p>
+        </p:txBody>
+      </p:sp>
+      <p:sp>
+        <p:nvSpPr>
+          <p:cNvPr id="39" name="TextBox 38">
+            <a:extLst>
+              <a:ext uri="{FF2B5EF4-FFF2-40B4-BE49-F238E27FC236}">
+                <a16:creationId xmlns:a16="http://schemas.microsoft.com/office/drawing/2014/main" id="{CAD4FBE5-86AF-4006-BC00-DB39BEB35E81}"/>
+              </a:ext>
+            </a:extLst>
+          </p:cNvPr>
+          <p:cNvSpPr txBox="1"/>
+          <p:nvPr/>
+        </p:nvSpPr>
+        <p:spPr>
+          <a:xfrm>
+            <a:off x="7121282" y="2492250"/>
+            <a:ext cx="428089" cy="246221"/>
+          </a:xfrm>
+          <a:prstGeom prst="rect">
+            <a:avLst/>
+          </a:prstGeom>
+          <a:noFill/>
+        </p:spPr>
+        <p:txBody>
+          <a:bodyPr wrap="square" rtlCol="0">
+            <a:spAutoFit/>
+          </a:bodyPr>
+          <a:lstStyle/>
+          <a:p>
+            <a:r>
+              <a:rPr lang="en-US" sz="1000" dirty="0">
+                <a:latin typeface="Poppins" panose="00000500000000000000" pitchFamily="2" charset="0"/>
+                <a:cs typeface="Poppins" panose="00000500000000000000" pitchFamily="2" charset="0"/>
+              </a:rPr>
+              <a:t>Key</a:t>
+            </a:r>
+          </a:p>
+        </p:txBody>
+      </p:sp>
+      <p:sp>
+        <p:nvSpPr>
+          <p:cNvPr id="41" name="TextBox 40">
+            <a:extLst>
+              <a:ext uri="{FF2B5EF4-FFF2-40B4-BE49-F238E27FC236}">
+                <a16:creationId xmlns:a16="http://schemas.microsoft.com/office/drawing/2014/main" id="{30B49FA2-E8F6-4016-A900-408AA022BFF1}"/>
+              </a:ext>
+            </a:extLst>
+          </p:cNvPr>
+          <p:cNvSpPr txBox="1"/>
+          <p:nvPr/>
+        </p:nvSpPr>
+        <p:spPr>
+          <a:xfrm>
+            <a:off x="860216" y="3333364"/>
+            <a:ext cx="4091185" cy="707886"/>
+          </a:xfrm>
+          <a:prstGeom prst="rect">
+            <a:avLst/>
+          </a:prstGeom>
+          <a:noFill/>
+        </p:spPr>
+        <p:txBody>
+          <a:bodyPr wrap="none" rtlCol="0">
+            <a:spAutoFit/>
+          </a:bodyPr>
+          <a:lstStyle/>
+          <a:p>
+            <a:pPr marL="171450" indent="-171450">
+              <a:buFontTx/>
+              <a:buChar char="-"/>
+            </a:pPr>
+            <a:r>
+              <a:rPr lang="en-US" sz="1000" dirty="0">
+                <a:latin typeface="Poppins" panose="00000500000000000000" pitchFamily="2" charset="0"/>
+                <a:cs typeface="Poppins" panose="00000500000000000000" pitchFamily="2" charset="0"/>
+              </a:rPr>
+              <a:t>1 Array </a:t>
+            </a:r>
+            <a:r>
+              <a:rPr lang="en-US" sz="1000" dirty="0" err="1">
                 <a:latin typeface="Poppins" panose="00000500000000000000" pitchFamily="2" charset="0"/>
                 <a:cs typeface="Poppins" panose="00000500000000000000" pitchFamily="2" charset="0"/>
               </a:rPr>
               <a:t>selalu</a:t>
             </a:r>
             <a:r>
-              <a:rPr lang="en-US" sz="1000" i="1" dirty="0">
+              <a:rPr lang="en-US" sz="1000" dirty="0">
                 <a:latin typeface="Poppins" panose="00000500000000000000" pitchFamily="2" charset="0"/>
                 <a:cs typeface="Poppins" panose="00000500000000000000" pitchFamily="2" charset="0"/>
               </a:rPr>
               <a:t> </a:t>
             </a:r>
             <a:r>
-              <a:rPr lang="en-US" sz="1000" i="1" dirty="0" err="1">
+              <a:rPr lang="en-US" sz="1000" dirty="0" err="1">
                 <a:latin typeface="Poppins" panose="00000500000000000000" pitchFamily="2" charset="0"/>
                 <a:cs typeface="Poppins" panose="00000500000000000000" pitchFamily="2" charset="0"/>
               </a:rPr>
               <a:t>berjalan</a:t>
             </a:r>
             <a:r>
-              <a:rPr lang="en-US" sz="1000" i="1" dirty="0">
+              <a:rPr lang="en-US" sz="1000" dirty="0">
                 <a:latin typeface="Poppins" panose="00000500000000000000" pitchFamily="2" charset="0"/>
                 <a:cs typeface="Poppins" panose="00000500000000000000" pitchFamily="2" charset="0"/>
               </a:rPr>
               <a:t> </a:t>
             </a:r>
             <a:r>
-              <a:rPr lang="en-US" sz="1000" i="1" dirty="0" err="1">
-                <a:latin typeface="Poppins" panose="00000500000000000000" pitchFamily="2" charset="0"/>
-                <a:cs typeface="Poppins" panose="00000500000000000000" pitchFamily="2" charset="0"/>
-              </a:rPr>
-              <a:t>dari</a:t>
-            </a:r>
-            <a:r>
-              <a:rPr lang="en-US" sz="1000" i="1" dirty="0">
+              <a:rPr lang="en-US" sz="1000" dirty="0" err="1">
+                <a:latin typeface="Poppins" panose="00000500000000000000" pitchFamily="2" charset="0"/>
+                <a:cs typeface="Poppins" panose="00000500000000000000" pitchFamily="2" charset="0"/>
+              </a:rPr>
+              <a:t>konstan</a:t>
+            </a:r>
+            <a:endParaRPr lang="en-US" sz="1000" dirty="0">
+              <a:latin typeface="Poppins" panose="00000500000000000000" pitchFamily="2" charset="0"/>
+              <a:cs typeface="Poppins" panose="00000500000000000000" pitchFamily="2" charset="0"/>
+            </a:endParaRPr>
+          </a:p>
+          <a:p>
+            <a:pPr marL="171450" indent="-171450">
+              <a:buFontTx/>
+              <a:buChar char="-"/>
+            </a:pPr>
+            <a:r>
+              <a:rPr lang="en-US" sz="1000" dirty="0" err="1">
+                <a:latin typeface="Poppins" panose="00000500000000000000" pitchFamily="2" charset="0"/>
+                <a:cs typeface="Poppins" panose="00000500000000000000" pitchFamily="2" charset="0"/>
+              </a:rPr>
+              <a:t>Keseluruhan</a:t>
+            </a:r>
+            <a:r>
+              <a:rPr lang="en-US" sz="1000" dirty="0">
+                <a:latin typeface="Poppins" panose="00000500000000000000" pitchFamily="2" charset="0"/>
+                <a:cs typeface="Poppins" panose="00000500000000000000" pitchFamily="2" charset="0"/>
+              </a:rPr>
+              <a:t> array </a:t>
+            </a:r>
+            <a:r>
+              <a:rPr lang="en-US" sz="1000" dirty="0" err="1">
+                <a:latin typeface="Poppins" panose="00000500000000000000" pitchFamily="2" charset="0"/>
+                <a:cs typeface="Poppins" panose="00000500000000000000" pitchFamily="2" charset="0"/>
+              </a:rPr>
+              <a:t>berjalan</a:t>
+            </a:r>
+            <a:r>
+              <a:rPr lang="en-US" sz="1000" dirty="0">
                 <a:latin typeface="Poppins" panose="00000500000000000000" pitchFamily="2" charset="0"/>
                 <a:cs typeface="Poppins" panose="00000500000000000000" pitchFamily="2" charset="0"/>
               </a:rPr>
               <a:t> </a:t>
             </a:r>
             <a:r>
-              <a:rPr lang="en-US" sz="1000" i="1" dirty="0" err="1">
-                <a:latin typeface="Poppins" panose="00000500000000000000" pitchFamily="2" charset="0"/>
-                <a:cs typeface="Poppins" panose="00000500000000000000" pitchFamily="2" charset="0"/>
-              </a:rPr>
-              <a:t>atas</a:t>
-            </a:r>
-            <a:r>
-              <a:rPr lang="en-US" sz="1000" i="1" dirty="0">
+              <a:rPr lang="en-US" sz="1000" dirty="0" err="1">
+                <a:latin typeface="Poppins" panose="00000500000000000000" pitchFamily="2" charset="0"/>
+                <a:cs typeface="Poppins" panose="00000500000000000000" pitchFamily="2" charset="0"/>
+              </a:rPr>
+              <a:t>secara</a:t>
+            </a:r>
+            <a:r>
+              <a:rPr lang="en-US" sz="1000" dirty="0">
+                <a:latin typeface="Poppins" panose="00000500000000000000" pitchFamily="2" charset="0"/>
+                <a:cs typeface="Poppins" panose="00000500000000000000" pitchFamily="2" charset="0"/>
+              </a:rPr>
+              <a:t> linear</a:t>
+            </a:r>
+          </a:p>
+          <a:p>
+            <a:pPr marL="171450" indent="-171450">
+              <a:buFontTx/>
+              <a:buChar char="-"/>
+            </a:pPr>
+            <a:r>
+              <a:rPr lang="en-US" sz="1000" dirty="0">
+                <a:latin typeface="Poppins" panose="00000500000000000000" pitchFamily="2" charset="0"/>
+                <a:cs typeface="Poppins" panose="00000500000000000000" pitchFamily="2" charset="0"/>
+              </a:rPr>
+              <a:t>Array </a:t>
+            </a:r>
+            <a:r>
+              <a:rPr lang="en-US" sz="1000" dirty="0" err="1">
+                <a:latin typeface="Poppins" panose="00000500000000000000" pitchFamily="2" charset="0"/>
+                <a:cs typeface="Poppins" panose="00000500000000000000" pitchFamily="2" charset="0"/>
+              </a:rPr>
+              <a:t>selalu</a:t>
+            </a:r>
+            <a:r>
+              <a:rPr lang="en-US" sz="1000" dirty="0">
                 <a:latin typeface="Poppins" panose="00000500000000000000" pitchFamily="2" charset="0"/>
                 <a:cs typeface="Poppins" panose="00000500000000000000" pitchFamily="2" charset="0"/>
               </a:rPr>
               <a:t> </a:t>
             </a:r>
             <a:r>
-              <a:rPr lang="en-US" sz="1000" i="1" dirty="0" err="1">
-                <a:latin typeface="Poppins" panose="00000500000000000000" pitchFamily="2" charset="0"/>
-                <a:cs typeface="Poppins" panose="00000500000000000000" pitchFamily="2" charset="0"/>
-              </a:rPr>
-              <a:t>ke</a:t>
-            </a:r>
-            <a:r>
-              <a:rPr lang="en-US" sz="1000" i="1" dirty="0">
+              <a:rPr lang="en-US" sz="1000" dirty="0" err="1">
+                <a:latin typeface="Poppins" panose="00000500000000000000" pitchFamily="2" charset="0"/>
+                <a:cs typeface="Poppins" panose="00000500000000000000" pitchFamily="2" charset="0"/>
+              </a:rPr>
+              <a:t>disimpan</a:t>
+            </a:r>
+            <a:r>
+              <a:rPr lang="en-US" sz="1000" dirty="0">
                 <a:latin typeface="Poppins" panose="00000500000000000000" pitchFamily="2" charset="0"/>
                 <a:cs typeface="Poppins" panose="00000500000000000000" pitchFamily="2" charset="0"/>
               </a:rPr>
               <a:t> </a:t>
             </a:r>
             <a:r>
-              <a:rPr lang="en-US" sz="1000" i="1" dirty="0" err="1">
-                <a:latin typeface="Poppins" panose="00000500000000000000" pitchFamily="2" charset="0"/>
-                <a:cs typeface="Poppins" panose="00000500000000000000" pitchFamily="2" charset="0"/>
-              </a:rPr>
-              <a:t>bawah</a:t>
-            </a:r>
-            <a:r>
-              <a:rPr lang="en-US" sz="1000" i="1" dirty="0">
-                <a:latin typeface="Poppins" panose="00000500000000000000" pitchFamily="2" charset="0"/>
-                <a:cs typeface="Poppins" panose="00000500000000000000" pitchFamily="2" charset="0"/>
-              </a:rPr>
-              <a:t>”</a:t>
+              <a:rPr lang="en-US" sz="1000" dirty="0" err="1">
+                <a:latin typeface="Poppins" panose="00000500000000000000" pitchFamily="2" charset="0"/>
+                <a:cs typeface="Poppins" panose="00000500000000000000" pitchFamily="2" charset="0"/>
+              </a:rPr>
+              <a:t>secara</a:t>
+            </a:r>
+            <a:r>
+              <a:rPr lang="en-US" sz="1000" dirty="0">
+                <a:latin typeface="Poppins" panose="00000500000000000000" pitchFamily="2" charset="0"/>
+                <a:cs typeface="Poppins" panose="00000500000000000000" pitchFamily="2" charset="0"/>
+              </a:rPr>
+              <a:t> </a:t>
+            </a:r>
+            <a:r>
+              <a:rPr lang="en-US" sz="1000" dirty="0" err="1">
+                <a:latin typeface="Poppins" panose="00000500000000000000" pitchFamily="2" charset="0"/>
+                <a:cs typeface="Poppins" panose="00000500000000000000" pitchFamily="2" charset="0"/>
+              </a:rPr>
+              <a:t>berdampingan</a:t>
+            </a:r>
+            <a:endParaRPr lang="en-US" sz="1000" dirty="0">
+              <a:latin typeface="Poppins" panose="00000500000000000000" pitchFamily="2" charset="0"/>
+              <a:cs typeface="Poppins" panose="00000500000000000000" pitchFamily="2" charset="0"/>
+            </a:endParaRPr>
+          </a:p>
+          <a:p>
+            <a:pPr marL="171450" indent="-171450">
+              <a:buFontTx/>
+              <a:buChar char="-"/>
+            </a:pPr>
+            <a:r>
+              <a:rPr lang="en-US" sz="1000" dirty="0" err="1">
+                <a:latin typeface="Poppins" panose="00000500000000000000" pitchFamily="2" charset="0"/>
+                <a:cs typeface="Poppins" panose="00000500000000000000" pitchFamily="2" charset="0"/>
+              </a:rPr>
+              <a:t>Tipe</a:t>
+            </a:r>
+            <a:r>
+              <a:rPr lang="en-US" sz="1000" dirty="0">
+                <a:latin typeface="Poppins" panose="00000500000000000000" pitchFamily="2" charset="0"/>
+                <a:cs typeface="Poppins" panose="00000500000000000000" pitchFamily="2" charset="0"/>
+              </a:rPr>
+              <a:t> data </a:t>
+            </a:r>
+            <a:r>
+              <a:rPr lang="en-US" sz="1000" dirty="0" err="1">
+                <a:latin typeface="Poppins" panose="00000500000000000000" pitchFamily="2" charset="0"/>
+                <a:cs typeface="Poppins" panose="00000500000000000000" pitchFamily="2" charset="0"/>
+              </a:rPr>
+              <a:t>dalam</a:t>
+            </a:r>
+            <a:r>
+              <a:rPr lang="en-US" sz="1000" dirty="0">
+                <a:latin typeface="Poppins" panose="00000500000000000000" pitchFamily="2" charset="0"/>
+                <a:cs typeface="Poppins" panose="00000500000000000000" pitchFamily="2" charset="0"/>
+              </a:rPr>
+              <a:t> array </a:t>
+            </a:r>
+            <a:r>
+              <a:rPr lang="en-US" sz="1000" dirty="0" err="1">
+                <a:latin typeface="Poppins" panose="00000500000000000000" pitchFamily="2" charset="0"/>
+                <a:cs typeface="Poppins" panose="00000500000000000000" pitchFamily="2" charset="0"/>
+              </a:rPr>
+              <a:t>dapat</a:t>
+            </a:r>
+            <a:r>
+              <a:rPr lang="en-US" sz="1000" dirty="0">
+                <a:latin typeface="Poppins" panose="00000500000000000000" pitchFamily="2" charset="0"/>
+                <a:cs typeface="Poppins" panose="00000500000000000000" pitchFamily="2" charset="0"/>
+              </a:rPr>
+              <a:t> </a:t>
+            </a:r>
+            <a:r>
+              <a:rPr lang="en-US" sz="1000" dirty="0" err="1">
+                <a:latin typeface="Poppins" panose="00000500000000000000" pitchFamily="2" charset="0"/>
+                <a:cs typeface="Poppins" panose="00000500000000000000" pitchFamily="2" charset="0"/>
+              </a:rPr>
+              <a:t>dicampur</a:t>
+            </a:r>
+            <a:r>
+              <a:rPr lang="en-US" sz="1000" dirty="0">
+                <a:latin typeface="Poppins" panose="00000500000000000000" pitchFamily="2" charset="0"/>
+                <a:cs typeface="Poppins" panose="00000500000000000000" pitchFamily="2" charset="0"/>
+              </a:rPr>
+              <a:t> </a:t>
+            </a:r>
+            <a:r>
+              <a:rPr lang="en-US" sz="1000" dirty="0" err="1">
+                <a:latin typeface="Poppins" panose="00000500000000000000" pitchFamily="2" charset="0"/>
+                <a:cs typeface="Poppins" panose="00000500000000000000" pitchFamily="2" charset="0"/>
+              </a:rPr>
+              <a:t>atau</a:t>
+            </a:r>
+            <a:r>
+              <a:rPr lang="en-US" sz="1000" dirty="0">
+                <a:latin typeface="Poppins" panose="00000500000000000000" pitchFamily="2" charset="0"/>
+                <a:cs typeface="Poppins" panose="00000500000000000000" pitchFamily="2" charset="0"/>
+              </a:rPr>
+              <a:t> </a:t>
+            </a:r>
+            <a:r>
+              <a:rPr lang="en-US" sz="1000" dirty="0" err="1">
+                <a:latin typeface="Poppins" panose="00000500000000000000" pitchFamily="2" charset="0"/>
+                <a:cs typeface="Poppins" panose="00000500000000000000" pitchFamily="2" charset="0"/>
+              </a:rPr>
+              <a:t>satu</a:t>
+            </a:r>
+            <a:r>
+              <a:rPr lang="en-US" sz="1000" dirty="0">
+                <a:latin typeface="Poppins" panose="00000500000000000000" pitchFamily="2" charset="0"/>
+                <a:cs typeface="Poppins" panose="00000500000000000000" pitchFamily="2" charset="0"/>
+              </a:rPr>
+              <a:t> </a:t>
+            </a:r>
+            <a:r>
+              <a:rPr lang="en-US" sz="1000" dirty="0" err="1">
+                <a:latin typeface="Poppins" panose="00000500000000000000" pitchFamily="2" charset="0"/>
+                <a:cs typeface="Poppins" panose="00000500000000000000" pitchFamily="2" charset="0"/>
+              </a:rPr>
+              <a:t>tipe</a:t>
+            </a:r>
+            <a:r>
+              <a:rPr lang="en-US" sz="1000" dirty="0">
+                <a:latin typeface="Poppins" panose="00000500000000000000" pitchFamily="2" charset="0"/>
+                <a:cs typeface="Poppins" panose="00000500000000000000" pitchFamily="2" charset="0"/>
+              </a:rPr>
+              <a:t> </a:t>
+            </a:r>
+            <a:r>
+              <a:rPr lang="en-US" sz="1000" dirty="0" err="1">
+                <a:latin typeface="Poppins" panose="00000500000000000000" pitchFamily="2" charset="0"/>
+                <a:cs typeface="Poppins" panose="00000500000000000000" pitchFamily="2" charset="0"/>
+              </a:rPr>
+              <a:t>saja</a:t>
+            </a:r>
+            <a:endParaRPr lang="en-US" sz="1000" dirty="0">
+              <a:latin typeface="Poppins" panose="00000500000000000000" pitchFamily="2" charset="0"/>
+              <a:cs typeface="Poppins" panose="00000500000000000000" pitchFamily="2" charset="0"/>
+            </a:endParaRPr>
+          </a:p>
+        </p:txBody>
+      </p:sp>
+      <p:sp>
+        <p:nvSpPr>
+          <p:cNvPr id="42" name="TextBox 41">
+            <a:extLst>
+              <a:ext uri="{FF2B5EF4-FFF2-40B4-BE49-F238E27FC236}">
+                <a16:creationId xmlns:a16="http://schemas.microsoft.com/office/drawing/2014/main" id="{F7D8921D-A360-493C-9E29-DD366F3525B3}"/>
+              </a:ext>
+            </a:extLst>
+          </p:cNvPr>
+          <p:cNvSpPr txBox="1"/>
+          <p:nvPr/>
+        </p:nvSpPr>
+        <p:spPr>
+          <a:xfrm>
+            <a:off x="6917309" y="425084"/>
+            <a:ext cx="1414170" cy="338554"/>
+          </a:xfrm>
+          <a:prstGeom prst="rect">
+            <a:avLst/>
+          </a:prstGeom>
+          <a:noFill/>
+        </p:spPr>
+        <p:txBody>
+          <a:bodyPr wrap="none" rtlCol="0">
+            <a:spAutoFit/>
+          </a:bodyPr>
+          <a:lstStyle/>
+          <a:p>
+            <a:r>
+              <a:rPr lang="en-US" sz="1600" dirty="0">
+                <a:latin typeface="Poppins" panose="00000500000000000000" pitchFamily="2" charset="0"/>
+                <a:cs typeface="Poppins" panose="00000500000000000000" pitchFamily="2" charset="0"/>
+              </a:rPr>
+              <a:t>Object (set)</a:t>
+            </a:r>
+          </a:p>
+        </p:txBody>
+      </p:sp>
+      <p:pic>
+        <p:nvPicPr>
+          <p:cNvPr id="44" name="Picture 2" descr="Cat - Free animals icons">
+            <a:extLst>
+              <a:ext uri="{FF2B5EF4-FFF2-40B4-BE49-F238E27FC236}">
+                <a16:creationId xmlns:a16="http://schemas.microsoft.com/office/drawing/2014/main" id="{B7EBC0E6-91AB-420D-BEA0-D8B76FCD6EDA}"/>
+              </a:ext>
+            </a:extLst>
+          </p:cNvPr>
+          <p:cNvPicPr>
+            <a:picLocks noChangeAspect="1" noChangeArrowheads="1"/>
+          </p:cNvPicPr>
+          <p:nvPr/>
+        </p:nvPicPr>
+        <p:blipFill>
+          <a:blip r:embed="rId2">
+            <a:extLst>
+              <a:ext uri="{28A0092B-C50C-407E-A947-70E740481C1C}">
+                <a14:useLocalDpi xmlns:a14="http://schemas.microsoft.com/office/drawing/2010/main" val="0"/>
+              </a:ext>
+            </a:extLst>
+          </a:blip>
+          <a:srcRect/>
+          <a:stretch>
+            <a:fillRect/>
+          </a:stretch>
+        </p:blipFill>
+        <p:spPr bwMode="auto">
+          <a:xfrm>
+            <a:off x="7585367" y="1738928"/>
+            <a:ext cx="320639" cy="320639"/>
+          </a:xfrm>
+          <a:prstGeom prst="rect">
+            <a:avLst/>
+          </a:prstGeom>
+          <a:noFill/>
+          <a:extLst>
+            <a:ext uri="{909E8E84-426E-40DD-AFC4-6F175D3DCCD1}">
+              <a14:hiddenFill xmlns:a14="http://schemas.microsoft.com/office/drawing/2010/main">
+                <a:solidFill>
+                  <a:srgbClr val="FFFFFF"/>
+                </a:solidFill>
+              </a14:hiddenFill>
+            </a:ext>
+          </a:extLst>
+        </p:spPr>
+      </p:pic>
+      <p:sp>
+        <p:nvSpPr>
+          <p:cNvPr id="45" name="TextBox 44">
+            <a:extLst>
+              <a:ext uri="{FF2B5EF4-FFF2-40B4-BE49-F238E27FC236}">
+                <a16:creationId xmlns:a16="http://schemas.microsoft.com/office/drawing/2014/main" id="{E51281D7-4592-4925-9D8A-B9A088FFEB66}"/>
+              </a:ext>
+            </a:extLst>
+          </p:cNvPr>
+          <p:cNvSpPr txBox="1"/>
+          <p:nvPr/>
+        </p:nvSpPr>
+        <p:spPr>
+          <a:xfrm>
+            <a:off x="8021613" y="1776136"/>
+            <a:ext cx="277640" cy="246221"/>
+          </a:xfrm>
+          <a:prstGeom prst="rect">
+            <a:avLst/>
+          </a:prstGeom>
+          <a:noFill/>
+        </p:spPr>
+        <p:txBody>
+          <a:bodyPr wrap="none" rtlCol="0">
+            <a:spAutoFit/>
+          </a:bodyPr>
+          <a:lstStyle/>
+          <a:p>
+            <a:r>
+              <a:rPr lang="en-US" sz="1000" dirty="0">
+                <a:latin typeface="Poppins" panose="00000500000000000000" pitchFamily="2" charset="0"/>
+                <a:cs typeface="Poppins" panose="00000500000000000000" pitchFamily="2" charset="0"/>
+              </a:rPr>
+              <a:t>=</a:t>
+            </a:r>
+          </a:p>
+        </p:txBody>
+      </p:sp>
+      <p:sp>
+        <p:nvSpPr>
+          <p:cNvPr id="46" name="TextBox 45">
+            <a:extLst>
+              <a:ext uri="{FF2B5EF4-FFF2-40B4-BE49-F238E27FC236}">
+                <a16:creationId xmlns:a16="http://schemas.microsoft.com/office/drawing/2014/main" id="{FFEC9A44-EB8E-4058-97EB-7748F091ABA2}"/>
+              </a:ext>
+            </a:extLst>
+          </p:cNvPr>
+          <p:cNvSpPr txBox="1"/>
+          <p:nvPr/>
+        </p:nvSpPr>
+        <p:spPr>
+          <a:xfrm>
+            <a:off x="8414860" y="1776136"/>
+            <a:ext cx="1524087" cy="553998"/>
+          </a:xfrm>
+          <a:prstGeom prst="rect">
+            <a:avLst/>
+          </a:prstGeom>
+          <a:noFill/>
+        </p:spPr>
+        <p:txBody>
+          <a:bodyPr wrap="square" rtlCol="0">
+            <a:spAutoFit/>
+          </a:bodyPr>
+          <a:lstStyle/>
+          <a:p>
+            <a:r>
+              <a:rPr lang="en-US" sz="1000" dirty="0" err="1">
+                <a:latin typeface="Poppins" panose="00000500000000000000" pitchFamily="2" charset="0"/>
+                <a:cs typeface="Poppins" panose="00000500000000000000" pitchFamily="2" charset="0"/>
+              </a:rPr>
+              <a:t>tipe</a:t>
+            </a:r>
+            <a:r>
+              <a:rPr lang="en-US" sz="1000" dirty="0">
+                <a:latin typeface="Poppins" panose="00000500000000000000" pitchFamily="2" charset="0"/>
+                <a:cs typeface="Poppins" panose="00000500000000000000" pitchFamily="2" charset="0"/>
+              </a:rPr>
+              <a:t> : angora</a:t>
+            </a:r>
+          </a:p>
+          <a:p>
+            <a:r>
+              <a:rPr lang="en-US" sz="1000" dirty="0" err="1">
+                <a:latin typeface="Poppins" panose="00000500000000000000" pitchFamily="2" charset="0"/>
+                <a:cs typeface="Poppins" panose="00000500000000000000" pitchFamily="2" charset="0"/>
+              </a:rPr>
+              <a:t>nama</a:t>
+            </a:r>
+            <a:r>
+              <a:rPr lang="en-US" sz="1000" dirty="0">
+                <a:latin typeface="Poppins" panose="00000500000000000000" pitchFamily="2" charset="0"/>
+                <a:cs typeface="Poppins" panose="00000500000000000000" pitchFamily="2" charset="0"/>
+              </a:rPr>
+              <a:t> : </a:t>
+            </a:r>
+            <a:r>
+              <a:rPr lang="en-US" sz="1000" dirty="0" err="1">
+                <a:latin typeface="Poppins" panose="00000500000000000000" pitchFamily="2" charset="0"/>
+                <a:cs typeface="Poppins" panose="00000500000000000000" pitchFamily="2" charset="0"/>
+              </a:rPr>
+              <a:t>kucing</a:t>
+            </a:r>
+            <a:endParaRPr lang="en-US" sz="1000" dirty="0">
+              <a:latin typeface="Poppins" panose="00000500000000000000" pitchFamily="2" charset="0"/>
+              <a:cs typeface="Poppins" panose="00000500000000000000" pitchFamily="2" charset="0"/>
+            </a:endParaRPr>
+          </a:p>
+          <a:p>
+            <a:r>
+              <a:rPr lang="en-US" sz="1000" dirty="0" err="1">
+                <a:latin typeface="Poppins" panose="00000500000000000000" pitchFamily="2" charset="0"/>
+                <a:cs typeface="Poppins" panose="00000500000000000000" pitchFamily="2" charset="0"/>
+              </a:rPr>
+              <a:t>makanan</a:t>
+            </a:r>
+            <a:r>
+              <a:rPr lang="en-US" sz="1000" dirty="0">
+                <a:latin typeface="Poppins" panose="00000500000000000000" pitchFamily="2" charset="0"/>
+                <a:cs typeface="Poppins" panose="00000500000000000000" pitchFamily="2" charset="0"/>
+              </a:rPr>
+              <a:t> : </a:t>
+            </a:r>
+            <a:r>
+              <a:rPr lang="en-US" sz="1000" dirty="0" err="1">
+                <a:latin typeface="Poppins" panose="00000500000000000000" pitchFamily="2" charset="0"/>
+                <a:cs typeface="Poppins" panose="00000500000000000000" pitchFamily="2" charset="0"/>
+              </a:rPr>
+              <a:t>whiskas</a:t>
+            </a:r>
+            <a:endParaRPr lang="en-US" sz="1000" dirty="0">
+              <a:latin typeface="Poppins" panose="00000500000000000000" pitchFamily="2" charset="0"/>
+              <a:cs typeface="Poppins" panose="00000500000000000000" pitchFamily="2" charset="0"/>
+            </a:endParaRPr>
+          </a:p>
+        </p:txBody>
+      </p:sp>
+      <p:sp>
+        <p:nvSpPr>
+          <p:cNvPr id="47" name="TextBox 46">
+            <a:extLst>
+              <a:ext uri="{FF2B5EF4-FFF2-40B4-BE49-F238E27FC236}">
+                <a16:creationId xmlns:a16="http://schemas.microsoft.com/office/drawing/2014/main" id="{26B44EA0-B918-49C0-A00E-DACB10C92F72}"/>
+              </a:ext>
+            </a:extLst>
+          </p:cNvPr>
+          <p:cNvSpPr txBox="1"/>
+          <p:nvPr/>
+        </p:nvSpPr>
+        <p:spPr>
+          <a:xfrm>
+            <a:off x="7021867" y="3333364"/>
+            <a:ext cx="4118435" cy="400110"/>
+          </a:xfrm>
+          <a:prstGeom prst="rect">
+            <a:avLst/>
+          </a:prstGeom>
+          <a:noFill/>
+        </p:spPr>
+        <p:txBody>
+          <a:bodyPr wrap="none" rtlCol="0">
+            <a:spAutoFit/>
+          </a:bodyPr>
+          <a:lstStyle/>
+          <a:p>
+            <a:pPr marL="171450" indent="-171450">
+              <a:buFontTx/>
+              <a:buChar char="-"/>
+            </a:pPr>
+            <a:r>
+              <a:rPr lang="en-US" sz="1000" dirty="0" err="1">
+                <a:latin typeface="Poppins" panose="00000500000000000000" pitchFamily="2" charset="0"/>
+                <a:cs typeface="Poppins" panose="00000500000000000000" pitchFamily="2" charset="0"/>
+              </a:rPr>
+              <a:t>Tipe</a:t>
+            </a:r>
+            <a:r>
+              <a:rPr lang="en-US" sz="1000" dirty="0">
+                <a:latin typeface="Poppins" panose="00000500000000000000" pitchFamily="2" charset="0"/>
+                <a:cs typeface="Poppins" panose="00000500000000000000" pitchFamily="2" charset="0"/>
+              </a:rPr>
+              <a:t> data object </a:t>
+            </a:r>
+            <a:r>
+              <a:rPr lang="en-US" sz="1000" dirty="0" err="1">
+                <a:latin typeface="Poppins" panose="00000500000000000000" pitchFamily="2" charset="0"/>
+                <a:cs typeface="Poppins" panose="00000500000000000000" pitchFamily="2" charset="0"/>
+              </a:rPr>
+              <a:t>identik</a:t>
+            </a:r>
+            <a:r>
+              <a:rPr lang="en-US" sz="1000" dirty="0">
+                <a:latin typeface="Poppins" panose="00000500000000000000" pitchFamily="2" charset="0"/>
+                <a:cs typeface="Poppins" panose="00000500000000000000" pitchFamily="2" charset="0"/>
+              </a:rPr>
+              <a:t> </a:t>
+            </a:r>
+            <a:r>
+              <a:rPr lang="en-US" sz="1000" dirty="0" err="1">
+                <a:latin typeface="Poppins" panose="00000500000000000000" pitchFamily="2" charset="0"/>
+                <a:cs typeface="Poppins" panose="00000500000000000000" pitchFamily="2" charset="0"/>
+              </a:rPr>
+              <a:t>dengan</a:t>
+            </a:r>
+            <a:r>
+              <a:rPr lang="en-US" sz="1000" dirty="0">
+                <a:latin typeface="Poppins" panose="00000500000000000000" pitchFamily="2" charset="0"/>
+                <a:cs typeface="Poppins" panose="00000500000000000000" pitchFamily="2" charset="0"/>
+              </a:rPr>
+              <a:t> key dan value</a:t>
+            </a:r>
+          </a:p>
+          <a:p>
+            <a:pPr marL="171450" indent="-171450">
+              <a:buFontTx/>
+              <a:buChar char="-"/>
+            </a:pPr>
+            <a:r>
+              <a:rPr lang="en-US" sz="1000" dirty="0" err="1">
+                <a:latin typeface="Poppins" panose="00000500000000000000" pitchFamily="2" charset="0"/>
+                <a:cs typeface="Poppins" panose="00000500000000000000" pitchFamily="2" charset="0"/>
+              </a:rPr>
+              <a:t>Tipe</a:t>
+            </a:r>
+            <a:r>
+              <a:rPr lang="en-US" sz="1000" dirty="0">
+                <a:latin typeface="Poppins" panose="00000500000000000000" pitchFamily="2" charset="0"/>
+                <a:cs typeface="Poppins" panose="00000500000000000000" pitchFamily="2" charset="0"/>
+              </a:rPr>
+              <a:t> data value object </a:t>
+            </a:r>
+            <a:r>
+              <a:rPr lang="en-US" sz="1000" dirty="0" err="1">
+                <a:latin typeface="Poppins" panose="00000500000000000000" pitchFamily="2" charset="0"/>
+                <a:cs typeface="Poppins" panose="00000500000000000000" pitchFamily="2" charset="0"/>
+              </a:rPr>
+              <a:t>dapat</a:t>
+            </a:r>
+            <a:r>
+              <a:rPr lang="en-US" sz="1000" dirty="0">
+                <a:latin typeface="Poppins" panose="00000500000000000000" pitchFamily="2" charset="0"/>
+                <a:cs typeface="Poppins" panose="00000500000000000000" pitchFamily="2" charset="0"/>
+              </a:rPr>
+              <a:t> </a:t>
+            </a:r>
+            <a:r>
+              <a:rPr lang="en-US" sz="1000" dirty="0" err="1">
+                <a:latin typeface="Poppins" panose="00000500000000000000" pitchFamily="2" charset="0"/>
+                <a:cs typeface="Poppins" panose="00000500000000000000" pitchFamily="2" charset="0"/>
+              </a:rPr>
+              <a:t>dicampur</a:t>
+            </a:r>
+            <a:r>
+              <a:rPr lang="en-US" sz="1000" dirty="0">
+                <a:latin typeface="Poppins" panose="00000500000000000000" pitchFamily="2" charset="0"/>
+                <a:cs typeface="Poppins" panose="00000500000000000000" pitchFamily="2" charset="0"/>
+              </a:rPr>
+              <a:t> </a:t>
+            </a:r>
+            <a:r>
+              <a:rPr lang="en-US" sz="1000" dirty="0" err="1">
+                <a:latin typeface="Poppins" panose="00000500000000000000" pitchFamily="2" charset="0"/>
+                <a:cs typeface="Poppins" panose="00000500000000000000" pitchFamily="2" charset="0"/>
+              </a:rPr>
+              <a:t>atau</a:t>
+            </a:r>
+            <a:r>
+              <a:rPr lang="en-US" sz="1000" dirty="0">
+                <a:latin typeface="Poppins" panose="00000500000000000000" pitchFamily="2" charset="0"/>
+                <a:cs typeface="Poppins" panose="00000500000000000000" pitchFamily="2" charset="0"/>
+              </a:rPr>
+              <a:t> </a:t>
+            </a:r>
+            <a:r>
+              <a:rPr lang="en-US" sz="1000" dirty="0" err="1">
+                <a:latin typeface="Poppins" panose="00000500000000000000" pitchFamily="2" charset="0"/>
+                <a:cs typeface="Poppins" panose="00000500000000000000" pitchFamily="2" charset="0"/>
+              </a:rPr>
+              <a:t>satu</a:t>
+            </a:r>
+            <a:r>
+              <a:rPr lang="en-US" sz="1000" dirty="0">
+                <a:latin typeface="Poppins" panose="00000500000000000000" pitchFamily="2" charset="0"/>
+                <a:cs typeface="Poppins" panose="00000500000000000000" pitchFamily="2" charset="0"/>
+              </a:rPr>
+              <a:t> </a:t>
+            </a:r>
+            <a:r>
+              <a:rPr lang="en-US" sz="1000" dirty="0" err="1">
+                <a:latin typeface="Poppins" panose="00000500000000000000" pitchFamily="2" charset="0"/>
+                <a:cs typeface="Poppins" panose="00000500000000000000" pitchFamily="2" charset="0"/>
+              </a:rPr>
+              <a:t>tipe</a:t>
+            </a:r>
+            <a:r>
+              <a:rPr lang="en-US" sz="1000" dirty="0">
+                <a:latin typeface="Poppins" panose="00000500000000000000" pitchFamily="2" charset="0"/>
+                <a:cs typeface="Poppins" panose="00000500000000000000" pitchFamily="2" charset="0"/>
+              </a:rPr>
+              <a:t> </a:t>
+            </a:r>
+            <a:r>
+              <a:rPr lang="en-US" sz="1000" dirty="0" err="1">
+                <a:latin typeface="Poppins" panose="00000500000000000000" pitchFamily="2" charset="0"/>
+                <a:cs typeface="Poppins" panose="00000500000000000000" pitchFamily="2" charset="0"/>
+              </a:rPr>
+              <a:t>saja</a:t>
+            </a:r>
+            <a:endParaRPr lang="en-US" sz="1000" dirty="0">
+              <a:latin typeface="Poppins" panose="00000500000000000000" pitchFamily="2" charset="0"/>
+              <a:cs typeface="Poppins" panose="00000500000000000000" pitchFamily="2" charset="0"/>
+            </a:endParaRPr>
+          </a:p>
+        </p:txBody>
+      </p:sp>
+      <p:cxnSp>
+        <p:nvCxnSpPr>
+          <p:cNvPr id="48" name="Straight Connector 47">
+            <a:extLst>
+              <a:ext uri="{FF2B5EF4-FFF2-40B4-BE49-F238E27FC236}">
+                <a16:creationId xmlns:a16="http://schemas.microsoft.com/office/drawing/2014/main" id="{0221A388-F1AA-460D-9286-B18E71CFDB0E}"/>
+              </a:ext>
+            </a:extLst>
+          </p:cNvPr>
+          <p:cNvCxnSpPr>
+            <a:cxnSpLocks/>
+          </p:cNvCxnSpPr>
+          <p:nvPr/>
+        </p:nvCxnSpPr>
+        <p:spPr>
+          <a:xfrm flipH="1">
+            <a:off x="7335327" y="1917838"/>
+            <a:ext cx="1079534" cy="518613"/>
+          </a:xfrm>
+          <a:prstGeom prst="line">
+            <a:avLst/>
+          </a:prstGeom>
+          <a:ln>
+            <a:solidFill>
+              <a:srgbClr val="FF0000"/>
+            </a:solidFill>
+          </a:ln>
+        </p:spPr>
+        <p:style>
+          <a:lnRef idx="1">
+            <a:schemeClr val="accent6"/>
+          </a:lnRef>
+          <a:fillRef idx="0">
+            <a:schemeClr val="accent6"/>
+          </a:fillRef>
+          <a:effectRef idx="0">
+            <a:schemeClr val="accent6"/>
+          </a:effectRef>
+          <a:fontRef idx="minor">
+            <a:schemeClr val="tx1"/>
+          </a:fontRef>
+        </p:style>
+      </p:cxnSp>
+      <p:cxnSp>
+        <p:nvCxnSpPr>
+          <p:cNvPr id="51" name="Straight Connector 50">
+            <a:extLst>
+              <a:ext uri="{FF2B5EF4-FFF2-40B4-BE49-F238E27FC236}">
+                <a16:creationId xmlns:a16="http://schemas.microsoft.com/office/drawing/2014/main" id="{EECC64C6-7E31-4CB1-A286-CFB04B858F4A}"/>
+              </a:ext>
+            </a:extLst>
+          </p:cNvPr>
+          <p:cNvCxnSpPr>
+            <a:cxnSpLocks/>
+          </p:cNvCxnSpPr>
+          <p:nvPr/>
+        </p:nvCxnSpPr>
+        <p:spPr>
+          <a:xfrm flipH="1" flipV="1">
+            <a:off x="9399180" y="1898413"/>
+            <a:ext cx="1132571" cy="538038"/>
+          </a:xfrm>
+          <a:prstGeom prst="line">
+            <a:avLst/>
+          </a:prstGeom>
+          <a:ln>
+            <a:solidFill>
+              <a:srgbClr val="FF0000"/>
+            </a:solidFill>
+          </a:ln>
+        </p:spPr>
+        <p:style>
+          <a:lnRef idx="1">
+            <a:schemeClr val="accent6"/>
+          </a:lnRef>
+          <a:fillRef idx="0">
+            <a:schemeClr val="accent6"/>
+          </a:fillRef>
+          <a:effectRef idx="0">
+            <a:schemeClr val="accent6"/>
+          </a:effectRef>
+          <a:fontRef idx="minor">
+            <a:schemeClr val="tx1"/>
+          </a:fontRef>
+        </p:style>
+      </p:cxnSp>
+      <p:sp>
+        <p:nvSpPr>
+          <p:cNvPr id="53" name="TextBox 52">
+            <a:extLst>
+              <a:ext uri="{FF2B5EF4-FFF2-40B4-BE49-F238E27FC236}">
+                <a16:creationId xmlns:a16="http://schemas.microsoft.com/office/drawing/2014/main" id="{54716682-63BD-4EF1-978F-1EC032ADE44F}"/>
+              </a:ext>
+            </a:extLst>
+          </p:cNvPr>
+          <p:cNvSpPr txBox="1"/>
+          <p:nvPr/>
+        </p:nvSpPr>
+        <p:spPr>
+          <a:xfrm>
+            <a:off x="10317706" y="2446690"/>
+            <a:ext cx="579805" cy="246221"/>
+          </a:xfrm>
+          <a:prstGeom prst="rect">
+            <a:avLst/>
+          </a:prstGeom>
+          <a:noFill/>
+        </p:spPr>
+        <p:txBody>
+          <a:bodyPr wrap="square" rtlCol="0">
+            <a:spAutoFit/>
+          </a:bodyPr>
+          <a:lstStyle/>
+          <a:p>
+            <a:r>
+              <a:rPr lang="en-US" sz="1000" dirty="0">
+                <a:latin typeface="Poppins" panose="00000500000000000000" pitchFamily="2" charset="0"/>
+                <a:cs typeface="Poppins" panose="00000500000000000000" pitchFamily="2" charset="0"/>
+              </a:rPr>
+              <a:t>Value</a:t>
             </a:r>
           </a:p>
         </p:txBody>
@@ -9209,7 +11726,7 @@
     </p:spTree>
     <p:extLst>
       <p:ext uri="{BB962C8B-B14F-4D97-AF65-F5344CB8AC3E}">
-        <p14:creationId xmlns:p14="http://schemas.microsoft.com/office/powerpoint/2010/main" val="3368319232"/>
+        <p14:creationId xmlns:p14="http://schemas.microsoft.com/office/powerpoint/2010/main" val="1440723082"/>
       </p:ext>
     </p:extLst>
   </p:cSld>
